--- a/Dom/HTML DOM（css，event）.pptx
+++ b/Dom/HTML DOM（css，event）.pptx
@@ -13,10 +13,15 @@
     <p:sldId id="267" r:id="rId7"/>
     <p:sldId id="268" r:id="rId8"/>
     <p:sldId id="266" r:id="rId9"/>
-    <p:sldId id="265" r:id="rId10"/>
-    <p:sldId id="261" r:id="rId11"/>
-    <p:sldId id="262" r:id="rId12"/>
-    <p:sldId id="263" r:id="rId13"/>
+    <p:sldId id="261" r:id="rId10"/>
+    <p:sldId id="271" r:id="rId11"/>
+    <p:sldId id="272" r:id="rId12"/>
+    <p:sldId id="265" r:id="rId13"/>
+    <p:sldId id="269" r:id="rId14"/>
+    <p:sldId id="270" r:id="rId15"/>
+    <p:sldId id="262" r:id="rId16"/>
+    <p:sldId id="263" r:id="rId17"/>
+    <p:sldId id="273" r:id="rId18"/>
   </p:sldIdLst>
   <p:sldSz cx="9144000" cy="6858000" type="screen4x3"/>
   <p:notesSz cx="6858000" cy="9144000"/>
@@ -363,7 +368,7 @@
           <a:p>
             <a:fld id="{D4A8AA65-8033-45FA-BC42-0F5737EC2083}" type="datetimeFigureOut">
               <a:rPr lang="zh-CN" altLang="en-US" smtClean="0"/>
-              <a:t>2015-10-13</a:t>
+              <a:t>2015-10-19</a:t>
             </a:fld>
             <a:endParaRPr lang="zh-CN" altLang="en-US"/>
           </a:p>
@@ -528,7 +533,7 @@
           <a:p>
             <a:fld id="{D4A8AA65-8033-45FA-BC42-0F5737EC2083}" type="datetimeFigureOut">
               <a:rPr lang="zh-CN" altLang="en-US" smtClean="0"/>
-              <a:t>2015-10-13</a:t>
+              <a:t>2015-10-19</a:t>
             </a:fld>
             <a:endParaRPr lang="zh-CN" altLang="en-US"/>
           </a:p>
@@ -767,7 +772,7 @@
           <a:p>
             <a:fld id="{D4A8AA65-8033-45FA-BC42-0F5737EC2083}" type="datetimeFigureOut">
               <a:rPr lang="zh-CN" altLang="en-US" smtClean="0"/>
-              <a:t>2015-10-13</a:t>
+              <a:t>2015-10-19</a:t>
             </a:fld>
             <a:endParaRPr lang="zh-CN" altLang="en-US"/>
           </a:p>
@@ -1001,7 +1006,7 @@
           <a:p>
             <a:fld id="{D4A8AA65-8033-45FA-BC42-0F5737EC2083}" type="datetimeFigureOut">
               <a:rPr lang="zh-CN" altLang="en-US" smtClean="0"/>
-              <a:t>2015-10-13</a:t>
+              <a:t>2015-10-19</a:t>
             </a:fld>
             <a:endParaRPr lang="zh-CN" altLang="en-US"/>
           </a:p>
@@ -1340,7 +1345,7 @@
           <a:p>
             <a:fld id="{D4A8AA65-8033-45FA-BC42-0F5737EC2083}" type="datetimeFigureOut">
               <a:rPr lang="zh-CN" altLang="en-US" smtClean="0"/>
-              <a:t>2015-10-13</a:t>
+              <a:t>2015-10-19</a:t>
             </a:fld>
             <a:endParaRPr lang="zh-CN" altLang="en-US"/>
           </a:p>
@@ -1687,7 +1692,7 @@
           <a:p>
             <a:fld id="{D4A8AA65-8033-45FA-BC42-0F5737EC2083}" type="datetimeFigureOut">
               <a:rPr lang="zh-CN" altLang="en-US" smtClean="0"/>
-              <a:t>2015-10-13</a:t>
+              <a:t>2015-10-19</a:t>
             </a:fld>
             <a:endParaRPr lang="zh-CN" altLang="en-US"/>
           </a:p>
@@ -2248,7 +2253,7 @@
           <a:p>
             <a:fld id="{D4A8AA65-8033-45FA-BC42-0F5737EC2083}" type="datetimeFigureOut">
               <a:rPr lang="zh-CN" altLang="en-US" smtClean="0"/>
-              <a:t>2015-10-13</a:t>
+              <a:t>2015-10-19</a:t>
             </a:fld>
             <a:endParaRPr lang="zh-CN" altLang="en-US"/>
           </a:p>
@@ -2425,7 +2430,7 @@
           <a:p>
             <a:fld id="{D4A8AA65-8033-45FA-BC42-0F5737EC2083}" type="datetimeFigureOut">
               <a:rPr lang="zh-CN" altLang="en-US" smtClean="0"/>
-              <a:t>2015-10-13</a:t>
+              <a:t>2015-10-19</a:t>
             </a:fld>
             <a:endParaRPr lang="zh-CN" altLang="en-US"/>
           </a:p>
@@ -2520,7 +2525,7 @@
           <a:p>
             <a:fld id="{D4A8AA65-8033-45FA-BC42-0F5737EC2083}" type="datetimeFigureOut">
               <a:rPr lang="zh-CN" altLang="en-US" smtClean="0"/>
-              <a:t>2015-10-13</a:t>
+              <a:t>2015-10-19</a:t>
             </a:fld>
             <a:endParaRPr lang="zh-CN" altLang="en-US"/>
           </a:p>
@@ -2885,7 +2890,7 @@
           <a:p>
             <a:fld id="{D4A8AA65-8033-45FA-BC42-0F5737EC2083}" type="datetimeFigureOut">
               <a:rPr lang="zh-CN" altLang="en-US" smtClean="0"/>
-              <a:t>2015-10-13</a:t>
+              <a:t>2015-10-19</a:t>
             </a:fld>
             <a:endParaRPr lang="zh-CN" altLang="en-US"/>
           </a:p>
@@ -3229,7 +3234,7 @@
           <a:p>
             <a:fld id="{D4A8AA65-8033-45FA-BC42-0F5737EC2083}" type="datetimeFigureOut">
               <a:rPr lang="zh-CN" altLang="en-US" smtClean="0"/>
-              <a:t>2015-10-13</a:t>
+              <a:t>2015-10-19</a:t>
             </a:fld>
             <a:endParaRPr lang="zh-CN" altLang="en-US"/>
           </a:p>
@@ -3500,7 +3505,7 @@
           <a:p>
             <a:fld id="{D4A8AA65-8033-45FA-BC42-0F5737EC2083}" type="datetimeFigureOut">
               <a:rPr lang="zh-CN" altLang="en-US" smtClean="0"/>
-              <a:t>2015-10-13</a:t>
+              <a:t>2015-10-19</a:t>
             </a:fld>
             <a:endParaRPr lang="zh-CN" altLang="en-US"/>
           </a:p>
@@ -4124,7 +4129,7 @@
           <a:p>
             <a:r>
               <a:rPr lang="zh-CN" altLang="en-US" dirty="0" smtClean="0"/>
-              <a:t>事件</a:t>
+              <a:t>添加事件</a:t>
             </a:r>
             <a:endParaRPr lang="zh-CN" altLang="en-US" dirty="0"/>
           </a:p>
@@ -4140,21 +4145,21 @@
             <p:ph idx="1"/>
           </p:nvPr>
         </p:nvSpPr>
-        <p:spPr>
-          <a:xfrm>
-            <a:off x="251520" y="1600200"/>
-            <a:ext cx="8435280" cy="4997152"/>
-          </a:xfrm>
-        </p:spPr>
-        <p:txBody>
-          <a:bodyPr>
-            <a:normAutofit/>
-          </a:bodyPr>
-          <a:lstStyle/>
-          <a:p>
+        <p:spPr/>
+        <p:txBody>
+          <a:bodyPr/>
+          <a:lstStyle/>
+          <a:p>
+            <a:pPr marL="0" indent="0">
+              <a:buNone/>
+            </a:pPr>
+            <a:r>
+              <a:rPr lang="en-US" altLang="zh-CN" dirty="0" smtClean="0"/>
+              <a:t>1.</a:t>
+            </a:r>
             <a:r>
               <a:rPr lang="zh-CN" altLang="en-US" dirty="0" smtClean="0"/>
-              <a:t>鼠标点击事件</a:t>
+              <a:t>行间事件</a:t>
             </a:r>
             <a:endParaRPr lang="en-US" altLang="zh-CN" dirty="0" smtClean="0"/>
           </a:p>
@@ -4162,110 +4167,443 @@
             <a:pPr marL="0" indent="0">
               <a:buNone/>
             </a:pPr>
+            <a:endParaRPr lang="en-US" altLang="zh-CN" dirty="0"/>
+          </a:p>
+          <a:p>
+            <a:pPr marL="0" indent="0">
+              <a:buNone/>
+            </a:pPr>
             <a:r>
               <a:rPr lang="en-US" altLang="zh-CN" dirty="0" smtClean="0"/>
-              <a:t>click</a:t>
-            </a:r>
-            <a:r>
-              <a:rPr lang="zh-CN" altLang="en-US" dirty="0"/>
-              <a:t>，</a:t>
+              <a:t>2.obj.on____ = function(){};</a:t>
+            </a:r>
+          </a:p>
+          <a:p>
+            <a:pPr marL="0" indent="0">
+              <a:buNone/>
+            </a:pPr>
+            <a:endParaRPr lang="en-US" altLang="zh-CN" dirty="0"/>
+          </a:p>
+          <a:p>
+            <a:pPr marL="0" indent="0">
+              <a:buNone/>
+            </a:pPr>
+            <a:r>
+              <a:rPr lang="en-US" altLang="zh-CN" dirty="0"/>
+              <a:t>3. </a:t>
+            </a:r>
+            <a:r>
+              <a:rPr lang="en-US" altLang="zh-CN" dirty="0" err="1" smtClean="0"/>
+              <a:t>obj.addEventListener</a:t>
+            </a:r>
+            <a:r>
+              <a:rPr lang="en-US" altLang="zh-CN" dirty="0" smtClean="0"/>
+              <a:t>(</a:t>
+            </a:r>
+            <a:r>
+              <a:rPr lang="en-US" altLang="zh-CN" dirty="0" err="1" smtClean="0"/>
+              <a:t>sEv,fn,false</a:t>
+            </a:r>
+            <a:r>
+              <a:rPr lang="en-US" altLang="zh-CN" dirty="0" smtClean="0"/>
+              <a:t>); ()</a:t>
+            </a:r>
+          </a:p>
+          <a:p>
+            <a:pPr marL="0" indent="0">
+              <a:buNone/>
+            </a:pPr>
+            <a:r>
+              <a:rPr lang="en-US" altLang="zh-CN" dirty="0"/>
+              <a:t>    </a:t>
             </a:r>
             <a:r>
               <a:rPr lang="en-US" altLang="zh-CN" dirty="0" err="1"/>
-              <a:t>mouseouver</a:t>
-            </a:r>
-            <a:r>
-              <a:rPr lang="zh-CN" altLang="en-US" dirty="0"/>
-              <a:t>，</a:t>
-            </a:r>
-            <a:r>
-              <a:rPr lang="en-US" altLang="zh-CN" dirty="0" err="1" smtClean="0"/>
-              <a:t>mouseout</a:t>
-            </a:r>
-            <a:r>
-              <a:rPr lang="zh-CN" altLang="en-US" dirty="0" smtClean="0"/>
-              <a:t>，</a:t>
-            </a:r>
-            <a:r>
-              <a:rPr lang="en-US" altLang="zh-CN" dirty="0" err="1" smtClean="0"/>
-              <a:t>mousemove</a:t>
-            </a:r>
-            <a:r>
-              <a:rPr lang="zh-CN" altLang="en-US" dirty="0"/>
-              <a:t>，</a:t>
-            </a:r>
-            <a:r>
-              <a:rPr lang="en-US" altLang="zh-CN" dirty="0" err="1" smtClean="0"/>
-              <a:t>mouseup</a:t>
-            </a:r>
-            <a:r>
-              <a:rPr lang="zh-CN" altLang="en-US" dirty="0"/>
-              <a:t>，</a:t>
+              <a:t>obj.attachEvent</a:t>
+            </a:r>
+            <a:r>
+              <a:rPr lang="en-US" altLang="zh-CN" dirty="0"/>
+              <a:t>("on"+</a:t>
             </a:r>
             <a:r>
               <a:rPr lang="en-US" altLang="zh-CN" dirty="0" err="1"/>
-              <a:t>mousedown</a:t>
-            </a:r>
-            <a:r>
-              <a:rPr lang="en-US" altLang="zh-CN" dirty="0" smtClean="0"/>
-              <a:t>…</a:t>
-            </a:r>
-          </a:p>
-          <a:p>
-            <a:r>
-              <a:rPr lang="zh-CN" altLang="en-US" dirty="0" smtClean="0"/>
-              <a:t>键盘事件</a:t>
+              <a:t>sEv,fn</a:t>
+            </a:r>
+            <a:r>
+              <a:rPr lang="en-US" altLang="zh-CN" dirty="0"/>
+              <a:t>);</a:t>
             </a:r>
             <a:endParaRPr lang="en-US" altLang="zh-CN" dirty="0" smtClean="0"/>
-          </a:p>
-          <a:p>
-            <a:pPr marL="457200" lvl="1" indent="0">
-              <a:buNone/>
-            </a:pPr>
-            <a:r>
-              <a:rPr lang="en-US" altLang="zh-CN" dirty="0" err="1" smtClean="0"/>
-              <a:t>keyup</a:t>
-            </a:r>
-            <a:r>
-              <a:rPr lang="zh-CN" altLang="en-US" dirty="0" smtClean="0"/>
-              <a:t>，</a:t>
-            </a:r>
-            <a:r>
-              <a:rPr lang="en-US" altLang="zh-CN" dirty="0" err="1" smtClean="0"/>
-              <a:t>keydown</a:t>
-            </a:r>
-            <a:endParaRPr lang="en-US" altLang="zh-CN" dirty="0" smtClean="0"/>
-          </a:p>
-          <a:p>
-            <a:r>
-              <a:rPr lang="zh-CN" altLang="en-US" dirty="0" smtClean="0"/>
-              <a:t>其他事件</a:t>
-            </a:r>
-            <a:endParaRPr lang="en-US" altLang="zh-CN" dirty="0" smtClean="0"/>
-          </a:p>
-          <a:p>
-            <a:pPr marL="457200" lvl="1" indent="0">
-              <a:buNone/>
-            </a:pPr>
-            <a:r>
-              <a:rPr lang="en-US" altLang="zh-CN" dirty="0" smtClean="0"/>
-              <a:t>focus</a:t>
-            </a:r>
-            <a:r>
-              <a:rPr lang="zh-CN" altLang="en-US" dirty="0" smtClean="0"/>
-              <a:t>，</a:t>
-            </a:r>
-            <a:r>
-              <a:rPr lang="en-US" altLang="zh-CN" dirty="0" smtClean="0"/>
-              <a:t>blur</a:t>
-            </a:r>
           </a:p>
         </p:txBody>
       </p:sp>
     </p:spTree>
     <p:extLst>
       <p:ext uri="{BB962C8B-B14F-4D97-AF65-F5344CB8AC3E}">
-        <p14:creationId xmlns:p14="http://schemas.microsoft.com/office/powerpoint/2010/main" val="2772400822"/>
+        <p14:creationId xmlns:p14="http://schemas.microsoft.com/office/powerpoint/2010/main" val="909963430"/>
+      </p:ext>
+    </p:extLst>
+  </p:cSld>
+  <p:clrMapOvr>
+    <a:masterClrMapping/>
+  </p:clrMapOvr>
+</p:sld>
+</file>
+
+<file path=ppt/slides/slide11.xml><?xml version="1.0" encoding="utf-8"?>
+<p:sld xmlns:a="http://schemas.openxmlformats.org/drawingml/2006/main" xmlns:r="http://schemas.openxmlformats.org/officeDocument/2006/relationships" xmlns:p="http://schemas.openxmlformats.org/presentationml/2006/main">
+  <p:cSld>
+    <p:spTree>
+      <p:nvGrpSpPr>
+        <p:cNvPr id="1" name=""/>
+        <p:cNvGrpSpPr/>
+        <p:nvPr/>
+      </p:nvGrpSpPr>
+      <p:grpSpPr>
+        <a:xfrm>
+          <a:off x="0" y="0"/>
+          <a:ext cx="0" cy="0"/>
+          <a:chOff x="0" y="0"/>
+          <a:chExt cx="0" cy="0"/>
+        </a:xfrm>
+      </p:grpSpPr>
+      <p:sp>
+        <p:nvSpPr>
+          <p:cNvPr id="2" name="标题 1"/>
+          <p:cNvSpPr>
+            <a:spLocks noGrp="1"/>
+          </p:cNvSpPr>
+          <p:nvPr>
+            <p:ph type="title"/>
+          </p:nvPr>
+        </p:nvSpPr>
+        <p:spPr/>
+        <p:txBody>
+          <a:bodyPr/>
+          <a:lstStyle/>
+          <a:p>
+            <a:r>
+              <a:rPr lang="zh-CN" altLang="en-US" dirty="0"/>
+              <a:t>删除事件</a:t>
+            </a:r>
+          </a:p>
+        </p:txBody>
+      </p:sp>
+      <p:sp>
+        <p:nvSpPr>
+          <p:cNvPr id="3" name="内容占位符 2"/>
+          <p:cNvSpPr>
+            <a:spLocks noGrp="1"/>
+          </p:cNvSpPr>
+          <p:nvPr>
+            <p:ph idx="1"/>
+          </p:nvPr>
+        </p:nvSpPr>
+        <p:spPr/>
+        <p:txBody>
+          <a:bodyPr/>
+          <a:lstStyle/>
+          <a:p>
+            <a:pPr marL="0" indent="0">
+              <a:buNone/>
+            </a:pPr>
+            <a:r>
+              <a:rPr lang="en-US" altLang="zh-CN" dirty="0" smtClean="0"/>
+              <a:t>1.</a:t>
+            </a:r>
+            <a:r>
+              <a:rPr lang="zh-CN" altLang="en-US" dirty="0" smtClean="0"/>
+              <a:t>行间的直接删</a:t>
+            </a:r>
+            <a:endParaRPr lang="en-US" altLang="zh-CN" dirty="0" smtClean="0"/>
+          </a:p>
+          <a:p>
+            <a:pPr marL="0" indent="0">
+              <a:buNone/>
+            </a:pPr>
+            <a:endParaRPr lang="en-US" altLang="zh-CN" dirty="0"/>
+          </a:p>
+          <a:p>
+            <a:pPr marL="0" indent="0">
+              <a:buNone/>
+            </a:pPr>
+            <a:r>
+              <a:rPr lang="en-US" altLang="zh-CN" dirty="0" smtClean="0"/>
+              <a:t>2.obj.on____ = null</a:t>
+            </a:r>
+            <a:r>
+              <a:rPr lang="zh-CN" altLang="en-US" dirty="0" smtClean="0"/>
+              <a:t>；</a:t>
+            </a:r>
+            <a:endParaRPr lang="en-US" altLang="zh-CN" dirty="0" smtClean="0"/>
+          </a:p>
+          <a:p>
+            <a:pPr marL="0" indent="0">
+              <a:buNone/>
+            </a:pPr>
+            <a:endParaRPr lang="en-US" altLang="zh-CN" dirty="0"/>
+          </a:p>
+          <a:p>
+            <a:pPr marL="0" indent="0">
+              <a:buNone/>
+            </a:pPr>
+            <a:r>
+              <a:rPr lang="en-US" altLang="zh-CN" dirty="0" smtClean="0"/>
+              <a:t>3.obj.removeEventListerner(</a:t>
+            </a:r>
+            <a:r>
+              <a:rPr lang="en-US" altLang="zh-CN" dirty="0" err="1" smtClean="0"/>
+              <a:t>sEv,fn,false</a:t>
+            </a:r>
+            <a:r>
+              <a:rPr lang="en-US" altLang="zh-CN" dirty="0" smtClean="0"/>
+              <a:t>);</a:t>
+            </a:r>
+          </a:p>
+          <a:p>
+            <a:pPr marL="0" indent="0">
+              <a:buNone/>
+            </a:pPr>
+            <a:r>
+              <a:rPr lang="en-US" altLang="zh-CN" dirty="0" smtClean="0"/>
+              <a:t>   </a:t>
+            </a:r>
+            <a:r>
+              <a:rPr lang="en-US" altLang="zh-CN" dirty="0" err="1" smtClean="0"/>
+              <a:t>obj.detachEvent</a:t>
+            </a:r>
+            <a:r>
+              <a:rPr lang="en-US" altLang="zh-CN" dirty="0" smtClean="0"/>
+              <a:t>(“on”+</a:t>
+            </a:r>
+            <a:r>
+              <a:rPr lang="en-US" altLang="zh-CN" dirty="0" err="1" smtClean="0"/>
+              <a:t>sEv,fn</a:t>
+            </a:r>
+            <a:r>
+              <a:rPr lang="en-US" altLang="zh-CN" dirty="0" smtClean="0"/>
+              <a:t>);</a:t>
+            </a:r>
+            <a:endParaRPr lang="zh-CN" altLang="en-US" dirty="0"/>
+          </a:p>
+        </p:txBody>
+      </p:sp>
+    </p:spTree>
+    <p:extLst>
+      <p:ext uri="{BB962C8B-B14F-4D97-AF65-F5344CB8AC3E}">
+        <p14:creationId xmlns:p14="http://schemas.microsoft.com/office/powerpoint/2010/main" val="2688489566"/>
+      </p:ext>
+    </p:extLst>
+  </p:cSld>
+  <p:clrMapOvr>
+    <a:masterClrMapping/>
+  </p:clrMapOvr>
+</p:sld>
+</file>
+
+<file path=ppt/slides/slide12.xml><?xml version="1.0" encoding="utf-8"?>
+<p:sld xmlns:a="http://schemas.openxmlformats.org/drawingml/2006/main" xmlns:r="http://schemas.openxmlformats.org/officeDocument/2006/relationships" xmlns:p="http://schemas.openxmlformats.org/presentationml/2006/main">
+  <p:cSld>
+    <p:spTree>
+      <p:nvGrpSpPr>
+        <p:cNvPr id="1" name=""/>
+        <p:cNvGrpSpPr/>
+        <p:nvPr/>
+      </p:nvGrpSpPr>
+      <p:grpSpPr>
+        <a:xfrm>
+          <a:off x="0" y="0"/>
+          <a:ext cx="0" cy="0"/>
+          <a:chOff x="0" y="0"/>
+          <a:chExt cx="0" cy="0"/>
+        </a:xfrm>
+      </p:grpSpPr>
+      <p:sp>
+        <p:nvSpPr>
+          <p:cNvPr id="2" name="标题 1"/>
+          <p:cNvSpPr>
+            <a:spLocks noGrp="1"/>
+          </p:cNvSpPr>
+          <p:nvPr>
+            <p:ph type="title"/>
+          </p:nvPr>
+        </p:nvSpPr>
+        <p:spPr/>
+        <p:txBody>
+          <a:bodyPr/>
+          <a:lstStyle/>
+          <a:p>
+            <a:r>
+              <a:rPr lang="en-US" altLang="zh-CN" dirty="0" smtClean="0"/>
+              <a:t>Event</a:t>
+            </a:r>
+            <a:endParaRPr lang="zh-CN" altLang="en-US" dirty="0"/>
+          </a:p>
+        </p:txBody>
+      </p:sp>
+      <p:sp>
+        <p:nvSpPr>
+          <p:cNvPr id="3" name="内容占位符 2"/>
+          <p:cNvSpPr>
+            <a:spLocks noGrp="1"/>
+          </p:cNvSpPr>
+          <p:nvPr>
+            <p:ph idx="1"/>
+          </p:nvPr>
+        </p:nvSpPr>
+        <p:spPr>
+          <a:xfrm>
+            <a:off x="323528" y="2708920"/>
+            <a:ext cx="8229600" cy="604664"/>
+          </a:xfrm>
+        </p:spPr>
+        <p:txBody>
+          <a:bodyPr/>
+          <a:lstStyle/>
+          <a:p>
+            <a:pPr marL="0" indent="0" algn="ctr">
+              <a:buNone/>
+            </a:pPr>
+            <a:r>
+              <a:rPr lang="zh-CN" altLang="en-US" dirty="0" smtClean="0"/>
+              <a:t>储存事件的详情信息</a:t>
+            </a:r>
+            <a:endParaRPr lang="en-US" altLang="zh-CN" dirty="0" smtClean="0"/>
+          </a:p>
+          <a:p>
+            <a:pPr marL="0" indent="0">
+              <a:buNone/>
+            </a:pPr>
+            <a:endParaRPr lang="zh-CN" altLang="en-US" dirty="0"/>
+          </a:p>
+        </p:txBody>
+      </p:sp>
+      <p:sp>
+        <p:nvSpPr>
+          <p:cNvPr id="4" name="TextBox 3"/>
+          <p:cNvSpPr txBox="1"/>
+          <p:nvPr/>
+        </p:nvSpPr>
+        <p:spPr>
+          <a:xfrm>
+            <a:off x="611560" y="4437112"/>
+            <a:ext cx="7848872" cy="954107"/>
+          </a:xfrm>
+          <a:prstGeom prst="rect">
+            <a:avLst/>
+          </a:prstGeom>
+          <a:noFill/>
+        </p:spPr>
+        <p:txBody>
+          <a:bodyPr wrap="square" rtlCol="0">
+            <a:spAutoFit/>
+          </a:bodyPr>
+          <a:lstStyle/>
+          <a:p>
+            <a:r>
+              <a:rPr lang="en-US" altLang="zh-CN" sz="2800" dirty="0" smtClean="0"/>
+              <a:t> </a:t>
+            </a:r>
+            <a:r>
+              <a:rPr lang="en-US" altLang="zh-CN" sz="2800" dirty="0" err="1" smtClean="0"/>
+              <a:t>ev</a:t>
+            </a:r>
+            <a:r>
+              <a:rPr lang="en-US" altLang="zh-CN" sz="2800" dirty="0" smtClean="0"/>
+              <a:t> || event          (</a:t>
+            </a:r>
+            <a:r>
+              <a:rPr lang="en-US" altLang="zh-CN" sz="2800" dirty="0" err="1" smtClean="0"/>
+              <a:t>ev</a:t>
+            </a:r>
+            <a:r>
+              <a:rPr lang="zh-CN" altLang="en-US" sz="2800" dirty="0" smtClean="0"/>
+              <a:t>兼容</a:t>
+            </a:r>
+            <a:r>
+              <a:rPr lang="en-US" altLang="zh-CN" sz="2800" dirty="0" err="1" smtClean="0"/>
+              <a:t>ie,chrome</a:t>
+            </a:r>
+            <a:r>
+              <a:rPr lang="en-US" altLang="zh-CN" sz="2800" dirty="0" smtClean="0"/>
+              <a:t> )</a:t>
+            </a:r>
+          </a:p>
+          <a:p>
+            <a:r>
+              <a:rPr lang="en-US" altLang="zh-CN" sz="2800" dirty="0"/>
+              <a:t>	</a:t>
+            </a:r>
+            <a:r>
+              <a:rPr lang="en-US" altLang="zh-CN" sz="2800" dirty="0" smtClean="0"/>
+              <a:t>	       </a:t>
+            </a:r>
+            <a:r>
+              <a:rPr lang="zh-CN" altLang="en-US" sz="2800" dirty="0" smtClean="0"/>
+              <a:t>（</a:t>
+            </a:r>
+            <a:r>
+              <a:rPr lang="en-US" altLang="zh-CN" sz="2800" dirty="0" smtClean="0"/>
+              <a:t>event</a:t>
+            </a:r>
+            <a:r>
+              <a:rPr lang="zh-CN" altLang="en-US" sz="2800" dirty="0" smtClean="0"/>
+              <a:t>兼容</a:t>
+            </a:r>
+            <a:r>
+              <a:rPr lang="en-US" altLang="zh-CN" sz="2800" dirty="0" smtClean="0"/>
+              <a:t>chrome</a:t>
+            </a:r>
+            <a:r>
+              <a:rPr lang="zh-CN" altLang="en-US" sz="2800" dirty="0" smtClean="0"/>
+              <a:t>和</a:t>
+            </a:r>
+            <a:r>
+              <a:rPr lang="en-US" altLang="zh-CN" sz="2800" dirty="0" err="1" smtClean="0"/>
+              <a:t>firefox</a:t>
+            </a:r>
+            <a:r>
+              <a:rPr lang="zh-CN" altLang="en-US" sz="2800" dirty="0" smtClean="0"/>
+              <a:t>）</a:t>
+            </a:r>
+            <a:endParaRPr lang="zh-CN" altLang="en-US" sz="2800" dirty="0"/>
+          </a:p>
+        </p:txBody>
+      </p:sp>
+      <p:sp>
+        <p:nvSpPr>
+          <p:cNvPr id="5" name="TextBox 4"/>
+          <p:cNvSpPr txBox="1"/>
+          <p:nvPr/>
+        </p:nvSpPr>
+        <p:spPr>
+          <a:xfrm>
+            <a:off x="635592" y="1988840"/>
+            <a:ext cx="6840760" cy="523220"/>
+          </a:xfrm>
+          <a:prstGeom prst="rect">
+            <a:avLst/>
+          </a:prstGeom>
+          <a:noFill/>
+        </p:spPr>
+        <p:txBody>
+          <a:bodyPr wrap="square" rtlCol="0">
+            <a:spAutoFit/>
+          </a:bodyPr>
+          <a:lstStyle/>
+          <a:p>
+            <a:r>
+              <a:rPr lang="zh-CN" altLang="en-US" sz="2800" dirty="0" smtClean="0"/>
+              <a:t>事件对象：</a:t>
+            </a:r>
+            <a:endParaRPr lang="zh-CN" altLang="en-US" sz="2800" dirty="0"/>
+          </a:p>
+        </p:txBody>
+      </p:sp>
+    </p:spTree>
+    <p:extLst>
+      <p:ext uri="{BB962C8B-B14F-4D97-AF65-F5344CB8AC3E}">
+        <p14:creationId xmlns:p14="http://schemas.microsoft.com/office/powerpoint/2010/main" val="1598533999"/>
       </p:ext>
     </p:extLst>
   </p:cSld>
@@ -4275,424 +4613,331 @@
   <p:timing>
     <p:tnLst>
       <p:par>
-        <p:cTn id="1" dur="indefinite" restart="never" nodeType="tmRoot">
-          <p:childTnLst>
-            <p:seq concurrent="1" nextAc="seek">
-              <p:cTn id="2" dur="indefinite" nodeType="mainSeq">
-                <p:childTnLst>
-                  <p:par>
-                    <p:cTn id="3" fill="hold">
-                      <p:stCondLst>
-                        <p:cond delay="indefinite"/>
-                      </p:stCondLst>
-                      <p:childTnLst>
-                        <p:par>
-                          <p:cTn id="4" fill="hold">
-                            <p:stCondLst>
-                              <p:cond delay="0"/>
-                            </p:stCondLst>
-                            <p:childTnLst>
-                              <p:par>
-                                <p:cTn id="5" presetID="6" presetClass="entr" presetSubtype="16" fill="hold" grpId="0" nodeType="clickEffect">
-                                  <p:stCondLst>
-                                    <p:cond delay="0"/>
-                                  </p:stCondLst>
-                                  <p:childTnLst>
-                                    <p:set>
-                                      <p:cBhvr>
-                                        <p:cTn id="6" dur="1" fill="hold">
-                                          <p:stCondLst>
-                                            <p:cond delay="0"/>
-                                          </p:stCondLst>
-                                        </p:cTn>
-                                        <p:tgtEl>
-                                          <p:spTgt spid="2"/>
-                                        </p:tgtEl>
-                                        <p:attrNameLst>
-                                          <p:attrName>style.visibility</p:attrName>
-                                        </p:attrNameLst>
-                                      </p:cBhvr>
-                                      <p:to>
-                                        <p:strVal val="visible"/>
-                                      </p:to>
-                                    </p:set>
-                                    <p:animEffect transition="in" filter="circle(in)">
-                                      <p:cBhvr>
-                                        <p:cTn id="7" dur="2000"/>
-                                        <p:tgtEl>
-                                          <p:spTgt spid="2"/>
-                                        </p:tgtEl>
-                                      </p:cBhvr>
-                                    </p:animEffect>
-                                  </p:childTnLst>
-                                </p:cTn>
-                              </p:par>
-                            </p:childTnLst>
-                          </p:cTn>
-                        </p:par>
-                      </p:childTnLst>
-                    </p:cTn>
-                  </p:par>
-                  <p:par>
-                    <p:cTn id="8" fill="hold">
-                      <p:stCondLst>
-                        <p:cond delay="indefinite"/>
-                      </p:stCondLst>
-                      <p:childTnLst>
-                        <p:par>
-                          <p:cTn id="9" fill="hold">
-                            <p:stCondLst>
-                              <p:cond delay="0"/>
-                            </p:stCondLst>
-                            <p:childTnLst>
-                              <p:par>
-                                <p:cTn id="10" presetID="16" presetClass="entr" presetSubtype="21" fill="hold" grpId="0" nodeType="clickEffect">
-                                  <p:stCondLst>
-                                    <p:cond delay="0"/>
-                                  </p:stCondLst>
-                                  <p:childTnLst>
-                                    <p:set>
-                                      <p:cBhvr>
-                                        <p:cTn id="11" dur="1" fill="hold">
-                                          <p:stCondLst>
-                                            <p:cond delay="0"/>
-                                          </p:stCondLst>
-                                        </p:cTn>
-                                        <p:tgtEl>
-                                          <p:spTgt spid="3">
-                                            <p:txEl>
-                                              <p:pRg st="0" end="0"/>
-                                            </p:txEl>
-                                          </p:spTgt>
-                                        </p:tgtEl>
-                                        <p:attrNameLst>
-                                          <p:attrName>style.visibility</p:attrName>
-                                        </p:attrNameLst>
-                                      </p:cBhvr>
-                                      <p:to>
-                                        <p:strVal val="visible"/>
-                                      </p:to>
-                                    </p:set>
-                                    <p:animEffect transition="in" filter="barn(inVertical)">
-                                      <p:cBhvr>
-                                        <p:cTn id="12" dur="500"/>
-                                        <p:tgtEl>
-                                          <p:spTgt spid="3">
-                                            <p:txEl>
-                                              <p:pRg st="0" end="0"/>
-                                            </p:txEl>
-                                          </p:spTgt>
-                                        </p:tgtEl>
-                                      </p:cBhvr>
-                                    </p:animEffect>
-                                  </p:childTnLst>
-                                </p:cTn>
-                              </p:par>
-                            </p:childTnLst>
-                          </p:cTn>
-                        </p:par>
-                      </p:childTnLst>
-                    </p:cTn>
-                  </p:par>
-                  <p:par>
-                    <p:cTn id="13" fill="hold">
-                      <p:stCondLst>
-                        <p:cond delay="indefinite"/>
-                      </p:stCondLst>
-                      <p:childTnLst>
-                        <p:par>
-                          <p:cTn id="14" fill="hold">
-                            <p:stCondLst>
-                              <p:cond delay="0"/>
-                            </p:stCondLst>
-                            <p:childTnLst>
-                              <p:par>
-                                <p:cTn id="15" presetID="16" presetClass="entr" presetSubtype="21" fill="hold" grpId="0" nodeType="clickEffect">
-                                  <p:stCondLst>
-                                    <p:cond delay="0"/>
-                                  </p:stCondLst>
-                                  <p:childTnLst>
-                                    <p:set>
-                                      <p:cBhvr>
-                                        <p:cTn id="16" dur="1" fill="hold">
-                                          <p:stCondLst>
-                                            <p:cond delay="0"/>
-                                          </p:stCondLst>
-                                        </p:cTn>
-                                        <p:tgtEl>
-                                          <p:spTgt spid="3">
-                                            <p:txEl>
-                                              <p:pRg st="1" end="1"/>
-                                            </p:txEl>
-                                          </p:spTgt>
-                                        </p:tgtEl>
-                                        <p:attrNameLst>
-                                          <p:attrName>style.visibility</p:attrName>
-                                        </p:attrNameLst>
-                                      </p:cBhvr>
-                                      <p:to>
-                                        <p:strVal val="visible"/>
-                                      </p:to>
-                                    </p:set>
-                                    <p:animEffect transition="in" filter="barn(inVertical)">
-                                      <p:cBhvr>
-                                        <p:cTn id="17" dur="500"/>
-                                        <p:tgtEl>
-                                          <p:spTgt spid="3">
-                                            <p:txEl>
-                                              <p:pRg st="1" end="1"/>
-                                            </p:txEl>
-                                          </p:spTgt>
-                                        </p:tgtEl>
-                                      </p:cBhvr>
-                                    </p:animEffect>
-                                  </p:childTnLst>
-                                </p:cTn>
-                              </p:par>
-                            </p:childTnLst>
-                          </p:cTn>
-                        </p:par>
-                      </p:childTnLst>
-                    </p:cTn>
-                  </p:par>
-                  <p:par>
-                    <p:cTn id="18" fill="hold">
-                      <p:stCondLst>
-                        <p:cond delay="indefinite"/>
-                      </p:stCondLst>
-                      <p:childTnLst>
-                        <p:par>
-                          <p:cTn id="19" fill="hold">
-                            <p:stCondLst>
-                              <p:cond delay="0"/>
-                            </p:stCondLst>
-                            <p:childTnLst>
-                              <p:par>
-                                <p:cTn id="20" presetID="16" presetClass="entr" presetSubtype="21" fill="hold" grpId="0" nodeType="clickEffect">
-                                  <p:stCondLst>
-                                    <p:cond delay="0"/>
-                                  </p:stCondLst>
-                                  <p:childTnLst>
-                                    <p:set>
-                                      <p:cBhvr>
-                                        <p:cTn id="21" dur="1" fill="hold">
-                                          <p:stCondLst>
-                                            <p:cond delay="0"/>
-                                          </p:stCondLst>
-                                        </p:cTn>
-                                        <p:tgtEl>
-                                          <p:spTgt spid="3">
-                                            <p:txEl>
-                                              <p:pRg st="2" end="2"/>
-                                            </p:txEl>
-                                          </p:spTgt>
-                                        </p:tgtEl>
-                                        <p:attrNameLst>
-                                          <p:attrName>style.visibility</p:attrName>
-                                        </p:attrNameLst>
-                                      </p:cBhvr>
-                                      <p:to>
-                                        <p:strVal val="visible"/>
-                                      </p:to>
-                                    </p:set>
-                                    <p:animEffect transition="in" filter="barn(inVertical)">
-                                      <p:cBhvr>
-                                        <p:cTn id="22" dur="500"/>
-                                        <p:tgtEl>
-                                          <p:spTgt spid="3">
-                                            <p:txEl>
-                                              <p:pRg st="2" end="2"/>
-                                            </p:txEl>
-                                          </p:spTgt>
-                                        </p:tgtEl>
-                                      </p:cBhvr>
-                                    </p:animEffect>
-                                  </p:childTnLst>
-                                </p:cTn>
-                              </p:par>
-                              <p:par>
-                                <p:cTn id="23" presetID="16" presetClass="entr" presetSubtype="21" fill="hold" grpId="0" nodeType="withEffect">
-                                  <p:stCondLst>
-                                    <p:cond delay="0"/>
-                                  </p:stCondLst>
-                                  <p:childTnLst>
-                                    <p:set>
-                                      <p:cBhvr>
-                                        <p:cTn id="24" dur="1" fill="hold">
-                                          <p:stCondLst>
-                                            <p:cond delay="0"/>
-                                          </p:stCondLst>
-                                        </p:cTn>
-                                        <p:tgtEl>
-                                          <p:spTgt spid="3">
-                                            <p:txEl>
-                                              <p:pRg st="3" end="3"/>
-                                            </p:txEl>
-                                          </p:spTgt>
-                                        </p:tgtEl>
-                                        <p:attrNameLst>
-                                          <p:attrName>style.visibility</p:attrName>
-                                        </p:attrNameLst>
-                                      </p:cBhvr>
-                                      <p:to>
-                                        <p:strVal val="visible"/>
-                                      </p:to>
-                                    </p:set>
-                                    <p:animEffect transition="in" filter="barn(inVertical)">
-                                      <p:cBhvr>
-                                        <p:cTn id="25" dur="500"/>
-                                        <p:tgtEl>
-                                          <p:spTgt spid="3">
-                                            <p:txEl>
-                                              <p:pRg st="3" end="3"/>
-                                            </p:txEl>
-                                          </p:spTgt>
-                                        </p:tgtEl>
-                                      </p:cBhvr>
-                                    </p:animEffect>
-                                  </p:childTnLst>
-                                </p:cTn>
-                              </p:par>
-                            </p:childTnLst>
-                          </p:cTn>
-                        </p:par>
-                      </p:childTnLst>
-                    </p:cTn>
-                  </p:par>
-                  <p:par>
-                    <p:cTn id="26" fill="hold">
-                      <p:stCondLst>
-                        <p:cond delay="indefinite"/>
-                      </p:stCondLst>
-                      <p:childTnLst>
-                        <p:par>
-                          <p:cTn id="27" fill="hold">
-                            <p:stCondLst>
-                              <p:cond delay="0"/>
-                            </p:stCondLst>
-                            <p:childTnLst>
-                              <p:par>
-                                <p:cTn id="28" presetID="16" presetClass="entr" presetSubtype="21" fill="hold" grpId="0" nodeType="clickEffect">
-                                  <p:stCondLst>
-                                    <p:cond delay="0"/>
-                                  </p:stCondLst>
-                                  <p:childTnLst>
-                                    <p:set>
-                                      <p:cBhvr>
-                                        <p:cTn id="29" dur="1" fill="hold">
-                                          <p:stCondLst>
-                                            <p:cond delay="0"/>
-                                          </p:stCondLst>
-                                        </p:cTn>
-                                        <p:tgtEl>
-                                          <p:spTgt spid="3">
-                                            <p:txEl>
-                                              <p:pRg st="4" end="4"/>
-                                            </p:txEl>
-                                          </p:spTgt>
-                                        </p:tgtEl>
-                                        <p:attrNameLst>
-                                          <p:attrName>style.visibility</p:attrName>
-                                        </p:attrNameLst>
-                                      </p:cBhvr>
-                                      <p:to>
-                                        <p:strVal val="visible"/>
-                                      </p:to>
-                                    </p:set>
-                                    <p:animEffect transition="in" filter="barn(inVertical)">
-                                      <p:cBhvr>
-                                        <p:cTn id="30" dur="500"/>
-                                        <p:tgtEl>
-                                          <p:spTgt spid="3">
-                                            <p:txEl>
-                                              <p:pRg st="4" end="4"/>
-                                            </p:txEl>
-                                          </p:spTgt>
-                                        </p:tgtEl>
-                                      </p:cBhvr>
-                                    </p:animEffect>
-                                  </p:childTnLst>
-                                </p:cTn>
-                              </p:par>
-                              <p:par>
-                                <p:cTn id="31" presetID="16" presetClass="entr" presetSubtype="21" fill="hold" grpId="0" nodeType="withEffect">
-                                  <p:stCondLst>
-                                    <p:cond delay="0"/>
-                                  </p:stCondLst>
-                                  <p:childTnLst>
-                                    <p:set>
-                                      <p:cBhvr>
-                                        <p:cTn id="32" dur="1" fill="hold">
-                                          <p:stCondLst>
-                                            <p:cond delay="0"/>
-                                          </p:stCondLst>
-                                        </p:cTn>
-                                        <p:tgtEl>
-                                          <p:spTgt spid="3">
-                                            <p:txEl>
-                                              <p:pRg st="5" end="5"/>
-                                            </p:txEl>
-                                          </p:spTgt>
-                                        </p:tgtEl>
-                                        <p:attrNameLst>
-                                          <p:attrName>style.visibility</p:attrName>
-                                        </p:attrNameLst>
-                                      </p:cBhvr>
-                                      <p:to>
-                                        <p:strVal val="visible"/>
-                                      </p:to>
-                                    </p:set>
-                                    <p:animEffect transition="in" filter="barn(inVertical)">
-                                      <p:cBhvr>
-                                        <p:cTn id="33" dur="500"/>
-                                        <p:tgtEl>
-                                          <p:spTgt spid="3">
-                                            <p:txEl>
-                                              <p:pRg st="5" end="5"/>
-                                            </p:txEl>
-                                          </p:spTgt>
-                                        </p:tgtEl>
-                                      </p:cBhvr>
-                                    </p:animEffect>
-                                  </p:childTnLst>
-                                </p:cTn>
-                              </p:par>
-                            </p:childTnLst>
-                          </p:cTn>
-                        </p:par>
-                      </p:childTnLst>
-                    </p:cTn>
-                  </p:par>
-                </p:childTnLst>
-              </p:cTn>
-              <p:prevCondLst>
-                <p:cond evt="onPrev" delay="0">
-                  <p:tgtEl>
-                    <p:sldTgt/>
-                  </p:tgtEl>
-                </p:cond>
-              </p:prevCondLst>
-              <p:nextCondLst>
-                <p:cond evt="onNext" delay="0">
-                  <p:tgtEl>
-                    <p:sldTgt/>
-                  </p:tgtEl>
-                </p:cond>
-              </p:nextCondLst>
-            </p:seq>
-          </p:childTnLst>
-        </p:cTn>
+        <p:cTn id="1" dur="indefinite" restart="never" nodeType="tmRoot"/>
       </p:par>
     </p:tnLst>
-    <p:bldLst>
-      <p:bldP spid="2" grpId="0"/>
-      <p:bldP spid="3" grpId="0" build="p"/>
-    </p:bldLst>
   </p:timing>
 </p:sld>
 </file>
 
-<file path=ppt/slides/slide11.xml><?xml version="1.0" encoding="utf-8"?>
+<file path=ppt/slides/slide13.xml><?xml version="1.0" encoding="utf-8"?>
+<p:sld xmlns:a="http://schemas.openxmlformats.org/drawingml/2006/main" xmlns:r="http://schemas.openxmlformats.org/officeDocument/2006/relationships" xmlns:p="http://schemas.openxmlformats.org/presentationml/2006/main">
+  <p:cSld>
+    <p:spTree>
+      <p:nvGrpSpPr>
+        <p:cNvPr id="1" name=""/>
+        <p:cNvGrpSpPr/>
+        <p:nvPr/>
+      </p:nvGrpSpPr>
+      <p:grpSpPr>
+        <a:xfrm>
+          <a:off x="0" y="0"/>
+          <a:ext cx="0" cy="0"/>
+          <a:chOff x="0" y="0"/>
+          <a:chExt cx="0" cy="0"/>
+        </a:xfrm>
+      </p:grpSpPr>
+      <p:sp>
+        <p:nvSpPr>
+          <p:cNvPr id="2" name="标题 1"/>
+          <p:cNvSpPr>
+            <a:spLocks noGrp="1"/>
+          </p:cNvSpPr>
+          <p:nvPr>
+            <p:ph type="title"/>
+          </p:nvPr>
+        </p:nvSpPr>
+        <p:spPr/>
+        <p:txBody>
+          <a:bodyPr/>
+          <a:lstStyle/>
+          <a:p>
+            <a:r>
+              <a:rPr lang="zh-CN" altLang="en-US" dirty="0" smtClean="0"/>
+              <a:t>冒泡</a:t>
+            </a:r>
+            <a:endParaRPr lang="zh-CN" altLang="en-US" dirty="0"/>
+          </a:p>
+        </p:txBody>
+      </p:sp>
+      <p:sp>
+        <p:nvSpPr>
+          <p:cNvPr id="3" name="内容占位符 2"/>
+          <p:cNvSpPr>
+            <a:spLocks noGrp="1"/>
+          </p:cNvSpPr>
+          <p:nvPr>
+            <p:ph idx="1"/>
+          </p:nvPr>
+        </p:nvSpPr>
+        <p:spPr>
+          <a:xfrm>
+            <a:off x="457200" y="1600200"/>
+            <a:ext cx="8229600" cy="820688"/>
+          </a:xfrm>
+        </p:spPr>
+        <p:txBody>
+          <a:bodyPr>
+            <a:normAutofit fontScale="92500" lnSpcReduction="20000"/>
+          </a:bodyPr>
+          <a:lstStyle/>
+          <a:p>
+            <a:pPr marL="0" indent="0">
+              <a:buNone/>
+            </a:pPr>
+            <a:r>
+              <a:rPr lang="en-US" altLang="zh-CN" dirty="0" smtClean="0"/>
+              <a:t>What</a:t>
+            </a:r>
+            <a:r>
+              <a:rPr lang="zh-CN" altLang="en-US" dirty="0" smtClean="0"/>
+              <a:t>：子元素的事件会传到父元素身上</a:t>
+            </a:r>
+            <a:endParaRPr lang="en-US" altLang="zh-CN" dirty="0" smtClean="0"/>
+          </a:p>
+          <a:p>
+            <a:pPr marL="1828800" lvl="4" indent="0">
+              <a:buNone/>
+            </a:pPr>
+            <a:r>
+              <a:rPr lang="zh-CN" altLang="en-US" dirty="0" smtClean="0"/>
+              <a:t>（无论子元素在哪里）</a:t>
+            </a:r>
+            <a:endParaRPr lang="en-US" altLang="zh-CN" dirty="0" smtClean="0"/>
+          </a:p>
+          <a:p>
+            <a:pPr marL="0" indent="0">
+              <a:buNone/>
+            </a:pPr>
+            <a:endParaRPr lang="zh-CN" altLang="en-US" dirty="0"/>
+          </a:p>
+        </p:txBody>
+      </p:sp>
+      <p:sp>
+        <p:nvSpPr>
+          <p:cNvPr id="4" name="TextBox 3"/>
+          <p:cNvSpPr txBox="1"/>
+          <p:nvPr/>
+        </p:nvSpPr>
+        <p:spPr>
+          <a:xfrm>
+            <a:off x="755576" y="3068960"/>
+            <a:ext cx="7560840" cy="584775"/>
+          </a:xfrm>
+          <a:prstGeom prst="rect">
+            <a:avLst/>
+          </a:prstGeom>
+          <a:noFill/>
+        </p:spPr>
+        <p:txBody>
+          <a:bodyPr wrap="square" rtlCol="0">
+            <a:spAutoFit/>
+          </a:bodyPr>
+          <a:lstStyle/>
+          <a:p>
+            <a:r>
+              <a:rPr lang="zh-CN" altLang="en-US" sz="3200" dirty="0" smtClean="0"/>
+              <a:t>怎么取消？</a:t>
+            </a:r>
+            <a:endParaRPr lang="zh-CN" altLang="en-US" sz="3200" dirty="0"/>
+          </a:p>
+        </p:txBody>
+      </p:sp>
+      <p:sp>
+        <p:nvSpPr>
+          <p:cNvPr id="5" name="TextBox 4"/>
+          <p:cNvSpPr txBox="1"/>
+          <p:nvPr/>
+        </p:nvSpPr>
+        <p:spPr>
+          <a:xfrm>
+            <a:off x="1259632" y="4077072"/>
+            <a:ext cx="7200800" cy="461665"/>
+          </a:xfrm>
+          <a:prstGeom prst="rect">
+            <a:avLst/>
+          </a:prstGeom>
+          <a:noFill/>
+        </p:spPr>
+        <p:txBody>
+          <a:bodyPr wrap="square" rtlCol="0">
+            <a:spAutoFit/>
+          </a:bodyPr>
+          <a:lstStyle/>
+          <a:p>
+            <a:r>
+              <a:rPr lang="en-US" altLang="zh-CN" sz="2400" dirty="0" err="1" smtClean="0"/>
+              <a:t>ev.cancelBubble</a:t>
+            </a:r>
+            <a:r>
+              <a:rPr lang="en-US" altLang="zh-CN" sz="2400" dirty="0" smtClean="0"/>
+              <a:t> = true</a:t>
+            </a:r>
+            <a:r>
+              <a:rPr lang="zh-CN" altLang="en-US" sz="2400" dirty="0" smtClean="0"/>
+              <a:t>；</a:t>
+            </a:r>
+            <a:endParaRPr lang="zh-CN" altLang="en-US" sz="2400" dirty="0"/>
+          </a:p>
+        </p:txBody>
+      </p:sp>
+      <p:sp>
+        <p:nvSpPr>
+          <p:cNvPr id="6" name="TextBox 5"/>
+          <p:cNvSpPr txBox="1"/>
+          <p:nvPr/>
+        </p:nvSpPr>
+        <p:spPr>
+          <a:xfrm>
+            <a:off x="1259632" y="4725144"/>
+            <a:ext cx="6048672" cy="461665"/>
+          </a:xfrm>
+          <a:prstGeom prst="rect">
+            <a:avLst/>
+          </a:prstGeom>
+          <a:noFill/>
+        </p:spPr>
+        <p:txBody>
+          <a:bodyPr wrap="square" rtlCol="0">
+            <a:spAutoFit/>
+          </a:bodyPr>
+          <a:lstStyle/>
+          <a:p>
+            <a:r>
+              <a:rPr lang="en-US" altLang="zh-CN" sz="2400" dirty="0" smtClean="0"/>
+              <a:t>return false</a:t>
+            </a:r>
+            <a:r>
+              <a:rPr lang="zh-CN" altLang="en-US" sz="2400" dirty="0" smtClean="0"/>
+              <a:t>；（</a:t>
+            </a:r>
+            <a:r>
+              <a:rPr lang="en-US" altLang="zh-CN" sz="2400" dirty="0" err="1" smtClean="0"/>
+              <a:t>jQuery</a:t>
+            </a:r>
+            <a:r>
+              <a:rPr lang="zh-CN" altLang="en-US" sz="2400" dirty="0" smtClean="0"/>
+              <a:t>）</a:t>
+            </a:r>
+            <a:endParaRPr lang="zh-CN" altLang="en-US" sz="2400" dirty="0"/>
+          </a:p>
+        </p:txBody>
+      </p:sp>
+    </p:spTree>
+    <p:extLst>
+      <p:ext uri="{BB962C8B-B14F-4D97-AF65-F5344CB8AC3E}">
+        <p14:creationId xmlns:p14="http://schemas.microsoft.com/office/powerpoint/2010/main" val="3398067347"/>
+      </p:ext>
+    </p:extLst>
+  </p:cSld>
+  <p:clrMapOvr>
+    <a:masterClrMapping/>
+  </p:clrMapOvr>
+</p:sld>
+</file>
+
+<file path=ppt/slides/slide14.xml><?xml version="1.0" encoding="utf-8"?>
+<p:sld xmlns:a="http://schemas.openxmlformats.org/drawingml/2006/main" xmlns:r="http://schemas.openxmlformats.org/officeDocument/2006/relationships" xmlns:p="http://schemas.openxmlformats.org/presentationml/2006/main">
+  <p:cSld>
+    <p:spTree>
+      <p:nvGrpSpPr>
+        <p:cNvPr id="1" name=""/>
+        <p:cNvGrpSpPr/>
+        <p:nvPr/>
+      </p:nvGrpSpPr>
+      <p:grpSpPr>
+        <a:xfrm>
+          <a:off x="0" y="0"/>
+          <a:ext cx="0" cy="0"/>
+          <a:chOff x="0" y="0"/>
+          <a:chExt cx="0" cy="0"/>
+        </a:xfrm>
+      </p:grpSpPr>
+      <p:sp>
+        <p:nvSpPr>
+          <p:cNvPr id="2" name="标题 1"/>
+          <p:cNvSpPr>
+            <a:spLocks noGrp="1"/>
+          </p:cNvSpPr>
+          <p:nvPr>
+            <p:ph type="title"/>
+          </p:nvPr>
+        </p:nvSpPr>
+        <p:spPr/>
+        <p:txBody>
+          <a:bodyPr/>
+          <a:lstStyle/>
+          <a:p>
+            <a:r>
+              <a:rPr lang="zh-CN" altLang="en-US" dirty="0"/>
+              <a:t>事件委托</a:t>
+            </a:r>
+          </a:p>
+        </p:txBody>
+      </p:sp>
+      <p:sp>
+        <p:nvSpPr>
+          <p:cNvPr id="3" name="内容占位符 2"/>
+          <p:cNvSpPr>
+            <a:spLocks noGrp="1"/>
+          </p:cNvSpPr>
+          <p:nvPr>
+            <p:ph idx="1"/>
+          </p:nvPr>
+        </p:nvSpPr>
+        <p:spPr>
+          <a:xfrm>
+            <a:off x="467544" y="2204864"/>
+            <a:ext cx="8229600" cy="1396752"/>
+          </a:xfrm>
+        </p:spPr>
+        <p:txBody>
+          <a:bodyPr/>
+          <a:lstStyle/>
+          <a:p>
+            <a:pPr marL="0" indent="0">
+              <a:buNone/>
+            </a:pPr>
+            <a:r>
+              <a:rPr lang="zh-CN" altLang="en-US" dirty="0" smtClean="0"/>
+              <a:t>原理：子元素的事件冒泡至父级，</a:t>
+            </a:r>
+            <a:endParaRPr lang="en-US" altLang="zh-CN" dirty="0"/>
+          </a:p>
+          <a:p>
+            <a:pPr marL="0" indent="0">
+              <a:buNone/>
+            </a:pPr>
+            <a:r>
+              <a:rPr lang="en-US" altLang="zh-CN" dirty="0"/>
+              <a:t> </a:t>
+            </a:r>
+            <a:r>
+              <a:rPr lang="en-US" altLang="zh-CN" dirty="0" smtClean="0"/>
+              <a:t>           </a:t>
+            </a:r>
+            <a:r>
+              <a:rPr lang="zh-CN" altLang="en-US" dirty="0" smtClean="0"/>
+              <a:t>通过判断事件源来进行事件委托。</a:t>
+            </a:r>
+            <a:endParaRPr lang="zh-CN" altLang="en-US" dirty="0"/>
+          </a:p>
+        </p:txBody>
+      </p:sp>
+    </p:spTree>
+    <p:extLst>
+      <p:ext uri="{BB962C8B-B14F-4D97-AF65-F5344CB8AC3E}">
+        <p14:creationId xmlns:p14="http://schemas.microsoft.com/office/powerpoint/2010/main" val="3671693836"/>
+      </p:ext>
+    </p:extLst>
+  </p:cSld>
+  <p:clrMapOvr>
+    <a:masterClrMapping/>
+  </p:clrMapOvr>
+</p:sld>
+</file>
+
+<file path=ppt/slides/slide15.xml><?xml version="1.0" encoding="utf-8"?>
 <p:sld xmlns:a="http://schemas.openxmlformats.org/drawingml/2006/main" xmlns:r="http://schemas.openxmlformats.org/officeDocument/2006/relationships" xmlns:p="http://schemas.openxmlformats.org/presentationml/2006/main">
   <p:cSld>
     <p:spTree>
@@ -5142,7 +5387,7 @@
 </p:sld>
 </file>
 
-<file path=ppt/slides/slide12.xml><?xml version="1.0" encoding="utf-8"?>
+<file path=ppt/slides/slide16.xml><?xml version="1.0" encoding="utf-8"?>
 <p:sld xmlns:a="http://schemas.openxmlformats.org/drawingml/2006/main" xmlns:r="http://schemas.openxmlformats.org/officeDocument/2006/relationships" xmlns:p="http://schemas.openxmlformats.org/presentationml/2006/main">
   <p:cSld>
     <p:spTree>
@@ -5216,6 +5461,63 @@
             <a:endParaRPr lang="en-US" altLang="zh-CN" dirty="0" smtClean="0"/>
           </a:p>
           <a:p>
+            <a:pPr marL="0" indent="0">
+              <a:buNone/>
+            </a:pPr>
+            <a:endParaRPr lang="en-US" altLang="zh-CN" dirty="0" smtClean="0"/>
+          </a:p>
+          <a:p>
+            <a:pPr marL="0" indent="0">
+              <a:buNone/>
+            </a:pPr>
+            <a:endParaRPr lang="en-US" altLang="zh-CN" dirty="0"/>
+          </a:p>
+          <a:p>
+            <a:pPr marL="0" indent="0">
+              <a:buNone/>
+            </a:pPr>
+            <a:r>
+              <a:rPr lang="zh-CN" altLang="en-US" dirty="0"/>
+              <a:t>几</a:t>
+            </a:r>
+            <a:r>
+              <a:rPr lang="zh-CN" altLang="en-US" dirty="0" smtClean="0"/>
+              <a:t>个事件对象下的属性：</a:t>
+            </a:r>
+            <a:endParaRPr lang="en-US" altLang="zh-CN" dirty="0" smtClean="0"/>
+          </a:p>
+          <a:p>
+            <a:pPr marL="0" indent="0">
+              <a:buNone/>
+            </a:pPr>
+            <a:r>
+              <a:rPr lang="en-US" altLang="zh-CN" dirty="0" err="1" smtClean="0"/>
+              <a:t>keyCode</a:t>
+            </a:r>
+            <a:r>
+              <a:rPr lang="zh-CN" altLang="en-US" dirty="0" smtClean="0"/>
+              <a:t>，</a:t>
+            </a:r>
+            <a:r>
+              <a:rPr lang="en-US" altLang="zh-CN" dirty="0" err="1" smtClean="0"/>
+              <a:t>ctrlKey</a:t>
+            </a:r>
+            <a:r>
+              <a:rPr lang="zh-CN" altLang="en-US" dirty="0" smtClean="0"/>
+              <a:t>，</a:t>
+            </a:r>
+            <a:r>
+              <a:rPr lang="en-US" altLang="zh-CN" dirty="0" err="1" smtClean="0"/>
+              <a:t>shiftKey</a:t>
+            </a:r>
+            <a:r>
+              <a:rPr lang="zh-CN" altLang="en-US" dirty="0" smtClean="0"/>
+              <a:t>，</a:t>
+            </a:r>
+            <a:r>
+              <a:rPr lang="en-US" altLang="zh-CN" dirty="0" err="1" smtClean="0"/>
+              <a:t>altKey</a:t>
+            </a:r>
             <a:endParaRPr lang="zh-CN" altLang="en-US" dirty="0"/>
           </a:p>
         </p:txBody>
@@ -5237,6 +5539,87 @@
       </p:par>
     </p:tnLst>
   </p:timing>
+</p:sld>
+</file>
+
+<file path=ppt/slides/slide17.xml><?xml version="1.0" encoding="utf-8"?>
+<p:sld xmlns:a="http://schemas.openxmlformats.org/drawingml/2006/main" xmlns:r="http://schemas.openxmlformats.org/officeDocument/2006/relationships" xmlns:p="http://schemas.openxmlformats.org/presentationml/2006/main">
+  <p:cSld>
+    <p:spTree>
+      <p:nvGrpSpPr>
+        <p:cNvPr id="1" name=""/>
+        <p:cNvGrpSpPr/>
+        <p:nvPr/>
+      </p:nvGrpSpPr>
+      <p:grpSpPr>
+        <a:xfrm>
+          <a:off x="0" y="0"/>
+          <a:ext cx="0" cy="0"/>
+          <a:chOff x="0" y="0"/>
+          <a:chExt cx="0" cy="0"/>
+        </a:xfrm>
+      </p:grpSpPr>
+      <p:sp>
+        <p:nvSpPr>
+          <p:cNvPr id="2" name="标题 1"/>
+          <p:cNvSpPr>
+            <a:spLocks noGrp="1"/>
+          </p:cNvSpPr>
+          <p:nvPr>
+            <p:ph type="title"/>
+          </p:nvPr>
+        </p:nvSpPr>
+        <p:spPr/>
+        <p:txBody>
+          <a:bodyPr/>
+          <a:lstStyle/>
+          <a:p>
+            <a:endParaRPr lang="zh-CN" altLang="en-US" dirty="0"/>
+          </a:p>
+        </p:txBody>
+      </p:sp>
+      <p:sp>
+        <p:nvSpPr>
+          <p:cNvPr id="3" name="内容占位符 2"/>
+          <p:cNvSpPr>
+            <a:spLocks noGrp="1"/>
+          </p:cNvSpPr>
+          <p:nvPr>
+            <p:ph idx="1"/>
+          </p:nvPr>
+        </p:nvSpPr>
+        <p:spPr/>
+        <p:txBody>
+          <a:bodyPr>
+            <a:normAutofit/>
+          </a:bodyPr>
+          <a:lstStyle/>
+          <a:p>
+            <a:pPr marL="0" indent="0" algn="ctr">
+              <a:buNone/>
+            </a:pPr>
+            <a:r>
+              <a:rPr lang="en-US" altLang="zh-CN" sz="6000" dirty="0" smtClean="0"/>
+              <a:t>over</a:t>
+            </a:r>
+            <a:r>
+              <a:rPr lang="zh-CN" altLang="en-US" sz="6000" dirty="0" smtClean="0"/>
+              <a:t>！</a:t>
+            </a:r>
+            <a:endParaRPr lang="zh-CN" altLang="en-US" sz="6000" dirty="0"/>
+          </a:p>
+        </p:txBody>
+      </p:sp>
+    </p:spTree>
+    <p:extLst>
+      <p:ext uri="{BB962C8B-B14F-4D97-AF65-F5344CB8AC3E}">
+        <p14:creationId xmlns:p14="http://schemas.microsoft.com/office/powerpoint/2010/main" val="3382256039"/>
+      </p:ext>
+    </p:extLst>
+  </p:cSld>
+  <p:clrMapOvr>
+    <a:masterClrMapping/>
+  </p:clrMapOvr>
 </p:sld>
 </file>
 
@@ -7161,13 +7544,43 @@
             <a:pPr marL="0" indent="0">
               <a:buNone/>
             </a:pPr>
+            <a:endParaRPr lang="en-US" altLang="zh-CN" dirty="0" smtClean="0"/>
+          </a:p>
+          <a:p>
+            <a:pPr marL="0" indent="0">
+              <a:buNone/>
+            </a:pPr>
+            <a:r>
+              <a:rPr lang="zh-CN" altLang="en-US" dirty="0" smtClean="0"/>
+              <a:t>一</a:t>
+            </a:r>
             <a:r>
               <a:rPr lang="zh-CN" altLang="en-US" dirty="0"/>
-              <a:t>一个元素外观的改变所触发的浏览器行</a:t>
+              <a:t>个元素外观的改变所触发的浏览器行</a:t>
             </a:r>
             <a:r>
               <a:rPr lang="zh-CN" altLang="en-US" dirty="0" smtClean="0"/>
-              <a:t>为。例</a:t>
+              <a:t>为</a:t>
+            </a:r>
+            <a:r>
+              <a:rPr lang="zh-CN" altLang="en-US" dirty="0" smtClean="0"/>
+              <a:t>。</a:t>
+            </a:r>
+            <a:endParaRPr lang="en-US" altLang="zh-CN" dirty="0" smtClean="0"/>
+          </a:p>
+          <a:p>
+            <a:pPr marL="0" indent="0">
+              <a:buNone/>
+            </a:pPr>
+            <a:endParaRPr lang="en-US" altLang="zh-CN" dirty="0" smtClean="0"/>
+          </a:p>
+          <a:p>
+            <a:pPr marL="0" indent="0">
+              <a:buNone/>
+            </a:pPr>
+            <a:r>
+              <a:rPr lang="zh-CN" altLang="en-US" dirty="0" smtClean="0"/>
+              <a:t>例</a:t>
             </a:r>
             <a:r>
               <a:rPr lang="zh-CN" altLang="en-US" dirty="0"/>
@@ -7191,7 +7604,25 @@
             </a:r>
             <a:r>
               <a:rPr lang="zh-CN" altLang="en-US" dirty="0"/>
-              <a:t>景色等属性。浏览器会根据元素的新属性重新绘制，使元素呈现新的外观。重绘不</a:t>
+              <a:t>景色等属性。浏览器会根据元素的新属性重新绘制，使元素呈现新的外观</a:t>
+            </a:r>
+            <a:r>
+              <a:rPr lang="zh-CN" altLang="en-US" dirty="0" smtClean="0"/>
+              <a:t>。</a:t>
+            </a:r>
+            <a:endParaRPr lang="en-US" altLang="zh-CN" dirty="0" smtClean="0"/>
+          </a:p>
+          <a:p>
+            <a:pPr marL="0" indent="0">
+              <a:buNone/>
+            </a:pPr>
+            <a:r>
+              <a:rPr lang="zh-CN" altLang="en-US" dirty="0" smtClean="0"/>
+              <a:t>重</a:t>
+            </a:r>
+            <a:r>
+              <a:rPr lang="zh-CN" altLang="en-US" dirty="0"/>
+              <a:t>绘不</a:t>
             </a:r>
             <a:r>
               <a:rPr lang="zh-CN" altLang="en-US" dirty="0" smtClean="0"/>
@@ -7301,7 +7732,7 @@
         <p:spPr>
           <a:xfrm>
             <a:off x="395536" y="3501008"/>
-            <a:ext cx="8424936" cy="1200329"/>
+            <a:ext cx="8424936" cy="1815882"/>
           </a:xfrm>
           <a:prstGeom prst="rect">
             <a:avLst/>
@@ -7319,18 +7750,18 @@
               <a:buChar char="ü"/>
             </a:pPr>
             <a:r>
-              <a:rPr lang="en-US" altLang="zh-CN" dirty="0"/>
+              <a:rPr lang="en-US" altLang="zh-CN" sz="2800" dirty="0"/>
               <a:t>1. DOM</a:t>
             </a:r>
             <a:r>
-              <a:rPr lang="zh-CN" altLang="en-US" dirty="0"/>
+              <a:rPr lang="zh-CN" altLang="en-US" sz="2800" dirty="0"/>
               <a:t>元素的几何属性变</a:t>
             </a:r>
             <a:r>
-              <a:rPr lang="zh-CN" altLang="en-US" dirty="0" smtClean="0"/>
+              <a:rPr lang="zh-CN" altLang="en-US" sz="2800" dirty="0" smtClean="0"/>
               <a:t>化</a:t>
             </a:r>
-            <a:endParaRPr lang="en-US" altLang="zh-CN" dirty="0" smtClean="0"/>
+            <a:endParaRPr lang="en-US" altLang="zh-CN" sz="2800" dirty="0" smtClean="0"/>
           </a:p>
           <a:p>
             <a:pPr marL="285750" indent="-285750">
@@ -7338,18 +7769,18 @@
               <a:buChar char="ü"/>
             </a:pPr>
             <a:r>
-              <a:rPr lang="en-US" altLang="zh-CN" dirty="0"/>
+              <a:rPr lang="en-US" altLang="zh-CN" sz="2800" dirty="0"/>
               <a:t>2. DOM</a:t>
             </a:r>
             <a:r>
-              <a:rPr lang="zh-CN" altLang="en-US" dirty="0"/>
+              <a:rPr lang="zh-CN" altLang="en-US" sz="2800" dirty="0"/>
               <a:t>树的结构变</a:t>
             </a:r>
             <a:r>
-              <a:rPr lang="zh-CN" altLang="en-US" dirty="0" smtClean="0"/>
+              <a:rPr lang="zh-CN" altLang="en-US" sz="2800" dirty="0" smtClean="0"/>
               <a:t>化</a:t>
             </a:r>
-            <a:endParaRPr lang="en-US" altLang="zh-CN" dirty="0" smtClean="0"/>
+            <a:endParaRPr lang="en-US" altLang="zh-CN" sz="2800" dirty="0" smtClean="0"/>
           </a:p>
           <a:p>
             <a:pPr marL="285750" indent="-285750">
@@ -7357,34 +7788,34 @@
               <a:buChar char="ü"/>
             </a:pPr>
             <a:r>
-              <a:rPr lang="en-US" altLang="zh-CN" dirty="0"/>
+              <a:rPr lang="en-US" altLang="zh-CN" sz="2800" dirty="0"/>
               <a:t>3. </a:t>
             </a:r>
             <a:r>
-              <a:rPr lang="zh-CN" altLang="en-US" dirty="0"/>
+              <a:rPr lang="zh-CN" altLang="en-US" sz="2800" dirty="0"/>
               <a:t>获取某些属</a:t>
             </a:r>
             <a:r>
-              <a:rPr lang="zh-CN" altLang="en-US" dirty="0" smtClean="0"/>
+              <a:rPr lang="zh-CN" altLang="en-US" sz="2800" dirty="0" smtClean="0"/>
               <a:t>性（</a:t>
             </a:r>
             <a:r>
-              <a:rPr lang="en-US" altLang="zh-CN" dirty="0" err="1" smtClean="0"/>
+              <a:rPr lang="en-US" altLang="zh-CN" sz="2800" dirty="0" err="1" smtClean="0"/>
               <a:t>offsetWidth</a:t>
             </a:r>
             <a:r>
-              <a:rPr lang="zh-CN" altLang="en-US" dirty="0" smtClean="0"/>
+              <a:rPr lang="zh-CN" altLang="en-US" sz="2800" dirty="0" smtClean="0"/>
               <a:t>，</a:t>
             </a:r>
             <a:r>
-              <a:rPr lang="en-US" altLang="zh-CN" dirty="0" err="1" smtClean="0"/>
+              <a:rPr lang="en-US" altLang="zh-CN" sz="2800" dirty="0" err="1" smtClean="0"/>
               <a:t>offsetHeight</a:t>
             </a:r>
             <a:r>
-              <a:rPr lang="zh-CN" altLang="en-US" dirty="0" smtClean="0"/>
+              <a:rPr lang="zh-CN" altLang="en-US" sz="2800" dirty="0" smtClean="0"/>
               <a:t>等）</a:t>
             </a:r>
-            <a:endParaRPr lang="en-US" altLang="zh-CN" dirty="0" smtClean="0"/>
+            <a:endParaRPr lang="en-US" altLang="zh-CN" sz="2800" dirty="0" smtClean="0"/>
           </a:p>
           <a:p>
             <a:pPr marL="285750" indent="-285750">
@@ -7392,18 +7823,18 @@
               <a:buChar char="ü"/>
             </a:pPr>
             <a:r>
-              <a:rPr lang="en-US" altLang="zh-CN" dirty="0" smtClean="0"/>
+              <a:rPr lang="en-US" altLang="zh-CN" sz="2800" dirty="0" smtClean="0"/>
               <a:t>4.</a:t>
             </a:r>
             <a:r>
-              <a:rPr lang="zh-CN" altLang="en-US" dirty="0"/>
+              <a:rPr lang="zh-CN" altLang="en-US" sz="2800" dirty="0"/>
               <a:t>其</a:t>
             </a:r>
             <a:r>
-              <a:rPr lang="zh-CN" altLang="en-US" dirty="0" smtClean="0"/>
+              <a:rPr lang="zh-CN" altLang="en-US" sz="2800" dirty="0" smtClean="0"/>
               <a:t>他</a:t>
             </a:r>
-            <a:endParaRPr lang="en-US" altLang="zh-CN" dirty="0"/>
+            <a:endParaRPr lang="en-US" altLang="zh-CN" sz="2800" dirty="0"/>
           </a:p>
         </p:txBody>
       </p:sp>
@@ -7514,6 +7945,136 @@
           </a:p>
         </p:txBody>
       </p:sp>
+      <p:sp>
+        <p:nvSpPr>
+          <p:cNvPr id="4" name="TextBox 3"/>
+          <p:cNvSpPr txBox="1"/>
+          <p:nvPr/>
+        </p:nvSpPr>
+        <p:spPr>
+          <a:xfrm>
+            <a:off x="1043608" y="3140968"/>
+            <a:ext cx="6912768" cy="2677656"/>
+          </a:xfrm>
+          <a:prstGeom prst="rect">
+            <a:avLst/>
+          </a:prstGeom>
+          <a:noFill/>
+        </p:spPr>
+        <p:txBody>
+          <a:bodyPr wrap="square" rtlCol="0">
+            <a:spAutoFit/>
+          </a:bodyPr>
+          <a:lstStyle/>
+          <a:p>
+            <a:pPr>
+              <a:lnSpc>
+                <a:spcPct val="150000"/>
+              </a:lnSpc>
+            </a:pPr>
+            <a:r>
+              <a:rPr lang="en-US" altLang="zh-CN" sz="2000" dirty="0" smtClean="0"/>
+              <a:t>1.</a:t>
+            </a:r>
+            <a:r>
+              <a:rPr lang="zh-CN" altLang="en-US" sz="2000" dirty="0" smtClean="0"/>
+              <a:t>用</a:t>
+            </a:r>
+            <a:r>
+              <a:rPr lang="en-US" altLang="zh-CN" sz="2000" dirty="0" smtClean="0"/>
+              <a:t>class</a:t>
+            </a:r>
+            <a:r>
+              <a:rPr lang="zh-CN" altLang="en-US" sz="2000" dirty="0" smtClean="0"/>
+              <a:t>批量操作样式。</a:t>
+            </a:r>
+            <a:endParaRPr lang="en-US" altLang="zh-CN" sz="2000" dirty="0" smtClean="0"/>
+          </a:p>
+          <a:p>
+            <a:pPr>
+              <a:lnSpc>
+                <a:spcPct val="150000"/>
+              </a:lnSpc>
+            </a:pPr>
+            <a:r>
+              <a:rPr lang="en-US" altLang="zh-CN" sz="2000" dirty="0" smtClean="0"/>
+              <a:t>2.</a:t>
+            </a:r>
+            <a:r>
+              <a:rPr lang="zh-CN" altLang="en-US" sz="2000" dirty="0" smtClean="0"/>
+              <a:t>将元素脱离文档流。</a:t>
+            </a:r>
+            <a:endParaRPr lang="en-US" altLang="zh-CN" sz="2000" dirty="0" smtClean="0"/>
+          </a:p>
+          <a:p>
+            <a:pPr>
+              <a:lnSpc>
+                <a:spcPct val="150000"/>
+              </a:lnSpc>
+            </a:pPr>
+            <a:r>
+              <a:rPr lang="en-US" altLang="zh-CN" sz="2000" dirty="0" smtClean="0"/>
+              <a:t>3.</a:t>
+            </a:r>
+            <a:r>
+              <a:rPr lang="zh-CN" altLang="en-US" sz="2000" dirty="0" smtClean="0"/>
+              <a:t>多次操作节点后在插入到文档中。</a:t>
+            </a:r>
+            <a:endParaRPr lang="en-US" altLang="zh-CN" sz="2000" dirty="0" smtClean="0"/>
+          </a:p>
+          <a:p>
+            <a:pPr>
+              <a:lnSpc>
+                <a:spcPct val="150000"/>
+              </a:lnSpc>
+            </a:pPr>
+            <a:r>
+              <a:rPr lang="en-US" altLang="zh-CN" sz="2000" dirty="0" smtClean="0"/>
+              <a:t>4.</a:t>
+            </a:r>
+            <a:r>
+              <a:rPr lang="zh-CN" altLang="en-US" sz="2000" dirty="0" smtClean="0"/>
+              <a:t>先将需要操作的节点隐藏后修改，然后在</a:t>
+            </a:r>
+            <a:r>
+              <a:rPr lang="zh-CN" altLang="en-US" sz="2000" dirty="0"/>
+              <a:t>显</a:t>
+            </a:r>
+            <a:r>
+              <a:rPr lang="zh-CN" altLang="en-US" sz="2000" dirty="0" smtClean="0"/>
+              <a:t>示。</a:t>
+            </a:r>
+            <a:endParaRPr lang="en-US" altLang="zh-CN" sz="2000" dirty="0" smtClean="0"/>
+          </a:p>
+          <a:p>
+            <a:pPr>
+              <a:lnSpc>
+                <a:spcPct val="150000"/>
+              </a:lnSpc>
+            </a:pPr>
+            <a:r>
+              <a:rPr lang="en-US" altLang="zh-CN" sz="2000" dirty="0" smtClean="0"/>
+              <a:t>5.</a:t>
+            </a:r>
+            <a:r>
+              <a:rPr lang="zh-CN" altLang="en-US" sz="2000" dirty="0" smtClean="0"/>
+              <a:t>属性存在变量里。（</a:t>
+            </a:r>
+            <a:r>
+              <a:rPr lang="en-US" altLang="zh-CN" sz="2000" dirty="0" err="1" smtClean="0"/>
+              <a:t>scrollTop</a:t>
+            </a:r>
+            <a:r>
+              <a:rPr lang="zh-CN" altLang="en-US" sz="2000" dirty="0" smtClean="0"/>
+              <a:t>等）</a:t>
+            </a:r>
+            <a:endParaRPr lang="en-US" altLang="zh-CN" sz="2000" dirty="0" smtClean="0"/>
+          </a:p>
+          <a:p>
+            <a:endParaRPr lang="zh-CN" altLang="en-US" dirty="0"/>
+          </a:p>
+        </p:txBody>
+      </p:sp>
     </p:spTree>
     <p:extLst>
       <p:ext uri="{BB962C8B-B14F-4D97-AF65-F5344CB8AC3E}">
@@ -7560,8 +8121,8 @@
           <a:lstStyle/>
           <a:p>
             <a:r>
-              <a:rPr lang="en-US" altLang="zh-CN" dirty="0" smtClean="0"/>
-              <a:t>Event</a:t>
+              <a:rPr lang="zh-CN" altLang="en-US" dirty="0" smtClean="0"/>
+              <a:t>事件</a:t>
             </a:r>
             <a:endParaRPr lang="zh-CN" altLang="en-US" dirty="0"/>
           </a:p>
@@ -7579,127 +8140,139 @@
         </p:nvSpPr>
         <p:spPr>
           <a:xfrm>
-            <a:off x="457200" y="1600200"/>
-            <a:ext cx="8229600" cy="604664"/>
+            <a:off x="251520" y="1600200"/>
+            <a:ext cx="8435280" cy="4997152"/>
           </a:xfrm>
         </p:spPr>
         <p:txBody>
-          <a:bodyPr/>
-          <a:lstStyle/>
-          <a:p>
-            <a:pPr marL="0" indent="0" algn="ctr">
+          <a:bodyPr>
+            <a:normAutofit/>
+          </a:bodyPr>
+          <a:lstStyle/>
+          <a:p>
+            <a:r>
+              <a:rPr lang="zh-CN" altLang="en-US" dirty="0" smtClean="0"/>
+              <a:t>鼠标点击事件</a:t>
+            </a:r>
+            <a:endParaRPr lang="en-US" altLang="zh-CN" dirty="0" smtClean="0"/>
+          </a:p>
+          <a:p>
+            <a:pPr marL="400050" lvl="1" indent="0">
               <a:buNone/>
             </a:pPr>
             <a:r>
+              <a:rPr lang="en-US" altLang="zh-CN" dirty="0" smtClean="0"/>
+              <a:t>click</a:t>
+            </a:r>
+            <a:r>
+              <a:rPr lang="zh-CN" altLang="en-US" dirty="0"/>
+              <a:t>，</a:t>
+            </a:r>
+            <a:r>
+              <a:rPr lang="en-US" altLang="zh-CN" dirty="0" err="1"/>
+              <a:t>mouseouver</a:t>
+            </a:r>
+            <a:r>
+              <a:rPr lang="zh-CN" altLang="en-US" dirty="0"/>
+              <a:t>，</a:t>
+            </a:r>
+            <a:r>
+              <a:rPr lang="en-US" altLang="zh-CN" dirty="0" err="1" smtClean="0"/>
+              <a:t>mouseout</a:t>
+            </a:r>
+            <a:r>
               <a:rPr lang="zh-CN" altLang="en-US" dirty="0" smtClean="0"/>
-              <a:t>储存事件的详情信息</a:t>
+              <a:t>，</a:t>
+            </a:r>
+            <a:r>
+              <a:rPr lang="en-US" altLang="zh-CN" dirty="0" err="1" smtClean="0"/>
+              <a:t>mousemove</a:t>
+            </a:r>
+            <a:r>
+              <a:rPr lang="zh-CN" altLang="en-US" dirty="0"/>
+              <a:t>，</a:t>
+            </a:r>
+            <a:r>
+              <a:rPr lang="en-US" altLang="zh-CN" dirty="0" err="1" smtClean="0"/>
+              <a:t>mouseup</a:t>
+            </a:r>
+            <a:r>
+              <a:rPr lang="zh-CN" altLang="en-US" dirty="0"/>
+              <a:t>，</a:t>
+            </a:r>
+            <a:r>
+              <a:rPr lang="en-US" altLang="zh-CN" dirty="0" err="1"/>
+              <a:t>mousedown</a:t>
+            </a:r>
+            <a:r>
+              <a:rPr lang="en-US" altLang="zh-CN" dirty="0" smtClean="0"/>
+              <a:t>…</a:t>
+            </a:r>
+          </a:p>
+          <a:p>
+            <a:r>
+              <a:rPr lang="zh-CN" altLang="en-US" dirty="0" smtClean="0"/>
+              <a:t>键盘事件</a:t>
             </a:r>
             <a:endParaRPr lang="en-US" altLang="zh-CN" dirty="0" smtClean="0"/>
           </a:p>
           <a:p>
-            <a:pPr marL="0" indent="0">
+            <a:pPr marL="457200" lvl="1" indent="0">
               <a:buNone/>
             </a:pPr>
-            <a:endParaRPr lang="zh-CN" altLang="en-US" dirty="0"/>
-          </a:p>
-        </p:txBody>
-      </p:sp>
-      <p:sp>
-        <p:nvSpPr>
-          <p:cNvPr id="4" name="TextBox 3"/>
-          <p:cNvSpPr txBox="1"/>
-          <p:nvPr/>
-        </p:nvSpPr>
-        <p:spPr>
-          <a:xfrm>
-            <a:off x="611560" y="2348880"/>
-            <a:ext cx="7848872" cy="954107"/>
-          </a:xfrm>
-          <a:prstGeom prst="rect">
-            <a:avLst/>
-          </a:prstGeom>
-          <a:noFill/>
-        </p:spPr>
-        <p:txBody>
-          <a:bodyPr wrap="square" rtlCol="0">
-            <a:spAutoFit/>
-          </a:bodyPr>
-          <a:lstStyle/>
-          <a:p>
-            <a:r>
-              <a:rPr lang="en-US" altLang="zh-CN" sz="2800" dirty="0" smtClean="0"/>
-              <a:t> </a:t>
-            </a:r>
-            <a:r>
-              <a:rPr lang="en-US" altLang="zh-CN" sz="2800" dirty="0" err="1" smtClean="0"/>
-              <a:t>ev</a:t>
-            </a:r>
-            <a:r>
-              <a:rPr lang="en-US" altLang="zh-CN" sz="2800" dirty="0" smtClean="0"/>
-              <a:t> || event          (</a:t>
-            </a:r>
-            <a:r>
-              <a:rPr lang="en-US" altLang="zh-CN" sz="2800" dirty="0" err="1" smtClean="0"/>
-              <a:t>ev</a:t>
-            </a:r>
-            <a:r>
-              <a:rPr lang="zh-CN" altLang="en-US" sz="2800" dirty="0" smtClean="0"/>
-              <a:t>兼容</a:t>
-            </a:r>
-            <a:r>
-              <a:rPr lang="en-US" altLang="zh-CN" sz="2800" dirty="0" err="1" smtClean="0"/>
-              <a:t>ie,chrome</a:t>
-            </a:r>
-            <a:r>
-              <a:rPr lang="en-US" altLang="zh-CN" sz="2800" dirty="0" smtClean="0"/>
-              <a:t> )</a:t>
-            </a:r>
-          </a:p>
-          <a:p>
-            <a:r>
-              <a:rPr lang="en-US" altLang="zh-CN" sz="2800" dirty="0"/>
-              <a:t>	</a:t>
-            </a:r>
-            <a:r>
-              <a:rPr lang="en-US" altLang="zh-CN" sz="2800" dirty="0" smtClean="0"/>
-              <a:t>	       </a:t>
-            </a:r>
-            <a:r>
-              <a:rPr lang="zh-CN" altLang="en-US" sz="2800" dirty="0" smtClean="0"/>
-              <a:t>（</a:t>
-            </a:r>
-            <a:r>
-              <a:rPr lang="en-US" altLang="zh-CN" sz="2800" dirty="0" smtClean="0"/>
-              <a:t>event</a:t>
-            </a:r>
-            <a:r>
-              <a:rPr lang="zh-CN" altLang="en-US" sz="2800" dirty="0" smtClean="0"/>
-              <a:t>兼容</a:t>
-            </a:r>
-            <a:r>
-              <a:rPr lang="en-US" altLang="zh-CN" sz="2800" dirty="0" smtClean="0"/>
-              <a:t>chrome</a:t>
-            </a:r>
-            <a:r>
-              <a:rPr lang="zh-CN" altLang="en-US" sz="2800" dirty="0" smtClean="0"/>
-              <a:t>和</a:t>
-            </a:r>
-            <a:r>
-              <a:rPr lang="en-US" altLang="zh-CN" sz="2800" dirty="0" err="1" smtClean="0"/>
-              <a:t>firefox</a:t>
-            </a:r>
-            <a:r>
-              <a:rPr lang="zh-CN" altLang="en-US" sz="2800" dirty="0" smtClean="0"/>
-              <a:t>）</a:t>
-            </a:r>
-            <a:endParaRPr lang="zh-CN" altLang="en-US" sz="2800" dirty="0"/>
+            <a:r>
+              <a:rPr lang="en-US" altLang="zh-CN" dirty="0" err="1" smtClean="0"/>
+              <a:t>keyup</a:t>
+            </a:r>
+            <a:r>
+              <a:rPr lang="zh-CN" altLang="en-US" dirty="0" smtClean="0"/>
+              <a:t>，</a:t>
+            </a:r>
+            <a:r>
+              <a:rPr lang="en-US" altLang="zh-CN" dirty="0" err="1" smtClean="0"/>
+              <a:t>keydown</a:t>
+            </a:r>
+            <a:endParaRPr lang="en-US" altLang="zh-CN" dirty="0" smtClean="0"/>
+          </a:p>
+          <a:p>
+            <a:r>
+              <a:rPr lang="zh-CN" altLang="en-US" dirty="0" smtClean="0"/>
+              <a:t>其他事件</a:t>
+            </a:r>
+            <a:endParaRPr lang="en-US" altLang="zh-CN" dirty="0" smtClean="0"/>
+          </a:p>
+          <a:p>
+            <a:pPr marL="457200" lvl="1" indent="0">
+              <a:buNone/>
+            </a:pPr>
+            <a:r>
+              <a:rPr lang="en-US" altLang="zh-CN" dirty="0" smtClean="0"/>
+              <a:t>focus</a:t>
+            </a:r>
+            <a:r>
+              <a:rPr lang="zh-CN" altLang="en-US" dirty="0" smtClean="0"/>
+              <a:t>，</a:t>
+            </a:r>
+            <a:r>
+              <a:rPr lang="en-US" altLang="zh-CN" dirty="0" smtClean="0"/>
+              <a:t>blur</a:t>
+            </a:r>
+            <a:r>
+              <a:rPr lang="zh-CN" altLang="en-US" dirty="0" smtClean="0"/>
+              <a:t>，</a:t>
+            </a:r>
+            <a:r>
+              <a:rPr lang="en-US" altLang="zh-CN" dirty="0" smtClean="0"/>
+              <a:t>load</a:t>
+            </a:r>
+            <a:endParaRPr lang="en-US" altLang="zh-CN" dirty="0" smtClean="0"/>
           </a:p>
         </p:txBody>
       </p:sp>
     </p:spTree>
     <p:extLst>
       <p:ext uri="{BB962C8B-B14F-4D97-AF65-F5344CB8AC3E}">
-        <p14:creationId xmlns:p14="http://schemas.microsoft.com/office/powerpoint/2010/main" val="1598533999"/>
+        <p14:creationId xmlns:p14="http://schemas.microsoft.com/office/powerpoint/2010/main" val="2772400822"/>
       </p:ext>
     </p:extLst>
   </p:cSld>
@@ -7709,9 +8282,401 @@
   <p:timing>
     <p:tnLst>
       <p:par>
-        <p:cTn id="1" dur="indefinite" restart="never" nodeType="tmRoot"/>
+        <p:cTn id="1" dur="indefinite" restart="never" nodeType="tmRoot">
+          <p:childTnLst>
+            <p:seq concurrent="1" nextAc="seek">
+              <p:cTn id="2" dur="indefinite" nodeType="mainSeq">
+                <p:childTnLst>
+                  <p:par>
+                    <p:cTn id="3" fill="hold">
+                      <p:stCondLst>
+                        <p:cond delay="indefinite"/>
+                      </p:stCondLst>
+                      <p:childTnLst>
+                        <p:par>
+                          <p:cTn id="4" fill="hold">
+                            <p:stCondLst>
+                              <p:cond delay="0"/>
+                            </p:stCondLst>
+                            <p:childTnLst>
+                              <p:par>
+                                <p:cTn id="5" presetID="6" presetClass="entr" presetSubtype="16" fill="hold" grpId="0" nodeType="clickEffect">
+                                  <p:stCondLst>
+                                    <p:cond delay="0"/>
+                                  </p:stCondLst>
+                                  <p:childTnLst>
+                                    <p:set>
+                                      <p:cBhvr>
+                                        <p:cTn id="6" dur="1" fill="hold">
+                                          <p:stCondLst>
+                                            <p:cond delay="0"/>
+                                          </p:stCondLst>
+                                        </p:cTn>
+                                        <p:tgtEl>
+                                          <p:spTgt spid="2"/>
+                                        </p:tgtEl>
+                                        <p:attrNameLst>
+                                          <p:attrName>style.visibility</p:attrName>
+                                        </p:attrNameLst>
+                                      </p:cBhvr>
+                                      <p:to>
+                                        <p:strVal val="visible"/>
+                                      </p:to>
+                                    </p:set>
+                                    <p:animEffect transition="in" filter="circle(in)">
+                                      <p:cBhvr>
+                                        <p:cTn id="7" dur="2000"/>
+                                        <p:tgtEl>
+                                          <p:spTgt spid="2"/>
+                                        </p:tgtEl>
+                                      </p:cBhvr>
+                                    </p:animEffect>
+                                  </p:childTnLst>
+                                </p:cTn>
+                              </p:par>
+                            </p:childTnLst>
+                          </p:cTn>
+                        </p:par>
+                      </p:childTnLst>
+                    </p:cTn>
+                  </p:par>
+                  <p:par>
+                    <p:cTn id="8" fill="hold">
+                      <p:stCondLst>
+                        <p:cond delay="indefinite"/>
+                      </p:stCondLst>
+                      <p:childTnLst>
+                        <p:par>
+                          <p:cTn id="9" fill="hold">
+                            <p:stCondLst>
+                              <p:cond delay="0"/>
+                            </p:stCondLst>
+                            <p:childTnLst>
+                              <p:par>
+                                <p:cTn id="10" presetID="16" presetClass="entr" presetSubtype="21" fill="hold" grpId="0" nodeType="clickEffect">
+                                  <p:stCondLst>
+                                    <p:cond delay="0"/>
+                                  </p:stCondLst>
+                                  <p:childTnLst>
+                                    <p:set>
+                                      <p:cBhvr>
+                                        <p:cTn id="11" dur="1" fill="hold">
+                                          <p:stCondLst>
+                                            <p:cond delay="0"/>
+                                          </p:stCondLst>
+                                        </p:cTn>
+                                        <p:tgtEl>
+                                          <p:spTgt spid="3">
+                                            <p:txEl>
+                                              <p:pRg st="0" end="0"/>
+                                            </p:txEl>
+                                          </p:spTgt>
+                                        </p:tgtEl>
+                                        <p:attrNameLst>
+                                          <p:attrName>style.visibility</p:attrName>
+                                        </p:attrNameLst>
+                                      </p:cBhvr>
+                                      <p:to>
+                                        <p:strVal val="visible"/>
+                                      </p:to>
+                                    </p:set>
+                                    <p:animEffect transition="in" filter="barn(inVertical)">
+                                      <p:cBhvr>
+                                        <p:cTn id="12" dur="500"/>
+                                        <p:tgtEl>
+                                          <p:spTgt spid="3">
+                                            <p:txEl>
+                                              <p:pRg st="0" end="0"/>
+                                            </p:txEl>
+                                          </p:spTgt>
+                                        </p:tgtEl>
+                                      </p:cBhvr>
+                                    </p:animEffect>
+                                  </p:childTnLst>
+                                </p:cTn>
+                              </p:par>
+                              <p:par>
+                                <p:cTn id="13" presetID="16" presetClass="entr" presetSubtype="21" fill="hold" grpId="0" nodeType="withEffect">
+                                  <p:stCondLst>
+                                    <p:cond delay="0"/>
+                                  </p:stCondLst>
+                                  <p:childTnLst>
+                                    <p:set>
+                                      <p:cBhvr>
+                                        <p:cTn id="14" dur="1" fill="hold">
+                                          <p:stCondLst>
+                                            <p:cond delay="0"/>
+                                          </p:stCondLst>
+                                        </p:cTn>
+                                        <p:tgtEl>
+                                          <p:spTgt spid="3">
+                                            <p:txEl>
+                                              <p:pRg st="1" end="1"/>
+                                            </p:txEl>
+                                          </p:spTgt>
+                                        </p:tgtEl>
+                                        <p:attrNameLst>
+                                          <p:attrName>style.visibility</p:attrName>
+                                        </p:attrNameLst>
+                                      </p:cBhvr>
+                                      <p:to>
+                                        <p:strVal val="visible"/>
+                                      </p:to>
+                                    </p:set>
+                                    <p:animEffect transition="in" filter="barn(inVertical)">
+                                      <p:cBhvr>
+                                        <p:cTn id="15" dur="500"/>
+                                        <p:tgtEl>
+                                          <p:spTgt spid="3">
+                                            <p:txEl>
+                                              <p:pRg st="1" end="1"/>
+                                            </p:txEl>
+                                          </p:spTgt>
+                                        </p:tgtEl>
+                                      </p:cBhvr>
+                                    </p:animEffect>
+                                  </p:childTnLst>
+                                </p:cTn>
+                              </p:par>
+                            </p:childTnLst>
+                          </p:cTn>
+                        </p:par>
+                      </p:childTnLst>
+                    </p:cTn>
+                  </p:par>
+                  <p:par>
+                    <p:cTn id="16" fill="hold">
+                      <p:stCondLst>
+                        <p:cond delay="indefinite"/>
+                      </p:stCondLst>
+                      <p:childTnLst>
+                        <p:par>
+                          <p:cTn id="17" fill="hold">
+                            <p:stCondLst>
+                              <p:cond delay="0"/>
+                            </p:stCondLst>
+                            <p:childTnLst>
+                              <p:par>
+                                <p:cTn id="18" presetID="16" presetClass="entr" presetSubtype="21" fill="hold" grpId="0" nodeType="clickEffect">
+                                  <p:stCondLst>
+                                    <p:cond delay="0"/>
+                                  </p:stCondLst>
+                                  <p:childTnLst>
+                                    <p:set>
+                                      <p:cBhvr>
+                                        <p:cTn id="19" dur="1" fill="hold">
+                                          <p:stCondLst>
+                                            <p:cond delay="0"/>
+                                          </p:stCondLst>
+                                        </p:cTn>
+                                        <p:tgtEl>
+                                          <p:spTgt spid="3">
+                                            <p:txEl>
+                                              <p:pRg st="2" end="2"/>
+                                            </p:txEl>
+                                          </p:spTgt>
+                                        </p:tgtEl>
+                                        <p:attrNameLst>
+                                          <p:attrName>style.visibility</p:attrName>
+                                        </p:attrNameLst>
+                                      </p:cBhvr>
+                                      <p:to>
+                                        <p:strVal val="visible"/>
+                                      </p:to>
+                                    </p:set>
+                                    <p:animEffect transition="in" filter="barn(inVertical)">
+                                      <p:cBhvr>
+                                        <p:cTn id="20" dur="500"/>
+                                        <p:tgtEl>
+                                          <p:spTgt spid="3">
+                                            <p:txEl>
+                                              <p:pRg st="2" end="2"/>
+                                            </p:txEl>
+                                          </p:spTgt>
+                                        </p:tgtEl>
+                                      </p:cBhvr>
+                                    </p:animEffect>
+                                  </p:childTnLst>
+                                </p:cTn>
+                              </p:par>
+                              <p:par>
+                                <p:cTn id="21" presetID="16" presetClass="entr" presetSubtype="21" fill="hold" grpId="0" nodeType="withEffect">
+                                  <p:stCondLst>
+                                    <p:cond delay="0"/>
+                                  </p:stCondLst>
+                                  <p:childTnLst>
+                                    <p:set>
+                                      <p:cBhvr>
+                                        <p:cTn id="22" dur="1" fill="hold">
+                                          <p:stCondLst>
+                                            <p:cond delay="0"/>
+                                          </p:stCondLst>
+                                        </p:cTn>
+                                        <p:tgtEl>
+                                          <p:spTgt spid="3">
+                                            <p:txEl>
+                                              <p:pRg st="3" end="3"/>
+                                            </p:txEl>
+                                          </p:spTgt>
+                                        </p:tgtEl>
+                                        <p:attrNameLst>
+                                          <p:attrName>style.visibility</p:attrName>
+                                        </p:attrNameLst>
+                                      </p:cBhvr>
+                                      <p:to>
+                                        <p:strVal val="visible"/>
+                                      </p:to>
+                                    </p:set>
+                                    <p:animEffect transition="in" filter="barn(inVertical)">
+                                      <p:cBhvr>
+                                        <p:cTn id="23" dur="500"/>
+                                        <p:tgtEl>
+                                          <p:spTgt spid="3">
+                                            <p:txEl>
+                                              <p:pRg st="3" end="3"/>
+                                            </p:txEl>
+                                          </p:spTgt>
+                                        </p:tgtEl>
+                                      </p:cBhvr>
+                                    </p:animEffect>
+                                  </p:childTnLst>
+                                </p:cTn>
+                              </p:par>
+                            </p:childTnLst>
+                          </p:cTn>
+                        </p:par>
+                      </p:childTnLst>
+                    </p:cTn>
+                  </p:par>
+                  <p:par>
+                    <p:cTn id="24" fill="hold">
+                      <p:stCondLst>
+                        <p:cond delay="indefinite"/>
+                      </p:stCondLst>
+                      <p:childTnLst>
+                        <p:par>
+                          <p:cTn id="25" fill="hold">
+                            <p:stCondLst>
+                              <p:cond delay="0"/>
+                            </p:stCondLst>
+                            <p:childTnLst>
+                              <p:par>
+                                <p:cTn id="26" presetID="16" presetClass="entr" presetSubtype="21" fill="hold" grpId="0" nodeType="clickEffect">
+                                  <p:stCondLst>
+                                    <p:cond delay="0"/>
+                                  </p:stCondLst>
+                                  <p:childTnLst>
+                                    <p:set>
+                                      <p:cBhvr>
+                                        <p:cTn id="27" dur="1" fill="hold">
+                                          <p:stCondLst>
+                                            <p:cond delay="0"/>
+                                          </p:stCondLst>
+                                        </p:cTn>
+                                        <p:tgtEl>
+                                          <p:spTgt spid="3">
+                                            <p:txEl>
+                                              <p:pRg st="4" end="4"/>
+                                            </p:txEl>
+                                          </p:spTgt>
+                                        </p:tgtEl>
+                                        <p:attrNameLst>
+                                          <p:attrName>style.visibility</p:attrName>
+                                        </p:attrNameLst>
+                                      </p:cBhvr>
+                                      <p:to>
+                                        <p:strVal val="visible"/>
+                                      </p:to>
+                                    </p:set>
+                                    <p:animEffect transition="in" filter="barn(inVertical)">
+                                      <p:cBhvr>
+                                        <p:cTn id="28" dur="500"/>
+                                        <p:tgtEl>
+                                          <p:spTgt spid="3">
+                                            <p:txEl>
+                                              <p:pRg st="4" end="4"/>
+                                            </p:txEl>
+                                          </p:spTgt>
+                                        </p:tgtEl>
+                                      </p:cBhvr>
+                                    </p:animEffect>
+                                  </p:childTnLst>
+                                </p:cTn>
+                              </p:par>
+                              <p:par>
+                                <p:cTn id="29" presetID="16" presetClass="entr" presetSubtype="21" fill="hold" grpId="0" nodeType="withEffect">
+                                  <p:stCondLst>
+                                    <p:cond delay="0"/>
+                                  </p:stCondLst>
+                                  <p:childTnLst>
+                                    <p:set>
+                                      <p:cBhvr>
+                                        <p:cTn id="30" dur="1" fill="hold">
+                                          <p:stCondLst>
+                                            <p:cond delay="0"/>
+                                          </p:stCondLst>
+                                        </p:cTn>
+                                        <p:tgtEl>
+                                          <p:spTgt spid="3">
+                                            <p:txEl>
+                                              <p:pRg st="5" end="5"/>
+                                            </p:txEl>
+                                          </p:spTgt>
+                                        </p:tgtEl>
+                                        <p:attrNameLst>
+                                          <p:attrName>style.visibility</p:attrName>
+                                        </p:attrNameLst>
+                                      </p:cBhvr>
+                                      <p:to>
+                                        <p:strVal val="visible"/>
+                                      </p:to>
+                                    </p:set>
+                                    <p:animEffect transition="in" filter="barn(inVertical)">
+                                      <p:cBhvr>
+                                        <p:cTn id="31" dur="500"/>
+                                        <p:tgtEl>
+                                          <p:spTgt spid="3">
+                                            <p:txEl>
+                                              <p:pRg st="5" end="5"/>
+                                            </p:txEl>
+                                          </p:spTgt>
+                                        </p:tgtEl>
+                                      </p:cBhvr>
+                                    </p:animEffect>
+                                  </p:childTnLst>
+                                </p:cTn>
+                              </p:par>
+                            </p:childTnLst>
+                          </p:cTn>
+                        </p:par>
+                      </p:childTnLst>
+                    </p:cTn>
+                  </p:par>
+                </p:childTnLst>
+              </p:cTn>
+              <p:prevCondLst>
+                <p:cond evt="onPrev" delay="0">
+                  <p:tgtEl>
+                    <p:sldTgt/>
+                  </p:tgtEl>
+                </p:cond>
+              </p:prevCondLst>
+              <p:nextCondLst>
+                <p:cond evt="onNext" delay="0">
+                  <p:tgtEl>
+                    <p:sldTgt/>
+                  </p:tgtEl>
+                </p:cond>
+              </p:nextCondLst>
+            </p:seq>
+          </p:childTnLst>
+        </p:cTn>
       </p:par>
     </p:tnLst>
+    <p:bldLst>
+      <p:bldP spid="2" grpId="0"/>
+      <p:bldP spid="3" grpId="0" build="p"/>
+    </p:bldLst>
   </p:timing>
 </p:sld>
 </file>

--- a/Dom/HTML DOM（css，event）.pptx
+++ b/Dom/HTML DOM（css，event）.pptx
@@ -8,23 +8,29 @@
     <p:sldId id="274" r:id="rId2"/>
     <p:sldId id="275" r:id="rId3"/>
     <p:sldId id="256" r:id="rId4"/>
-    <p:sldId id="257" r:id="rId5"/>
-    <p:sldId id="258" r:id="rId6"/>
-    <p:sldId id="260" r:id="rId7"/>
-    <p:sldId id="259" r:id="rId8"/>
-    <p:sldId id="267" r:id="rId9"/>
-    <p:sldId id="268" r:id="rId10"/>
-    <p:sldId id="266" r:id="rId11"/>
-    <p:sldId id="276" r:id="rId12"/>
-    <p:sldId id="261" r:id="rId13"/>
-    <p:sldId id="271" r:id="rId14"/>
-    <p:sldId id="272" r:id="rId15"/>
-    <p:sldId id="265" r:id="rId16"/>
-    <p:sldId id="269" r:id="rId17"/>
-    <p:sldId id="270" r:id="rId18"/>
-    <p:sldId id="262" r:id="rId19"/>
-    <p:sldId id="263" r:id="rId20"/>
-    <p:sldId id="273" r:id="rId21"/>
+    <p:sldId id="277" r:id="rId5"/>
+    <p:sldId id="278" r:id="rId6"/>
+    <p:sldId id="279" r:id="rId7"/>
+    <p:sldId id="280" r:id="rId8"/>
+    <p:sldId id="257" r:id="rId9"/>
+    <p:sldId id="258" r:id="rId10"/>
+    <p:sldId id="260" r:id="rId11"/>
+    <p:sldId id="259" r:id="rId12"/>
+    <p:sldId id="266" r:id="rId13"/>
+    <p:sldId id="267" r:id="rId14"/>
+    <p:sldId id="268" r:id="rId15"/>
+    <p:sldId id="261" r:id="rId16"/>
+    <p:sldId id="271" r:id="rId17"/>
+    <p:sldId id="272" r:id="rId18"/>
+    <p:sldId id="281" r:id="rId19"/>
+    <p:sldId id="265" r:id="rId20"/>
+    <p:sldId id="282" r:id="rId21"/>
+    <p:sldId id="283" r:id="rId22"/>
+    <p:sldId id="269" r:id="rId23"/>
+    <p:sldId id="270" r:id="rId24"/>
+    <p:sldId id="262" r:id="rId25"/>
+    <p:sldId id="263" r:id="rId26"/>
+    <p:sldId id="273" r:id="rId27"/>
   </p:sldIdLst>
   <p:sldSz cx="9144000" cy="6858000" type="screen4x3"/>
   <p:notesSz cx="6858000" cy="9144000"/>
@@ -876,8 +882,8 @@
 <file path=ppt/diagrams/data1.xml><?xml version="1.0" encoding="utf-8"?>
 <dgm:dataModel xmlns:dgm="http://schemas.openxmlformats.org/drawingml/2006/diagram" xmlns:a="http://schemas.openxmlformats.org/drawingml/2006/main">
   <dgm:ptLst>
-    <dgm:pt modelId="{3810079D-9B80-4B4A-987D-60DB49282257}" type="doc">
-      <dgm:prSet loTypeId="urn:microsoft.com/office/officeart/2005/8/layout/vList6" loCatId="process" qsTypeId="urn:microsoft.com/office/officeart/2005/8/quickstyle/simple1" qsCatId="simple" csTypeId="urn:microsoft.com/office/officeart/2005/8/colors/accent1_2" csCatId="accent1" phldr="1"/>
+    <dgm:pt modelId="{102B4D0D-359A-4B8A-A86A-2882ABD6ABA3}" type="doc">
+      <dgm:prSet loTypeId="urn:microsoft.com/office/officeart/2005/8/layout/StepDownProcess" loCatId="process" qsTypeId="urn:microsoft.com/office/officeart/2005/8/quickstyle/simple1" qsCatId="simple" csTypeId="urn:microsoft.com/office/officeart/2005/8/colors/accent1_2" csCatId="accent1" phldr="1"/>
       <dgm:spPr/>
       <dgm:t>
         <a:bodyPr/>
@@ -887,22 +893,30 @@
         </a:p>
       </dgm:t>
     </dgm:pt>
-    <dgm:pt modelId="{45F8B03F-5131-4FEF-9E20-4F68CB194B16}">
-      <dgm:prSet phldrT="[文本]" custT="1"/>
+    <dgm:pt modelId="{0559420A-816A-4667-ADB4-0086E614BAD7}">
+      <dgm:prSet phldrT="[文本]"/>
       <dgm:spPr/>
       <dgm:t>
         <a:bodyPr/>
         <a:lstStyle/>
         <a:p>
           <a:r>
-            <a:rPr lang="en-US" altLang="zh-CN" sz="3200" dirty="0" smtClean="0"/>
-            <a:t>Dom level0</a:t>
+            <a:rPr lang="zh-CN" altLang="en-US" dirty="0" smtClean="0"/>
+            <a:t>渲染</a:t>
           </a:r>
-          <a:endParaRPr lang="zh-CN" altLang="en-US" sz="3200" dirty="0"/>
+          <a:r>
+            <a:rPr lang="en-US" altLang="zh-CN" dirty="0" smtClean="0"/>
+            <a:t>Dom</a:t>
+          </a:r>
+          <a:r>
+            <a:rPr lang="zh-CN" altLang="en-US" dirty="0" smtClean="0"/>
+            <a:t>节点</a:t>
+          </a:r>
+          <a:endParaRPr lang="zh-CN" altLang="en-US" dirty="0"/>
         </a:p>
       </dgm:t>
     </dgm:pt>
-    <dgm:pt modelId="{83CED777-5FF9-41A6-BC09-F8E2CE3006BA}" type="parTrans" cxnId="{02AFB86D-3CE6-47FB-9D6E-FDDE60B7EE22}">
+    <dgm:pt modelId="{7F4370AE-862B-459B-B7C6-FF4FFE132731}" type="parTrans" cxnId="{18D9B433-064B-43BF-A65F-AC9551FCA421}">
       <dgm:prSet/>
       <dgm:spPr/>
       <dgm:t>
@@ -913,7 +927,7 @@
         </a:p>
       </dgm:t>
     </dgm:pt>
-    <dgm:pt modelId="{D4E3C0E8-C9BE-4CB6-BD97-2BDC64DD750E}" type="sibTrans" cxnId="{02AFB86D-3CE6-47FB-9D6E-FDDE60B7EE22}">
+    <dgm:pt modelId="{1F91A19B-E246-4387-8325-4F826258725B}" type="sibTrans" cxnId="{18D9B433-064B-43BF-A65F-AC9551FCA421}">
       <dgm:prSet/>
       <dgm:spPr/>
       <dgm:t>
@@ -924,22 +938,38 @@
         </a:p>
       </dgm:t>
     </dgm:pt>
-    <dgm:pt modelId="{3166C745-924A-4CD8-9A20-4B88A3572B74}">
-      <dgm:prSet phldrT="[文本]" custT="1"/>
+    <dgm:pt modelId="{E90CCD44-C070-46CF-AA88-2C9485491BA8}">
+      <dgm:prSet phldrT="[文本]"/>
       <dgm:spPr/>
       <dgm:t>
         <a:bodyPr/>
         <a:lstStyle/>
         <a:p>
           <a:r>
-            <a:rPr lang="zh-CN" altLang="en-US" sz="2800" dirty="0" smtClean="0"/>
-            <a:t>行间事件</a:t>
+            <a:rPr lang="zh-CN" altLang="en-US" dirty="0" smtClean="0"/>
+            <a:t>解析</a:t>
           </a:r>
-          <a:endParaRPr lang="zh-CN" altLang="en-US" sz="2800" dirty="0"/>
+          <a:r>
+            <a:rPr lang="en-US" altLang="zh-CN" dirty="0" smtClean="0"/>
+            <a:t>html</a:t>
+          </a:r>
+          <a:r>
+            <a:rPr lang="zh-CN" altLang="en-US" dirty="0" smtClean="0"/>
+            <a:t>，将标签转化为</a:t>
+          </a:r>
+          <a:r>
+            <a:rPr lang="en-US" altLang="zh-CN" dirty="0" err="1" smtClean="0"/>
+            <a:t>dom</a:t>
+          </a:r>
+          <a:r>
+            <a:rPr lang="zh-CN" altLang="en-US" dirty="0" smtClean="0"/>
+            <a:t>节点</a:t>
+          </a:r>
+          <a:endParaRPr lang="zh-CN" altLang="en-US" dirty="0"/>
         </a:p>
       </dgm:t>
     </dgm:pt>
-    <dgm:pt modelId="{9D00AC0C-4DBB-4435-9C8E-D7E7D0749411}" type="parTrans" cxnId="{F3078312-C657-476E-8E31-AD38045C4204}">
+    <dgm:pt modelId="{D0C3E54E-F684-4E7C-A2C9-D4953E64A869}" type="parTrans" cxnId="{54D91BE5-0EB2-4141-9CE4-4D3C1960068D}">
       <dgm:prSet/>
       <dgm:spPr/>
       <dgm:t>
@@ -950,7 +980,7 @@
         </a:p>
       </dgm:t>
     </dgm:pt>
-    <dgm:pt modelId="{6FBFCDFC-17CE-4556-B259-8C336A339238}" type="sibTrans" cxnId="{F3078312-C657-476E-8E31-AD38045C4204}">
+    <dgm:pt modelId="{7A4D68F8-52DA-4A06-8002-270D9F2FE345}" type="sibTrans" cxnId="{54D91BE5-0EB2-4141-9CE4-4D3C1960068D}">
       <dgm:prSet/>
       <dgm:spPr/>
       <dgm:t>
@@ -961,30 +991,30 @@
         </a:p>
       </dgm:t>
     </dgm:pt>
-    <dgm:pt modelId="{E1DFE8E7-CE7D-4AFB-B520-5F87386B2A26}">
-      <dgm:prSet phldrT="[文本]" custT="1"/>
+    <dgm:pt modelId="{9DFEFAC4-5BC3-4042-836D-8B37FE5A3E2E}">
+      <dgm:prSet phldrT="[文本]"/>
       <dgm:spPr/>
       <dgm:t>
         <a:bodyPr/>
         <a:lstStyle/>
         <a:p>
           <a:r>
-            <a:rPr lang="en-US" sz="2800" b="0" i="0" dirty="0" smtClean="0"/>
-            <a:t>&lt;button </a:t>
+            <a:rPr lang="zh-CN" altLang="en-US" dirty="0" smtClean="0"/>
+            <a:t>构建</a:t>
           </a:r>
           <a:r>
-            <a:rPr lang="en-US" sz="2800" b="0" i="0" dirty="0" err="1" smtClean="0"/>
-            <a:t>onclick</a:t>
+            <a:rPr lang="en-US" altLang="zh-CN" dirty="0" smtClean="0"/>
+            <a:t>render</a:t>
           </a:r>
           <a:r>
-            <a:rPr lang="en-US" sz="2800" b="0" i="0" dirty="0" smtClean="0"/>
-            <a:t>=”test();”&gt;&lt;/button&gt; </a:t>
+            <a:rPr lang="zh-CN" altLang="en-US" dirty="0" smtClean="0"/>
+            <a:t>树</a:t>
           </a:r>
-          <a:endParaRPr lang="zh-CN" altLang="en-US" sz="2800" i="1" dirty="0"/>
+          <a:endParaRPr lang="zh-CN" altLang="en-US" dirty="0"/>
         </a:p>
       </dgm:t>
     </dgm:pt>
-    <dgm:pt modelId="{3D32D2F5-A682-49B8-800F-80489C164115}" type="parTrans" cxnId="{2D0DD1C0-9F25-4AF1-9351-2EC5D004F55F}">
+    <dgm:pt modelId="{DA97A23A-376C-4004-92E0-CDA20737E59C}" type="parTrans" cxnId="{6DC64F3C-994A-4FBE-ABD4-965F4A3EB8B5}">
       <dgm:prSet/>
       <dgm:spPr/>
       <dgm:t>
@@ -995,7 +1025,7 @@
         </a:p>
       </dgm:t>
     </dgm:pt>
-    <dgm:pt modelId="{7883D6C3-7B56-484A-98AA-07E4B13ACEC1}" type="sibTrans" cxnId="{2D0DD1C0-9F25-4AF1-9351-2EC5D004F55F}">
+    <dgm:pt modelId="{13F3E80A-8D6D-4089-A007-38F68551ABAE}" type="sibTrans" cxnId="{6DC64F3C-994A-4FBE-ABD4-965F4A3EB8B5}">
       <dgm:prSet/>
       <dgm:spPr/>
       <dgm:t>
@@ -1006,22 +1036,22 @@
         </a:p>
       </dgm:t>
     </dgm:pt>
-    <dgm:pt modelId="{C2BF1A1D-A2CB-4147-86A1-953018BBD2E7}">
-      <dgm:prSet phldrT="[文本]" custT="1"/>
+    <dgm:pt modelId="{01FAA793-CC01-4370-BFCA-5C2DDD5C2E27}">
+      <dgm:prSet phldrT="[文本]"/>
       <dgm:spPr/>
       <dgm:t>
         <a:bodyPr/>
         <a:lstStyle/>
         <a:p>
           <a:r>
-            <a:rPr lang="en-US" altLang="zh-CN" sz="3200" smtClean="0"/>
-            <a:t>Dom level1</a:t>
+            <a:rPr lang="zh-CN" altLang="en-US" dirty="0" smtClean="0"/>
+            <a:t>解析颜色、大小等属性。按序显示到屏幕上</a:t>
           </a:r>
-          <a:endParaRPr lang="zh-CN" altLang="en-US" sz="3200" dirty="0"/>
+          <a:endParaRPr lang="zh-CN" altLang="en-US" dirty="0"/>
         </a:p>
       </dgm:t>
     </dgm:pt>
-    <dgm:pt modelId="{F4BE8166-83DC-4D39-9135-771F87F2511C}" type="parTrans" cxnId="{0B67746C-0FF7-4439-AD19-B06C0E3E1A02}">
+    <dgm:pt modelId="{B780EC33-3931-4905-8BA3-675432004DD9}" type="parTrans" cxnId="{BCC423C9-DA94-4EAB-9EB0-0A9DA682FEA8}">
       <dgm:prSet/>
       <dgm:spPr/>
       <dgm:t>
@@ -1032,7 +1062,7 @@
         </a:p>
       </dgm:t>
     </dgm:pt>
-    <dgm:pt modelId="{904ABEDE-63DC-44B4-8A1D-3B9CB73812CF}" type="sibTrans" cxnId="{0B67746C-0FF7-4439-AD19-B06C0E3E1A02}">
+    <dgm:pt modelId="{3D9F7777-3C95-4063-A3EB-BBD1472F43A7}" type="sibTrans" cxnId="{BCC423C9-DA94-4EAB-9EB0-0A9DA682FEA8}">
       <dgm:prSet/>
       <dgm:spPr/>
       <dgm:t>
@@ -1043,7 +1073,7 @@
         </a:p>
       </dgm:t>
     </dgm:pt>
-    <dgm:pt modelId="{D415F2D3-7123-4D24-95E7-DB82EE12573A}">
+    <dgm:pt modelId="{FD4F5650-EFB3-4A48-A9F4-7609CF851B62}">
       <dgm:prSet phldrT="[文本]"/>
       <dgm:spPr/>
       <dgm:t>
@@ -1052,13 +1082,13 @@
         <a:p>
           <a:r>
             <a:rPr lang="zh-CN" altLang="en-US" dirty="0" smtClean="0"/>
-            <a:t>行间事件</a:t>
+            <a:t>绘制</a:t>
           </a:r>
           <a:endParaRPr lang="zh-CN" altLang="en-US" dirty="0"/>
         </a:p>
       </dgm:t>
     </dgm:pt>
-    <dgm:pt modelId="{21CF300E-DF50-46A3-8806-56FE711FAEA7}" type="parTrans" cxnId="{6409AEAA-7500-461A-8F1C-1784049786E4}">
+    <dgm:pt modelId="{2801A866-9C3B-4D47-A294-6FC84B18A507}" type="parTrans" cxnId="{DC5104D2-487B-46BF-84CE-889F93DC96DC}">
       <dgm:prSet/>
       <dgm:spPr/>
       <dgm:t>
@@ -1069,7 +1099,7 @@
         </a:p>
       </dgm:t>
     </dgm:pt>
-    <dgm:pt modelId="{AC192A38-098D-4783-9972-D5AF5912DD72}" type="sibTrans" cxnId="{6409AEAA-7500-461A-8F1C-1784049786E4}">
+    <dgm:pt modelId="{736CAF1C-41FC-4AA9-BB87-5034006951F6}" type="sibTrans" cxnId="{DC5104D2-487B-46BF-84CE-889F93DC96DC}">
       <dgm:prSet/>
       <dgm:spPr/>
       <dgm:t>
@@ -1080,7 +1110,7 @@
         </a:p>
       </dgm:t>
     </dgm:pt>
-    <dgm:pt modelId="{739E2F97-08F2-44C0-B9F9-FEED83001F6E}">
+    <dgm:pt modelId="{58F5FB2F-1078-4FC0-8CAE-D543BC03D5D3}">
       <dgm:prSet phldrT="[文本]"/>
       <dgm:spPr/>
       <dgm:t>
@@ -1088,22 +1118,22 @@
         <a:lstStyle/>
         <a:p>
           <a:r>
-            <a:rPr lang="en-US" b="0" i="0" dirty="0" smtClean="0"/>
-            <a:t>&lt;button </a:t>
+            <a:rPr lang="zh-CN" altLang="en-US" dirty="0" smtClean="0"/>
+            <a:t>执行布局，遍历</a:t>
           </a:r>
           <a:r>
-            <a:rPr lang="en-US" b="0" i="0" dirty="0" err="1" smtClean="0"/>
-            <a:t>onclick</a:t>
+            <a:rPr lang="en-US" altLang="zh-CN" dirty="0" smtClean="0"/>
+            <a:t>render</a:t>
           </a:r>
           <a:r>
-            <a:rPr lang="en-US" b="0" i="0" dirty="0" smtClean="0"/>
-            <a:t>=”test();”&gt;&lt;/button&gt; </a:t>
+            <a:rPr lang="zh-CN" altLang="en-US" dirty="0" smtClean="0"/>
+            <a:t>树</a:t>
           </a:r>
-          <a:endParaRPr lang="zh-CN" altLang="en-US" i="1" dirty="0"/>
+          <a:endParaRPr lang="zh-CN" altLang="en-US" dirty="0"/>
         </a:p>
       </dgm:t>
     </dgm:pt>
-    <dgm:pt modelId="{6146BF72-608E-4224-81B8-E0086DBD4539}" type="parTrans" cxnId="{9E2E665A-55D9-4A14-88A7-F770CF1BD9BE}">
+    <dgm:pt modelId="{527C6547-B591-4D65-94E4-96DC458CCEEE}" type="parTrans" cxnId="{1C598CD1-47CC-4927-8A07-33657B0671F1}">
       <dgm:prSet/>
       <dgm:spPr/>
       <dgm:t>
@@ -1114,7 +1144,7 @@
         </a:p>
       </dgm:t>
     </dgm:pt>
-    <dgm:pt modelId="{491CCD19-219E-40D6-BC8F-9BA766F08882}" type="sibTrans" cxnId="{9E2E665A-55D9-4A14-88A7-F770CF1BD9BE}">
+    <dgm:pt modelId="{FCAFC5D5-F84B-47DA-9789-7488F87BF1FF}" type="sibTrans" cxnId="{1C598CD1-47CC-4927-8A07-33657B0671F1}">
       <dgm:prSet/>
       <dgm:spPr/>
       <dgm:t>
@@ -1125,23 +1155,40 @@
         </a:p>
       </dgm:t>
     </dgm:pt>
-    <dgm:pt modelId="{69FA8AFA-AC94-4868-BCA5-78E8C63F0D23}" type="pres">
-      <dgm:prSet presAssocID="{3810079D-9B80-4B4A-987D-60DB49282257}" presName="Name0" presStyleCnt="0">
+    <dgm:pt modelId="{BCBD455F-3233-41D5-BB85-BDC6F7F312E4}" type="pres">
+      <dgm:prSet presAssocID="{102B4D0D-359A-4B8A-A86A-2882ABD6ABA3}" presName="rootnode" presStyleCnt="0">
         <dgm:presLayoutVars>
+          <dgm:chMax/>
+          <dgm:chPref/>
           <dgm:dir/>
           <dgm:animLvl val="lvl"/>
-          <dgm:resizeHandles/>
         </dgm:presLayoutVars>
       </dgm:prSet>
       <dgm:spPr/>
     </dgm:pt>
-    <dgm:pt modelId="{703D9432-DE24-44DE-AEDF-A1FC5CE3C2FE}" type="pres">
-      <dgm:prSet presAssocID="{45F8B03F-5131-4FEF-9E20-4F68CB194B16}" presName="linNode" presStyleCnt="0"/>
+    <dgm:pt modelId="{6046BA63-144D-4B2A-8656-B57B225158D9}" type="pres">
+      <dgm:prSet presAssocID="{0559420A-816A-4667-ADB4-0086E614BAD7}" presName="composite" presStyleCnt="0"/>
       <dgm:spPr/>
     </dgm:pt>
-    <dgm:pt modelId="{A68C1788-2CA8-423A-A671-E07C6EC9B8E5}" type="pres">
-      <dgm:prSet presAssocID="{45F8B03F-5131-4FEF-9E20-4F68CB194B16}" presName="parentShp" presStyleLbl="node1" presStyleIdx="0" presStyleCnt="2" custScaleX="83112" custScaleY="21951" custLinFactNeighborX="-40" custLinFactNeighborY="-29805">
+    <dgm:pt modelId="{9C42E060-645D-47C5-BDF4-95DE32BA0F5C}" type="pres">
+      <dgm:prSet presAssocID="{0559420A-816A-4667-ADB4-0086E614BAD7}" presName="bentUpArrow1" presStyleLbl="alignImgPlace1" presStyleIdx="0" presStyleCnt="2"/>
+      <dgm:spPr/>
+    </dgm:pt>
+    <dgm:pt modelId="{673E808F-3964-4516-AC93-AA236E718106}" type="pres">
+      <dgm:prSet presAssocID="{0559420A-816A-4667-ADB4-0086E614BAD7}" presName="ParentText" presStyleLbl="node1" presStyleIdx="0" presStyleCnt="3">
         <dgm:presLayoutVars>
+          <dgm:chMax val="1"/>
+          <dgm:chPref val="1"/>
+          <dgm:bulletEnabled val="1"/>
+        </dgm:presLayoutVars>
+      </dgm:prSet>
+      <dgm:spPr/>
+    </dgm:pt>
+    <dgm:pt modelId="{0B9F5AAE-F6F7-4415-B5F8-AE5767362C36}" type="pres">
+      <dgm:prSet presAssocID="{0559420A-816A-4667-ADB4-0086E614BAD7}" presName="ChildText" presStyleLbl="revTx" presStyleIdx="0" presStyleCnt="3" custScaleX="218290" custScaleY="90845" custLinFactNeighborX="59878">
+        <dgm:presLayoutVars>
+          <dgm:chMax val="0"/>
+          <dgm:chPref val="0"/>
           <dgm:bulletEnabled val="1"/>
         </dgm:presLayoutVars>
       </dgm:prSet>
@@ -1154,9 +1201,33 @@
         </a:p>
       </dgm:t>
     </dgm:pt>
-    <dgm:pt modelId="{D23EACD1-E03E-4E96-9ACF-04976834E93B}" type="pres">
-      <dgm:prSet presAssocID="{45F8B03F-5131-4FEF-9E20-4F68CB194B16}" presName="childShp" presStyleLbl="bgAccFollowNode1" presStyleIdx="0" presStyleCnt="2" custScaleX="131851" custScaleY="28977" custLinFactNeighborX="61" custLinFactNeighborY="-29365">
+    <dgm:pt modelId="{0A53EC7A-94E4-42C0-ACE2-C8FEADD0A615}" type="pres">
+      <dgm:prSet presAssocID="{1F91A19B-E246-4387-8325-4F826258725B}" presName="sibTrans" presStyleCnt="0"/>
+      <dgm:spPr/>
+    </dgm:pt>
+    <dgm:pt modelId="{0281B3D9-BAF1-4125-9134-61BBA42C4529}" type="pres">
+      <dgm:prSet presAssocID="{9DFEFAC4-5BC3-4042-836D-8B37FE5A3E2E}" presName="composite" presStyleCnt="0"/>
+      <dgm:spPr/>
+    </dgm:pt>
+    <dgm:pt modelId="{6F5D2766-2EC9-4DDB-8235-10405DC1D7A5}" type="pres">
+      <dgm:prSet presAssocID="{9DFEFAC4-5BC3-4042-836D-8B37FE5A3E2E}" presName="bentUpArrow1" presStyleLbl="alignImgPlace1" presStyleIdx="1" presStyleCnt="2"/>
+      <dgm:spPr/>
+    </dgm:pt>
+    <dgm:pt modelId="{C72FA596-38F4-4C69-9D99-71C92A1CE715}" type="pres">
+      <dgm:prSet presAssocID="{9DFEFAC4-5BC3-4042-836D-8B37FE5A3E2E}" presName="ParentText" presStyleLbl="node1" presStyleIdx="1" presStyleCnt="3" custLinFactNeighborX="-20552" custLinFactNeighborY="-2272">
         <dgm:presLayoutVars>
+          <dgm:chMax val="1"/>
+          <dgm:chPref val="1"/>
+          <dgm:bulletEnabled val="1"/>
+        </dgm:presLayoutVars>
+      </dgm:prSet>
+      <dgm:spPr/>
+    </dgm:pt>
+    <dgm:pt modelId="{AF68B230-2D1E-460D-BBE7-096B4294D216}" type="pres">
+      <dgm:prSet presAssocID="{9DFEFAC4-5BC3-4042-836D-8B37FE5A3E2E}" presName="ChildText" presStyleLbl="revTx" presStyleIdx="1" presStyleCnt="3" custScaleX="254502" custLinFactNeighborX="48700">
+        <dgm:presLayoutVars>
+          <dgm:chMax val="0"/>
+          <dgm:chPref val="0"/>
           <dgm:bulletEnabled val="1"/>
         </dgm:presLayoutVars>
       </dgm:prSet>
@@ -1169,25 +1240,29 @@
         </a:p>
       </dgm:t>
     </dgm:pt>
-    <dgm:pt modelId="{0E3E11ED-6345-40E7-9118-40B5A80C360B}" type="pres">
-      <dgm:prSet presAssocID="{D4E3C0E8-C9BE-4CB6-BD97-2BDC64DD750E}" presName="spacing" presStyleCnt="0"/>
+    <dgm:pt modelId="{6C422011-A4DC-46DF-938D-38355A5B71EE}" type="pres">
+      <dgm:prSet presAssocID="{13F3E80A-8D6D-4089-A007-38F68551ABAE}" presName="sibTrans" presStyleCnt="0"/>
       <dgm:spPr/>
     </dgm:pt>
-    <dgm:pt modelId="{196A0ECB-8F78-4AE2-86FC-C4257A9EFBFA}" type="pres">
-      <dgm:prSet presAssocID="{C2BF1A1D-A2CB-4147-86A1-953018BBD2E7}" presName="linNode" presStyleCnt="0"/>
+    <dgm:pt modelId="{D6794B8A-376D-4409-8407-E89C222840E2}" type="pres">
+      <dgm:prSet presAssocID="{FD4F5650-EFB3-4A48-A9F4-7609CF851B62}" presName="composite" presStyleCnt="0"/>
       <dgm:spPr/>
     </dgm:pt>
-    <dgm:pt modelId="{D006BE06-66B9-47F3-B3C3-0EB46471AAD3}" type="pres">
-      <dgm:prSet presAssocID="{C2BF1A1D-A2CB-4147-86A1-953018BBD2E7}" presName="parentShp" presStyleLbl="node1" presStyleIdx="1" presStyleCnt="2" custScaleX="83112" custScaleY="21951" custLinFactNeighborX="-40" custLinFactNeighborY="-29805">
+    <dgm:pt modelId="{275AC2AA-ECD0-4333-B7B0-FFBEDFB4F9BE}" type="pres">
+      <dgm:prSet presAssocID="{FD4F5650-EFB3-4A48-A9F4-7609CF851B62}" presName="ParentText" presStyleLbl="node1" presStyleIdx="2" presStyleCnt="3" custLinFactNeighborX="-27650" custLinFactNeighborY="4195">
         <dgm:presLayoutVars>
+          <dgm:chMax val="1"/>
+          <dgm:chPref val="1"/>
           <dgm:bulletEnabled val="1"/>
         </dgm:presLayoutVars>
       </dgm:prSet>
       <dgm:spPr/>
     </dgm:pt>
-    <dgm:pt modelId="{A008E118-BC1C-4777-9CED-633947B1FE9F}" type="pres">
-      <dgm:prSet presAssocID="{C2BF1A1D-A2CB-4147-86A1-953018BBD2E7}" presName="childShp" presStyleLbl="bgAccFollowNode1" presStyleIdx="1" presStyleCnt="2" custScaleX="131851" custScaleY="28977" custLinFactNeighborX="61" custLinFactNeighborY="-29365">
+    <dgm:pt modelId="{8D486F94-629E-4648-9A8E-E936D5F81052}" type="pres">
+      <dgm:prSet presAssocID="{FD4F5650-EFB3-4A48-A9F4-7609CF851B62}" presName="FinalChildText" presStyleLbl="revTx" presStyleIdx="2" presStyleCnt="3" custScaleX="146962" custLinFactNeighborX="-11981" custLinFactNeighborY="9311">
         <dgm:presLayoutVars>
+          <dgm:chMax val="0"/>
+          <dgm:chPref val="0"/>
           <dgm:bulletEnabled val="1"/>
         </dgm:presLayoutVars>
       </dgm:prSet>
@@ -1195,26 +1270,32 @@
     </dgm:pt>
   </dgm:ptLst>
   <dgm:cxnLst>
-    <dgm:cxn modelId="{CB7FF47E-69FE-4607-818A-AC847E4E0BB2}" type="presOf" srcId="{C2BF1A1D-A2CB-4147-86A1-953018BBD2E7}" destId="{D006BE06-66B9-47F3-B3C3-0EB46471AAD3}" srcOrd="0" destOrd="0" presId="urn:microsoft.com/office/officeart/2005/8/layout/vList6"/>
-    <dgm:cxn modelId="{2D0DD1C0-9F25-4AF1-9351-2EC5D004F55F}" srcId="{45F8B03F-5131-4FEF-9E20-4F68CB194B16}" destId="{E1DFE8E7-CE7D-4AFB-B520-5F87386B2A26}" srcOrd="1" destOrd="0" parTransId="{3D32D2F5-A682-49B8-800F-80489C164115}" sibTransId="{7883D6C3-7B56-484A-98AA-07E4B13ACEC1}"/>
-    <dgm:cxn modelId="{1458F95B-52AA-4B88-8180-F0A1C17A6B06}" type="presOf" srcId="{D415F2D3-7123-4D24-95E7-DB82EE12573A}" destId="{A008E118-BC1C-4777-9CED-633947B1FE9F}" srcOrd="0" destOrd="0" presId="urn:microsoft.com/office/officeart/2005/8/layout/vList6"/>
-    <dgm:cxn modelId="{F3078312-C657-476E-8E31-AD38045C4204}" srcId="{45F8B03F-5131-4FEF-9E20-4F68CB194B16}" destId="{3166C745-924A-4CD8-9A20-4B88A3572B74}" srcOrd="0" destOrd="0" parTransId="{9D00AC0C-4DBB-4435-9C8E-D7E7D0749411}" sibTransId="{6FBFCDFC-17CE-4556-B259-8C336A339238}"/>
-    <dgm:cxn modelId="{02AFB86D-3CE6-47FB-9D6E-FDDE60B7EE22}" srcId="{3810079D-9B80-4B4A-987D-60DB49282257}" destId="{45F8B03F-5131-4FEF-9E20-4F68CB194B16}" srcOrd="0" destOrd="0" parTransId="{83CED777-5FF9-41A6-BC09-F8E2CE3006BA}" sibTransId="{D4E3C0E8-C9BE-4CB6-BD97-2BDC64DD750E}"/>
-    <dgm:cxn modelId="{03C71A4B-C3DB-4449-98DA-EFE28157ADEE}" type="presOf" srcId="{3810079D-9B80-4B4A-987D-60DB49282257}" destId="{69FA8AFA-AC94-4868-BCA5-78E8C63F0D23}" srcOrd="0" destOrd="0" presId="urn:microsoft.com/office/officeart/2005/8/layout/vList6"/>
-    <dgm:cxn modelId="{6409AEAA-7500-461A-8F1C-1784049786E4}" srcId="{C2BF1A1D-A2CB-4147-86A1-953018BBD2E7}" destId="{D415F2D3-7123-4D24-95E7-DB82EE12573A}" srcOrd="0" destOrd="0" parTransId="{21CF300E-DF50-46A3-8806-56FE711FAEA7}" sibTransId="{AC192A38-098D-4783-9972-D5AF5912DD72}"/>
-    <dgm:cxn modelId="{FB79629A-E95B-4F2F-B07A-5041BC1EA39D}" type="presOf" srcId="{739E2F97-08F2-44C0-B9F9-FEED83001F6E}" destId="{A008E118-BC1C-4777-9CED-633947B1FE9F}" srcOrd="0" destOrd="1" presId="urn:microsoft.com/office/officeart/2005/8/layout/vList6"/>
-    <dgm:cxn modelId="{A1F89DBD-83FC-40FD-9C38-AFE55804BF53}" type="presOf" srcId="{45F8B03F-5131-4FEF-9E20-4F68CB194B16}" destId="{A68C1788-2CA8-423A-A671-E07C6EC9B8E5}" srcOrd="0" destOrd="0" presId="urn:microsoft.com/office/officeart/2005/8/layout/vList6"/>
-    <dgm:cxn modelId="{0B67746C-0FF7-4439-AD19-B06C0E3E1A02}" srcId="{3810079D-9B80-4B4A-987D-60DB49282257}" destId="{C2BF1A1D-A2CB-4147-86A1-953018BBD2E7}" srcOrd="1" destOrd="0" parTransId="{F4BE8166-83DC-4D39-9135-771F87F2511C}" sibTransId="{904ABEDE-63DC-44B4-8A1D-3B9CB73812CF}"/>
-    <dgm:cxn modelId="{9E2E665A-55D9-4A14-88A7-F770CF1BD9BE}" srcId="{C2BF1A1D-A2CB-4147-86A1-953018BBD2E7}" destId="{739E2F97-08F2-44C0-B9F9-FEED83001F6E}" srcOrd="1" destOrd="0" parTransId="{6146BF72-608E-4224-81B8-E0086DBD4539}" sibTransId="{491CCD19-219E-40D6-BC8F-9BA766F08882}"/>
-    <dgm:cxn modelId="{76A5C69E-9207-49BA-8BB5-7B219FC7C699}" type="presOf" srcId="{3166C745-924A-4CD8-9A20-4B88A3572B74}" destId="{D23EACD1-E03E-4E96-9ACF-04976834E93B}" srcOrd="0" destOrd="0" presId="urn:microsoft.com/office/officeart/2005/8/layout/vList6"/>
-    <dgm:cxn modelId="{67DCD7F9-4E73-4444-97A6-BC5C455861F7}" type="presOf" srcId="{E1DFE8E7-CE7D-4AFB-B520-5F87386B2A26}" destId="{D23EACD1-E03E-4E96-9ACF-04976834E93B}" srcOrd="0" destOrd="1" presId="urn:microsoft.com/office/officeart/2005/8/layout/vList6"/>
-    <dgm:cxn modelId="{C92ED590-CB23-4628-863F-6F5971B7FC0A}" type="presParOf" srcId="{69FA8AFA-AC94-4868-BCA5-78E8C63F0D23}" destId="{703D9432-DE24-44DE-AEDF-A1FC5CE3C2FE}" srcOrd="0" destOrd="0" presId="urn:microsoft.com/office/officeart/2005/8/layout/vList6"/>
-    <dgm:cxn modelId="{ACA6CCF9-4B43-4D69-879D-983BBE9E41FE}" type="presParOf" srcId="{703D9432-DE24-44DE-AEDF-A1FC5CE3C2FE}" destId="{A68C1788-2CA8-423A-A671-E07C6EC9B8E5}" srcOrd="0" destOrd="0" presId="urn:microsoft.com/office/officeart/2005/8/layout/vList6"/>
-    <dgm:cxn modelId="{86A1421B-813B-4962-9946-0EC990E4F617}" type="presParOf" srcId="{703D9432-DE24-44DE-AEDF-A1FC5CE3C2FE}" destId="{D23EACD1-E03E-4E96-9ACF-04976834E93B}" srcOrd="1" destOrd="0" presId="urn:microsoft.com/office/officeart/2005/8/layout/vList6"/>
-    <dgm:cxn modelId="{88533DCD-C85F-439C-B11F-D3620B97ACBD}" type="presParOf" srcId="{69FA8AFA-AC94-4868-BCA5-78E8C63F0D23}" destId="{0E3E11ED-6345-40E7-9118-40B5A80C360B}" srcOrd="1" destOrd="0" presId="urn:microsoft.com/office/officeart/2005/8/layout/vList6"/>
-    <dgm:cxn modelId="{451E4BE9-9ED6-463E-B183-0D30621775E1}" type="presParOf" srcId="{69FA8AFA-AC94-4868-BCA5-78E8C63F0D23}" destId="{196A0ECB-8F78-4AE2-86FC-C4257A9EFBFA}" srcOrd="2" destOrd="0" presId="urn:microsoft.com/office/officeart/2005/8/layout/vList6"/>
-    <dgm:cxn modelId="{AEB171EC-F7D9-44F3-B76C-06C042174DED}" type="presParOf" srcId="{196A0ECB-8F78-4AE2-86FC-C4257A9EFBFA}" destId="{D006BE06-66B9-47F3-B3C3-0EB46471AAD3}" srcOrd="0" destOrd="0" presId="urn:microsoft.com/office/officeart/2005/8/layout/vList6"/>
-    <dgm:cxn modelId="{DC62D1DF-4FCF-4467-8562-11A04F6D8F63}" type="presParOf" srcId="{196A0ECB-8F78-4AE2-86FC-C4257A9EFBFA}" destId="{A008E118-BC1C-4777-9CED-633947B1FE9F}" srcOrd="1" destOrd="0" presId="urn:microsoft.com/office/officeart/2005/8/layout/vList6"/>
+    <dgm:cxn modelId="{D84FEFCE-9BF1-47B9-8223-C8FF158A8EF5}" type="presOf" srcId="{58F5FB2F-1078-4FC0-8CAE-D543BC03D5D3}" destId="{8D486F94-629E-4648-9A8E-E936D5F81052}" srcOrd="0" destOrd="0" presId="urn:microsoft.com/office/officeart/2005/8/layout/StepDownProcess"/>
+    <dgm:cxn modelId="{DC5104D2-487B-46BF-84CE-889F93DC96DC}" srcId="{102B4D0D-359A-4B8A-A86A-2882ABD6ABA3}" destId="{FD4F5650-EFB3-4A48-A9F4-7609CF851B62}" srcOrd="2" destOrd="0" parTransId="{2801A866-9C3B-4D47-A294-6FC84B18A507}" sibTransId="{736CAF1C-41FC-4AA9-BB87-5034006951F6}"/>
+    <dgm:cxn modelId="{6DC64F3C-994A-4FBE-ABD4-965F4A3EB8B5}" srcId="{102B4D0D-359A-4B8A-A86A-2882ABD6ABA3}" destId="{9DFEFAC4-5BC3-4042-836D-8B37FE5A3E2E}" srcOrd="1" destOrd="0" parTransId="{DA97A23A-376C-4004-92E0-CDA20737E59C}" sibTransId="{13F3E80A-8D6D-4089-A007-38F68551ABAE}"/>
+    <dgm:cxn modelId="{1C598CD1-47CC-4927-8A07-33657B0671F1}" srcId="{FD4F5650-EFB3-4A48-A9F4-7609CF851B62}" destId="{58F5FB2F-1078-4FC0-8CAE-D543BC03D5D3}" srcOrd="0" destOrd="0" parTransId="{527C6547-B591-4D65-94E4-96DC458CCEEE}" sibTransId="{FCAFC5D5-F84B-47DA-9789-7488F87BF1FF}"/>
+    <dgm:cxn modelId="{CDF9A9DA-EA32-4A0D-9EA0-C424F50B5A06}" type="presOf" srcId="{102B4D0D-359A-4B8A-A86A-2882ABD6ABA3}" destId="{BCBD455F-3233-41D5-BB85-BDC6F7F312E4}" srcOrd="0" destOrd="0" presId="urn:microsoft.com/office/officeart/2005/8/layout/StepDownProcess"/>
+    <dgm:cxn modelId="{BCC423C9-DA94-4EAB-9EB0-0A9DA682FEA8}" srcId="{9DFEFAC4-5BC3-4042-836D-8B37FE5A3E2E}" destId="{01FAA793-CC01-4370-BFCA-5C2DDD5C2E27}" srcOrd="0" destOrd="0" parTransId="{B780EC33-3931-4905-8BA3-675432004DD9}" sibTransId="{3D9F7777-3C95-4063-A3EB-BBD1472F43A7}"/>
+    <dgm:cxn modelId="{308B1B67-D5B0-4FCF-B276-3FD7FB15B7B2}" type="presOf" srcId="{FD4F5650-EFB3-4A48-A9F4-7609CF851B62}" destId="{275AC2AA-ECD0-4333-B7B0-FFBEDFB4F9BE}" srcOrd="0" destOrd="0" presId="urn:microsoft.com/office/officeart/2005/8/layout/StepDownProcess"/>
+    <dgm:cxn modelId="{33DF6267-16FE-4191-A867-B16A92A9AF4C}" type="presOf" srcId="{0559420A-816A-4667-ADB4-0086E614BAD7}" destId="{673E808F-3964-4516-AC93-AA236E718106}" srcOrd="0" destOrd="0" presId="urn:microsoft.com/office/officeart/2005/8/layout/StepDownProcess"/>
+    <dgm:cxn modelId="{4BB163C7-0C24-40D6-A20D-E06D128D6F89}" type="presOf" srcId="{E90CCD44-C070-46CF-AA88-2C9485491BA8}" destId="{0B9F5AAE-F6F7-4415-B5F8-AE5767362C36}" srcOrd="0" destOrd="0" presId="urn:microsoft.com/office/officeart/2005/8/layout/StepDownProcess"/>
+    <dgm:cxn modelId="{A930A92A-DDE7-4924-9C07-3D32EAC73E8C}" type="presOf" srcId="{01FAA793-CC01-4370-BFCA-5C2DDD5C2E27}" destId="{AF68B230-2D1E-460D-BBE7-096B4294D216}" srcOrd="0" destOrd="0" presId="urn:microsoft.com/office/officeart/2005/8/layout/StepDownProcess"/>
+    <dgm:cxn modelId="{18D9B433-064B-43BF-A65F-AC9551FCA421}" srcId="{102B4D0D-359A-4B8A-A86A-2882ABD6ABA3}" destId="{0559420A-816A-4667-ADB4-0086E614BAD7}" srcOrd="0" destOrd="0" parTransId="{7F4370AE-862B-459B-B7C6-FF4FFE132731}" sibTransId="{1F91A19B-E246-4387-8325-4F826258725B}"/>
+    <dgm:cxn modelId="{238E2AED-9D06-469A-8F62-93240F2DAE54}" type="presOf" srcId="{9DFEFAC4-5BC3-4042-836D-8B37FE5A3E2E}" destId="{C72FA596-38F4-4C69-9D99-71C92A1CE715}" srcOrd="0" destOrd="0" presId="urn:microsoft.com/office/officeart/2005/8/layout/StepDownProcess"/>
+    <dgm:cxn modelId="{54D91BE5-0EB2-4141-9CE4-4D3C1960068D}" srcId="{0559420A-816A-4667-ADB4-0086E614BAD7}" destId="{E90CCD44-C070-46CF-AA88-2C9485491BA8}" srcOrd="0" destOrd="0" parTransId="{D0C3E54E-F684-4E7C-A2C9-D4953E64A869}" sibTransId="{7A4D68F8-52DA-4A06-8002-270D9F2FE345}"/>
+    <dgm:cxn modelId="{0AC1D8B0-E047-4CCC-A9DF-4D942AD7F1A1}" type="presParOf" srcId="{BCBD455F-3233-41D5-BB85-BDC6F7F312E4}" destId="{6046BA63-144D-4B2A-8656-B57B225158D9}" srcOrd="0" destOrd="0" presId="urn:microsoft.com/office/officeart/2005/8/layout/StepDownProcess"/>
+    <dgm:cxn modelId="{F29CEE60-A62D-4891-B1FC-590563D4AA81}" type="presParOf" srcId="{6046BA63-144D-4B2A-8656-B57B225158D9}" destId="{9C42E060-645D-47C5-BDF4-95DE32BA0F5C}" srcOrd="0" destOrd="0" presId="urn:microsoft.com/office/officeart/2005/8/layout/StepDownProcess"/>
+    <dgm:cxn modelId="{7DDA1548-8D35-4F35-8BA2-F9E898446DFA}" type="presParOf" srcId="{6046BA63-144D-4B2A-8656-B57B225158D9}" destId="{673E808F-3964-4516-AC93-AA236E718106}" srcOrd="1" destOrd="0" presId="urn:microsoft.com/office/officeart/2005/8/layout/StepDownProcess"/>
+    <dgm:cxn modelId="{8DA7FC0F-FE5B-4A5D-AD37-2F44A3562F50}" type="presParOf" srcId="{6046BA63-144D-4B2A-8656-B57B225158D9}" destId="{0B9F5AAE-F6F7-4415-B5F8-AE5767362C36}" srcOrd="2" destOrd="0" presId="urn:microsoft.com/office/officeart/2005/8/layout/StepDownProcess"/>
+    <dgm:cxn modelId="{684431CA-A28A-4B36-99CE-7FA377CF961E}" type="presParOf" srcId="{BCBD455F-3233-41D5-BB85-BDC6F7F312E4}" destId="{0A53EC7A-94E4-42C0-ACE2-C8FEADD0A615}" srcOrd="1" destOrd="0" presId="urn:microsoft.com/office/officeart/2005/8/layout/StepDownProcess"/>
+    <dgm:cxn modelId="{B4D4390B-7AE7-4CAB-B741-32F747795A24}" type="presParOf" srcId="{BCBD455F-3233-41D5-BB85-BDC6F7F312E4}" destId="{0281B3D9-BAF1-4125-9134-61BBA42C4529}" srcOrd="2" destOrd="0" presId="urn:microsoft.com/office/officeart/2005/8/layout/StepDownProcess"/>
+    <dgm:cxn modelId="{BAE15951-36F8-4DFD-A43E-36191F0E44F6}" type="presParOf" srcId="{0281B3D9-BAF1-4125-9134-61BBA42C4529}" destId="{6F5D2766-2EC9-4DDB-8235-10405DC1D7A5}" srcOrd="0" destOrd="0" presId="urn:microsoft.com/office/officeart/2005/8/layout/StepDownProcess"/>
+    <dgm:cxn modelId="{1CED6D4C-77FB-4BDE-9912-70C6A3B259D0}" type="presParOf" srcId="{0281B3D9-BAF1-4125-9134-61BBA42C4529}" destId="{C72FA596-38F4-4C69-9D99-71C92A1CE715}" srcOrd="1" destOrd="0" presId="urn:microsoft.com/office/officeart/2005/8/layout/StepDownProcess"/>
+    <dgm:cxn modelId="{83C0574F-9B97-474C-9F7D-577A3E1135E2}" type="presParOf" srcId="{0281B3D9-BAF1-4125-9134-61BBA42C4529}" destId="{AF68B230-2D1E-460D-BBE7-096B4294D216}" srcOrd="2" destOrd="0" presId="urn:microsoft.com/office/officeart/2005/8/layout/StepDownProcess"/>
+    <dgm:cxn modelId="{DFFC021F-C269-4BA1-A3B5-173F40430787}" type="presParOf" srcId="{BCBD455F-3233-41D5-BB85-BDC6F7F312E4}" destId="{6C422011-A4DC-46DF-938D-38355A5B71EE}" srcOrd="3" destOrd="0" presId="urn:microsoft.com/office/officeart/2005/8/layout/StepDownProcess"/>
+    <dgm:cxn modelId="{89668386-D9B8-4E2C-A79C-C9DAA85121C2}" type="presParOf" srcId="{BCBD455F-3233-41D5-BB85-BDC6F7F312E4}" destId="{D6794B8A-376D-4409-8407-E89C222840E2}" srcOrd="4" destOrd="0" presId="urn:microsoft.com/office/officeart/2005/8/layout/StepDownProcess"/>
+    <dgm:cxn modelId="{1D04549E-42BF-441B-AC54-C1243D001625}" type="presParOf" srcId="{D6794B8A-376D-4409-8407-E89C222840E2}" destId="{275AC2AA-ECD0-4333-B7B0-FFBEDFB4F9BE}" srcOrd="0" destOrd="0" presId="urn:microsoft.com/office/officeart/2005/8/layout/StepDownProcess"/>
+    <dgm:cxn modelId="{F532C4FF-F779-4069-B66F-6F80907E9B08}" type="presParOf" srcId="{D6794B8A-376D-4409-8407-E89C222840E2}" destId="{8D486F94-629E-4648-9A8E-E936D5F81052}" srcOrd="1" destOrd="0" presId="urn:microsoft.com/office/officeart/2005/8/layout/StepDownProcess"/>
   </dgm:cxnLst>
   <dgm:bg/>
   <dgm:whole/>
@@ -1234,26 +1315,26 @@
       <dsp:cNvGrpSpPr/>
     </dsp:nvGrpSpPr>
     <dsp:grpSpPr/>
-    <dsp:sp modelId="{D23EACD1-E03E-4E96-9ACF-04976834E93B}">
+    <dsp:sp modelId="{9C42E060-645D-47C5-BDF4-95DE32BA0F5C}">
       <dsp:nvSpPr>
         <dsp:cNvPr id="0" name=""/>
         <dsp:cNvSpPr/>
       </dsp:nvSpPr>
       <dsp:spPr>
-        <a:xfrm>
-          <a:off x="2708395" y="0"/>
-          <a:ext cx="6435604" cy="1357949"/>
+        <a:xfrm rot="5400000">
+          <a:off x="326697" y="1961826"/>
+          <a:ext cx="1231501" cy="1402020"/>
         </a:xfrm>
-        <a:prstGeom prst="rightArrow">
+        <a:prstGeom prst="bentUpArrow">
           <a:avLst>
-            <a:gd name="adj1" fmla="val 75000"/>
-            <a:gd name="adj2" fmla="val 50000"/>
+            <a:gd name="adj1" fmla="val 32840"/>
+            <a:gd name="adj2" fmla="val 25000"/>
+            <a:gd name="adj3" fmla="val 35780"/>
           </a:avLst>
         </a:prstGeom>
         <a:solidFill>
           <a:schemeClr val="accent1">
-            <a:alpha val="90000"/>
-            <a:tint val="40000"/>
+            <a:tint val="50000"/>
             <a:hueOff val="0"/>
             <a:satOff val="0"/>
             <a:lumOff val="0"/>
@@ -1262,9 +1343,7 @@
         </a:solidFill>
         <a:ln w="25400" cap="flat" cmpd="sng" algn="ctr">
           <a:solidFill>
-            <a:schemeClr val="accent1">
-              <a:alpha val="90000"/>
-              <a:tint val="40000"/>
+            <a:schemeClr val="lt1">
               <a:hueOff val="0"/>
               <a:satOff val="0"/>
               <a:lumOff val="0"/>
@@ -1287,75 +1366,21 @@
         </a:effectRef>
         <a:fontRef idx="minor"/>
       </dsp:style>
-      <dsp:txBody>
-        <a:bodyPr spcFirstLastPara="0" vert="horz" wrap="square" lIns="17780" tIns="17780" rIns="17780" bIns="17780" numCol="1" spcCol="1270" anchor="t" anchorCtr="0">
-          <a:noAutofit/>
-        </a:bodyPr>
-        <a:lstStyle/>
-        <a:p>
-          <a:pPr marL="285750" lvl="1" indent="-285750" algn="l" defTabSz="1244600">
-            <a:lnSpc>
-              <a:spcPct val="90000"/>
-            </a:lnSpc>
-            <a:spcBef>
-              <a:spcPct val="0"/>
-            </a:spcBef>
-            <a:spcAft>
-              <a:spcPct val="15000"/>
-            </a:spcAft>
-            <a:buChar char="••"/>
-          </a:pPr>
-          <a:r>
-            <a:rPr lang="zh-CN" altLang="en-US" sz="2800" kern="1200" dirty="0" smtClean="0"/>
-            <a:t>行间事件</a:t>
-          </a:r>
-          <a:endParaRPr lang="zh-CN" altLang="en-US" sz="2800" kern="1200" dirty="0"/>
-        </a:p>
-        <a:p>
-          <a:pPr marL="285750" lvl="1" indent="-285750" algn="l" defTabSz="1244600">
-            <a:lnSpc>
-              <a:spcPct val="90000"/>
-            </a:lnSpc>
-            <a:spcBef>
-              <a:spcPct val="0"/>
-            </a:spcBef>
-            <a:spcAft>
-              <a:spcPct val="15000"/>
-            </a:spcAft>
-            <a:buChar char="••"/>
-          </a:pPr>
-          <a:r>
-            <a:rPr lang="en-US" sz="2800" b="0" i="0" kern="1200" dirty="0" smtClean="0"/>
-            <a:t>&lt;button </a:t>
-          </a:r>
-          <a:r>
-            <a:rPr lang="en-US" sz="2800" b="0" i="0" kern="1200" dirty="0" err="1" smtClean="0"/>
-            <a:t>onclick</a:t>
-          </a:r>
-          <a:r>
-            <a:rPr lang="en-US" sz="2800" b="0" i="0" kern="1200" dirty="0" smtClean="0"/>
-            <a:t>=”test();”&gt;&lt;/button&gt; </a:t>
-          </a:r>
-          <a:endParaRPr lang="zh-CN" altLang="en-US" sz="2800" i="1" kern="1200" dirty="0"/>
-        </a:p>
-      </dsp:txBody>
-      <dsp:txXfrm>
-        <a:off x="2708395" y="169744"/>
-        <a:ext cx="5926373" cy="1018461"/>
-      </dsp:txXfrm>
     </dsp:sp>
-    <dsp:sp modelId="{A68C1788-2CA8-423A-A671-E07C6EC9B8E5}">
+    <dsp:sp modelId="{673E808F-3964-4516-AC93-AA236E718106}">
       <dsp:nvSpPr>
         <dsp:cNvPr id="0" name=""/>
         <dsp:cNvSpPr/>
       </dsp:nvSpPr>
       <dsp:spPr>
         <a:xfrm>
-          <a:off x="22" y="0"/>
-          <a:ext cx="2704446" cy="1028689"/>
+          <a:off x="424" y="596682"/>
+          <a:ext cx="2073123" cy="1451119"/>
         </a:xfrm>
         <a:prstGeom prst="roundRect">
-          <a:avLst/>
+          <a:avLst>
+            <a:gd name="adj" fmla="val 16670"/>
+          </a:avLst>
         </a:prstGeom>
         <a:solidFill>
           <a:schemeClr val="accent1">
@@ -1393,12 +1418,12 @@
         </a:fontRef>
       </dsp:style>
       <dsp:txBody>
-        <a:bodyPr spcFirstLastPara="0" vert="horz" wrap="square" lIns="121920" tIns="60960" rIns="121920" bIns="60960" numCol="1" spcCol="1270" anchor="ctr" anchorCtr="0">
+        <a:bodyPr spcFirstLastPara="0" vert="horz" wrap="square" lIns="125730" tIns="125730" rIns="125730" bIns="125730" numCol="1" spcCol="1270" anchor="ctr" anchorCtr="0">
           <a:noAutofit/>
         </a:bodyPr>
         <a:lstStyle/>
         <a:p>
-          <a:pPr lvl="0" algn="ctr" defTabSz="1422400">
+          <a:pPr lvl="0" algn="ctr" defTabSz="1466850">
             <a:lnSpc>
               <a:spcPct val="90000"/>
             </a:lnSpc>
@@ -1410,37 +1435,122 @@
             </a:spcAft>
           </a:pPr>
           <a:r>
-            <a:rPr lang="en-US" altLang="zh-CN" sz="3200" kern="1200" dirty="0" smtClean="0"/>
-            <a:t>Dom level0</a:t>
+            <a:rPr lang="zh-CN" altLang="en-US" sz="3300" kern="1200" dirty="0" smtClean="0"/>
+            <a:t>渲染</a:t>
           </a:r>
-          <a:endParaRPr lang="zh-CN" altLang="en-US" sz="3200" kern="1200" dirty="0"/>
+          <a:r>
+            <a:rPr lang="en-US" altLang="zh-CN" sz="3300" kern="1200" dirty="0" smtClean="0"/>
+            <a:t>Dom</a:t>
+          </a:r>
+          <a:r>
+            <a:rPr lang="zh-CN" altLang="en-US" sz="3300" kern="1200" dirty="0" smtClean="0"/>
+            <a:t>节点</a:t>
+          </a:r>
+          <a:endParaRPr lang="zh-CN" altLang="en-US" sz="3300" kern="1200" dirty="0"/>
         </a:p>
       </dsp:txBody>
       <dsp:txXfrm>
-        <a:off x="50238" y="50216"/>
-        <a:ext cx="2604014" cy="928257"/>
+        <a:off x="71275" y="667533"/>
+        <a:ext cx="1931421" cy="1309417"/>
       </dsp:txXfrm>
     </dsp:sp>
-    <dsp:sp modelId="{A008E118-BC1C-4777-9CED-633947B1FE9F}">
+    <dsp:sp modelId="{0B9F5AAE-F6F7-4415-B5F8-AE5767362C36}">
       <dsp:nvSpPr>
         <dsp:cNvPr id="0" name=""/>
         <dsp:cNvSpPr/>
       </dsp:nvSpPr>
       <dsp:spPr>
         <a:xfrm>
-          <a:off x="2708395" y="1201333"/>
-          <a:ext cx="6435604" cy="1357949"/>
+          <a:off x="2084599" y="788767"/>
+          <a:ext cx="3291359" cy="1065483"/>
         </a:xfrm>
-        <a:prstGeom prst="rightArrow">
+        <a:prstGeom prst="rect">
+          <a:avLst/>
+        </a:prstGeom>
+        <a:noFill/>
+        <a:ln>
+          <a:noFill/>
+        </a:ln>
+        <a:effectLst/>
+      </dsp:spPr>
+      <dsp:style>
+        <a:lnRef idx="0">
+          <a:scrgbClr r="0" g="0" b="0"/>
+        </a:lnRef>
+        <a:fillRef idx="0">
+          <a:scrgbClr r="0" g="0" b="0"/>
+        </a:fillRef>
+        <a:effectRef idx="0">
+          <a:scrgbClr r="0" g="0" b="0"/>
+        </a:effectRef>
+        <a:fontRef idx="minor"/>
+      </dsp:style>
+      <dsp:txBody>
+        <a:bodyPr spcFirstLastPara="0" vert="horz" wrap="square" lIns="125730" tIns="125730" rIns="125730" bIns="125730" numCol="1" spcCol="1270" anchor="ctr" anchorCtr="0">
+          <a:noAutofit/>
+        </a:bodyPr>
+        <a:lstStyle/>
+        <a:p>
+          <a:pPr marL="228600" lvl="1" indent="-228600" algn="l" defTabSz="1155700">
+            <a:lnSpc>
+              <a:spcPct val="90000"/>
+            </a:lnSpc>
+            <a:spcBef>
+              <a:spcPct val="0"/>
+            </a:spcBef>
+            <a:spcAft>
+              <a:spcPct val="15000"/>
+            </a:spcAft>
+            <a:buChar char="••"/>
+          </a:pPr>
+          <a:r>
+            <a:rPr lang="zh-CN" altLang="en-US" sz="2600" kern="1200" dirty="0" smtClean="0"/>
+            <a:t>解析</a:t>
+          </a:r>
+          <a:r>
+            <a:rPr lang="en-US" altLang="zh-CN" sz="2600" kern="1200" dirty="0" smtClean="0"/>
+            <a:t>html</a:t>
+          </a:r>
+          <a:r>
+            <a:rPr lang="zh-CN" altLang="en-US" sz="2600" kern="1200" dirty="0" smtClean="0"/>
+            <a:t>，将标签转化为</a:t>
+          </a:r>
+          <a:r>
+            <a:rPr lang="en-US" altLang="zh-CN" sz="2600" kern="1200" dirty="0" err="1" smtClean="0"/>
+            <a:t>dom</a:t>
+          </a:r>
+          <a:r>
+            <a:rPr lang="zh-CN" altLang="en-US" sz="2600" kern="1200" dirty="0" smtClean="0"/>
+            <a:t>节点</a:t>
+          </a:r>
+          <a:endParaRPr lang="zh-CN" altLang="en-US" sz="2600" kern="1200" dirty="0"/>
+        </a:p>
+      </dsp:txBody>
+      <dsp:txXfrm>
+        <a:off x="2084599" y="788767"/>
+        <a:ext cx="3291359" cy="1065483"/>
+      </dsp:txXfrm>
+    </dsp:sp>
+    <dsp:sp modelId="{6F5D2766-2EC9-4DDB-8235-10405DC1D7A5}">
+      <dsp:nvSpPr>
+        <dsp:cNvPr id="0" name=""/>
+        <dsp:cNvSpPr/>
+      </dsp:nvSpPr>
+      <dsp:spPr>
+        <a:xfrm rot="5400000">
+          <a:off x="2473592" y="3591912"/>
+          <a:ext cx="1231501" cy="1402020"/>
+        </a:xfrm>
+        <a:prstGeom prst="bentUpArrow">
           <a:avLst>
-            <a:gd name="adj1" fmla="val 75000"/>
-            <a:gd name="adj2" fmla="val 50000"/>
+            <a:gd name="adj1" fmla="val 32840"/>
+            <a:gd name="adj2" fmla="val 25000"/>
+            <a:gd name="adj3" fmla="val 35780"/>
           </a:avLst>
         </a:prstGeom>
         <a:solidFill>
           <a:schemeClr val="accent1">
-            <a:alpha val="90000"/>
-            <a:tint val="40000"/>
+            <a:tint val="50000"/>
             <a:hueOff val="0"/>
             <a:satOff val="0"/>
             <a:lumOff val="0"/>
@@ -1449,9 +1559,7 @@
         </a:solidFill>
         <a:ln w="25400" cap="flat" cmpd="sng" algn="ctr">
           <a:solidFill>
-            <a:schemeClr val="accent1">
-              <a:alpha val="90000"/>
-              <a:tint val="40000"/>
+            <a:schemeClr val="lt1">
               <a:hueOff val="0"/>
               <a:satOff val="0"/>
               <a:lumOff val="0"/>
@@ -1474,75 +1582,21 @@
         </a:effectRef>
         <a:fontRef idx="minor"/>
       </dsp:style>
-      <dsp:txBody>
-        <a:bodyPr spcFirstLastPara="0" vert="horz" wrap="square" lIns="17780" tIns="17780" rIns="17780" bIns="17780" numCol="1" spcCol="1270" anchor="t" anchorCtr="0">
-          <a:noAutofit/>
-        </a:bodyPr>
-        <a:lstStyle/>
-        <a:p>
-          <a:pPr marL="285750" lvl="1" indent="-285750" algn="l" defTabSz="1244600">
-            <a:lnSpc>
-              <a:spcPct val="90000"/>
-            </a:lnSpc>
-            <a:spcBef>
-              <a:spcPct val="0"/>
-            </a:spcBef>
-            <a:spcAft>
-              <a:spcPct val="15000"/>
-            </a:spcAft>
-            <a:buChar char="••"/>
-          </a:pPr>
-          <a:r>
-            <a:rPr lang="zh-CN" altLang="en-US" sz="2800" kern="1200" dirty="0" smtClean="0"/>
-            <a:t>行间事件</a:t>
-          </a:r>
-          <a:endParaRPr lang="zh-CN" altLang="en-US" sz="2800" kern="1200" dirty="0"/>
-        </a:p>
-        <a:p>
-          <a:pPr marL="285750" lvl="1" indent="-285750" algn="l" defTabSz="1244600">
-            <a:lnSpc>
-              <a:spcPct val="90000"/>
-            </a:lnSpc>
-            <a:spcBef>
-              <a:spcPct val="0"/>
-            </a:spcBef>
-            <a:spcAft>
-              <a:spcPct val="15000"/>
-            </a:spcAft>
-            <a:buChar char="••"/>
-          </a:pPr>
-          <a:r>
-            <a:rPr lang="en-US" sz="2800" b="0" i="0" kern="1200" dirty="0" smtClean="0"/>
-            <a:t>&lt;button </a:t>
-          </a:r>
-          <a:r>
-            <a:rPr lang="en-US" sz="2800" b="0" i="0" kern="1200" dirty="0" err="1" smtClean="0"/>
-            <a:t>onclick</a:t>
-          </a:r>
-          <a:r>
-            <a:rPr lang="en-US" sz="2800" b="0" i="0" kern="1200" dirty="0" smtClean="0"/>
-            <a:t>=”test();”&gt;&lt;/button&gt; </a:t>
-          </a:r>
-          <a:endParaRPr lang="zh-CN" altLang="en-US" sz="2800" i="1" kern="1200" dirty="0"/>
-        </a:p>
-      </dsp:txBody>
-      <dsp:txXfrm>
-        <a:off x="2708395" y="1371077"/>
-        <a:ext cx="5926373" cy="1018461"/>
-      </dsp:txXfrm>
     </dsp:sp>
-    <dsp:sp modelId="{D006BE06-66B9-47F3-B3C3-0EB46471AAD3}">
+    <dsp:sp modelId="{C72FA596-38F4-4C69-9D99-71C92A1CE715}">
       <dsp:nvSpPr>
         <dsp:cNvPr id="0" name=""/>
         <dsp:cNvSpPr/>
       </dsp:nvSpPr>
       <dsp:spPr>
         <a:xfrm>
-          <a:off x="22" y="1345343"/>
-          <a:ext cx="2704446" cy="1028689"/>
+          <a:off x="1721251" y="2193799"/>
+          <a:ext cx="2073123" cy="1451119"/>
         </a:xfrm>
         <a:prstGeom prst="roundRect">
-          <a:avLst/>
+          <a:avLst>
+            <a:gd name="adj" fmla="val 16670"/>
+          </a:avLst>
         </a:prstGeom>
         <a:solidFill>
           <a:schemeClr val="accent1">
@@ -1580,12 +1634,12 @@
         </a:fontRef>
       </dsp:style>
       <dsp:txBody>
-        <a:bodyPr spcFirstLastPara="0" vert="horz" wrap="square" lIns="121920" tIns="60960" rIns="121920" bIns="60960" numCol="1" spcCol="1270" anchor="ctr" anchorCtr="0">
+        <a:bodyPr spcFirstLastPara="0" vert="horz" wrap="square" lIns="125730" tIns="125730" rIns="125730" bIns="125730" numCol="1" spcCol="1270" anchor="ctr" anchorCtr="0">
           <a:noAutofit/>
         </a:bodyPr>
         <a:lstStyle/>
         <a:p>
-          <a:pPr lvl="0" algn="ctr" defTabSz="1422400">
+          <a:pPr lvl="0" algn="ctr" defTabSz="1466850">
             <a:lnSpc>
               <a:spcPct val="90000"/>
             </a:lnSpc>
@@ -1597,15 +1651,232 @@
             </a:spcAft>
           </a:pPr>
           <a:r>
-            <a:rPr lang="en-US" altLang="zh-CN" sz="3200" kern="1200" smtClean="0"/>
-            <a:t>Dom level1</a:t>
+            <a:rPr lang="zh-CN" altLang="en-US" sz="3300" kern="1200" dirty="0" smtClean="0"/>
+            <a:t>构建</a:t>
           </a:r>
-          <a:endParaRPr lang="zh-CN" altLang="en-US" sz="3200" kern="1200" dirty="0"/>
+          <a:r>
+            <a:rPr lang="en-US" altLang="zh-CN" sz="3300" kern="1200" dirty="0" smtClean="0"/>
+            <a:t>render</a:t>
+          </a:r>
+          <a:r>
+            <a:rPr lang="zh-CN" altLang="en-US" sz="3300" kern="1200" dirty="0" smtClean="0"/>
+            <a:t>树</a:t>
+          </a:r>
+          <a:endParaRPr lang="zh-CN" altLang="en-US" sz="3300" kern="1200" dirty="0"/>
         </a:p>
       </dsp:txBody>
       <dsp:txXfrm>
-        <a:off x="50238" y="1395559"/>
-        <a:ext cx="2604014" cy="928257"/>
+        <a:off x="1792102" y="2264650"/>
+        <a:ext cx="1931421" cy="1309417"/>
+      </dsp:txXfrm>
+    </dsp:sp>
+    <dsp:sp modelId="{AF68B230-2D1E-460D-BBE7-096B4294D216}">
+      <dsp:nvSpPr>
+        <dsp:cNvPr id="0" name=""/>
+        <dsp:cNvSpPr/>
+      </dsp:nvSpPr>
+      <dsp:spPr>
+        <a:xfrm>
+          <a:off x="3789953" y="2365165"/>
+          <a:ext cx="3837361" cy="1172858"/>
+        </a:xfrm>
+        <a:prstGeom prst="rect">
+          <a:avLst/>
+        </a:prstGeom>
+        <a:noFill/>
+        <a:ln>
+          <a:noFill/>
+        </a:ln>
+        <a:effectLst/>
+      </dsp:spPr>
+      <dsp:style>
+        <a:lnRef idx="0">
+          <a:scrgbClr r="0" g="0" b="0"/>
+        </a:lnRef>
+        <a:fillRef idx="0">
+          <a:scrgbClr r="0" g="0" b="0"/>
+        </a:fillRef>
+        <a:effectRef idx="0">
+          <a:scrgbClr r="0" g="0" b="0"/>
+        </a:effectRef>
+        <a:fontRef idx="minor"/>
+      </dsp:style>
+      <dsp:txBody>
+        <a:bodyPr spcFirstLastPara="0" vert="horz" wrap="square" lIns="125730" tIns="125730" rIns="125730" bIns="125730" numCol="1" spcCol="1270" anchor="ctr" anchorCtr="0">
+          <a:noAutofit/>
+        </a:bodyPr>
+        <a:lstStyle/>
+        <a:p>
+          <a:pPr marL="228600" lvl="1" indent="-228600" algn="l" defTabSz="1155700">
+            <a:lnSpc>
+              <a:spcPct val="90000"/>
+            </a:lnSpc>
+            <a:spcBef>
+              <a:spcPct val="0"/>
+            </a:spcBef>
+            <a:spcAft>
+              <a:spcPct val="15000"/>
+            </a:spcAft>
+            <a:buChar char="••"/>
+          </a:pPr>
+          <a:r>
+            <a:rPr lang="zh-CN" altLang="en-US" sz="2600" kern="1200" dirty="0" smtClean="0"/>
+            <a:t>解析颜色、大小等属性。按序显示到屏幕上</a:t>
+          </a:r>
+          <a:endParaRPr lang="zh-CN" altLang="en-US" sz="2600" kern="1200" dirty="0"/>
+        </a:p>
+      </dsp:txBody>
+      <dsp:txXfrm>
+        <a:off x="3789953" y="2365165"/>
+        <a:ext cx="3837361" cy="1172858"/>
+      </dsp:txXfrm>
+    </dsp:sp>
+    <dsp:sp modelId="{275AC2AA-ECD0-4333-B7B0-FFBEDFB4F9BE}">
+      <dsp:nvSpPr>
+        <dsp:cNvPr id="0" name=""/>
+        <dsp:cNvSpPr/>
+      </dsp:nvSpPr>
+      <dsp:spPr>
+        <a:xfrm>
+          <a:off x="3720996" y="3917728"/>
+          <a:ext cx="2073123" cy="1451119"/>
+        </a:xfrm>
+        <a:prstGeom prst="roundRect">
+          <a:avLst>
+            <a:gd name="adj" fmla="val 16670"/>
+          </a:avLst>
+        </a:prstGeom>
+        <a:solidFill>
+          <a:schemeClr val="accent1">
+            <a:hueOff val="0"/>
+            <a:satOff val="0"/>
+            <a:lumOff val="0"/>
+            <a:alphaOff val="0"/>
+          </a:schemeClr>
+        </a:solidFill>
+        <a:ln w="25400" cap="flat" cmpd="sng" algn="ctr">
+          <a:solidFill>
+            <a:schemeClr val="lt1">
+              <a:hueOff val="0"/>
+              <a:satOff val="0"/>
+              <a:lumOff val="0"/>
+              <a:alphaOff val="0"/>
+            </a:schemeClr>
+          </a:solidFill>
+          <a:prstDash val="solid"/>
+        </a:ln>
+        <a:effectLst/>
+      </dsp:spPr>
+      <dsp:style>
+        <a:lnRef idx="2">
+          <a:scrgbClr r="0" g="0" b="0"/>
+        </a:lnRef>
+        <a:fillRef idx="1">
+          <a:scrgbClr r="0" g="0" b="0"/>
+        </a:fillRef>
+        <a:effectRef idx="0">
+          <a:scrgbClr r="0" g="0" b="0"/>
+        </a:effectRef>
+        <a:fontRef idx="minor">
+          <a:schemeClr val="lt1"/>
+        </a:fontRef>
+      </dsp:style>
+      <dsp:txBody>
+        <a:bodyPr spcFirstLastPara="0" vert="horz" wrap="square" lIns="125730" tIns="125730" rIns="125730" bIns="125730" numCol="1" spcCol="1270" anchor="ctr" anchorCtr="0">
+          <a:noAutofit/>
+        </a:bodyPr>
+        <a:lstStyle/>
+        <a:p>
+          <a:pPr lvl="0" algn="ctr" defTabSz="1466850">
+            <a:lnSpc>
+              <a:spcPct val="90000"/>
+            </a:lnSpc>
+            <a:spcBef>
+              <a:spcPct val="0"/>
+            </a:spcBef>
+            <a:spcAft>
+              <a:spcPct val="35000"/>
+            </a:spcAft>
+          </a:pPr>
+          <a:r>
+            <a:rPr lang="zh-CN" altLang="en-US" sz="3300" kern="1200" dirty="0" smtClean="0"/>
+            <a:t>绘制</a:t>
+          </a:r>
+          <a:endParaRPr lang="zh-CN" altLang="en-US" sz="3300" kern="1200" dirty="0"/>
+        </a:p>
+      </dsp:txBody>
+      <dsp:txXfrm>
+        <a:off x="3791847" y="3988579"/>
+        <a:ext cx="1931421" cy="1309417"/>
+      </dsp:txXfrm>
+    </dsp:sp>
+    <dsp:sp modelId="{8D486F94-629E-4648-9A8E-E936D5F81052}">
+      <dsp:nvSpPr>
+        <dsp:cNvPr id="0" name=""/>
+        <dsp:cNvSpPr/>
+      </dsp:nvSpPr>
+      <dsp:spPr>
+        <a:xfrm>
+          <a:off x="5832645" y="4104456"/>
+          <a:ext cx="2215881" cy="1172858"/>
+        </a:xfrm>
+        <a:prstGeom prst="rect">
+          <a:avLst/>
+        </a:prstGeom>
+        <a:noFill/>
+        <a:ln>
+          <a:noFill/>
+        </a:ln>
+        <a:effectLst/>
+      </dsp:spPr>
+      <dsp:style>
+        <a:lnRef idx="0">
+          <a:scrgbClr r="0" g="0" b="0"/>
+        </a:lnRef>
+        <a:fillRef idx="0">
+          <a:scrgbClr r="0" g="0" b="0"/>
+        </a:fillRef>
+        <a:effectRef idx="0">
+          <a:scrgbClr r="0" g="0" b="0"/>
+        </a:effectRef>
+        <a:fontRef idx="minor"/>
+      </dsp:style>
+      <dsp:txBody>
+        <a:bodyPr spcFirstLastPara="0" vert="horz" wrap="square" lIns="114300" tIns="114300" rIns="114300" bIns="114300" numCol="1" spcCol="1270" anchor="ctr" anchorCtr="0">
+          <a:noAutofit/>
+        </a:bodyPr>
+        <a:lstStyle/>
+        <a:p>
+          <a:pPr marL="228600" lvl="1" indent="-228600" algn="l" defTabSz="1022350">
+            <a:lnSpc>
+              <a:spcPct val="90000"/>
+            </a:lnSpc>
+            <a:spcBef>
+              <a:spcPct val="0"/>
+            </a:spcBef>
+            <a:spcAft>
+              <a:spcPct val="15000"/>
+            </a:spcAft>
+            <a:buChar char="••"/>
+          </a:pPr>
+          <a:r>
+            <a:rPr lang="zh-CN" altLang="en-US" sz="2300" kern="1200" dirty="0" smtClean="0"/>
+            <a:t>执行布局，遍历</a:t>
+          </a:r>
+          <a:r>
+            <a:rPr lang="en-US" altLang="zh-CN" sz="2300" kern="1200" dirty="0" smtClean="0"/>
+            <a:t>render</a:t>
+          </a:r>
+          <a:r>
+            <a:rPr lang="zh-CN" altLang="en-US" sz="2300" kern="1200" dirty="0" smtClean="0"/>
+            <a:t>树</a:t>
+          </a:r>
+          <a:endParaRPr lang="zh-CN" altLang="en-US" sz="2300" kern="1200" dirty="0"/>
+        </a:p>
+      </dsp:txBody>
+      <dsp:txXfrm>
+        <a:off x="5832645" y="4104456"/>
+        <a:ext cx="2215881" cy="1172858"/>
       </dsp:txXfrm>
     </dsp:sp>
   </dsp:spTree>
@@ -1613,43 +1884,42 @@
 </file>
 
 <file path=ppt/diagrams/layout1.xml><?xml version="1.0" encoding="utf-8"?>
-<dgm:layoutDef xmlns:dgm="http://schemas.openxmlformats.org/drawingml/2006/diagram" xmlns:a="http://schemas.openxmlformats.org/drawingml/2006/main" uniqueId="urn:microsoft.com/office/officeart/2005/8/layout/vList6">
+<dgm:layoutDef xmlns:dgm="http://schemas.openxmlformats.org/drawingml/2006/diagram" xmlns:a="http://schemas.openxmlformats.org/drawingml/2006/main" uniqueId="urn:microsoft.com/office/officeart/2005/8/layout/StepDownProcess">
   <dgm:title val=""/>
   <dgm:desc val=""/>
   <dgm:catLst>
-    <dgm:cat type="process" pri="22000"/>
-    <dgm:cat type="list" pri="17000"/>
+    <dgm:cat type="process" pri="1600"/>
   </dgm:catLst>
   <dgm:sampData>
     <dgm:dataModel>
       <dgm:ptLst>
         <dgm:pt modelId="0" type="doc"/>
-        <dgm:pt modelId="1">
+        <dgm:pt modelId="10">
           <dgm:prSet phldr="1"/>
         </dgm:pt>
         <dgm:pt modelId="11">
           <dgm:prSet phldr="1"/>
         </dgm:pt>
-        <dgm:pt modelId="12">
-          <dgm:prSet phldr="1"/>
-        </dgm:pt>
-        <dgm:pt modelId="2">
+        <dgm:pt modelId="20">
           <dgm:prSet phldr="1"/>
         </dgm:pt>
         <dgm:pt modelId="21">
           <dgm:prSet phldr="1"/>
         </dgm:pt>
-        <dgm:pt modelId="22">
+        <dgm:pt modelId="30">
+          <dgm:prSet phldr="1"/>
+        </dgm:pt>
+        <dgm:pt modelId="31">
           <dgm:prSet phldr="1"/>
         </dgm:pt>
       </dgm:ptLst>
       <dgm:cxnLst>
-        <dgm:cxn modelId="4" srcId="0" destId="1" srcOrd="0" destOrd="0"/>
-        <dgm:cxn modelId="5" srcId="0" destId="2" srcOrd="1" destOrd="0"/>
-        <dgm:cxn modelId="13" srcId="1" destId="11" srcOrd="0" destOrd="0"/>
-        <dgm:cxn modelId="14" srcId="1" destId="12" srcOrd="0" destOrd="0"/>
-        <dgm:cxn modelId="23" srcId="2" destId="21" srcOrd="0" destOrd="0"/>
-        <dgm:cxn modelId="24" srcId="2" destId="22" srcOrd="0" destOrd="0"/>
+        <dgm:cxn modelId="60" srcId="0" destId="10" srcOrd="0" destOrd="0"/>
+        <dgm:cxn modelId="12" srcId="10" destId="11" srcOrd="0" destOrd="0"/>
+        <dgm:cxn modelId="70" srcId="0" destId="20" srcOrd="1" destOrd="0"/>
+        <dgm:cxn modelId="22" srcId="20" destId="21" srcOrd="0" destOrd="0"/>
+        <dgm:cxn modelId="80" srcId="0" destId="30" srcOrd="2" destOrd="0"/>
+        <dgm:cxn modelId="32" srcId="30" destId="31" srcOrd="0" destOrd="0"/>
       </dgm:cxnLst>
       <dgm:bg/>
       <dgm:whole/>
@@ -1659,12 +1929,16 @@
     <dgm:dataModel>
       <dgm:ptLst>
         <dgm:pt modelId="0" type="doc"/>
-        <dgm:pt modelId="1"/>
-        <dgm:pt modelId="2"/>
+        <dgm:pt modelId="10">
+          <dgm:prSet phldr="1"/>
+        </dgm:pt>
+        <dgm:pt modelId="20">
+          <dgm:prSet phldr="1"/>
+        </dgm:pt>
       </dgm:ptLst>
       <dgm:cxnLst>
-        <dgm:cxn modelId="3" srcId="0" destId="1" srcOrd="0" destOrd="0"/>
-        <dgm:cxn modelId="4" srcId="0" destId="2" srcOrd="1" destOrd="0"/>
+        <dgm:cxn modelId="60" srcId="0" destId="10" srcOrd="0" destOrd="0"/>
+        <dgm:cxn modelId="70" srcId="0" destId="20" srcOrd="1" destOrd="0"/>
       </dgm:cxnLst>
       <dgm:bg/>
       <dgm:whole/>
@@ -1674,143 +1948,252 @@
     <dgm:dataModel>
       <dgm:ptLst>
         <dgm:pt modelId="0" type="doc"/>
-        <dgm:pt modelId="1"/>
-        <dgm:pt modelId="2"/>
-        <dgm:pt modelId="3"/>
-        <dgm:pt modelId="4"/>
+        <dgm:pt modelId="10">
+          <dgm:prSet phldr="1"/>
+        </dgm:pt>
+        <dgm:pt modelId="20">
+          <dgm:prSet phldr="1"/>
+        </dgm:pt>
+        <dgm:pt modelId="30">
+          <dgm:prSet phldr="1"/>
+        </dgm:pt>
+        <dgm:pt modelId="40">
+          <dgm:prSet phldr="1"/>
+        </dgm:pt>
       </dgm:ptLst>
       <dgm:cxnLst>
-        <dgm:cxn modelId="5" srcId="0" destId="1" srcOrd="0" destOrd="0"/>
-        <dgm:cxn modelId="6" srcId="0" destId="2" srcOrd="1" destOrd="0"/>
-        <dgm:cxn modelId="7" srcId="0" destId="3" srcOrd="2" destOrd="0"/>
-        <dgm:cxn modelId="8" srcId="0" destId="4" srcOrd="3" destOrd="0"/>
+        <dgm:cxn modelId="60" srcId="0" destId="10" srcOrd="0" destOrd="0"/>
+        <dgm:cxn modelId="70" srcId="0" destId="20" srcOrd="1" destOrd="0"/>
+        <dgm:cxn modelId="80" srcId="0" destId="30" srcOrd="2" destOrd="0"/>
+        <dgm:cxn modelId="90" srcId="0" destId="40" srcOrd="3" destOrd="0"/>
       </dgm:cxnLst>
       <dgm:bg/>
       <dgm:whole/>
     </dgm:dataModel>
   </dgm:clrData>
-  <dgm:layoutNode name="Name0">
+  <dgm:layoutNode name="rootnode">
     <dgm:varLst>
+      <dgm:chMax/>
+      <dgm:chPref/>
       <dgm:dir/>
       <dgm:animLvl val="lvl"/>
-      <dgm:resizeHandles/>
     </dgm:varLst>
-    <dgm:alg type="lin">
-      <dgm:param type="linDir" val="fromT"/>
-    </dgm:alg>
+    <dgm:choose name="Name0">
+      <dgm:if name="Name1" func="var" arg="dir" op="equ" val="norm">
+        <dgm:alg type="snake">
+          <dgm:param type="grDir" val="tL"/>
+          <dgm:param type="flowDir" val="row"/>
+          <dgm:param type="off" val="off"/>
+          <dgm:param type="bkpt" val="fixed"/>
+          <dgm:param type="bkPtFixedVal" val="1"/>
+        </dgm:alg>
+      </dgm:if>
+      <dgm:else name="Name2">
+        <dgm:alg type="snake">
+          <dgm:param type="grDir" val="tR"/>
+          <dgm:param type="flowDir" val="row"/>
+          <dgm:param type="off" val="off"/>
+          <dgm:param type="bkpt" val="fixed"/>
+          <dgm:param type="bkPtFixedVal" val="1"/>
+        </dgm:alg>
+      </dgm:else>
+    </dgm:choose>
     <dgm:shape xmlns:r="http://schemas.openxmlformats.org/officeDocument/2006/relationships" r:blip="">
       <dgm:adjLst/>
     </dgm:shape>
-    <dgm:presOf/>
-    <dgm:constrLst>
-      <dgm:constr type="w" for="ch" forName="linNode" refType="w"/>
-      <dgm:constr type="h" for="ch" forName="linNode" refType="h"/>
-      <dgm:constr type="h" for="ch" forName="spacing" refType="h" refFor="ch" refForName="linNode" fact="0.1"/>
-      <dgm:constr type="primFontSz" for="des" forName="parentShp" op="equ" val="65"/>
-      <dgm:constr type="primFontSz" for="des" forName="childShp" op="equ" val="65"/>
-    </dgm:constrLst>
-    <dgm:ruleLst/>
-    <dgm:forEach name="Name1" axis="ch" ptType="node">
-      <dgm:layoutNode name="linNode">
-        <dgm:choose name="Name2">
-          <dgm:if name="Name3" func="var" arg="dir" op="equ" val="norm">
-            <dgm:alg type="lin">
-              <dgm:param type="linDir" val="fromL"/>
-            </dgm:alg>
-          </dgm:if>
-          <dgm:else name="Name4">
-            <dgm:alg type="lin">
-              <dgm:param type="linDir" val="fromR"/>
-            </dgm:alg>
-          </dgm:else>
-        </dgm:choose>
+    <dgm:choose name="Name3">
+      <dgm:if name="Name4" func="var" arg="dir" op="equ" val="norm">
+        <dgm:constrLst>
+          <dgm:constr type="alignOff" forName="rootnode" val="0.48"/>
+          <dgm:constr type="primFontSz" for="des" forName="ParentText" val="65"/>
+          <dgm:constr type="primFontSz" for="des" forName="ChildText" refType="primFontSz" refFor="des" refForName="ParentText" op="lte"/>
+          <dgm:constr type="w" for="ch" forName="composite" refType="w"/>
+          <dgm:constr type="h" for="ch" forName="composite" refType="h"/>
+          <dgm:constr type="sp" refType="h" refFor="ch" refForName="composite" op="equ" fact="-0.38"/>
+        </dgm:constrLst>
+      </dgm:if>
+      <dgm:else name="Name5">
+        <dgm:constrLst>
+          <dgm:constr type="alignOff" forName="rootnode" val="0.48"/>
+          <dgm:constr type="primFontSz" for="des" forName="ParentText" val="65"/>
+          <dgm:constr type="primFontSz" for="des" forName="ChildText" refType="primFontSz" refFor="des" refForName="ParentText" op="lte"/>
+          <dgm:constr type="w" for="ch" forName="composite" refType="w"/>
+          <dgm:constr type="h" for="ch" forName="composite" refType="h"/>
+          <dgm:constr type="sp" refType="h" refFor="ch" refForName="composite" op="equ" fact="-0.38"/>
+        </dgm:constrLst>
+      </dgm:else>
+    </dgm:choose>
+    <dgm:forEach name="nodesForEach" axis="ch" ptType="node">
+      <dgm:layoutNode name="composite">
+        <dgm:alg type="composite">
+          <dgm:param type="ar" val="1.2439"/>
+        </dgm:alg>
         <dgm:shape xmlns:r="http://schemas.openxmlformats.org/officeDocument/2006/relationships" r:blip="">
           <dgm:adjLst/>
         </dgm:shape>
-        <dgm:presOf/>
-        <dgm:choose name="Name5">
-          <dgm:if name="Name6" func="var" arg="dir" op="equ" val="norm">
+        <dgm:choose name="Name6">
+          <dgm:if name="Name7" func="var" arg="dir" op="equ" val="norm">
             <dgm:constrLst>
-              <dgm:constr type="w" for="ch" forName="parentShp" refType="w" fact="0.4"/>
-              <dgm:constr type="h" for="ch" forName="parentShp" refType="h"/>
-              <dgm:constr type="w" for="ch" forName="childShp" refType="w" fact="0.6"/>
-              <dgm:constr type="h" for="ch" forName="childShp" refType="h" refFor="ch" refForName="parentShp"/>
+              <dgm:constr type="l" for="ch" forName="bentUpArrow1" refType="w" fact="0.07"/>
+              <dgm:constr type="t" for="ch" forName="bentUpArrow1" refType="h" fact="0.524"/>
+              <dgm:constr type="w" for="ch" forName="bentUpArrow1" refType="w" fact="0.3844"/>
+              <dgm:constr type="h" for="ch" forName="bentUpArrow1" refType="h" fact="0.42"/>
+              <dgm:constr type="l" for="ch" forName="ParentText" refType="w" fact="0"/>
+              <dgm:constr type="t" for="ch" forName="ParentText" refType="h" fact="0"/>
+              <dgm:constr type="w" for="ch" forName="ParentText" refType="w" fact="0.5684"/>
+              <dgm:constr type="h" for="ch" forName="ParentText" refType="h" fact="0.4949"/>
+              <dgm:constr type="l" for="ch" forName="ChildText" refType="w" refFor="ch" refForName="ParentText"/>
+              <dgm:constr type="t" for="ch" forName="ChildText" refType="h" fact="0.05"/>
+              <dgm:constr type="w" for="ch" forName="ChildText" refType="w" fact="0.4134"/>
+              <dgm:constr type="h" for="ch" forName="ChildText" refType="h" fact="0.4"/>
+              <dgm:constr type="l" for="ch" forName="FinalChildText" refType="w" refFor="ch" refForName="ParentText"/>
+              <dgm:constr type="t" for="ch" forName="FinalChildText" refType="h" fact="0.05"/>
+              <dgm:constr type="w" for="ch" forName="FinalChildText" refType="w" fact="0.4134"/>
+              <dgm:constr type="h" for="ch" forName="FinalChildText" refType="h" fact="0.4"/>
             </dgm:constrLst>
           </dgm:if>
-          <dgm:else name="Name7">
+          <dgm:else name="Name8">
             <dgm:constrLst>
-              <dgm:constr type="w" for="ch" forName="parentShp" refType="w" fact="0.4"/>
-              <dgm:constr type="h" for="ch" forName="parentShp" refType="h"/>
-              <dgm:constr type="w" for="ch" forName="childShp" refType="w" fact="0.6"/>
-              <dgm:constr type="h" for="ch" forName="childShp" refType="h" refFor="ch" refForName="parentShp"/>
+              <dgm:constr type="r" for="ch" forName="bentUpArrow1" refType="w" fact="0.97"/>
+              <dgm:constr type="t" for="ch" forName="bentUpArrow1" refType="h" fact="0.524"/>
+              <dgm:constr type="w" for="ch" forName="bentUpArrow1" refType="w" fact="0.3844"/>
+              <dgm:constr type="h" for="ch" forName="bentUpArrow1" refType="h" fact="0.42"/>
+              <dgm:constr type="l" for="ch" forName="ParentText" refType="w" fact="0.4316"/>
+              <dgm:constr type="t" for="ch" forName="ParentText" refType="h" fact="0"/>
+              <dgm:constr type="w" for="ch" forName="ParentText" refType="w" fact="0.5684"/>
+              <dgm:constr type="h" for="ch" forName="ParentText" refType="h" fact="0.4949"/>
+              <dgm:constr type="l" for="ch" forName="ChildText" refType="w" fact="0"/>
+              <dgm:constr type="t" for="ch" forName="ChildText" refType="h" fact="0.05"/>
+              <dgm:constr type="w" for="ch" forName="ChildText" refType="w" fact="0.4134"/>
+              <dgm:constr type="h" for="ch" forName="ChildText" refType="h" fact="0.4"/>
+              <dgm:constr type="l" for="ch" forName="FinalChildText" refType="w" fact="0"/>
+              <dgm:constr type="t" for="ch" forName="FinalChildText" refType="h" fact="0.05"/>
+              <dgm:constr type="w" for="ch" forName="FinalChildText" refType="w" fact="0.4134"/>
+              <dgm:constr type="h" for="ch" forName="FinalChildText" refType="h" fact="0.4"/>
             </dgm:constrLst>
           </dgm:else>
         </dgm:choose>
-        <dgm:ruleLst/>
-        <dgm:layoutNode name="parentShp" styleLbl="node1">
+        <dgm:choose name="Name9">
+          <dgm:if name="Name10" axis="followSib" ptType="node" func="cnt" op="gte" val="1">
+            <dgm:layoutNode name="bentUpArrow1" styleLbl="alignImgPlace1">
+              <dgm:alg type="sp"/>
+              <dgm:choose name="Name11">
+                <dgm:if name="Name12" func="var" arg="dir" op="equ" val="norm">
+                  <dgm:shape xmlns:r="http://schemas.openxmlformats.org/officeDocument/2006/relationships" rot="90" type="bentUpArrow" r:blip="">
+                    <dgm:adjLst>
+                      <dgm:adj idx="1" val="0.3284"/>
+                      <dgm:adj idx="2" val="0.25"/>
+                      <dgm:adj idx="3" val="0.3578"/>
+                    </dgm:adjLst>
+                  </dgm:shape>
+                </dgm:if>
+                <dgm:else name="Name13">
+                  <dgm:shape xmlns:r="http://schemas.openxmlformats.org/officeDocument/2006/relationships" rot="180" type="bentArrow" r:blip="">
+                    <dgm:adjLst>
+                      <dgm:adj idx="1" val="0.3284"/>
+                      <dgm:adj idx="2" val="0.25"/>
+                      <dgm:adj idx="3" val="0.3578"/>
+                      <dgm:adj idx="4" val="0"/>
+                    </dgm:adjLst>
+                  </dgm:shape>
+                </dgm:else>
+              </dgm:choose>
+              <dgm:presOf/>
+            </dgm:layoutNode>
+          </dgm:if>
+          <dgm:else name="Name14"/>
+        </dgm:choose>
+        <dgm:layoutNode name="ParentText" styleLbl="node1">
           <dgm:varLst>
+            <dgm:chMax val="1"/>
+            <dgm:chPref val="1"/>
             <dgm:bulletEnabled val="1"/>
           </dgm:varLst>
           <dgm:alg type="tx"/>
           <dgm:shape xmlns:r="http://schemas.openxmlformats.org/officeDocument/2006/relationships" type="roundRect" r:blip="">
-            <dgm:adjLst/>
+            <dgm:adjLst>
+              <dgm:adj idx="1" val="0.1667"/>
+            </dgm:adjLst>
           </dgm:shape>
           <dgm:presOf axis="self" ptType="node"/>
           <dgm:constrLst>
-            <dgm:constr type="tMarg" refType="primFontSz" fact="0.15"/>
-            <dgm:constr type="bMarg" refType="primFontSz" fact="0.15"/>
             <dgm:constr type="lMarg" refType="primFontSz" fact="0.3"/>
             <dgm:constr type="rMarg" refType="primFontSz" fact="0.3"/>
+            <dgm:constr type="tMarg" refType="primFontSz" fact="0.3"/>
+            <dgm:constr type="bMarg" refType="primFontSz" fact="0.3"/>
           </dgm:constrLst>
           <dgm:ruleLst>
             <dgm:rule type="primFontSz" val="5" fact="NaN" max="NaN"/>
           </dgm:ruleLst>
         </dgm:layoutNode>
-        <dgm:layoutNode name="childShp" styleLbl="bgAccFollowNode1">
-          <dgm:varLst>
-            <dgm:bulletEnabled val="1"/>
-          </dgm:varLst>
-          <dgm:alg type="tx">
-            <dgm:param type="stBulletLvl" val="1"/>
-          </dgm:alg>
-          <dgm:choose name="Name8">
-            <dgm:if name="Name9" func="var" arg="dir" op="equ" val="norm">
-              <dgm:shape xmlns:r="http://schemas.openxmlformats.org/officeDocument/2006/relationships" type="rightArrow" r:blip="" zOrderOff="-2">
-                <dgm:adjLst>
-                  <dgm:adj idx="1" val="0.75"/>
-                </dgm:adjLst>
+        <dgm:choose name="Name15">
+          <dgm:if name="Name16" axis="followSib" ptType="node" func="cnt" op="equ" val="0">
+            <dgm:choose name="Name17">
+              <dgm:if name="Name18" axis="ch" ptType="node" func="cnt" op="gte" val="1">
+                <dgm:layoutNode name="FinalChildText" styleLbl="revTx">
+                  <dgm:varLst>
+                    <dgm:chMax val="0"/>
+                    <dgm:chPref val="0"/>
+                    <dgm:bulletEnabled val="1"/>
+                  </dgm:varLst>
+                  <dgm:alg type="tx">
+                    <dgm:param type="stBulletLvl" val="1"/>
+                    <dgm:param type="txAnchorVertCh" val="mid"/>
+                    <dgm:param type="parTxLTRAlign" val="l"/>
+                  </dgm:alg>
+                  <dgm:shape xmlns:r="http://schemas.openxmlformats.org/officeDocument/2006/relationships" type="rect" r:blip="">
+                    <dgm:adjLst/>
+                  </dgm:shape>
+                  <dgm:presOf axis="des" ptType="node"/>
+                  <dgm:constrLst>
+                    <dgm:constr type="lMarg" refType="primFontSz" fact="0.3"/>
+                    <dgm:constr type="rMarg" refType="primFontSz" fact="0.3"/>
+                    <dgm:constr type="tMarg" refType="primFontSz" fact="0.3"/>
+                    <dgm:constr type="bMarg" refType="primFontSz" fact="0.3"/>
+                  </dgm:constrLst>
+                  <dgm:ruleLst>
+                    <dgm:rule type="primFontSz" val="5" fact="NaN" max="NaN"/>
+                  </dgm:ruleLst>
+                </dgm:layoutNode>
+              </dgm:if>
+              <dgm:else name="Name19"/>
+            </dgm:choose>
+          </dgm:if>
+          <dgm:else name="Name20">
+            <dgm:layoutNode name="ChildText" styleLbl="revTx">
+              <dgm:varLst>
+                <dgm:chMax val="0"/>
+                <dgm:chPref val="0"/>
+                <dgm:bulletEnabled val="1"/>
+              </dgm:varLst>
+              <dgm:alg type="tx">
+                <dgm:param type="stBulletLvl" val="1"/>
+                <dgm:param type="txAnchorVertCh" val="mid"/>
+                <dgm:param type="parTxLTRAlign" val="l"/>
+              </dgm:alg>
+              <dgm:shape xmlns:r="http://schemas.openxmlformats.org/officeDocument/2006/relationships" type="rect" r:blip="">
+                <dgm:adjLst/>
               </dgm:shape>
-            </dgm:if>
-            <dgm:else name="Name10">
-              <dgm:shape xmlns:r="http://schemas.openxmlformats.org/officeDocument/2006/relationships" rot="180" type="rightArrow" r:blip="" zOrderOff="-2">
-                <dgm:adjLst>
-                  <dgm:adj idx="1" val="0.75"/>
-                </dgm:adjLst>
-              </dgm:shape>
-            </dgm:else>
-          </dgm:choose>
-          <dgm:presOf axis="des" ptType="node"/>
-          <dgm:constrLst>
-            <dgm:constr type="secFontSz" refType="primFontSz"/>
-            <dgm:constr type="tMarg" refType="primFontSz" fact="0.05"/>
-            <dgm:constr type="bMarg" refType="primFontSz" fact="0.05"/>
-            <dgm:constr type="lMarg" refType="primFontSz" fact="0.05"/>
-            <dgm:constr type="rMarg" refType="primFontSz" fact="0.05"/>
-          </dgm:constrLst>
-          <dgm:ruleLst>
-            <dgm:rule type="primFontSz" val="5" fact="NaN" max="NaN"/>
-          </dgm:ruleLst>
-        </dgm:layoutNode>
+              <dgm:presOf axis="des" ptType="node"/>
+              <dgm:constrLst>
+                <dgm:constr type="lMarg" refType="primFontSz" fact="0.3"/>
+                <dgm:constr type="rMarg" refType="primFontSz" fact="0.3"/>
+                <dgm:constr type="tMarg" refType="primFontSz" fact="0.3"/>
+                <dgm:constr type="bMarg" refType="primFontSz" fact="0.3"/>
+              </dgm:constrLst>
+              <dgm:ruleLst>
+                <dgm:rule type="primFontSz" val="5" fact="NaN" max="NaN"/>
+              </dgm:ruleLst>
+            </dgm:layoutNode>
+          </dgm:else>
+        </dgm:choose>
       </dgm:layoutNode>
-      <dgm:forEach name="Name11" axis="followSib" ptType="sibTrans" cnt="1">
-        <dgm:layoutNode name="spacing">
+      <dgm:forEach name="sibTransForEach" axis="followSib" ptType="sibTrans" cnt="1">
+        <dgm:layoutNode name="sibTrans">
           <dgm:alg type="sp"/>
           <dgm:shape xmlns:r="http://schemas.openxmlformats.org/officeDocument/2006/relationships" r:blip="">
             <dgm:adjLst/>
           </dgm:shape>
-          <dgm:presOf/>
-          <dgm:constrLst/>
-          <dgm:ruleLst/>
         </dgm:layoutNode>
       </dgm:forEach>
     </dgm:forEach>
@@ -3097,7 +3480,7 @@
           <a:p>
             <a:fld id="{D4A8AA65-8033-45FA-BC42-0F5737EC2083}" type="datetimeFigureOut">
               <a:rPr lang="zh-CN" altLang="en-US" smtClean="0"/>
-              <a:t>2015-10-20</a:t>
+              <a:t>2015-10-21</a:t>
             </a:fld>
             <a:endParaRPr lang="zh-CN" altLang="en-US"/>
           </a:p>
@@ -3262,7 +3645,7 @@
           <a:p>
             <a:fld id="{D4A8AA65-8033-45FA-BC42-0F5737EC2083}" type="datetimeFigureOut">
               <a:rPr lang="zh-CN" altLang="en-US" smtClean="0"/>
-              <a:t>2015-10-20</a:t>
+              <a:t>2015-10-21</a:t>
             </a:fld>
             <a:endParaRPr lang="zh-CN" altLang="en-US"/>
           </a:p>
@@ -3501,7 +3884,7 @@
           <a:p>
             <a:fld id="{D4A8AA65-8033-45FA-BC42-0F5737EC2083}" type="datetimeFigureOut">
               <a:rPr lang="zh-CN" altLang="en-US" smtClean="0"/>
-              <a:t>2015-10-20</a:t>
+              <a:t>2015-10-21</a:t>
             </a:fld>
             <a:endParaRPr lang="zh-CN" altLang="en-US"/>
           </a:p>
@@ -3735,7 +4118,7 @@
           <a:p>
             <a:fld id="{D4A8AA65-8033-45FA-BC42-0F5737EC2083}" type="datetimeFigureOut">
               <a:rPr lang="zh-CN" altLang="en-US" smtClean="0"/>
-              <a:t>2015-10-20</a:t>
+              <a:t>2015-10-21</a:t>
             </a:fld>
             <a:endParaRPr lang="zh-CN" altLang="en-US"/>
           </a:p>
@@ -4074,7 +4457,7 @@
           <a:p>
             <a:fld id="{D4A8AA65-8033-45FA-BC42-0F5737EC2083}" type="datetimeFigureOut">
               <a:rPr lang="zh-CN" altLang="en-US" smtClean="0"/>
-              <a:t>2015-10-20</a:t>
+              <a:t>2015-10-21</a:t>
             </a:fld>
             <a:endParaRPr lang="zh-CN" altLang="en-US"/>
           </a:p>
@@ -4421,7 +4804,7 @@
           <a:p>
             <a:fld id="{D4A8AA65-8033-45FA-BC42-0F5737EC2083}" type="datetimeFigureOut">
               <a:rPr lang="zh-CN" altLang="en-US" smtClean="0"/>
-              <a:t>2015-10-20</a:t>
+              <a:t>2015-10-21</a:t>
             </a:fld>
             <a:endParaRPr lang="zh-CN" altLang="en-US"/>
           </a:p>
@@ -4982,7 +5365,7 @@
           <a:p>
             <a:fld id="{D4A8AA65-8033-45FA-BC42-0F5737EC2083}" type="datetimeFigureOut">
               <a:rPr lang="zh-CN" altLang="en-US" smtClean="0"/>
-              <a:t>2015-10-20</a:t>
+              <a:t>2015-10-21</a:t>
             </a:fld>
             <a:endParaRPr lang="zh-CN" altLang="en-US"/>
           </a:p>
@@ -5159,7 +5542,7 @@
           <a:p>
             <a:fld id="{D4A8AA65-8033-45FA-BC42-0F5737EC2083}" type="datetimeFigureOut">
               <a:rPr lang="zh-CN" altLang="en-US" smtClean="0"/>
-              <a:t>2015-10-20</a:t>
+              <a:t>2015-10-21</a:t>
             </a:fld>
             <a:endParaRPr lang="zh-CN" altLang="en-US"/>
           </a:p>
@@ -5254,7 +5637,7 @@
           <a:p>
             <a:fld id="{D4A8AA65-8033-45FA-BC42-0F5737EC2083}" type="datetimeFigureOut">
               <a:rPr lang="zh-CN" altLang="en-US" smtClean="0"/>
-              <a:t>2015-10-20</a:t>
+              <a:t>2015-10-21</a:t>
             </a:fld>
             <a:endParaRPr lang="zh-CN" altLang="en-US"/>
           </a:p>
@@ -5619,7 +6002,7 @@
           <a:p>
             <a:fld id="{D4A8AA65-8033-45FA-BC42-0F5737EC2083}" type="datetimeFigureOut">
               <a:rPr lang="zh-CN" altLang="en-US" smtClean="0"/>
-              <a:t>2015-10-20</a:t>
+              <a:t>2015-10-21</a:t>
             </a:fld>
             <a:endParaRPr lang="zh-CN" altLang="en-US"/>
           </a:p>
@@ -5963,7 +6346,7 @@
           <a:p>
             <a:fld id="{D4A8AA65-8033-45FA-BC42-0F5737EC2083}" type="datetimeFigureOut">
               <a:rPr lang="zh-CN" altLang="en-US" smtClean="0"/>
-              <a:t>2015-10-20</a:t>
+              <a:t>2015-10-21</a:t>
             </a:fld>
             <a:endParaRPr lang="zh-CN" altLang="en-US"/>
           </a:p>
@@ -6234,7 +6617,7 @@
           <a:p>
             <a:fld id="{D4A8AA65-8033-45FA-BC42-0F5737EC2083}" type="datetimeFigureOut">
               <a:rPr lang="zh-CN" altLang="en-US" smtClean="0"/>
-              <a:t>2015-10-20</a:t>
+              <a:t>2015-10-21</a:t>
             </a:fld>
             <a:endParaRPr lang="zh-CN" altLang="en-US"/>
           </a:p>
@@ -6914,7 +7297,7 @@
           <a:p>
             <a:r>
               <a:rPr lang="zh-CN" altLang="en-US" dirty="0" smtClean="0"/>
-              <a:t>优化</a:t>
+              <a:t>获取样式</a:t>
             </a:r>
             <a:endParaRPr lang="zh-CN" altLang="en-US" dirty="0"/>
           </a:p>
@@ -6930,190 +7313,630 @@
             <p:ph idx="1"/>
           </p:nvPr>
         </p:nvSpPr>
-        <p:spPr/>
+        <p:spPr>
+          <a:xfrm>
+            <a:off x="457200" y="1600200"/>
+            <a:ext cx="8229600" cy="820688"/>
+          </a:xfrm>
+        </p:spPr>
         <p:txBody>
           <a:bodyPr/>
           <a:lstStyle/>
           <a:p>
-            <a:pPr marL="0" indent="0">
-              <a:buNone/>
-            </a:pPr>
             <a:r>
               <a:rPr lang="en-US" altLang="zh-CN" dirty="0" smtClean="0"/>
-              <a:t>Why</a:t>
-            </a:r>
-            <a:r>
-              <a:rPr lang="zh-CN" altLang="en-US" dirty="0" smtClean="0"/>
-              <a:t>：</a:t>
+              <a:t>Console.log(</a:t>
+            </a:r>
+            <a:r>
+              <a:rPr lang="en-US" altLang="zh-CN" dirty="0" err="1" smtClean="0"/>
+              <a:t>Obj.style</a:t>
             </a:r>
             <a:r>
               <a:rPr lang="en-US" altLang="zh-CN" dirty="0" smtClean="0"/>
-              <a:t>JS</a:t>
-            </a:r>
-            <a:r>
-              <a:rPr lang="zh-CN" altLang="en-US" dirty="0" smtClean="0"/>
-              <a:t>修改</a:t>
-            </a:r>
-            <a:r>
-              <a:rPr lang="en-US" altLang="zh-CN" dirty="0" smtClean="0"/>
-              <a:t>DOM</a:t>
-            </a:r>
-            <a:r>
-              <a:rPr lang="zh-CN" altLang="en-US" dirty="0" smtClean="0"/>
-              <a:t>树需要重新构建</a:t>
-            </a:r>
-            <a:r>
-              <a:rPr lang="en-US" altLang="zh-CN" dirty="0" smtClean="0"/>
-              <a:t>DOM</a:t>
-            </a:r>
-            <a:r>
-              <a:rPr lang="zh-CN" altLang="en-US" dirty="0" smtClean="0"/>
-              <a:t>树，阻塞其他的下载和呈现。</a:t>
-            </a:r>
-            <a:endParaRPr lang="zh-CN" altLang="en-US" dirty="0"/>
+              <a:t>[property]) ; </a:t>
+            </a:r>
+            <a:r>
+              <a:rPr lang="en-US" altLang="zh-CN" dirty="0" smtClean="0">
+                <a:solidFill>
+                  <a:srgbClr val="FF0000"/>
+                </a:solidFill>
+              </a:rPr>
+              <a:t>×</a:t>
+            </a:r>
+            <a:endParaRPr lang="zh-CN" altLang="en-US" sz="4800" dirty="0">
+              <a:solidFill>
+                <a:srgbClr val="FF0000"/>
+              </a:solidFill>
+            </a:endParaRPr>
           </a:p>
         </p:txBody>
       </p:sp>
       <p:sp>
         <p:nvSpPr>
-          <p:cNvPr id="4" name="TextBox 3"/>
-          <p:cNvSpPr txBox="1"/>
+          <p:cNvPr id="5" name="内容占位符 2"/>
+          <p:cNvSpPr txBox="1">
+            <a:spLocks/>
+          </p:cNvSpPr>
           <p:nvPr/>
         </p:nvSpPr>
         <p:spPr>
           <a:xfrm>
-            <a:off x="1043608" y="3140968"/>
-            <a:ext cx="6912768" cy="2677656"/>
+            <a:off x="609600" y="3140968"/>
+            <a:ext cx="8229600" cy="3052936"/>
           </a:xfrm>
           <a:prstGeom prst="rect">
             <a:avLst/>
           </a:prstGeom>
-          <a:noFill/>
         </p:spPr>
         <p:txBody>
-          <a:bodyPr wrap="square" rtlCol="0">
-            <a:spAutoFit/>
+          <a:bodyPr vert="horz" rtlCol="0">
+            <a:normAutofit/>
           </a:bodyPr>
-          <a:lstStyle/>
-          <a:p>
-            <a:pPr>
-              <a:lnSpc>
-                <a:spcPct val="150000"/>
-              </a:lnSpc>
+          <a:lstStyle>
+            <a:lvl1pPr marL="342900" indent="-342900" algn="l" rtl="0" eaLnBrk="1" latinLnBrk="0" hangingPunct="1">
+              <a:spcBef>
+                <a:spcPct val="20000"/>
+              </a:spcBef>
+              <a:buClr>
+                <a:schemeClr val="tx2"/>
+              </a:buClr>
+              <a:buSzPct val="50000"/>
+              <a:buFont typeface="Wingdings 2"/>
+              <a:buChar char="ß"/>
+              <a:defRPr kumimoji="0" sz="3200" kern="1200">
+                <a:solidFill>
+                  <a:schemeClr val="tx1"/>
+                </a:solidFill>
+                <a:latin typeface="+mn-lt"/>
+                <a:ea typeface="+mn-ea"/>
+                <a:cs typeface="+mn-cs"/>
+              </a:defRPr>
+            </a:lvl1pPr>
+            <a:lvl2pPr marL="742950" indent="-285750" algn="l" rtl="0" eaLnBrk="1" latinLnBrk="0" hangingPunct="1">
+              <a:spcBef>
+                <a:spcPct val="20000"/>
+              </a:spcBef>
+              <a:buClr>
+                <a:schemeClr val="tx2"/>
+              </a:buClr>
+              <a:buSzPct val="50000"/>
+              <a:buFont typeface="Wingdings 2"/>
+              <a:buChar char="Þ"/>
+              <a:defRPr kumimoji="0" sz="2800" kern="1200">
+                <a:solidFill>
+                  <a:schemeClr val="tx1"/>
+                </a:solidFill>
+                <a:latin typeface="+mn-lt"/>
+                <a:ea typeface="+mn-ea"/>
+                <a:cs typeface="+mn-cs"/>
+              </a:defRPr>
+            </a:lvl2pPr>
+            <a:lvl3pPr marL="1143000" indent="-228600" algn="l" rtl="0" eaLnBrk="1" latinLnBrk="0" hangingPunct="1">
+              <a:spcBef>
+                <a:spcPct val="20000"/>
+              </a:spcBef>
+              <a:buClr>
+                <a:schemeClr val="tx2"/>
+              </a:buClr>
+              <a:buSzPct val="50000"/>
+              <a:buFont typeface="Wingdings 2"/>
+              <a:buChar char=""/>
+              <a:defRPr kumimoji="0" sz="2400" kern="1200">
+                <a:solidFill>
+                  <a:schemeClr val="tx1"/>
+                </a:solidFill>
+                <a:latin typeface="+mn-lt"/>
+                <a:ea typeface="+mn-ea"/>
+                <a:cs typeface="+mn-cs"/>
+              </a:defRPr>
+            </a:lvl3pPr>
+            <a:lvl4pPr marL="1600200" indent="-228600" algn="l" rtl="0" eaLnBrk="1" latinLnBrk="0" hangingPunct="1">
+              <a:spcBef>
+                <a:spcPct val="20000"/>
+              </a:spcBef>
+              <a:buClr>
+                <a:schemeClr val="tx2"/>
+              </a:buClr>
+              <a:buSzPct val="50000"/>
+              <a:buFont typeface="Wingdings 2"/>
+              <a:buChar char=""/>
+              <a:defRPr kumimoji="0" sz="2000" kern="1200">
+                <a:solidFill>
+                  <a:schemeClr val="tx1"/>
+                </a:solidFill>
+                <a:latin typeface="+mn-lt"/>
+                <a:ea typeface="+mn-ea"/>
+                <a:cs typeface="+mn-cs"/>
+              </a:defRPr>
+            </a:lvl4pPr>
+            <a:lvl5pPr marL="2057400" indent="-228600" algn="l" rtl="0" eaLnBrk="1" latinLnBrk="0" hangingPunct="1">
+              <a:spcBef>
+                <a:spcPct val="20000"/>
+              </a:spcBef>
+              <a:buClr>
+                <a:schemeClr val="tx2"/>
+              </a:buClr>
+              <a:buSzPct val="50000"/>
+              <a:buFont typeface="Wingdings 2"/>
+              <a:buChar char=""/>
+              <a:defRPr kumimoji="0" sz="2000" kern="1200">
+                <a:solidFill>
+                  <a:schemeClr val="tx1"/>
+                </a:solidFill>
+                <a:latin typeface="+mn-lt"/>
+                <a:ea typeface="+mn-ea"/>
+                <a:cs typeface="+mn-cs"/>
+              </a:defRPr>
+            </a:lvl5pPr>
+            <a:lvl6pPr marL="2514600" indent="-228600" algn="l" rtl="0" eaLnBrk="1" latinLnBrk="0" hangingPunct="1">
+              <a:spcBef>
+                <a:spcPct val="20000"/>
+              </a:spcBef>
+              <a:buFont typeface="Arial"/>
+              <a:buChar char="•"/>
+              <a:defRPr kumimoji="0" sz="2000" kern="1200">
+                <a:solidFill>
+                  <a:schemeClr val="tx1"/>
+                </a:solidFill>
+                <a:latin typeface="+mn-lt"/>
+                <a:ea typeface="+mn-ea"/>
+                <a:cs typeface="+mn-cs"/>
+              </a:defRPr>
+            </a:lvl6pPr>
+            <a:lvl7pPr marL="2971800" indent="-228600" algn="l" rtl="0" eaLnBrk="1" latinLnBrk="0" hangingPunct="1">
+              <a:spcBef>
+                <a:spcPct val="20000"/>
+              </a:spcBef>
+              <a:buFont typeface="Arial"/>
+              <a:buChar char="•"/>
+              <a:defRPr kumimoji="0" sz="2000" kern="1200">
+                <a:solidFill>
+                  <a:schemeClr val="tx1"/>
+                </a:solidFill>
+                <a:latin typeface="+mn-lt"/>
+                <a:ea typeface="+mn-ea"/>
+                <a:cs typeface="+mn-cs"/>
+              </a:defRPr>
+            </a:lvl7pPr>
+            <a:lvl8pPr marL="3429000" indent="-228600" algn="l" rtl="0" eaLnBrk="1" latinLnBrk="0" hangingPunct="1">
+              <a:spcBef>
+                <a:spcPct val="20000"/>
+              </a:spcBef>
+              <a:buFont typeface="Arial"/>
+              <a:buChar char="•"/>
+              <a:defRPr kumimoji="0" sz="2000" kern="1200">
+                <a:solidFill>
+                  <a:schemeClr val="tx1"/>
+                </a:solidFill>
+                <a:latin typeface="+mn-lt"/>
+                <a:ea typeface="+mn-ea"/>
+                <a:cs typeface="+mn-cs"/>
+              </a:defRPr>
+            </a:lvl8pPr>
+            <a:lvl9pPr marL="3886200" indent="-228600" algn="l" rtl="0" eaLnBrk="1" latinLnBrk="0" hangingPunct="1">
+              <a:spcBef>
+                <a:spcPct val="20000"/>
+              </a:spcBef>
+              <a:buFont typeface="Arial"/>
+              <a:buChar char="•"/>
+              <a:defRPr kumimoji="0" sz="2000" kern="1200">
+                <a:solidFill>
+                  <a:schemeClr val="tx1"/>
+                </a:solidFill>
+                <a:latin typeface="+mn-lt"/>
+                <a:ea typeface="+mn-ea"/>
+                <a:cs typeface="+mn-cs"/>
+              </a:defRPr>
+            </a:lvl9pPr>
+          </a:lstStyle>
+          <a:p>
+            <a:pPr marL="0" indent="0">
+              <a:buNone/>
             </a:pPr>
             <a:r>
-              <a:rPr lang="en-US" altLang="zh-CN" sz="2000" dirty="0" smtClean="0"/>
-              <a:t>1.</a:t>
-            </a:r>
-            <a:r>
-              <a:rPr lang="zh-CN" altLang="en-US" sz="2000" dirty="0" smtClean="0"/>
-              <a:t>用</a:t>
-            </a:r>
-            <a:r>
-              <a:rPr lang="en-US" altLang="zh-CN" sz="2000" dirty="0" smtClean="0"/>
-              <a:t>class</a:t>
-            </a:r>
-            <a:r>
-              <a:rPr lang="zh-CN" altLang="en-US" sz="2000" dirty="0" smtClean="0"/>
-              <a:t>批量操作样式。</a:t>
-            </a:r>
-            <a:endParaRPr lang="en-US" altLang="zh-CN" sz="2000" dirty="0" smtClean="0"/>
-          </a:p>
-          <a:p>
-            <a:pPr>
-              <a:lnSpc>
-                <a:spcPct val="150000"/>
-              </a:lnSpc>
+              <a:rPr lang="en-US" altLang="zh-CN" dirty="0" err="1" smtClean="0"/>
+              <a:t>getComputedStyle</a:t>
+            </a:r>
+            <a:r>
+              <a:rPr lang="en-US" altLang="zh-CN" dirty="0" smtClean="0"/>
+              <a:t>(</a:t>
+            </a:r>
+            <a:r>
+              <a:rPr lang="en-US" altLang="zh-CN" dirty="0" err="1" smtClean="0"/>
+              <a:t>Obj,false</a:t>
+            </a:r>
+            <a:r>
+              <a:rPr lang="en-US" altLang="zh-CN" dirty="0" smtClean="0"/>
+              <a:t>).property  </a:t>
+            </a:r>
+            <a:r>
+              <a:rPr lang="zh-CN" altLang="en-US" dirty="0" smtClean="0"/>
+              <a:t>（</a:t>
+            </a:r>
+            <a:r>
+              <a:rPr lang="en-US" altLang="zh-CN" dirty="0" smtClean="0"/>
+              <a:t>IE9+</a:t>
+            </a:r>
+            <a:r>
+              <a:rPr lang="zh-CN" altLang="en-US" dirty="0" smtClean="0"/>
+              <a:t>）</a:t>
+            </a:r>
+            <a:endParaRPr lang="en-US" altLang="zh-CN" dirty="0" smtClean="0"/>
+          </a:p>
+          <a:p>
+            <a:pPr marL="0" indent="0">
+              <a:buNone/>
             </a:pPr>
-            <a:r>
-              <a:rPr lang="en-US" altLang="zh-CN" sz="2000" dirty="0" smtClean="0"/>
-              <a:t>2.</a:t>
-            </a:r>
-            <a:r>
-              <a:rPr lang="zh-CN" altLang="en-US" sz="2000" dirty="0" smtClean="0"/>
-              <a:t>将元素脱离文档流。</a:t>
-            </a:r>
-            <a:endParaRPr lang="en-US" altLang="zh-CN" sz="2000" dirty="0" smtClean="0"/>
-          </a:p>
-          <a:p>
-            <a:pPr>
-              <a:lnSpc>
-                <a:spcPct val="150000"/>
-              </a:lnSpc>
+            <a:endParaRPr lang="en-US" altLang="zh-CN" dirty="0" smtClean="0">
+              <a:latin typeface="+mj-lt"/>
+            </a:endParaRPr>
+          </a:p>
+          <a:p>
+            <a:pPr marL="0" indent="0">
+              <a:buNone/>
             </a:pPr>
             <a:r>
-              <a:rPr lang="en-US" altLang="zh-CN" sz="2000" dirty="0" smtClean="0"/>
-              <a:t>3.</a:t>
-            </a:r>
-            <a:r>
-              <a:rPr lang="zh-CN" altLang="en-US" sz="2000" dirty="0" smtClean="0"/>
-              <a:t>多次操作节点后在插入到文档中。</a:t>
-            </a:r>
-            <a:endParaRPr lang="en-US" altLang="zh-CN" sz="2000" dirty="0" smtClean="0"/>
-          </a:p>
-          <a:p>
-            <a:pPr>
-              <a:lnSpc>
-                <a:spcPct val="150000"/>
-              </a:lnSpc>
+              <a:rPr lang="en-US" altLang="zh-CN" dirty="0" err="1" smtClean="0"/>
+              <a:t>Obj.currentStyle.property</a:t>
+            </a:r>
+            <a:r>
+              <a:rPr lang="en-US" altLang="zh-CN" dirty="0" smtClean="0"/>
+              <a:t>			</a:t>
+            </a:r>
+            <a:r>
+              <a:rPr lang="zh-CN" altLang="en-US" dirty="0" smtClean="0"/>
+              <a:t>（</a:t>
+            </a:r>
+            <a:r>
+              <a:rPr lang="en-US" altLang="zh-CN" dirty="0" smtClean="0"/>
+              <a:t>IE</a:t>
+            </a:r>
+            <a:r>
+              <a:rPr lang="zh-CN" altLang="en-US" dirty="0" smtClean="0"/>
+              <a:t>系）</a:t>
+            </a:r>
+            <a:endParaRPr lang="en-US" altLang="zh-CN" dirty="0" smtClean="0"/>
+          </a:p>
+          <a:p>
+            <a:pPr marL="0" indent="0">
+              <a:buNone/>
             </a:pPr>
-            <a:r>
-              <a:rPr lang="en-US" altLang="zh-CN" sz="2000" dirty="0" smtClean="0"/>
-              <a:t>4.</a:t>
-            </a:r>
-            <a:r>
-              <a:rPr lang="zh-CN" altLang="en-US" sz="2000" dirty="0" smtClean="0"/>
-              <a:t>先将需要操作的节点隐藏后修改，然后在</a:t>
-            </a:r>
-            <a:r>
-              <a:rPr lang="zh-CN" altLang="en-US" sz="2000" dirty="0"/>
-              <a:t>显</a:t>
-            </a:r>
-            <a:r>
-              <a:rPr lang="zh-CN" altLang="en-US" sz="2000" dirty="0" smtClean="0"/>
-              <a:t>示。</a:t>
-            </a:r>
-            <a:endParaRPr lang="en-US" altLang="zh-CN" sz="2000" dirty="0" smtClean="0"/>
-          </a:p>
-          <a:p>
-            <a:pPr>
-              <a:lnSpc>
-                <a:spcPct val="150000"/>
-              </a:lnSpc>
-            </a:pPr>
-            <a:r>
-              <a:rPr lang="en-US" altLang="zh-CN" sz="2000" dirty="0" smtClean="0"/>
-              <a:t>5.</a:t>
-            </a:r>
-            <a:r>
-              <a:rPr lang="zh-CN" altLang="en-US" sz="2000" dirty="0" smtClean="0"/>
-              <a:t>属性存在变量里。（</a:t>
-            </a:r>
-            <a:r>
-              <a:rPr lang="en-US" altLang="zh-CN" sz="2000" dirty="0" err="1" smtClean="0"/>
-              <a:t>scrollTop</a:t>
-            </a:r>
-            <a:r>
-              <a:rPr lang="zh-CN" altLang="en-US" sz="2000" dirty="0" smtClean="0"/>
-              <a:t>等）</a:t>
-            </a:r>
-            <a:endParaRPr lang="en-US" altLang="zh-CN" sz="2000" dirty="0" smtClean="0"/>
-          </a:p>
-          <a:p>
-            <a:endParaRPr lang="zh-CN" altLang="en-US" dirty="0"/>
+            <a:endParaRPr lang="zh-CN" altLang="en-US" dirty="0">
+              <a:latin typeface="+mj-lt"/>
+            </a:endParaRPr>
           </a:p>
         </p:txBody>
       </p:sp>
     </p:spTree>
     <p:extLst>
       <p:ext uri="{BB962C8B-B14F-4D97-AF65-F5344CB8AC3E}">
-        <p14:creationId xmlns:p14="http://schemas.microsoft.com/office/powerpoint/2010/main" val="2472665196"/>
+        <p14:creationId xmlns:p14="http://schemas.microsoft.com/office/powerpoint/2010/main" val="3289956933"/>
       </p:ext>
     </p:extLst>
   </p:cSld>
   <p:clrMapOvr>
     <a:masterClrMapping/>
   </p:clrMapOvr>
+  <p:timing>
+    <p:tnLst>
+      <p:par>
+        <p:cTn id="1" dur="indefinite" restart="never" nodeType="tmRoot">
+          <p:childTnLst>
+            <p:seq concurrent="1" nextAc="seek">
+              <p:cTn id="2" dur="indefinite" nodeType="mainSeq">
+                <p:childTnLst>
+                  <p:par>
+                    <p:cTn id="3" fill="hold">
+                      <p:stCondLst>
+                        <p:cond delay="indefinite"/>
+                      </p:stCondLst>
+                      <p:childTnLst>
+                        <p:par>
+                          <p:cTn id="4" fill="hold">
+                            <p:stCondLst>
+                              <p:cond delay="0"/>
+                            </p:stCondLst>
+                            <p:childTnLst>
+                              <p:par>
+                                <p:cTn id="5" presetID="2" presetClass="entr" presetSubtype="4" fill="hold" grpId="0" nodeType="clickEffect">
+                                  <p:stCondLst>
+                                    <p:cond delay="0"/>
+                                  </p:stCondLst>
+                                  <p:childTnLst>
+                                    <p:set>
+                                      <p:cBhvr>
+                                        <p:cTn id="6" dur="1" fill="hold">
+                                          <p:stCondLst>
+                                            <p:cond delay="0"/>
+                                          </p:stCondLst>
+                                        </p:cTn>
+                                        <p:tgtEl>
+                                          <p:spTgt spid="2"/>
+                                        </p:tgtEl>
+                                        <p:attrNameLst>
+                                          <p:attrName>style.visibility</p:attrName>
+                                        </p:attrNameLst>
+                                      </p:cBhvr>
+                                      <p:to>
+                                        <p:strVal val="visible"/>
+                                      </p:to>
+                                    </p:set>
+                                    <p:anim calcmode="lin" valueType="num">
+                                      <p:cBhvr additive="base">
+                                        <p:cTn id="7" dur="500" fill="hold"/>
+                                        <p:tgtEl>
+                                          <p:spTgt spid="2"/>
+                                        </p:tgtEl>
+                                        <p:attrNameLst>
+                                          <p:attrName>ppt_x</p:attrName>
+                                        </p:attrNameLst>
+                                      </p:cBhvr>
+                                      <p:tavLst>
+                                        <p:tav tm="0">
+                                          <p:val>
+                                            <p:strVal val="#ppt_x"/>
+                                          </p:val>
+                                        </p:tav>
+                                        <p:tav tm="100000">
+                                          <p:val>
+                                            <p:strVal val="#ppt_x"/>
+                                          </p:val>
+                                        </p:tav>
+                                      </p:tavLst>
+                                    </p:anim>
+                                    <p:anim calcmode="lin" valueType="num">
+                                      <p:cBhvr additive="base">
+                                        <p:cTn id="8" dur="500" fill="hold"/>
+                                        <p:tgtEl>
+                                          <p:spTgt spid="2"/>
+                                        </p:tgtEl>
+                                        <p:attrNameLst>
+                                          <p:attrName>ppt_y</p:attrName>
+                                        </p:attrNameLst>
+                                      </p:cBhvr>
+                                      <p:tavLst>
+                                        <p:tav tm="0">
+                                          <p:val>
+                                            <p:strVal val="1+#ppt_h/2"/>
+                                          </p:val>
+                                        </p:tav>
+                                        <p:tav tm="100000">
+                                          <p:val>
+                                            <p:strVal val="#ppt_y"/>
+                                          </p:val>
+                                        </p:tav>
+                                      </p:tavLst>
+                                    </p:anim>
+                                  </p:childTnLst>
+                                </p:cTn>
+                              </p:par>
+                            </p:childTnLst>
+                          </p:cTn>
+                        </p:par>
+                      </p:childTnLst>
+                    </p:cTn>
+                  </p:par>
+                  <p:par>
+                    <p:cTn id="9" fill="hold">
+                      <p:stCondLst>
+                        <p:cond delay="indefinite"/>
+                      </p:stCondLst>
+                      <p:childTnLst>
+                        <p:par>
+                          <p:cTn id="10" fill="hold">
+                            <p:stCondLst>
+                              <p:cond delay="0"/>
+                            </p:stCondLst>
+                            <p:childTnLst>
+                              <p:par>
+                                <p:cTn id="11" presetID="2" presetClass="entr" presetSubtype="4" fill="hold" grpId="0" nodeType="clickEffect">
+                                  <p:stCondLst>
+                                    <p:cond delay="0"/>
+                                  </p:stCondLst>
+                                  <p:childTnLst>
+                                    <p:set>
+                                      <p:cBhvr>
+                                        <p:cTn id="12" dur="1" fill="hold">
+                                          <p:stCondLst>
+                                            <p:cond delay="0"/>
+                                          </p:stCondLst>
+                                        </p:cTn>
+                                        <p:tgtEl>
+                                          <p:spTgt spid="3">
+                                            <p:txEl>
+                                              <p:pRg st="0" end="0"/>
+                                            </p:txEl>
+                                          </p:spTgt>
+                                        </p:tgtEl>
+                                        <p:attrNameLst>
+                                          <p:attrName>style.visibility</p:attrName>
+                                        </p:attrNameLst>
+                                      </p:cBhvr>
+                                      <p:to>
+                                        <p:strVal val="visible"/>
+                                      </p:to>
+                                    </p:set>
+                                    <p:anim calcmode="lin" valueType="num">
+                                      <p:cBhvr additive="base">
+                                        <p:cTn id="13" dur="500" fill="hold"/>
+                                        <p:tgtEl>
+                                          <p:spTgt spid="3">
+                                            <p:txEl>
+                                              <p:pRg st="0" end="0"/>
+                                            </p:txEl>
+                                          </p:spTgt>
+                                        </p:tgtEl>
+                                        <p:attrNameLst>
+                                          <p:attrName>ppt_x</p:attrName>
+                                        </p:attrNameLst>
+                                      </p:cBhvr>
+                                      <p:tavLst>
+                                        <p:tav tm="0">
+                                          <p:val>
+                                            <p:strVal val="#ppt_x"/>
+                                          </p:val>
+                                        </p:tav>
+                                        <p:tav tm="100000">
+                                          <p:val>
+                                            <p:strVal val="#ppt_x"/>
+                                          </p:val>
+                                        </p:tav>
+                                      </p:tavLst>
+                                    </p:anim>
+                                    <p:anim calcmode="lin" valueType="num">
+                                      <p:cBhvr additive="base">
+                                        <p:cTn id="14" dur="500" fill="hold"/>
+                                        <p:tgtEl>
+                                          <p:spTgt spid="3">
+                                            <p:txEl>
+                                              <p:pRg st="0" end="0"/>
+                                            </p:txEl>
+                                          </p:spTgt>
+                                        </p:tgtEl>
+                                        <p:attrNameLst>
+                                          <p:attrName>ppt_y</p:attrName>
+                                        </p:attrNameLst>
+                                      </p:cBhvr>
+                                      <p:tavLst>
+                                        <p:tav tm="0">
+                                          <p:val>
+                                            <p:strVal val="1+#ppt_h/2"/>
+                                          </p:val>
+                                        </p:tav>
+                                        <p:tav tm="100000">
+                                          <p:val>
+                                            <p:strVal val="#ppt_y"/>
+                                          </p:val>
+                                        </p:tav>
+                                      </p:tavLst>
+                                    </p:anim>
+                                  </p:childTnLst>
+                                </p:cTn>
+                              </p:par>
+                            </p:childTnLst>
+                          </p:cTn>
+                        </p:par>
+                      </p:childTnLst>
+                    </p:cTn>
+                  </p:par>
+                  <p:par>
+                    <p:cTn id="15" fill="hold">
+                      <p:stCondLst>
+                        <p:cond delay="indefinite"/>
+                      </p:stCondLst>
+                      <p:childTnLst>
+                        <p:par>
+                          <p:cTn id="16" fill="hold">
+                            <p:stCondLst>
+                              <p:cond delay="0"/>
+                            </p:stCondLst>
+                            <p:childTnLst>
+                              <p:par>
+                                <p:cTn id="17" presetID="2" presetClass="entr" presetSubtype="4" fill="hold" grpId="0" nodeType="clickEffect">
+                                  <p:stCondLst>
+                                    <p:cond delay="0"/>
+                                  </p:stCondLst>
+                                  <p:childTnLst>
+                                    <p:set>
+                                      <p:cBhvr>
+                                        <p:cTn id="18" dur="1" fill="hold">
+                                          <p:stCondLst>
+                                            <p:cond delay="0"/>
+                                          </p:stCondLst>
+                                        </p:cTn>
+                                        <p:tgtEl>
+                                          <p:spTgt spid="5"/>
+                                        </p:tgtEl>
+                                        <p:attrNameLst>
+                                          <p:attrName>style.visibility</p:attrName>
+                                        </p:attrNameLst>
+                                      </p:cBhvr>
+                                      <p:to>
+                                        <p:strVal val="visible"/>
+                                      </p:to>
+                                    </p:set>
+                                    <p:anim calcmode="lin" valueType="num">
+                                      <p:cBhvr additive="base">
+                                        <p:cTn id="19" dur="500" fill="hold"/>
+                                        <p:tgtEl>
+                                          <p:spTgt spid="5"/>
+                                        </p:tgtEl>
+                                        <p:attrNameLst>
+                                          <p:attrName>ppt_x</p:attrName>
+                                        </p:attrNameLst>
+                                      </p:cBhvr>
+                                      <p:tavLst>
+                                        <p:tav tm="0">
+                                          <p:val>
+                                            <p:strVal val="#ppt_x"/>
+                                          </p:val>
+                                        </p:tav>
+                                        <p:tav tm="100000">
+                                          <p:val>
+                                            <p:strVal val="#ppt_x"/>
+                                          </p:val>
+                                        </p:tav>
+                                      </p:tavLst>
+                                    </p:anim>
+                                    <p:anim calcmode="lin" valueType="num">
+                                      <p:cBhvr additive="base">
+                                        <p:cTn id="20" dur="500" fill="hold"/>
+                                        <p:tgtEl>
+                                          <p:spTgt spid="5"/>
+                                        </p:tgtEl>
+                                        <p:attrNameLst>
+                                          <p:attrName>ppt_y</p:attrName>
+                                        </p:attrNameLst>
+                                      </p:cBhvr>
+                                      <p:tavLst>
+                                        <p:tav tm="0">
+                                          <p:val>
+                                            <p:strVal val="1+#ppt_h/2"/>
+                                          </p:val>
+                                        </p:tav>
+                                        <p:tav tm="100000">
+                                          <p:val>
+                                            <p:strVal val="#ppt_y"/>
+                                          </p:val>
+                                        </p:tav>
+                                      </p:tavLst>
+                                    </p:anim>
+                                  </p:childTnLst>
+                                </p:cTn>
+                              </p:par>
+                            </p:childTnLst>
+                          </p:cTn>
+                        </p:par>
+                      </p:childTnLst>
+                    </p:cTn>
+                  </p:par>
+                </p:childTnLst>
+              </p:cTn>
+              <p:prevCondLst>
+                <p:cond evt="onPrev" delay="0">
+                  <p:tgtEl>
+                    <p:sldTgt/>
+                  </p:tgtEl>
+                </p:cond>
+              </p:prevCondLst>
+              <p:nextCondLst>
+                <p:cond evt="onNext" delay="0">
+                  <p:tgtEl>
+                    <p:sldTgt/>
+                  </p:tgtEl>
+                </p:cond>
+              </p:nextCondLst>
+            </p:seq>
+          </p:childTnLst>
+        </p:cTn>
+      </p:par>
+    </p:tnLst>
+    <p:bldLst>
+      <p:bldP spid="2" grpId="0"/>
+      <p:bldP spid="3" grpId="0" build="p"/>
+      <p:bldP spid="5" grpId="0"/>
+    </p:bldLst>
+  </p:timing>
 </p:sld>
 </file>
 
@@ -7150,52 +7973,313 @@
           <a:lstStyle/>
           <a:p>
             <a:r>
-              <a:rPr lang="en-US" altLang="zh-CN" dirty="0" smtClean="0"/>
-              <a:t>Dom</a:t>
-            </a:r>
-            <a:r>
-              <a:rPr lang="zh-CN" altLang="en-US" dirty="0" smtClean="0"/>
-              <a:t>事件</a:t>
-            </a:r>
-            <a:endParaRPr lang="zh-CN" altLang="en-US" dirty="0"/>
+              <a:rPr lang="zh-CN" altLang="en-US" dirty="0"/>
+              <a:t>删除样式</a:t>
+            </a:r>
           </a:p>
         </p:txBody>
       </p:sp>
-      <p:graphicFrame>
-        <p:nvGraphicFramePr>
-          <p:cNvPr id="6" name="内容占位符 5"/>
-          <p:cNvGraphicFramePr>
-            <a:graphicFrameLocks noGrp="1"/>
-          </p:cNvGraphicFramePr>
+      <p:sp>
+        <p:nvSpPr>
+          <p:cNvPr id="3" name="内容占位符 2"/>
+          <p:cNvSpPr>
+            <a:spLocks noGrp="1"/>
+          </p:cNvSpPr>
           <p:nvPr>
             <p:ph idx="1"/>
-            <p:extLst>
-              <p:ext uri="{D42A27DB-BD31-4B8C-83A1-F6EECF244321}">
-                <p14:modId xmlns:p14="http://schemas.microsoft.com/office/powerpoint/2010/main" val="371890598"/>
-              </p:ext>
-            </p:extLst>
           </p:nvPr>
-        </p:nvGraphicFramePr>
-        <p:xfrm>
-          <a:off x="0" y="1484784"/>
-          <a:ext cx="9144000" cy="4686300"/>
-        </p:xfrm>
-        <a:graphic>
-          <a:graphicData uri="http://schemas.openxmlformats.org/drawingml/2006/diagram">
-            <dgm:relIds xmlns:dgm="http://schemas.openxmlformats.org/drawingml/2006/diagram" xmlns:r="http://schemas.openxmlformats.org/officeDocument/2006/relationships" r:dm="rId2" r:lo="rId3" r:qs="rId4" r:cs="rId5"/>
-          </a:graphicData>
-        </a:graphic>
-      </p:graphicFrame>
+        </p:nvSpPr>
+        <p:spPr>
+          <a:xfrm>
+            <a:off x="457200" y="1600200"/>
+            <a:ext cx="8229600" cy="1108720"/>
+          </a:xfrm>
+        </p:spPr>
+        <p:txBody>
+          <a:bodyPr>
+            <a:normAutofit/>
+          </a:bodyPr>
+          <a:lstStyle/>
+          <a:p>
+            <a:r>
+              <a:rPr lang="en-US" altLang="zh-CN" dirty="0" err="1" smtClean="0"/>
+              <a:t>Element.style</a:t>
+            </a:r>
+            <a:r>
+              <a:rPr lang="en-US" altLang="zh-CN" dirty="0" smtClean="0"/>
+              <a:t>[property] = “”;</a:t>
+            </a:r>
+          </a:p>
+        </p:txBody>
+      </p:sp>
+      <p:pic>
+        <p:nvPicPr>
+          <p:cNvPr id="3074" name="Picture 2"/>
+          <p:cNvPicPr>
+            <a:picLocks noChangeAspect="1" noChangeArrowheads="1"/>
+          </p:cNvPicPr>
+          <p:nvPr/>
+        </p:nvPicPr>
+        <p:blipFill>
+          <a:blip r:embed="rId2">
+            <a:extLst>
+              <a:ext uri="{28A0092B-C50C-407E-A947-70E740481C1C}">
+                <a14:useLocalDpi xmlns:a14="http://schemas.microsoft.com/office/drawing/2010/main" val="0"/>
+              </a:ext>
+            </a:extLst>
+          </a:blip>
+          <a:srcRect/>
+          <a:stretch>
+            <a:fillRect/>
+          </a:stretch>
+        </p:blipFill>
+        <p:spPr bwMode="auto">
+          <a:xfrm>
+            <a:off x="3825874" y="2878138"/>
+            <a:ext cx="3050381" cy="2252090"/>
+          </a:xfrm>
+          <a:prstGeom prst="rect">
+            <a:avLst/>
+          </a:prstGeom>
+          <a:noFill/>
+          <a:ln>
+            <a:noFill/>
+          </a:ln>
+          <a:effectLst/>
+          <a:extLst>
+            <a:ext uri="{909E8E84-426E-40DD-AFC4-6F175D3DCCD1}">
+              <a14:hiddenFill xmlns:a14="http://schemas.microsoft.com/office/drawing/2010/main">
+                <a:solidFill>
+                  <a:schemeClr val="accent1"/>
+                </a:solidFill>
+              </a14:hiddenFill>
+            </a:ext>
+            <a:ext uri="{91240B29-F687-4F45-9708-019B960494DF}">
+              <a14:hiddenLine xmlns:a14="http://schemas.microsoft.com/office/drawing/2010/main" w="9525">
+                <a:solidFill>
+                  <a:schemeClr val="tx1"/>
+                </a:solidFill>
+                <a:miter lim="800000"/>
+                <a:headEnd/>
+                <a:tailEnd/>
+              </a14:hiddenLine>
+            </a:ext>
+            <a:ext uri="{AF507438-7753-43E0-B8FC-AC1667EBCBE1}">
+              <a14:hiddenEffects xmlns:a14="http://schemas.microsoft.com/office/drawing/2010/main">
+                <a:effectLst>
+                  <a:outerShdw dist="35921" dir="2700000" algn="ctr" rotWithShape="0">
+                    <a:schemeClr val="bg2"/>
+                  </a:outerShdw>
+                </a:effectLst>
+              </a14:hiddenEffects>
+            </a:ext>
+          </a:extLst>
+        </p:spPr>
+      </p:pic>
     </p:spTree>
     <p:extLst>
       <p:ext uri="{BB962C8B-B14F-4D97-AF65-F5344CB8AC3E}">
-        <p14:creationId xmlns:p14="http://schemas.microsoft.com/office/powerpoint/2010/main" val="2293146094"/>
+        <p14:creationId xmlns:p14="http://schemas.microsoft.com/office/powerpoint/2010/main" val="1406401350"/>
       </p:ext>
     </p:extLst>
   </p:cSld>
   <p:clrMapOvr>
     <a:masterClrMapping/>
   </p:clrMapOvr>
+  <p:timing>
+    <p:tnLst>
+      <p:par>
+        <p:cTn id="1" dur="indefinite" restart="never" nodeType="tmRoot">
+          <p:childTnLst>
+            <p:seq concurrent="1" nextAc="seek">
+              <p:cTn id="2" dur="indefinite" nodeType="mainSeq">
+                <p:childTnLst>
+                  <p:par>
+                    <p:cTn id="3" fill="hold">
+                      <p:stCondLst>
+                        <p:cond delay="indefinite"/>
+                      </p:stCondLst>
+                      <p:childTnLst>
+                        <p:par>
+                          <p:cTn id="4" fill="hold">
+                            <p:stCondLst>
+                              <p:cond delay="0"/>
+                            </p:stCondLst>
+                            <p:childTnLst>
+                              <p:par>
+                                <p:cTn id="5" presetID="1" presetClass="entr" presetSubtype="0" fill="hold" grpId="0" nodeType="clickEffect">
+                                  <p:stCondLst>
+                                    <p:cond delay="0"/>
+                                  </p:stCondLst>
+                                  <p:childTnLst>
+                                    <p:set>
+                                      <p:cBhvr>
+                                        <p:cTn id="6" dur="1" fill="hold">
+                                          <p:stCondLst>
+                                            <p:cond delay="0"/>
+                                          </p:stCondLst>
+                                        </p:cTn>
+                                        <p:tgtEl>
+                                          <p:spTgt spid="2"/>
+                                        </p:tgtEl>
+                                        <p:attrNameLst>
+                                          <p:attrName>style.visibility</p:attrName>
+                                        </p:attrNameLst>
+                                      </p:cBhvr>
+                                      <p:to>
+                                        <p:strVal val="visible"/>
+                                      </p:to>
+                                    </p:set>
+                                  </p:childTnLst>
+                                </p:cTn>
+                              </p:par>
+                            </p:childTnLst>
+                          </p:cTn>
+                        </p:par>
+                      </p:childTnLst>
+                    </p:cTn>
+                  </p:par>
+                  <p:par>
+                    <p:cTn id="7" fill="hold">
+                      <p:stCondLst>
+                        <p:cond delay="indefinite"/>
+                      </p:stCondLst>
+                      <p:childTnLst>
+                        <p:par>
+                          <p:cTn id="8" fill="hold">
+                            <p:stCondLst>
+                              <p:cond delay="0"/>
+                            </p:stCondLst>
+                            <p:childTnLst>
+                              <p:par>
+                                <p:cTn id="9" presetID="42" presetClass="entr" presetSubtype="0" fill="hold" grpId="0" nodeType="clickEffect">
+                                  <p:stCondLst>
+                                    <p:cond delay="0"/>
+                                  </p:stCondLst>
+                                  <p:childTnLst>
+                                    <p:set>
+                                      <p:cBhvr>
+                                        <p:cTn id="10" dur="1" fill="hold">
+                                          <p:stCondLst>
+                                            <p:cond delay="0"/>
+                                          </p:stCondLst>
+                                        </p:cTn>
+                                        <p:tgtEl>
+                                          <p:spTgt spid="3">
+                                            <p:txEl>
+                                              <p:pRg st="0" end="0"/>
+                                            </p:txEl>
+                                          </p:spTgt>
+                                        </p:tgtEl>
+                                        <p:attrNameLst>
+                                          <p:attrName>style.visibility</p:attrName>
+                                        </p:attrNameLst>
+                                      </p:cBhvr>
+                                      <p:to>
+                                        <p:strVal val="visible"/>
+                                      </p:to>
+                                    </p:set>
+                                    <p:animEffect transition="in" filter="fade">
+                                      <p:cBhvr>
+                                        <p:cTn id="11" dur="1000"/>
+                                        <p:tgtEl>
+                                          <p:spTgt spid="3">
+                                            <p:txEl>
+                                              <p:pRg st="0" end="0"/>
+                                            </p:txEl>
+                                          </p:spTgt>
+                                        </p:tgtEl>
+                                      </p:cBhvr>
+                                    </p:animEffect>
+                                    <p:anim calcmode="lin" valueType="num">
+                                      <p:cBhvr>
+                                        <p:cTn id="12" dur="1000" fill="hold"/>
+                                        <p:tgtEl>
+                                          <p:spTgt spid="3">
+                                            <p:txEl>
+                                              <p:pRg st="0" end="0"/>
+                                            </p:txEl>
+                                          </p:spTgt>
+                                        </p:tgtEl>
+                                        <p:attrNameLst>
+                                          <p:attrName>ppt_x</p:attrName>
+                                        </p:attrNameLst>
+                                      </p:cBhvr>
+                                      <p:tavLst>
+                                        <p:tav tm="0">
+                                          <p:val>
+                                            <p:strVal val="#ppt_x"/>
+                                          </p:val>
+                                        </p:tav>
+                                        <p:tav tm="100000">
+                                          <p:val>
+                                            <p:strVal val="#ppt_x"/>
+                                          </p:val>
+                                        </p:tav>
+                                      </p:tavLst>
+                                    </p:anim>
+                                    <p:anim calcmode="lin" valueType="num">
+                                      <p:cBhvr>
+                                        <p:cTn id="13" dur="1000" fill="hold"/>
+                                        <p:tgtEl>
+                                          <p:spTgt spid="3">
+                                            <p:txEl>
+                                              <p:pRg st="0" end="0"/>
+                                            </p:txEl>
+                                          </p:spTgt>
+                                        </p:tgtEl>
+                                        <p:attrNameLst>
+                                          <p:attrName>ppt_y</p:attrName>
+                                        </p:attrNameLst>
+                                      </p:cBhvr>
+                                      <p:tavLst>
+                                        <p:tav tm="0">
+                                          <p:val>
+                                            <p:strVal val="#ppt_y+.1"/>
+                                          </p:val>
+                                        </p:tav>
+                                        <p:tav tm="100000">
+                                          <p:val>
+                                            <p:strVal val="#ppt_y"/>
+                                          </p:val>
+                                        </p:tav>
+                                      </p:tavLst>
+                                    </p:anim>
+                                  </p:childTnLst>
+                                </p:cTn>
+                              </p:par>
+                            </p:childTnLst>
+                          </p:cTn>
+                        </p:par>
+                      </p:childTnLst>
+                    </p:cTn>
+                  </p:par>
+                </p:childTnLst>
+              </p:cTn>
+              <p:prevCondLst>
+                <p:cond evt="onPrev" delay="0">
+                  <p:tgtEl>
+                    <p:sldTgt/>
+                  </p:tgtEl>
+                </p:cond>
+              </p:prevCondLst>
+              <p:nextCondLst>
+                <p:cond evt="onNext" delay="0">
+                  <p:tgtEl>
+                    <p:sldTgt/>
+                  </p:tgtEl>
+                </p:cond>
+              </p:nextCondLst>
+            </p:seq>
+          </p:childTnLst>
+        </p:cTn>
+      </p:par>
+    </p:tnLst>
+    <p:bldLst>
+      <p:bldP spid="2" grpId="0"/>
+      <p:bldP spid="3" grpId="0" build="p"/>
+    </p:bldLst>
+  </p:timing>
 </p:sld>
 </file>
 
@@ -7233,6 +8317,587 @@
           <a:p>
             <a:r>
               <a:rPr lang="zh-CN" altLang="en-US" dirty="0" smtClean="0"/>
+              <a:t>优化</a:t>
+            </a:r>
+            <a:endParaRPr lang="zh-CN" altLang="en-US" dirty="0"/>
+          </a:p>
+        </p:txBody>
+      </p:sp>
+      <p:sp>
+        <p:nvSpPr>
+          <p:cNvPr id="3" name="内容占位符 2"/>
+          <p:cNvSpPr>
+            <a:spLocks noGrp="1"/>
+          </p:cNvSpPr>
+          <p:nvPr>
+            <p:ph idx="1"/>
+          </p:nvPr>
+        </p:nvSpPr>
+        <p:spPr/>
+        <p:txBody>
+          <a:bodyPr/>
+          <a:lstStyle/>
+          <a:p>
+            <a:pPr marL="0" indent="0">
+              <a:buNone/>
+            </a:pPr>
+            <a:r>
+              <a:rPr lang="en-US" altLang="zh-CN" dirty="0" smtClean="0"/>
+              <a:t>Why</a:t>
+            </a:r>
+            <a:r>
+              <a:rPr lang="zh-CN" altLang="en-US" dirty="0" smtClean="0"/>
+              <a:t>：</a:t>
+            </a:r>
+            <a:r>
+              <a:rPr lang="en-US" altLang="zh-CN" dirty="0" smtClean="0"/>
+              <a:t>JS</a:t>
+            </a:r>
+            <a:r>
+              <a:rPr lang="zh-CN" altLang="en-US" dirty="0" smtClean="0"/>
+              <a:t>修改</a:t>
+            </a:r>
+            <a:r>
+              <a:rPr lang="en-US" altLang="zh-CN" dirty="0" smtClean="0"/>
+              <a:t>DOM</a:t>
+            </a:r>
+            <a:r>
+              <a:rPr lang="zh-CN" altLang="en-US" dirty="0" smtClean="0"/>
+              <a:t>树需要重新构建</a:t>
+            </a:r>
+            <a:r>
+              <a:rPr lang="en-US" altLang="zh-CN" dirty="0" smtClean="0"/>
+              <a:t>DOM</a:t>
+            </a:r>
+            <a:r>
+              <a:rPr lang="zh-CN" altLang="en-US" dirty="0" smtClean="0"/>
+              <a:t>树，阻塞其他的下载和呈现。</a:t>
+            </a:r>
+            <a:endParaRPr lang="zh-CN" altLang="en-US" dirty="0"/>
+          </a:p>
+        </p:txBody>
+      </p:sp>
+      <p:sp>
+        <p:nvSpPr>
+          <p:cNvPr id="4" name="TextBox 3"/>
+          <p:cNvSpPr txBox="1"/>
+          <p:nvPr/>
+        </p:nvSpPr>
+        <p:spPr>
+          <a:xfrm>
+            <a:off x="1043608" y="3140968"/>
+            <a:ext cx="6912768" cy="1938992"/>
+          </a:xfrm>
+          <a:prstGeom prst="rect">
+            <a:avLst/>
+          </a:prstGeom>
+          <a:noFill/>
+        </p:spPr>
+        <p:txBody>
+          <a:bodyPr wrap="square" rtlCol="0">
+            <a:spAutoFit/>
+          </a:bodyPr>
+          <a:lstStyle/>
+          <a:p>
+            <a:pPr>
+              <a:lnSpc>
+                <a:spcPct val="150000"/>
+              </a:lnSpc>
+            </a:pPr>
+            <a:r>
+              <a:rPr lang="en-US" altLang="zh-CN" sz="2000" dirty="0" smtClean="0"/>
+              <a:t>1.</a:t>
+            </a:r>
+            <a:r>
+              <a:rPr lang="zh-CN" altLang="en-US" sz="2000" dirty="0" smtClean="0"/>
+              <a:t>用</a:t>
+            </a:r>
+            <a:r>
+              <a:rPr lang="en-US" altLang="zh-CN" sz="2000" dirty="0" smtClean="0"/>
+              <a:t>class</a:t>
+            </a:r>
+            <a:r>
+              <a:rPr lang="zh-CN" altLang="en-US" sz="2000" dirty="0" smtClean="0"/>
+              <a:t>批量操作样式。</a:t>
+            </a:r>
+            <a:endParaRPr lang="en-US" altLang="zh-CN" sz="2000" dirty="0" smtClean="0"/>
+          </a:p>
+          <a:p>
+            <a:pPr>
+              <a:lnSpc>
+                <a:spcPct val="150000"/>
+              </a:lnSpc>
+            </a:pPr>
+            <a:r>
+              <a:rPr lang="en-US" altLang="zh-CN" sz="2000" dirty="0" smtClean="0"/>
+              <a:t>2.</a:t>
+            </a:r>
+            <a:r>
+              <a:rPr lang="zh-CN" altLang="en-US" sz="2000" dirty="0" smtClean="0"/>
+              <a:t>将元素脱离文档流。</a:t>
+            </a:r>
+            <a:endParaRPr lang="en-US" altLang="zh-CN" sz="2000" dirty="0" smtClean="0"/>
+          </a:p>
+          <a:p>
+            <a:pPr>
+              <a:lnSpc>
+                <a:spcPct val="150000"/>
+              </a:lnSpc>
+            </a:pPr>
+            <a:r>
+              <a:rPr lang="en-US" altLang="zh-CN" sz="2000" dirty="0" smtClean="0"/>
+              <a:t>3.</a:t>
+            </a:r>
+            <a:r>
+              <a:rPr lang="zh-CN" altLang="en-US" sz="2000" dirty="0" smtClean="0"/>
+              <a:t>多次操作节点后在插入到文档中。</a:t>
+            </a:r>
+            <a:endParaRPr lang="en-US" altLang="zh-CN" sz="2000" dirty="0" smtClean="0"/>
+          </a:p>
+          <a:p>
+            <a:pPr>
+              <a:lnSpc>
+                <a:spcPct val="150000"/>
+              </a:lnSpc>
+            </a:pPr>
+            <a:r>
+              <a:rPr lang="en-US" altLang="zh-CN" sz="2000" dirty="0" smtClean="0"/>
+              <a:t>4.</a:t>
+            </a:r>
+            <a:r>
+              <a:rPr lang="zh-CN" altLang="en-US" sz="2000" dirty="0" smtClean="0"/>
+              <a:t>先将需要操作的节点隐藏后修改，然后在</a:t>
+            </a:r>
+            <a:r>
+              <a:rPr lang="zh-CN" altLang="en-US" sz="2000" dirty="0"/>
+              <a:t>显</a:t>
+            </a:r>
+            <a:r>
+              <a:rPr lang="zh-CN" altLang="en-US" sz="2000" dirty="0" smtClean="0"/>
+              <a:t>示</a:t>
+            </a:r>
+            <a:r>
+              <a:rPr lang="zh-CN" altLang="en-US" sz="2000" dirty="0" smtClean="0"/>
+              <a:t>。</a:t>
+            </a:r>
+            <a:endParaRPr lang="zh-CN" altLang="en-US" dirty="0"/>
+          </a:p>
+        </p:txBody>
+      </p:sp>
+    </p:spTree>
+    <p:extLst>
+      <p:ext uri="{BB962C8B-B14F-4D97-AF65-F5344CB8AC3E}">
+        <p14:creationId xmlns:p14="http://schemas.microsoft.com/office/powerpoint/2010/main" val="2472665196"/>
+      </p:ext>
+    </p:extLst>
+  </p:cSld>
+  <p:clrMapOvr>
+    <a:masterClrMapping/>
+  </p:clrMapOvr>
+  <p:timing>
+    <p:tnLst>
+      <p:par>
+        <p:cTn id="1" dur="indefinite" restart="never" nodeType="tmRoot"/>
+      </p:par>
+    </p:tnLst>
+  </p:timing>
+</p:sld>
+</file>
+
+<file path=ppt/slides/slide13.xml><?xml version="1.0" encoding="utf-8"?>
+<p:sld xmlns:a="http://schemas.openxmlformats.org/drawingml/2006/main" xmlns:r="http://schemas.openxmlformats.org/officeDocument/2006/relationships" xmlns:p="http://schemas.openxmlformats.org/presentationml/2006/main">
+  <p:cSld>
+    <p:spTree>
+      <p:nvGrpSpPr>
+        <p:cNvPr id="1" name=""/>
+        <p:cNvGrpSpPr/>
+        <p:nvPr/>
+      </p:nvGrpSpPr>
+      <p:grpSpPr>
+        <a:xfrm>
+          <a:off x="0" y="0"/>
+          <a:ext cx="0" cy="0"/>
+          <a:chOff x="0" y="0"/>
+          <a:chExt cx="0" cy="0"/>
+        </a:xfrm>
+      </p:grpSpPr>
+      <p:sp>
+        <p:nvSpPr>
+          <p:cNvPr id="2" name="标题 1"/>
+          <p:cNvSpPr>
+            <a:spLocks noGrp="1"/>
+          </p:cNvSpPr>
+          <p:nvPr>
+            <p:ph type="title"/>
+          </p:nvPr>
+        </p:nvSpPr>
+        <p:spPr/>
+        <p:txBody>
+          <a:bodyPr/>
+          <a:lstStyle/>
+          <a:p>
+            <a:r>
+              <a:rPr lang="zh-CN" altLang="en-US" dirty="0" smtClean="0"/>
+              <a:t>重绘</a:t>
+            </a:r>
+            <a:endParaRPr lang="zh-CN" altLang="en-US" dirty="0"/>
+          </a:p>
+        </p:txBody>
+      </p:sp>
+      <p:sp>
+        <p:nvSpPr>
+          <p:cNvPr id="3" name="内容占位符 2"/>
+          <p:cNvSpPr>
+            <a:spLocks noGrp="1"/>
+          </p:cNvSpPr>
+          <p:nvPr>
+            <p:ph idx="1"/>
+          </p:nvPr>
+        </p:nvSpPr>
+        <p:spPr/>
+        <p:txBody>
+          <a:bodyPr/>
+          <a:lstStyle/>
+          <a:p>
+            <a:pPr marL="0" indent="0">
+              <a:buNone/>
+            </a:pPr>
+            <a:endParaRPr lang="en-US" altLang="zh-CN" dirty="0" smtClean="0"/>
+          </a:p>
+          <a:p>
+            <a:pPr marL="0" indent="0">
+              <a:buNone/>
+            </a:pPr>
+            <a:r>
+              <a:rPr lang="zh-CN" altLang="en-US" dirty="0" smtClean="0"/>
+              <a:t>一</a:t>
+            </a:r>
+            <a:r>
+              <a:rPr lang="zh-CN" altLang="en-US" dirty="0"/>
+              <a:t>个元素外观的改变所触发的浏览器行</a:t>
+            </a:r>
+            <a:r>
+              <a:rPr lang="zh-CN" altLang="en-US" dirty="0" smtClean="0"/>
+              <a:t>为。</a:t>
+            </a:r>
+            <a:endParaRPr lang="en-US" altLang="zh-CN" dirty="0" smtClean="0"/>
+          </a:p>
+          <a:p>
+            <a:pPr marL="0" indent="0">
+              <a:buNone/>
+            </a:pPr>
+            <a:endParaRPr lang="en-US" altLang="zh-CN" dirty="0" smtClean="0"/>
+          </a:p>
+          <a:p>
+            <a:pPr marL="0" indent="0">
+              <a:buNone/>
+            </a:pPr>
+            <a:r>
+              <a:rPr lang="zh-CN" altLang="en-US" dirty="0" smtClean="0"/>
+              <a:t>例</a:t>
+            </a:r>
+            <a:r>
+              <a:rPr lang="zh-CN" altLang="en-US" dirty="0"/>
+              <a:t>如改变</a:t>
+            </a:r>
+            <a:r>
+              <a:rPr lang="en-US" altLang="zh-CN" dirty="0"/>
+              <a:t>visibility</a:t>
+            </a:r>
+            <a:r>
+              <a:rPr lang="zh-CN" altLang="en-US" dirty="0"/>
+              <a:t>、</a:t>
+            </a:r>
+            <a:r>
+              <a:rPr lang="en-US" altLang="zh-CN" dirty="0"/>
+              <a:t>outline</a:t>
+            </a:r>
+            <a:r>
+              <a:rPr lang="zh-CN" altLang="en-US" dirty="0" smtClean="0"/>
+              <a:t>、背</a:t>
+            </a:r>
+            <a:r>
+              <a:rPr lang="zh-CN" altLang="en-US" dirty="0"/>
+              <a:t>景色等属性。浏览器会根据元素的新属性重新绘制，使元素呈现新的外观</a:t>
+            </a:r>
+            <a:r>
+              <a:rPr lang="zh-CN" altLang="en-US" dirty="0" smtClean="0"/>
+              <a:t>。</a:t>
+            </a:r>
+            <a:endParaRPr lang="en-US" altLang="zh-CN" dirty="0" smtClean="0"/>
+          </a:p>
+          <a:p>
+            <a:pPr marL="0" indent="0">
+              <a:buNone/>
+            </a:pPr>
+            <a:r>
+              <a:rPr lang="zh-CN" altLang="en-US" dirty="0" smtClean="0"/>
+              <a:t>重</a:t>
+            </a:r>
+            <a:r>
+              <a:rPr lang="zh-CN" altLang="en-US" dirty="0"/>
+              <a:t>绘不</a:t>
+            </a:r>
+            <a:r>
+              <a:rPr lang="zh-CN" altLang="en-US" dirty="0" smtClean="0"/>
+              <a:t>会带</a:t>
+            </a:r>
+            <a:r>
+              <a:rPr lang="zh-CN" altLang="en-US" dirty="0"/>
+              <a:t>来重新布局，并不一定伴随重排。</a:t>
+            </a:r>
+          </a:p>
+        </p:txBody>
+      </p:sp>
+    </p:spTree>
+    <p:extLst>
+      <p:ext uri="{BB962C8B-B14F-4D97-AF65-F5344CB8AC3E}">
+        <p14:creationId xmlns:p14="http://schemas.microsoft.com/office/powerpoint/2010/main" val="1056143457"/>
+      </p:ext>
+    </p:extLst>
+  </p:cSld>
+  <p:clrMapOvr>
+    <a:masterClrMapping/>
+  </p:clrMapOvr>
+  <p:timing>
+    <p:tnLst>
+      <p:par>
+        <p:cTn id="1" dur="indefinite" restart="never" nodeType="tmRoot"/>
+      </p:par>
+    </p:tnLst>
+  </p:timing>
+</p:sld>
+</file>
+
+<file path=ppt/slides/slide14.xml><?xml version="1.0" encoding="utf-8"?>
+<p:sld xmlns:a="http://schemas.openxmlformats.org/drawingml/2006/main" xmlns:r="http://schemas.openxmlformats.org/officeDocument/2006/relationships" xmlns:p="http://schemas.openxmlformats.org/presentationml/2006/main">
+  <p:cSld>
+    <p:spTree>
+      <p:nvGrpSpPr>
+        <p:cNvPr id="1" name=""/>
+        <p:cNvGrpSpPr/>
+        <p:nvPr/>
+      </p:nvGrpSpPr>
+      <p:grpSpPr>
+        <a:xfrm>
+          <a:off x="0" y="0"/>
+          <a:ext cx="0" cy="0"/>
+          <a:chOff x="0" y="0"/>
+          <a:chExt cx="0" cy="0"/>
+        </a:xfrm>
+      </p:grpSpPr>
+      <p:sp>
+        <p:nvSpPr>
+          <p:cNvPr id="2" name="标题 1"/>
+          <p:cNvSpPr>
+            <a:spLocks noGrp="1"/>
+          </p:cNvSpPr>
+          <p:nvPr>
+            <p:ph type="title"/>
+          </p:nvPr>
+        </p:nvSpPr>
+        <p:spPr/>
+        <p:txBody>
+          <a:bodyPr/>
+          <a:lstStyle/>
+          <a:p>
+            <a:r>
+              <a:rPr lang="zh-CN" altLang="en-US" dirty="0" smtClean="0"/>
+              <a:t>重排</a:t>
+            </a:r>
+            <a:endParaRPr lang="zh-CN" altLang="en-US" dirty="0"/>
+          </a:p>
+        </p:txBody>
+      </p:sp>
+      <p:sp>
+        <p:nvSpPr>
+          <p:cNvPr id="3" name="内容占位符 2"/>
+          <p:cNvSpPr>
+            <a:spLocks noGrp="1"/>
+          </p:cNvSpPr>
+          <p:nvPr>
+            <p:ph idx="1"/>
+          </p:nvPr>
+        </p:nvSpPr>
+        <p:spPr>
+          <a:xfrm>
+            <a:off x="457200" y="1600200"/>
+            <a:ext cx="8229600" cy="1468760"/>
+          </a:xfrm>
+        </p:spPr>
+        <p:txBody>
+          <a:bodyPr/>
+          <a:lstStyle/>
+          <a:p>
+            <a:pPr marL="0" indent="0">
+              <a:buNone/>
+            </a:pPr>
+            <a:r>
+              <a:rPr lang="zh-CN" altLang="en-US" dirty="0"/>
+              <a:t>重排是更明显的一种改变，可以理解为渲染树需要重新计</a:t>
+            </a:r>
+            <a:r>
+              <a:rPr lang="zh-CN" altLang="en-US" dirty="0" smtClean="0"/>
+              <a:t>算。</a:t>
+            </a:r>
+            <a:endParaRPr lang="zh-CN" altLang="en-US" dirty="0"/>
+          </a:p>
+        </p:txBody>
+      </p:sp>
+      <p:sp>
+        <p:nvSpPr>
+          <p:cNvPr id="4" name="TextBox 3"/>
+          <p:cNvSpPr txBox="1"/>
+          <p:nvPr/>
+        </p:nvSpPr>
+        <p:spPr>
+          <a:xfrm>
+            <a:off x="395536" y="3501008"/>
+            <a:ext cx="8424936" cy="1384995"/>
+          </a:xfrm>
+          <a:prstGeom prst="rect">
+            <a:avLst/>
+          </a:prstGeom>
+          <a:noFill/>
+        </p:spPr>
+        <p:txBody>
+          <a:bodyPr wrap="square" rtlCol="0">
+            <a:spAutoFit/>
+          </a:bodyPr>
+          <a:lstStyle/>
+          <a:p>
+            <a:pPr marL="285750" indent="-285750">
+              <a:buFont typeface="Wingdings" pitchFamily="2" charset="2"/>
+              <a:buChar char="ü"/>
+            </a:pPr>
+            <a:r>
+              <a:rPr lang="en-US" altLang="zh-CN" sz="2800" dirty="0"/>
+              <a:t>1. DOM</a:t>
+            </a:r>
+            <a:r>
+              <a:rPr lang="zh-CN" altLang="en-US" sz="2800" dirty="0"/>
+              <a:t>元素的几何属性变</a:t>
+            </a:r>
+            <a:r>
+              <a:rPr lang="zh-CN" altLang="en-US" sz="2800" dirty="0" smtClean="0"/>
+              <a:t>化</a:t>
+            </a:r>
+            <a:endParaRPr lang="en-US" altLang="zh-CN" sz="2800" dirty="0" smtClean="0"/>
+          </a:p>
+          <a:p>
+            <a:pPr marL="285750" indent="-285750">
+              <a:buFont typeface="Wingdings" pitchFamily="2" charset="2"/>
+              <a:buChar char="ü"/>
+            </a:pPr>
+            <a:r>
+              <a:rPr lang="en-US" altLang="zh-CN" sz="2800" dirty="0"/>
+              <a:t>2. DOM</a:t>
+            </a:r>
+            <a:r>
+              <a:rPr lang="zh-CN" altLang="en-US" sz="2800" dirty="0"/>
+              <a:t>树的结构变</a:t>
+            </a:r>
+            <a:r>
+              <a:rPr lang="zh-CN" altLang="en-US" sz="2800" dirty="0" smtClean="0"/>
+              <a:t>化</a:t>
+            </a:r>
+            <a:endParaRPr lang="en-US" altLang="zh-CN" sz="2800" dirty="0" smtClean="0"/>
+          </a:p>
+          <a:p>
+            <a:pPr marL="285750" indent="-285750">
+              <a:buFont typeface="Wingdings" pitchFamily="2" charset="2"/>
+              <a:buChar char="ü"/>
+            </a:pPr>
+            <a:r>
+              <a:rPr lang="en-US" altLang="zh-CN" sz="2800" dirty="0"/>
+              <a:t>3. </a:t>
+            </a:r>
+            <a:r>
+              <a:rPr lang="zh-CN" altLang="en-US" sz="2800" dirty="0"/>
+              <a:t>获取某些属</a:t>
+            </a:r>
+            <a:r>
+              <a:rPr lang="zh-CN" altLang="en-US" sz="2800" dirty="0" smtClean="0"/>
+              <a:t>性（</a:t>
+            </a:r>
+            <a:r>
+              <a:rPr lang="en-US" altLang="zh-CN" sz="2800" dirty="0" err="1" smtClean="0"/>
+              <a:t>offsetWidth</a:t>
+            </a:r>
+            <a:r>
+              <a:rPr lang="zh-CN" altLang="en-US" sz="2800" dirty="0" smtClean="0"/>
+              <a:t>，</a:t>
+            </a:r>
+            <a:r>
+              <a:rPr lang="en-US" altLang="zh-CN" sz="2800" dirty="0" err="1" smtClean="0"/>
+              <a:t>offsetHeight</a:t>
+            </a:r>
+            <a:r>
+              <a:rPr lang="zh-CN" altLang="en-US" sz="2800" dirty="0" smtClean="0"/>
+              <a:t>等</a:t>
+            </a:r>
+            <a:r>
+              <a:rPr lang="zh-CN" altLang="en-US" sz="2800" dirty="0" smtClean="0"/>
+              <a:t>）</a:t>
+            </a:r>
+            <a:endParaRPr lang="en-US" altLang="zh-CN" sz="2800" dirty="0"/>
+          </a:p>
+        </p:txBody>
+      </p:sp>
+    </p:spTree>
+    <p:extLst>
+      <p:ext uri="{BB962C8B-B14F-4D97-AF65-F5344CB8AC3E}">
+        <p14:creationId xmlns:p14="http://schemas.microsoft.com/office/powerpoint/2010/main" val="3024319007"/>
+      </p:ext>
+    </p:extLst>
+  </p:cSld>
+  <p:clrMapOvr>
+    <a:masterClrMapping/>
+  </p:clrMapOvr>
+  <p:timing>
+    <p:tnLst>
+      <p:par>
+        <p:cTn id="1" dur="indefinite" restart="never" nodeType="tmRoot"/>
+      </p:par>
+    </p:tnLst>
+  </p:timing>
+</p:sld>
+</file>
+
+<file path=ppt/slides/slide15.xml><?xml version="1.0" encoding="utf-8"?>
+<p:sld xmlns:a="http://schemas.openxmlformats.org/drawingml/2006/main" xmlns:r="http://schemas.openxmlformats.org/officeDocument/2006/relationships" xmlns:p="http://schemas.openxmlformats.org/presentationml/2006/main">
+  <p:cSld>
+    <p:spTree>
+      <p:nvGrpSpPr>
+        <p:cNvPr id="1" name=""/>
+        <p:cNvGrpSpPr/>
+        <p:nvPr/>
+      </p:nvGrpSpPr>
+      <p:grpSpPr>
+        <a:xfrm>
+          <a:off x="0" y="0"/>
+          <a:ext cx="0" cy="0"/>
+          <a:chOff x="0" y="0"/>
+          <a:chExt cx="0" cy="0"/>
+        </a:xfrm>
+      </p:grpSpPr>
+      <p:sp>
+        <p:nvSpPr>
+          <p:cNvPr id="2" name="标题 1"/>
+          <p:cNvSpPr>
+            <a:spLocks noGrp="1"/>
+          </p:cNvSpPr>
+          <p:nvPr>
+            <p:ph type="title"/>
+          </p:nvPr>
+        </p:nvSpPr>
+        <p:spPr/>
+        <p:txBody>
+          <a:bodyPr/>
+          <a:lstStyle/>
+          <a:p>
+            <a:r>
+              <a:rPr lang="zh-CN" altLang="en-US" dirty="0" smtClean="0"/>
               <a:t>事件</a:t>
             </a:r>
             <a:endParaRPr lang="zh-CN" altLang="en-US" dirty="0"/>
@@ -7348,34 +9013,79 @@
           <a:p>
             <a:r>
               <a:rPr lang="zh-CN" altLang="en-US" dirty="0" smtClean="0"/>
-              <a:t>其他事件</a:t>
-            </a:r>
-            <a:endParaRPr lang="en-US" altLang="zh-CN" dirty="0" smtClean="0"/>
+              <a:t>其他事</a:t>
+            </a:r>
+            <a:r>
+              <a:rPr lang="zh-CN" altLang="en-US" dirty="0" smtClean="0"/>
+              <a:t>件</a:t>
+            </a:r>
+            <a:endParaRPr lang="en-US" altLang="zh-CN" dirty="0"/>
           </a:p>
           <a:p>
             <a:pPr marL="457200" lvl="1" indent="0">
               <a:buNone/>
             </a:pPr>
             <a:r>
-              <a:rPr lang="en-US" altLang="zh-CN" dirty="0" smtClean="0"/>
+              <a:rPr lang="en-US" altLang="zh-CN" dirty="0"/>
               <a:t>focus</a:t>
             </a:r>
             <a:r>
+              <a:rPr lang="zh-CN" altLang="en-US" dirty="0"/>
+              <a:t>，</a:t>
+            </a:r>
+            <a:r>
+              <a:rPr lang="en-US" altLang="zh-CN" dirty="0"/>
+              <a:t>blur</a:t>
+            </a:r>
+            <a:r>
+              <a:rPr lang="zh-CN" altLang="en-US" dirty="0"/>
+              <a:t>，</a:t>
+            </a:r>
+            <a:r>
+              <a:rPr lang="en-US" altLang="zh-CN" dirty="0"/>
+              <a:t>load</a:t>
+            </a:r>
+          </a:p>
+          <a:p>
+            <a:r>
               <a:rPr lang="zh-CN" altLang="en-US" dirty="0" smtClean="0"/>
+              <a:t>移动端</a:t>
+            </a:r>
+            <a:endParaRPr lang="en-US" altLang="zh-CN" dirty="0"/>
+          </a:p>
+          <a:p>
+            <a:pPr marL="0" indent="0">
+              <a:buNone/>
+            </a:pPr>
+            <a:r>
+              <a:rPr lang="en-US" altLang="zh-CN" sz="2800" dirty="0"/>
+              <a:t> </a:t>
+            </a:r>
+            <a:r>
+              <a:rPr lang="en-US" altLang="zh-CN" sz="2800" dirty="0" smtClean="0"/>
+              <a:t>   </a:t>
+            </a:r>
+            <a:r>
+              <a:rPr lang="en-US" altLang="zh-CN" sz="2800" dirty="0" err="1" smtClean="0"/>
+              <a:t>touchstart</a:t>
+            </a:r>
+            <a:r>
+              <a:rPr lang="zh-CN" altLang="en-US" sz="2800" dirty="0" smtClean="0"/>
               <a:t>，</a:t>
             </a:r>
             <a:r>
-              <a:rPr lang="en-US" altLang="zh-CN" dirty="0" smtClean="0"/>
-              <a:t>blur</a:t>
-            </a:r>
-            <a:r>
-              <a:rPr lang="zh-CN" altLang="en-US" dirty="0" smtClean="0"/>
+              <a:rPr lang="en-US" altLang="zh-CN" sz="2800" dirty="0" err="1" smtClean="0"/>
+              <a:t>touchmove</a:t>
+            </a:r>
+            <a:r>
+              <a:rPr lang="zh-CN" altLang="en-US" sz="2800" dirty="0" smtClean="0"/>
               <a:t>，</a:t>
             </a:r>
             <a:r>
-              <a:rPr lang="en-US" altLang="zh-CN" dirty="0" smtClean="0"/>
-              <a:t>load</a:t>
-            </a:r>
+              <a:rPr lang="en-US" altLang="zh-CN" sz="2800" dirty="0" err="1" smtClean="0"/>
+              <a:t>touchend</a:t>
+            </a:r>
+            <a:endParaRPr lang="en-US" altLang="zh-CN" sz="2800" dirty="0" smtClean="0"/>
           </a:p>
         </p:txBody>
       </p:sp>
@@ -7762,6 +9472,128 @@
                       </p:childTnLst>
                     </p:cTn>
                   </p:par>
+                  <p:par>
+                    <p:cTn id="32" fill="hold">
+                      <p:stCondLst>
+                        <p:cond delay="indefinite"/>
+                      </p:stCondLst>
+                      <p:childTnLst>
+                        <p:par>
+                          <p:cTn id="33" fill="hold">
+                            <p:stCondLst>
+                              <p:cond delay="0"/>
+                            </p:stCondLst>
+                            <p:childTnLst>
+                              <p:par>
+                                <p:cTn id="34" presetID="16" presetClass="entr" presetSubtype="21" fill="hold" grpId="0" nodeType="clickEffect">
+                                  <p:stCondLst>
+                                    <p:cond delay="0"/>
+                                  </p:stCondLst>
+                                  <p:childTnLst>
+                                    <p:set>
+                                      <p:cBhvr>
+                                        <p:cTn id="35" dur="1" fill="hold">
+                                          <p:stCondLst>
+                                            <p:cond delay="0"/>
+                                          </p:stCondLst>
+                                        </p:cTn>
+                                        <p:tgtEl>
+                                          <p:spTgt spid="3">
+                                            <p:txEl>
+                                              <p:pRg st="6" end="6"/>
+                                            </p:txEl>
+                                          </p:spTgt>
+                                        </p:tgtEl>
+                                        <p:attrNameLst>
+                                          <p:attrName>style.visibility</p:attrName>
+                                        </p:attrNameLst>
+                                      </p:cBhvr>
+                                      <p:to>
+                                        <p:strVal val="visible"/>
+                                      </p:to>
+                                    </p:set>
+                                    <p:animEffect transition="in" filter="barn(inVertical)">
+                                      <p:cBhvr>
+                                        <p:cTn id="36" dur="500"/>
+                                        <p:tgtEl>
+                                          <p:spTgt spid="3">
+                                            <p:txEl>
+                                              <p:pRg st="6" end="6"/>
+                                            </p:txEl>
+                                          </p:spTgt>
+                                        </p:tgtEl>
+                                      </p:cBhvr>
+                                    </p:animEffect>
+                                  </p:childTnLst>
+                                </p:cTn>
+                              </p:par>
+                            </p:childTnLst>
+                          </p:cTn>
+                        </p:par>
+                      </p:childTnLst>
+                    </p:cTn>
+                  </p:par>
+                  <p:par>
+                    <p:cTn id="37" fill="hold">
+                      <p:stCondLst>
+                        <p:cond delay="indefinite"/>
+                      </p:stCondLst>
+                      <p:childTnLst>
+                        <p:par>
+                          <p:cTn id="38" fill="hold">
+                            <p:stCondLst>
+                              <p:cond delay="0"/>
+                            </p:stCondLst>
+                            <p:childTnLst>
+                              <p:par>
+                                <p:cTn id="39" presetID="16" presetClass="entr" presetSubtype="21" fill="hold" grpId="0" nodeType="clickEffect">
+                                  <p:stCondLst>
+                                    <p:cond delay="0"/>
+                                  </p:stCondLst>
+                                  <p:childTnLst>
+                                    <p:set>
+                                      <p:cBhvr>
+                                        <p:cTn id="40" dur="1" fill="hold">
+                                          <p:stCondLst>
+                                            <p:cond delay="0"/>
+                                          </p:stCondLst>
+                                        </p:cTn>
+                                        <p:tgtEl>
+                                          <p:spTgt spid="3">
+                                            <p:txEl>
+                                              <p:pRg st="7" end="7"/>
+                                            </p:txEl>
+                                          </p:spTgt>
+                                        </p:tgtEl>
+                                        <p:attrNameLst>
+                                          <p:attrName>style.visibility</p:attrName>
+                                        </p:attrNameLst>
+                                      </p:cBhvr>
+                                      <p:to>
+                                        <p:strVal val="visible"/>
+                                      </p:to>
+                                    </p:set>
+                                    <p:animEffect transition="in" filter="barn(inVertical)">
+                                      <p:cBhvr>
+                                        <p:cTn id="41" dur="500"/>
+                                        <p:tgtEl>
+                                          <p:spTgt spid="3">
+                                            <p:txEl>
+                                              <p:pRg st="7" end="7"/>
+                                            </p:txEl>
+                                          </p:spTgt>
+                                        </p:tgtEl>
+                                      </p:cBhvr>
+                                    </p:animEffect>
+                                  </p:childTnLst>
+                                </p:cTn>
+                              </p:par>
+                            </p:childTnLst>
+                          </p:cTn>
+                        </p:par>
+                      </p:childTnLst>
+                    </p:cTn>
+                  </p:par>
                 </p:childTnLst>
               </p:cTn>
               <p:prevCondLst>
@@ -7787,531 +9619,6 @@
       <p:bldP spid="2" grpId="0"/>
       <p:bldP spid="3" grpId="0" build="p"/>
     </p:bldLst>
-  </p:timing>
-</p:sld>
-</file>
-
-<file path=ppt/slides/slide13.xml><?xml version="1.0" encoding="utf-8"?>
-<p:sld xmlns:a="http://schemas.openxmlformats.org/drawingml/2006/main" xmlns:r="http://schemas.openxmlformats.org/officeDocument/2006/relationships" xmlns:p="http://schemas.openxmlformats.org/presentationml/2006/main">
-  <p:cSld>
-    <p:spTree>
-      <p:nvGrpSpPr>
-        <p:cNvPr id="1" name=""/>
-        <p:cNvGrpSpPr/>
-        <p:nvPr/>
-      </p:nvGrpSpPr>
-      <p:grpSpPr>
-        <a:xfrm>
-          <a:off x="0" y="0"/>
-          <a:ext cx="0" cy="0"/>
-          <a:chOff x="0" y="0"/>
-          <a:chExt cx="0" cy="0"/>
-        </a:xfrm>
-      </p:grpSpPr>
-      <p:sp>
-        <p:nvSpPr>
-          <p:cNvPr id="2" name="标题 1"/>
-          <p:cNvSpPr>
-            <a:spLocks noGrp="1"/>
-          </p:cNvSpPr>
-          <p:nvPr>
-            <p:ph type="title"/>
-          </p:nvPr>
-        </p:nvSpPr>
-        <p:spPr/>
-        <p:txBody>
-          <a:bodyPr/>
-          <a:lstStyle/>
-          <a:p>
-            <a:r>
-              <a:rPr lang="zh-CN" altLang="en-US" dirty="0" smtClean="0"/>
-              <a:t>添加事件</a:t>
-            </a:r>
-            <a:endParaRPr lang="zh-CN" altLang="en-US" dirty="0"/>
-          </a:p>
-        </p:txBody>
-      </p:sp>
-      <p:sp>
-        <p:nvSpPr>
-          <p:cNvPr id="3" name="内容占位符 2"/>
-          <p:cNvSpPr>
-            <a:spLocks noGrp="1"/>
-          </p:cNvSpPr>
-          <p:nvPr>
-            <p:ph idx="1"/>
-          </p:nvPr>
-        </p:nvSpPr>
-        <p:spPr/>
-        <p:txBody>
-          <a:bodyPr/>
-          <a:lstStyle/>
-          <a:p>
-            <a:pPr marL="0" indent="0">
-              <a:buNone/>
-            </a:pPr>
-            <a:r>
-              <a:rPr lang="en-US" altLang="zh-CN" dirty="0" smtClean="0"/>
-              <a:t>1.</a:t>
-            </a:r>
-            <a:r>
-              <a:rPr lang="zh-CN" altLang="en-US" dirty="0" smtClean="0"/>
-              <a:t>行间事件</a:t>
-            </a:r>
-            <a:endParaRPr lang="en-US" altLang="zh-CN" dirty="0" smtClean="0"/>
-          </a:p>
-          <a:p>
-            <a:pPr marL="0" indent="0">
-              <a:buNone/>
-            </a:pPr>
-            <a:endParaRPr lang="en-US" altLang="zh-CN" dirty="0"/>
-          </a:p>
-          <a:p>
-            <a:pPr marL="0" indent="0">
-              <a:buNone/>
-            </a:pPr>
-            <a:r>
-              <a:rPr lang="en-US" altLang="zh-CN" dirty="0" smtClean="0"/>
-              <a:t>2.obj.on____ = function(){};</a:t>
-            </a:r>
-          </a:p>
-          <a:p>
-            <a:pPr marL="0" indent="0">
-              <a:buNone/>
-            </a:pPr>
-            <a:endParaRPr lang="en-US" altLang="zh-CN" dirty="0"/>
-          </a:p>
-          <a:p>
-            <a:pPr marL="0" indent="0">
-              <a:buNone/>
-            </a:pPr>
-            <a:r>
-              <a:rPr lang="en-US" altLang="zh-CN" dirty="0"/>
-              <a:t>3. </a:t>
-            </a:r>
-            <a:r>
-              <a:rPr lang="en-US" altLang="zh-CN" dirty="0" err="1" smtClean="0"/>
-              <a:t>obj.addEventListener</a:t>
-            </a:r>
-            <a:r>
-              <a:rPr lang="en-US" altLang="zh-CN" dirty="0" smtClean="0"/>
-              <a:t>(</a:t>
-            </a:r>
-            <a:r>
-              <a:rPr lang="en-US" altLang="zh-CN" dirty="0" err="1" smtClean="0"/>
-              <a:t>sEv,fn,false</a:t>
-            </a:r>
-            <a:r>
-              <a:rPr lang="en-US" altLang="zh-CN" dirty="0" smtClean="0"/>
-              <a:t>); ()</a:t>
-            </a:r>
-          </a:p>
-          <a:p>
-            <a:pPr marL="0" indent="0">
-              <a:buNone/>
-            </a:pPr>
-            <a:r>
-              <a:rPr lang="en-US" altLang="zh-CN" dirty="0"/>
-              <a:t>    </a:t>
-            </a:r>
-            <a:r>
-              <a:rPr lang="en-US" altLang="zh-CN" dirty="0" err="1"/>
-              <a:t>obj.attachEvent</a:t>
-            </a:r>
-            <a:r>
-              <a:rPr lang="en-US" altLang="zh-CN" dirty="0"/>
-              <a:t>("on"+</a:t>
-            </a:r>
-            <a:r>
-              <a:rPr lang="en-US" altLang="zh-CN" dirty="0" err="1"/>
-              <a:t>sEv,fn</a:t>
-            </a:r>
-            <a:r>
-              <a:rPr lang="en-US" altLang="zh-CN" dirty="0"/>
-              <a:t>);</a:t>
-            </a:r>
-            <a:endParaRPr lang="en-US" altLang="zh-CN" dirty="0" smtClean="0"/>
-          </a:p>
-        </p:txBody>
-      </p:sp>
-    </p:spTree>
-    <p:extLst>
-      <p:ext uri="{BB962C8B-B14F-4D97-AF65-F5344CB8AC3E}">
-        <p14:creationId xmlns:p14="http://schemas.microsoft.com/office/powerpoint/2010/main" val="909963430"/>
-      </p:ext>
-    </p:extLst>
-  </p:cSld>
-  <p:clrMapOvr>
-    <a:masterClrMapping/>
-  </p:clrMapOvr>
-</p:sld>
-</file>
-
-<file path=ppt/slides/slide14.xml><?xml version="1.0" encoding="utf-8"?>
-<p:sld xmlns:a="http://schemas.openxmlformats.org/drawingml/2006/main" xmlns:r="http://schemas.openxmlformats.org/officeDocument/2006/relationships" xmlns:p="http://schemas.openxmlformats.org/presentationml/2006/main">
-  <p:cSld>
-    <p:spTree>
-      <p:nvGrpSpPr>
-        <p:cNvPr id="1" name=""/>
-        <p:cNvGrpSpPr/>
-        <p:nvPr/>
-      </p:nvGrpSpPr>
-      <p:grpSpPr>
-        <a:xfrm>
-          <a:off x="0" y="0"/>
-          <a:ext cx="0" cy="0"/>
-          <a:chOff x="0" y="0"/>
-          <a:chExt cx="0" cy="0"/>
-        </a:xfrm>
-      </p:grpSpPr>
-      <p:sp>
-        <p:nvSpPr>
-          <p:cNvPr id="2" name="标题 1"/>
-          <p:cNvSpPr>
-            <a:spLocks noGrp="1"/>
-          </p:cNvSpPr>
-          <p:nvPr>
-            <p:ph type="title"/>
-          </p:nvPr>
-        </p:nvSpPr>
-        <p:spPr/>
-        <p:txBody>
-          <a:bodyPr/>
-          <a:lstStyle/>
-          <a:p>
-            <a:r>
-              <a:rPr lang="zh-CN" altLang="en-US" dirty="0"/>
-              <a:t>删除事件</a:t>
-            </a:r>
-          </a:p>
-        </p:txBody>
-      </p:sp>
-      <p:sp>
-        <p:nvSpPr>
-          <p:cNvPr id="3" name="内容占位符 2"/>
-          <p:cNvSpPr>
-            <a:spLocks noGrp="1"/>
-          </p:cNvSpPr>
-          <p:nvPr>
-            <p:ph idx="1"/>
-          </p:nvPr>
-        </p:nvSpPr>
-        <p:spPr/>
-        <p:txBody>
-          <a:bodyPr/>
-          <a:lstStyle/>
-          <a:p>
-            <a:pPr marL="0" indent="0">
-              <a:buNone/>
-            </a:pPr>
-            <a:r>
-              <a:rPr lang="en-US" altLang="zh-CN" dirty="0" smtClean="0"/>
-              <a:t>1.</a:t>
-            </a:r>
-            <a:r>
-              <a:rPr lang="zh-CN" altLang="en-US" dirty="0" smtClean="0"/>
-              <a:t>行间的直接删</a:t>
-            </a:r>
-            <a:endParaRPr lang="en-US" altLang="zh-CN" dirty="0" smtClean="0"/>
-          </a:p>
-          <a:p>
-            <a:pPr marL="0" indent="0">
-              <a:buNone/>
-            </a:pPr>
-            <a:endParaRPr lang="en-US" altLang="zh-CN" dirty="0"/>
-          </a:p>
-          <a:p>
-            <a:pPr marL="0" indent="0">
-              <a:buNone/>
-            </a:pPr>
-            <a:r>
-              <a:rPr lang="en-US" altLang="zh-CN" dirty="0" smtClean="0"/>
-              <a:t>2.obj.on____ = null</a:t>
-            </a:r>
-            <a:r>
-              <a:rPr lang="zh-CN" altLang="en-US" dirty="0" smtClean="0"/>
-              <a:t>；</a:t>
-            </a:r>
-            <a:endParaRPr lang="en-US" altLang="zh-CN" dirty="0" smtClean="0"/>
-          </a:p>
-          <a:p>
-            <a:pPr marL="0" indent="0">
-              <a:buNone/>
-            </a:pPr>
-            <a:endParaRPr lang="en-US" altLang="zh-CN" dirty="0"/>
-          </a:p>
-          <a:p>
-            <a:pPr marL="0" indent="0">
-              <a:buNone/>
-            </a:pPr>
-            <a:r>
-              <a:rPr lang="en-US" altLang="zh-CN" dirty="0" smtClean="0"/>
-              <a:t>3.obj.removeEventListerner(</a:t>
-            </a:r>
-            <a:r>
-              <a:rPr lang="en-US" altLang="zh-CN" dirty="0" err="1" smtClean="0"/>
-              <a:t>sEv,fn,false</a:t>
-            </a:r>
-            <a:r>
-              <a:rPr lang="en-US" altLang="zh-CN" dirty="0" smtClean="0"/>
-              <a:t>);</a:t>
-            </a:r>
-          </a:p>
-          <a:p>
-            <a:pPr marL="0" indent="0">
-              <a:buNone/>
-            </a:pPr>
-            <a:r>
-              <a:rPr lang="en-US" altLang="zh-CN" dirty="0" smtClean="0"/>
-              <a:t>   </a:t>
-            </a:r>
-            <a:r>
-              <a:rPr lang="en-US" altLang="zh-CN" dirty="0" err="1" smtClean="0"/>
-              <a:t>obj.detachEvent</a:t>
-            </a:r>
-            <a:r>
-              <a:rPr lang="en-US" altLang="zh-CN" dirty="0" smtClean="0"/>
-              <a:t>(“on”+</a:t>
-            </a:r>
-            <a:r>
-              <a:rPr lang="en-US" altLang="zh-CN" dirty="0" err="1" smtClean="0"/>
-              <a:t>sEv,fn</a:t>
-            </a:r>
-            <a:r>
-              <a:rPr lang="en-US" altLang="zh-CN" dirty="0" smtClean="0"/>
-              <a:t>);</a:t>
-            </a:r>
-            <a:endParaRPr lang="zh-CN" altLang="en-US" dirty="0"/>
-          </a:p>
-        </p:txBody>
-      </p:sp>
-    </p:spTree>
-    <p:extLst>
-      <p:ext uri="{BB962C8B-B14F-4D97-AF65-F5344CB8AC3E}">
-        <p14:creationId xmlns:p14="http://schemas.microsoft.com/office/powerpoint/2010/main" val="2688489566"/>
-      </p:ext>
-    </p:extLst>
-  </p:cSld>
-  <p:clrMapOvr>
-    <a:masterClrMapping/>
-  </p:clrMapOvr>
-</p:sld>
-</file>
-
-<file path=ppt/slides/slide15.xml><?xml version="1.0" encoding="utf-8"?>
-<p:sld xmlns:a="http://schemas.openxmlformats.org/drawingml/2006/main" xmlns:r="http://schemas.openxmlformats.org/officeDocument/2006/relationships" xmlns:p="http://schemas.openxmlformats.org/presentationml/2006/main">
-  <p:cSld>
-    <p:spTree>
-      <p:nvGrpSpPr>
-        <p:cNvPr id="1" name=""/>
-        <p:cNvGrpSpPr/>
-        <p:nvPr/>
-      </p:nvGrpSpPr>
-      <p:grpSpPr>
-        <a:xfrm>
-          <a:off x="0" y="0"/>
-          <a:ext cx="0" cy="0"/>
-          <a:chOff x="0" y="0"/>
-          <a:chExt cx="0" cy="0"/>
-        </a:xfrm>
-      </p:grpSpPr>
-      <p:sp>
-        <p:nvSpPr>
-          <p:cNvPr id="2" name="标题 1"/>
-          <p:cNvSpPr>
-            <a:spLocks noGrp="1"/>
-          </p:cNvSpPr>
-          <p:nvPr>
-            <p:ph type="title"/>
-          </p:nvPr>
-        </p:nvSpPr>
-        <p:spPr/>
-        <p:txBody>
-          <a:bodyPr/>
-          <a:lstStyle/>
-          <a:p>
-            <a:r>
-              <a:rPr lang="en-US" altLang="zh-CN" dirty="0" smtClean="0"/>
-              <a:t>Event</a:t>
-            </a:r>
-            <a:endParaRPr lang="zh-CN" altLang="en-US" dirty="0"/>
-          </a:p>
-        </p:txBody>
-      </p:sp>
-      <p:sp>
-        <p:nvSpPr>
-          <p:cNvPr id="3" name="内容占位符 2"/>
-          <p:cNvSpPr>
-            <a:spLocks noGrp="1"/>
-          </p:cNvSpPr>
-          <p:nvPr>
-            <p:ph idx="1"/>
-          </p:nvPr>
-        </p:nvSpPr>
-        <p:spPr>
-          <a:xfrm>
-            <a:off x="323528" y="2708920"/>
-            <a:ext cx="8229600" cy="604664"/>
-          </a:xfrm>
-        </p:spPr>
-        <p:txBody>
-          <a:bodyPr/>
-          <a:lstStyle/>
-          <a:p>
-            <a:pPr marL="0" indent="0" algn="ctr">
-              <a:buNone/>
-            </a:pPr>
-            <a:r>
-              <a:rPr lang="zh-CN" altLang="en-US" dirty="0" smtClean="0"/>
-              <a:t>储存事件的详情信息</a:t>
-            </a:r>
-            <a:endParaRPr lang="en-US" altLang="zh-CN" dirty="0" smtClean="0"/>
-          </a:p>
-          <a:p>
-            <a:pPr marL="0" indent="0">
-              <a:buNone/>
-            </a:pPr>
-            <a:endParaRPr lang="zh-CN" altLang="en-US" dirty="0"/>
-          </a:p>
-        </p:txBody>
-      </p:sp>
-      <p:sp>
-        <p:nvSpPr>
-          <p:cNvPr id="4" name="TextBox 3"/>
-          <p:cNvSpPr txBox="1"/>
-          <p:nvPr/>
-        </p:nvSpPr>
-        <p:spPr>
-          <a:xfrm>
-            <a:off x="611560" y="4437112"/>
-            <a:ext cx="7848872" cy="954107"/>
-          </a:xfrm>
-          <a:prstGeom prst="rect">
-            <a:avLst/>
-          </a:prstGeom>
-          <a:noFill/>
-        </p:spPr>
-        <p:txBody>
-          <a:bodyPr wrap="square" rtlCol="0">
-            <a:spAutoFit/>
-          </a:bodyPr>
-          <a:lstStyle/>
-          <a:p>
-            <a:r>
-              <a:rPr lang="en-US" altLang="zh-CN" sz="2800" dirty="0" smtClean="0"/>
-              <a:t> </a:t>
-            </a:r>
-            <a:r>
-              <a:rPr lang="en-US" altLang="zh-CN" sz="2800" dirty="0" err="1" smtClean="0"/>
-              <a:t>ev</a:t>
-            </a:r>
-            <a:r>
-              <a:rPr lang="en-US" altLang="zh-CN" sz="2800" dirty="0" smtClean="0"/>
-              <a:t> || event          (</a:t>
-            </a:r>
-            <a:r>
-              <a:rPr lang="en-US" altLang="zh-CN" sz="2800" dirty="0" err="1" smtClean="0"/>
-              <a:t>ev</a:t>
-            </a:r>
-            <a:r>
-              <a:rPr lang="zh-CN" altLang="en-US" sz="2800" dirty="0" smtClean="0"/>
-              <a:t>兼容</a:t>
-            </a:r>
-            <a:r>
-              <a:rPr lang="en-US" altLang="zh-CN" sz="2800" dirty="0" err="1" smtClean="0"/>
-              <a:t>ie,chrome</a:t>
-            </a:r>
-            <a:r>
-              <a:rPr lang="en-US" altLang="zh-CN" sz="2800" dirty="0" smtClean="0"/>
-              <a:t> )</a:t>
-            </a:r>
-          </a:p>
-          <a:p>
-            <a:r>
-              <a:rPr lang="en-US" altLang="zh-CN" sz="2800" dirty="0"/>
-              <a:t>	</a:t>
-            </a:r>
-            <a:r>
-              <a:rPr lang="en-US" altLang="zh-CN" sz="2800" dirty="0" smtClean="0"/>
-              <a:t>	       </a:t>
-            </a:r>
-            <a:r>
-              <a:rPr lang="zh-CN" altLang="en-US" sz="2800" dirty="0" smtClean="0"/>
-              <a:t>（</a:t>
-            </a:r>
-            <a:r>
-              <a:rPr lang="en-US" altLang="zh-CN" sz="2800" dirty="0" smtClean="0"/>
-              <a:t>event</a:t>
-            </a:r>
-            <a:r>
-              <a:rPr lang="zh-CN" altLang="en-US" sz="2800" dirty="0" smtClean="0"/>
-              <a:t>兼容</a:t>
-            </a:r>
-            <a:r>
-              <a:rPr lang="en-US" altLang="zh-CN" sz="2800" dirty="0" smtClean="0"/>
-              <a:t>chrome</a:t>
-            </a:r>
-            <a:r>
-              <a:rPr lang="zh-CN" altLang="en-US" sz="2800" dirty="0" smtClean="0"/>
-              <a:t>和</a:t>
-            </a:r>
-            <a:r>
-              <a:rPr lang="en-US" altLang="zh-CN" sz="2800" dirty="0" err="1" smtClean="0"/>
-              <a:t>firefox</a:t>
-            </a:r>
-            <a:r>
-              <a:rPr lang="zh-CN" altLang="en-US" sz="2800" dirty="0" smtClean="0"/>
-              <a:t>）</a:t>
-            </a:r>
-            <a:endParaRPr lang="zh-CN" altLang="en-US" sz="2800" dirty="0"/>
-          </a:p>
-        </p:txBody>
-      </p:sp>
-      <p:sp>
-        <p:nvSpPr>
-          <p:cNvPr id="5" name="TextBox 4"/>
-          <p:cNvSpPr txBox="1"/>
-          <p:nvPr/>
-        </p:nvSpPr>
-        <p:spPr>
-          <a:xfrm>
-            <a:off x="635592" y="1988840"/>
-            <a:ext cx="6840760" cy="523220"/>
-          </a:xfrm>
-          <a:prstGeom prst="rect">
-            <a:avLst/>
-          </a:prstGeom>
-          <a:noFill/>
-        </p:spPr>
-        <p:txBody>
-          <a:bodyPr wrap="square" rtlCol="0">
-            <a:spAutoFit/>
-          </a:bodyPr>
-          <a:lstStyle/>
-          <a:p>
-            <a:r>
-              <a:rPr lang="zh-CN" altLang="en-US" sz="2800" dirty="0" smtClean="0"/>
-              <a:t>事件对象：</a:t>
-            </a:r>
-            <a:endParaRPr lang="zh-CN" altLang="en-US" sz="2800" dirty="0"/>
-          </a:p>
-        </p:txBody>
-      </p:sp>
-    </p:spTree>
-    <p:extLst>
-      <p:ext uri="{BB962C8B-B14F-4D97-AF65-F5344CB8AC3E}">
-        <p14:creationId xmlns:p14="http://schemas.microsoft.com/office/powerpoint/2010/main" val="1598533999"/>
-      </p:ext>
-    </p:extLst>
-  </p:cSld>
-  <p:clrMapOvr>
-    <a:masterClrMapping/>
-  </p:clrMapOvr>
-  <p:timing>
-    <p:tnLst>
-      <p:par>
-        <p:cTn id="1" dur="indefinite" restart="never" nodeType="tmRoot"/>
-      </p:par>
-    </p:tnLst>
   </p:timing>
 </p:sld>
 </file>
@@ -8350,7 +9657,7 @@
           <a:p>
             <a:r>
               <a:rPr lang="zh-CN" altLang="en-US" dirty="0" smtClean="0"/>
-              <a:t>冒泡</a:t>
+              <a:t>添加事件</a:t>
             </a:r>
             <a:endParaRPr lang="zh-CN" altLang="en-US" dirty="0"/>
           </a:p>
@@ -8366,16 +9673,9 @@
             <p:ph idx="1"/>
           </p:nvPr>
         </p:nvSpPr>
-        <p:spPr>
-          <a:xfrm>
-            <a:off x="457200" y="1600200"/>
-            <a:ext cx="8229600" cy="820688"/>
-          </a:xfrm>
-        </p:spPr>
+        <p:spPr/>
         <p:txBody>
-          <a:bodyPr>
-            <a:normAutofit fontScale="92500" lnSpcReduction="20000"/>
-          </a:bodyPr>
+          <a:bodyPr/>
           <a:lstStyle/>
           <a:p>
             <a:pPr marL="0" indent="0">
@@ -8383,21 +9683,11 @@
             </a:pPr>
             <a:r>
               <a:rPr lang="en-US" altLang="zh-CN" dirty="0" smtClean="0"/>
-              <a:t>What</a:t>
+              <a:t>1.</a:t>
             </a:r>
             <a:r>
               <a:rPr lang="zh-CN" altLang="en-US" dirty="0" smtClean="0"/>
-              <a:t>：子元素的事件会传到父元素身上</a:t>
-            </a:r>
-            <a:endParaRPr lang="en-US" altLang="zh-CN" dirty="0" smtClean="0"/>
-          </a:p>
-          <a:p>
-            <a:pPr marL="1828800" lvl="4" indent="0">
-              <a:buNone/>
-            </a:pPr>
-            <a:r>
-              <a:rPr lang="zh-CN" altLang="en-US" dirty="0" smtClean="0"/>
-              <a:t>（无论子元素在哪里）</a:t>
+              <a:t>行间事件</a:t>
             </a:r>
             <a:endParaRPr lang="en-US" altLang="zh-CN" dirty="0" smtClean="0"/>
           </a:p>
@@ -8405,124 +9695,80 @@
             <a:pPr marL="0" indent="0">
               <a:buNone/>
             </a:pPr>
-            <a:endParaRPr lang="zh-CN" altLang="en-US" dirty="0"/>
-          </a:p>
-        </p:txBody>
-      </p:sp>
-      <p:sp>
-        <p:nvSpPr>
-          <p:cNvPr id="4" name="TextBox 3"/>
-          <p:cNvSpPr txBox="1"/>
-          <p:nvPr/>
-        </p:nvSpPr>
-        <p:spPr>
-          <a:xfrm>
-            <a:off x="755576" y="3068960"/>
-            <a:ext cx="7560840" cy="584775"/>
-          </a:xfrm>
-          <a:prstGeom prst="rect">
-            <a:avLst/>
-          </a:prstGeom>
-          <a:noFill/>
-        </p:spPr>
-        <p:txBody>
-          <a:bodyPr wrap="square" rtlCol="0">
-            <a:spAutoFit/>
-          </a:bodyPr>
-          <a:lstStyle/>
-          <a:p>
-            <a:r>
-              <a:rPr lang="zh-CN" altLang="en-US" sz="3200" dirty="0" smtClean="0"/>
-              <a:t>怎么取消？</a:t>
-            </a:r>
-            <a:endParaRPr lang="zh-CN" altLang="en-US" sz="3200" dirty="0"/>
-          </a:p>
-        </p:txBody>
-      </p:sp>
-      <p:sp>
-        <p:nvSpPr>
-          <p:cNvPr id="5" name="TextBox 4"/>
-          <p:cNvSpPr txBox="1"/>
-          <p:nvPr/>
-        </p:nvSpPr>
-        <p:spPr>
-          <a:xfrm>
-            <a:off x="1259632" y="4077072"/>
-            <a:ext cx="7200800" cy="461665"/>
-          </a:xfrm>
-          <a:prstGeom prst="rect">
-            <a:avLst/>
-          </a:prstGeom>
-          <a:noFill/>
-        </p:spPr>
-        <p:txBody>
-          <a:bodyPr wrap="square" rtlCol="0">
-            <a:spAutoFit/>
-          </a:bodyPr>
-          <a:lstStyle/>
-          <a:p>
-            <a:r>
-              <a:rPr lang="en-US" altLang="zh-CN" sz="2400" dirty="0" err="1" smtClean="0"/>
-              <a:t>ev.cancelBubble</a:t>
-            </a:r>
-            <a:r>
-              <a:rPr lang="en-US" altLang="zh-CN" sz="2400" dirty="0" smtClean="0"/>
-              <a:t> = true</a:t>
-            </a:r>
-            <a:r>
-              <a:rPr lang="zh-CN" altLang="en-US" sz="2400" dirty="0" smtClean="0"/>
-              <a:t>；</a:t>
-            </a:r>
-            <a:endParaRPr lang="zh-CN" altLang="en-US" sz="2400" dirty="0"/>
-          </a:p>
-        </p:txBody>
-      </p:sp>
-      <p:sp>
-        <p:nvSpPr>
-          <p:cNvPr id="6" name="TextBox 5"/>
-          <p:cNvSpPr txBox="1"/>
-          <p:nvPr/>
-        </p:nvSpPr>
-        <p:spPr>
-          <a:xfrm>
-            <a:off x="1259632" y="4725144"/>
-            <a:ext cx="6048672" cy="461665"/>
-          </a:xfrm>
-          <a:prstGeom prst="rect">
-            <a:avLst/>
-          </a:prstGeom>
-          <a:noFill/>
-        </p:spPr>
-        <p:txBody>
-          <a:bodyPr wrap="square" rtlCol="0">
-            <a:spAutoFit/>
-          </a:bodyPr>
-          <a:lstStyle/>
-          <a:p>
-            <a:r>
-              <a:rPr lang="en-US" altLang="zh-CN" sz="2400" dirty="0" smtClean="0"/>
-              <a:t>return false</a:t>
-            </a:r>
-            <a:r>
-              <a:rPr lang="zh-CN" altLang="en-US" sz="2400" dirty="0" smtClean="0"/>
-              <a:t>；（</a:t>
-            </a:r>
-            <a:r>
-              <a:rPr lang="en-US" altLang="zh-CN" sz="2400" dirty="0" err="1" smtClean="0"/>
-              <a:t>jQuery</a:t>
-            </a:r>
-            <a:r>
-              <a:rPr lang="zh-CN" altLang="en-US" sz="2400" dirty="0" smtClean="0"/>
-              <a:t>）</a:t>
-            </a:r>
-            <a:endParaRPr lang="zh-CN" altLang="en-US" sz="2400" dirty="0"/>
+            <a:endParaRPr lang="en-US" altLang="zh-CN" dirty="0"/>
+          </a:p>
+          <a:p>
+            <a:pPr marL="0" indent="0">
+              <a:buNone/>
+            </a:pPr>
+            <a:r>
+              <a:rPr lang="en-US" altLang="zh-CN" dirty="0" smtClean="0"/>
+              <a:t>2.obj.on____ = function(){};</a:t>
+            </a:r>
+          </a:p>
+          <a:p>
+            <a:pPr marL="0" indent="0">
+              <a:buNone/>
+            </a:pPr>
+            <a:endParaRPr lang="en-US" altLang="zh-CN" dirty="0"/>
+          </a:p>
+          <a:p>
+            <a:pPr marL="0" indent="0">
+              <a:buNone/>
+            </a:pPr>
+            <a:r>
+              <a:rPr lang="en-US" altLang="zh-CN" dirty="0"/>
+              <a:t>3. </a:t>
+            </a:r>
+            <a:r>
+              <a:rPr lang="en-US" altLang="zh-CN" dirty="0" err="1" smtClean="0"/>
+              <a:t>obj.addEventListener</a:t>
+            </a:r>
+            <a:r>
+              <a:rPr lang="en-US" altLang="zh-CN" dirty="0" smtClean="0"/>
+              <a:t>(</a:t>
+            </a:r>
+            <a:r>
+              <a:rPr lang="en-US" altLang="zh-CN" dirty="0" err="1" smtClean="0"/>
+              <a:t>sEv,fn,false</a:t>
+            </a:r>
+            <a:r>
+              <a:rPr lang="en-US" altLang="zh-CN" dirty="0" smtClean="0"/>
+              <a:t>); ()</a:t>
+            </a:r>
+          </a:p>
+          <a:p>
+            <a:pPr marL="0" indent="0">
+              <a:buNone/>
+            </a:pPr>
+            <a:r>
+              <a:rPr lang="en-US" altLang="zh-CN" dirty="0"/>
+              <a:t>    </a:t>
+            </a:r>
+            <a:r>
+              <a:rPr lang="en-US" altLang="zh-CN" dirty="0" err="1"/>
+              <a:t>obj.attachEvent</a:t>
+            </a:r>
+            <a:r>
+              <a:rPr lang="en-US" altLang="zh-CN" dirty="0"/>
+              <a:t>("on"+</a:t>
+            </a:r>
+            <a:r>
+              <a:rPr lang="en-US" altLang="zh-CN" dirty="0" err="1"/>
+              <a:t>sEv,fn</a:t>
+            </a:r>
+            <a:r>
+              <a:rPr lang="en-US" altLang="zh-CN" dirty="0"/>
+              <a:t>);</a:t>
+            </a:r>
+            <a:endParaRPr lang="en-US" altLang="zh-CN" dirty="0" smtClean="0"/>
           </a:p>
         </p:txBody>
       </p:sp>
     </p:spTree>
     <p:extLst>
       <p:ext uri="{BB962C8B-B14F-4D97-AF65-F5344CB8AC3E}">
-        <p14:creationId xmlns:p14="http://schemas.microsoft.com/office/powerpoint/2010/main" val="3398067347"/>
+        <p14:creationId xmlns:p14="http://schemas.microsoft.com/office/powerpoint/2010/main" val="909963430"/>
       </p:ext>
     </p:extLst>
   </p:cSld>
@@ -8566,6 +9812,1250 @@
           <a:p>
             <a:r>
               <a:rPr lang="zh-CN" altLang="en-US" dirty="0"/>
+              <a:t>删除事件</a:t>
+            </a:r>
+          </a:p>
+        </p:txBody>
+      </p:sp>
+      <p:sp>
+        <p:nvSpPr>
+          <p:cNvPr id="3" name="内容占位符 2"/>
+          <p:cNvSpPr>
+            <a:spLocks noGrp="1"/>
+          </p:cNvSpPr>
+          <p:nvPr>
+            <p:ph idx="1"/>
+          </p:nvPr>
+        </p:nvSpPr>
+        <p:spPr/>
+        <p:txBody>
+          <a:bodyPr/>
+          <a:lstStyle/>
+          <a:p>
+            <a:pPr marL="0" indent="0">
+              <a:buNone/>
+            </a:pPr>
+            <a:r>
+              <a:rPr lang="en-US" altLang="zh-CN" dirty="0" smtClean="0"/>
+              <a:t>1.</a:t>
+            </a:r>
+            <a:r>
+              <a:rPr lang="zh-CN" altLang="en-US" dirty="0" smtClean="0"/>
+              <a:t>行间的直接删</a:t>
+            </a:r>
+            <a:endParaRPr lang="en-US" altLang="zh-CN" dirty="0" smtClean="0"/>
+          </a:p>
+          <a:p>
+            <a:pPr marL="0" indent="0">
+              <a:buNone/>
+            </a:pPr>
+            <a:endParaRPr lang="en-US" altLang="zh-CN" dirty="0"/>
+          </a:p>
+          <a:p>
+            <a:pPr marL="0" indent="0">
+              <a:buNone/>
+            </a:pPr>
+            <a:r>
+              <a:rPr lang="en-US" altLang="zh-CN" dirty="0" smtClean="0"/>
+              <a:t>2.obj.on____ = null</a:t>
+            </a:r>
+            <a:r>
+              <a:rPr lang="zh-CN" altLang="en-US" dirty="0" smtClean="0"/>
+              <a:t>；</a:t>
+            </a:r>
+            <a:endParaRPr lang="en-US" altLang="zh-CN" dirty="0" smtClean="0"/>
+          </a:p>
+          <a:p>
+            <a:pPr marL="0" indent="0">
+              <a:buNone/>
+            </a:pPr>
+            <a:endParaRPr lang="en-US" altLang="zh-CN" dirty="0"/>
+          </a:p>
+          <a:p>
+            <a:pPr marL="0" indent="0">
+              <a:buNone/>
+            </a:pPr>
+            <a:r>
+              <a:rPr lang="en-US" altLang="zh-CN" dirty="0" smtClean="0"/>
+              <a:t>3.obj.removeEventListerner(</a:t>
+            </a:r>
+            <a:r>
+              <a:rPr lang="en-US" altLang="zh-CN" dirty="0" err="1" smtClean="0"/>
+              <a:t>sEv,fn,false</a:t>
+            </a:r>
+            <a:r>
+              <a:rPr lang="en-US" altLang="zh-CN" dirty="0" smtClean="0"/>
+              <a:t>);</a:t>
+            </a:r>
+          </a:p>
+          <a:p>
+            <a:pPr marL="0" indent="0">
+              <a:buNone/>
+            </a:pPr>
+            <a:r>
+              <a:rPr lang="en-US" altLang="zh-CN" dirty="0" smtClean="0"/>
+              <a:t>   </a:t>
+            </a:r>
+            <a:r>
+              <a:rPr lang="en-US" altLang="zh-CN" dirty="0" err="1" smtClean="0"/>
+              <a:t>obj.detachEvent</a:t>
+            </a:r>
+            <a:r>
+              <a:rPr lang="en-US" altLang="zh-CN" dirty="0" smtClean="0"/>
+              <a:t>(“on”+</a:t>
+            </a:r>
+            <a:r>
+              <a:rPr lang="en-US" altLang="zh-CN" dirty="0" err="1" smtClean="0"/>
+              <a:t>sEv,fn</a:t>
+            </a:r>
+            <a:r>
+              <a:rPr lang="en-US" altLang="zh-CN" dirty="0" smtClean="0"/>
+              <a:t>);</a:t>
+            </a:r>
+            <a:endParaRPr lang="zh-CN" altLang="en-US" dirty="0"/>
+          </a:p>
+        </p:txBody>
+      </p:sp>
+    </p:spTree>
+    <p:extLst>
+      <p:ext uri="{BB962C8B-B14F-4D97-AF65-F5344CB8AC3E}">
+        <p14:creationId xmlns:p14="http://schemas.microsoft.com/office/powerpoint/2010/main" val="2688489566"/>
+      </p:ext>
+    </p:extLst>
+  </p:cSld>
+  <p:clrMapOvr>
+    <a:masterClrMapping/>
+  </p:clrMapOvr>
+</p:sld>
+</file>
+
+<file path=ppt/slides/slide18.xml><?xml version="1.0" encoding="utf-8"?>
+<p:sld xmlns:a="http://schemas.openxmlformats.org/drawingml/2006/main" xmlns:r="http://schemas.openxmlformats.org/officeDocument/2006/relationships" xmlns:p="http://schemas.openxmlformats.org/presentationml/2006/main">
+  <p:cSld>
+    <p:spTree>
+      <p:nvGrpSpPr>
+        <p:cNvPr id="1" name=""/>
+        <p:cNvGrpSpPr/>
+        <p:nvPr/>
+      </p:nvGrpSpPr>
+      <p:grpSpPr>
+        <a:xfrm>
+          <a:off x="0" y="0"/>
+          <a:ext cx="0" cy="0"/>
+          <a:chOff x="0" y="0"/>
+          <a:chExt cx="0" cy="0"/>
+        </a:xfrm>
+      </p:grpSpPr>
+      <p:sp>
+        <p:nvSpPr>
+          <p:cNvPr id="2" name="标题 1"/>
+          <p:cNvSpPr>
+            <a:spLocks noGrp="1"/>
+          </p:cNvSpPr>
+          <p:nvPr>
+            <p:ph type="title"/>
+          </p:nvPr>
+        </p:nvSpPr>
+        <p:spPr/>
+        <p:txBody>
+          <a:bodyPr/>
+          <a:lstStyle/>
+          <a:p>
+            <a:r>
+              <a:rPr lang="zh-CN" altLang="en-US" dirty="0"/>
+              <a:t>鼠</a:t>
+            </a:r>
+            <a:r>
+              <a:rPr lang="zh-CN" altLang="en-US" dirty="0" smtClean="0"/>
+              <a:t>标点击和移动端的点击</a:t>
+            </a:r>
+            <a:endParaRPr lang="zh-CN" altLang="en-US" dirty="0"/>
+          </a:p>
+        </p:txBody>
+      </p:sp>
+      <p:pic>
+        <p:nvPicPr>
+          <p:cNvPr id="4098" name="Picture 2"/>
+          <p:cNvPicPr>
+            <a:picLocks noGrp="1" noChangeAspect="1" noChangeArrowheads="1"/>
+          </p:cNvPicPr>
+          <p:nvPr>
+            <p:ph idx="1"/>
+          </p:nvPr>
+        </p:nvPicPr>
+        <p:blipFill>
+          <a:blip r:embed="rId2">
+            <a:extLst>
+              <a:ext uri="{28A0092B-C50C-407E-A947-70E740481C1C}">
+                <a14:useLocalDpi xmlns:a14="http://schemas.microsoft.com/office/drawing/2010/main" val="0"/>
+              </a:ext>
+            </a:extLst>
+          </a:blip>
+          <a:srcRect/>
+          <a:stretch>
+            <a:fillRect/>
+          </a:stretch>
+        </p:blipFill>
+        <p:spPr bwMode="auto">
+          <a:xfrm>
+            <a:off x="440438" y="1556792"/>
+            <a:ext cx="8476800" cy="4896544"/>
+          </a:xfrm>
+          <a:prstGeom prst="rect">
+            <a:avLst/>
+          </a:prstGeom>
+          <a:noFill/>
+          <a:ln>
+            <a:noFill/>
+          </a:ln>
+          <a:effectLst/>
+          <a:extLst>
+            <a:ext uri="{909E8E84-426E-40DD-AFC4-6F175D3DCCD1}">
+              <a14:hiddenFill xmlns:a14="http://schemas.microsoft.com/office/drawing/2010/main">
+                <a:solidFill>
+                  <a:schemeClr val="accent1"/>
+                </a:solidFill>
+              </a14:hiddenFill>
+            </a:ext>
+            <a:ext uri="{91240B29-F687-4F45-9708-019B960494DF}">
+              <a14:hiddenLine xmlns:a14="http://schemas.microsoft.com/office/drawing/2010/main" w="9525">
+                <a:solidFill>
+                  <a:schemeClr val="tx1"/>
+                </a:solidFill>
+                <a:miter lim="800000"/>
+                <a:headEnd/>
+                <a:tailEnd/>
+              </a14:hiddenLine>
+            </a:ext>
+            <a:ext uri="{AF507438-7753-43E0-B8FC-AC1667EBCBE1}">
+              <a14:hiddenEffects xmlns:a14="http://schemas.microsoft.com/office/drawing/2010/main">
+                <a:effectLst>
+                  <a:outerShdw dist="35921" dir="2700000" algn="ctr" rotWithShape="0">
+                    <a:schemeClr val="bg2"/>
+                  </a:outerShdw>
+                </a:effectLst>
+              </a14:hiddenEffects>
+            </a:ext>
+          </a:extLst>
+        </p:spPr>
+      </p:pic>
+    </p:spTree>
+    <p:extLst>
+      <p:ext uri="{BB962C8B-B14F-4D97-AF65-F5344CB8AC3E}">
+        <p14:creationId xmlns:p14="http://schemas.microsoft.com/office/powerpoint/2010/main" val="2911641643"/>
+      </p:ext>
+    </p:extLst>
+  </p:cSld>
+  <p:clrMapOvr>
+    <a:masterClrMapping/>
+  </p:clrMapOvr>
+  <p:timing>
+    <p:tnLst>
+      <p:par>
+        <p:cTn id="1" dur="indefinite" restart="never" nodeType="tmRoot"/>
+      </p:par>
+    </p:tnLst>
+  </p:timing>
+</p:sld>
+</file>
+
+<file path=ppt/slides/slide19.xml><?xml version="1.0" encoding="utf-8"?>
+<p:sld xmlns:a="http://schemas.openxmlformats.org/drawingml/2006/main" xmlns:r="http://schemas.openxmlformats.org/officeDocument/2006/relationships" xmlns:p="http://schemas.openxmlformats.org/presentationml/2006/main">
+  <p:cSld>
+    <p:spTree>
+      <p:nvGrpSpPr>
+        <p:cNvPr id="1" name=""/>
+        <p:cNvGrpSpPr/>
+        <p:nvPr/>
+      </p:nvGrpSpPr>
+      <p:grpSpPr>
+        <a:xfrm>
+          <a:off x="0" y="0"/>
+          <a:ext cx="0" cy="0"/>
+          <a:chOff x="0" y="0"/>
+          <a:chExt cx="0" cy="0"/>
+        </a:xfrm>
+      </p:grpSpPr>
+      <p:sp>
+        <p:nvSpPr>
+          <p:cNvPr id="2" name="标题 1"/>
+          <p:cNvSpPr>
+            <a:spLocks noGrp="1"/>
+          </p:cNvSpPr>
+          <p:nvPr>
+            <p:ph type="title"/>
+          </p:nvPr>
+        </p:nvSpPr>
+        <p:spPr/>
+        <p:txBody>
+          <a:bodyPr/>
+          <a:lstStyle/>
+          <a:p>
+            <a:r>
+              <a:rPr lang="en-US" altLang="zh-CN" dirty="0" smtClean="0"/>
+              <a:t>Event</a:t>
+            </a:r>
+            <a:endParaRPr lang="zh-CN" altLang="en-US" dirty="0"/>
+          </a:p>
+        </p:txBody>
+      </p:sp>
+      <p:sp>
+        <p:nvSpPr>
+          <p:cNvPr id="3" name="内容占位符 2"/>
+          <p:cNvSpPr>
+            <a:spLocks noGrp="1"/>
+          </p:cNvSpPr>
+          <p:nvPr>
+            <p:ph idx="1"/>
+          </p:nvPr>
+        </p:nvSpPr>
+        <p:spPr>
+          <a:xfrm>
+            <a:off x="323528" y="2708920"/>
+            <a:ext cx="8229600" cy="604664"/>
+          </a:xfrm>
+        </p:spPr>
+        <p:txBody>
+          <a:bodyPr/>
+          <a:lstStyle/>
+          <a:p>
+            <a:pPr marL="0" indent="0" algn="ctr">
+              <a:buNone/>
+            </a:pPr>
+            <a:r>
+              <a:rPr lang="zh-CN" altLang="en-US" dirty="0" smtClean="0"/>
+              <a:t>储存事件的详情信息</a:t>
+            </a:r>
+            <a:endParaRPr lang="en-US" altLang="zh-CN" dirty="0" smtClean="0"/>
+          </a:p>
+          <a:p>
+            <a:pPr marL="0" indent="0">
+              <a:buNone/>
+            </a:pPr>
+            <a:endParaRPr lang="zh-CN" altLang="en-US" dirty="0"/>
+          </a:p>
+        </p:txBody>
+      </p:sp>
+      <p:sp>
+        <p:nvSpPr>
+          <p:cNvPr id="4" name="TextBox 3"/>
+          <p:cNvSpPr txBox="1"/>
+          <p:nvPr/>
+        </p:nvSpPr>
+        <p:spPr>
+          <a:xfrm>
+            <a:off x="635592" y="3717032"/>
+            <a:ext cx="7848872" cy="954107"/>
+          </a:xfrm>
+          <a:prstGeom prst="rect">
+            <a:avLst/>
+          </a:prstGeom>
+          <a:noFill/>
+        </p:spPr>
+        <p:txBody>
+          <a:bodyPr wrap="square" rtlCol="0">
+            <a:spAutoFit/>
+          </a:bodyPr>
+          <a:lstStyle/>
+          <a:p>
+            <a:r>
+              <a:rPr lang="en-US" altLang="zh-CN" sz="2800" dirty="0" smtClean="0"/>
+              <a:t> </a:t>
+            </a:r>
+            <a:r>
+              <a:rPr lang="en-US" altLang="zh-CN" sz="2800" dirty="0" err="1" smtClean="0"/>
+              <a:t>ev</a:t>
+            </a:r>
+            <a:r>
+              <a:rPr lang="en-US" altLang="zh-CN" sz="2800" dirty="0" smtClean="0"/>
+              <a:t> || event          (</a:t>
+            </a:r>
+            <a:r>
+              <a:rPr lang="en-US" altLang="zh-CN" sz="2800" dirty="0" err="1" smtClean="0"/>
+              <a:t>ev</a:t>
+            </a:r>
+            <a:r>
+              <a:rPr lang="zh-CN" altLang="en-US" sz="2800" dirty="0" smtClean="0"/>
+              <a:t>兼容</a:t>
+            </a:r>
+            <a:r>
+              <a:rPr lang="en-US" altLang="zh-CN" sz="2800" dirty="0" err="1" smtClean="0"/>
+              <a:t>ie,chrome</a:t>
+            </a:r>
+            <a:r>
+              <a:rPr lang="en-US" altLang="zh-CN" sz="2800" dirty="0" smtClean="0"/>
+              <a:t> )</a:t>
+            </a:r>
+          </a:p>
+          <a:p>
+            <a:r>
+              <a:rPr lang="en-US" altLang="zh-CN" sz="2800" dirty="0"/>
+              <a:t>	</a:t>
+            </a:r>
+            <a:r>
+              <a:rPr lang="en-US" altLang="zh-CN" sz="2800" dirty="0" smtClean="0"/>
+              <a:t>	       </a:t>
+            </a:r>
+            <a:r>
+              <a:rPr lang="zh-CN" altLang="en-US" sz="2800" dirty="0" smtClean="0"/>
+              <a:t>（</a:t>
+            </a:r>
+            <a:r>
+              <a:rPr lang="en-US" altLang="zh-CN" sz="2800" dirty="0" smtClean="0"/>
+              <a:t>event</a:t>
+            </a:r>
+            <a:r>
+              <a:rPr lang="zh-CN" altLang="en-US" sz="2800" dirty="0" smtClean="0"/>
+              <a:t>兼容</a:t>
+            </a:r>
+            <a:r>
+              <a:rPr lang="en-US" altLang="zh-CN" sz="2800" dirty="0" smtClean="0"/>
+              <a:t>chrome</a:t>
+            </a:r>
+            <a:r>
+              <a:rPr lang="zh-CN" altLang="en-US" sz="2800" dirty="0" smtClean="0"/>
+              <a:t>和</a:t>
+            </a:r>
+            <a:r>
+              <a:rPr lang="en-US" altLang="zh-CN" sz="2800" dirty="0" err="1" smtClean="0"/>
+              <a:t>firefox</a:t>
+            </a:r>
+            <a:r>
+              <a:rPr lang="zh-CN" altLang="en-US" sz="2800" dirty="0" smtClean="0"/>
+              <a:t>）</a:t>
+            </a:r>
+            <a:endParaRPr lang="zh-CN" altLang="en-US" sz="2800" dirty="0"/>
+          </a:p>
+        </p:txBody>
+      </p:sp>
+      <p:sp>
+        <p:nvSpPr>
+          <p:cNvPr id="5" name="TextBox 4"/>
+          <p:cNvSpPr txBox="1"/>
+          <p:nvPr/>
+        </p:nvSpPr>
+        <p:spPr>
+          <a:xfrm>
+            <a:off x="635592" y="1988840"/>
+            <a:ext cx="6840760" cy="523220"/>
+          </a:xfrm>
+          <a:prstGeom prst="rect">
+            <a:avLst/>
+          </a:prstGeom>
+          <a:noFill/>
+        </p:spPr>
+        <p:txBody>
+          <a:bodyPr wrap="square" rtlCol="0">
+            <a:spAutoFit/>
+          </a:bodyPr>
+          <a:lstStyle/>
+          <a:p>
+            <a:r>
+              <a:rPr lang="zh-CN" altLang="en-US" sz="2800" dirty="0" smtClean="0"/>
+              <a:t>事件对象：</a:t>
+            </a:r>
+            <a:endParaRPr lang="zh-CN" altLang="en-US" sz="2800" dirty="0"/>
+          </a:p>
+        </p:txBody>
+      </p:sp>
+    </p:spTree>
+    <p:extLst>
+      <p:ext uri="{BB962C8B-B14F-4D97-AF65-F5344CB8AC3E}">
+        <p14:creationId xmlns:p14="http://schemas.microsoft.com/office/powerpoint/2010/main" val="1598533999"/>
+      </p:ext>
+    </p:extLst>
+  </p:cSld>
+  <p:clrMapOvr>
+    <a:masterClrMapping/>
+  </p:clrMapOvr>
+  <p:timing>
+    <p:tnLst>
+      <p:par>
+        <p:cTn id="1" dur="indefinite" restart="never" nodeType="tmRoot"/>
+      </p:par>
+    </p:tnLst>
+  </p:timing>
+</p:sld>
+</file>
+
+<file path=ppt/slides/slide2.xml><?xml version="1.0" encoding="utf-8"?>
+<p:sld xmlns:a="http://schemas.openxmlformats.org/drawingml/2006/main" xmlns:r="http://schemas.openxmlformats.org/officeDocument/2006/relationships" xmlns:p="http://schemas.openxmlformats.org/presentationml/2006/main">
+  <p:cSld>
+    <p:spTree>
+      <p:nvGrpSpPr>
+        <p:cNvPr id="1" name=""/>
+        <p:cNvGrpSpPr/>
+        <p:nvPr/>
+      </p:nvGrpSpPr>
+      <p:grpSpPr>
+        <a:xfrm>
+          <a:off x="0" y="0"/>
+          <a:ext cx="0" cy="0"/>
+          <a:chOff x="0" y="0"/>
+          <a:chExt cx="0" cy="0"/>
+        </a:xfrm>
+      </p:grpSpPr>
+      <p:sp>
+        <p:nvSpPr>
+          <p:cNvPr id="2" name="标题 1"/>
+          <p:cNvSpPr>
+            <a:spLocks noGrp="1"/>
+          </p:cNvSpPr>
+          <p:nvPr>
+            <p:ph type="title"/>
+          </p:nvPr>
+        </p:nvSpPr>
+        <p:spPr/>
+        <p:txBody>
+          <a:bodyPr>
+            <a:normAutofit/>
+          </a:bodyPr>
+          <a:lstStyle/>
+          <a:p>
+            <a:r>
+              <a:rPr lang="en-US" altLang="zh-CN" sz="3200" dirty="0" smtClean="0"/>
+              <a:t>Yahoo</a:t>
+            </a:r>
+            <a:r>
+              <a:rPr lang="zh-CN" altLang="en-US" sz="3200" dirty="0" smtClean="0"/>
+              <a:t>！（</a:t>
+            </a:r>
+            <a:r>
+              <a:rPr lang="en-US" altLang="zh-CN" sz="3200" dirty="0" smtClean="0"/>
+              <a:t>1996</a:t>
+            </a:r>
+            <a:r>
+              <a:rPr lang="zh-CN" altLang="en-US" sz="3200" dirty="0" smtClean="0"/>
+              <a:t>）</a:t>
+            </a:r>
+            <a:endParaRPr lang="zh-CN" altLang="en-US" sz="3200" dirty="0"/>
+          </a:p>
+        </p:txBody>
+      </p:sp>
+      <p:sp>
+        <p:nvSpPr>
+          <p:cNvPr id="3" name="内容占位符 2"/>
+          <p:cNvSpPr>
+            <a:spLocks noGrp="1"/>
+          </p:cNvSpPr>
+          <p:nvPr>
+            <p:ph idx="1"/>
+          </p:nvPr>
+        </p:nvSpPr>
+        <p:spPr/>
+        <p:txBody>
+          <a:bodyPr/>
+          <a:lstStyle/>
+          <a:p>
+            <a:endParaRPr lang="zh-CN" altLang="en-US" dirty="0"/>
+          </a:p>
+        </p:txBody>
+      </p:sp>
+      <p:pic>
+        <p:nvPicPr>
+          <p:cNvPr id="2050" name="Picture 2"/>
+          <p:cNvPicPr>
+            <a:picLocks noChangeAspect="1" noChangeArrowheads="1"/>
+          </p:cNvPicPr>
+          <p:nvPr/>
+        </p:nvPicPr>
+        <p:blipFill>
+          <a:blip r:embed="rId2">
+            <a:extLst>
+              <a:ext uri="{28A0092B-C50C-407E-A947-70E740481C1C}">
+                <a14:useLocalDpi xmlns:a14="http://schemas.microsoft.com/office/drawing/2010/main" val="0"/>
+              </a:ext>
+            </a:extLst>
+          </a:blip>
+          <a:srcRect/>
+          <a:stretch>
+            <a:fillRect/>
+          </a:stretch>
+        </p:blipFill>
+        <p:spPr bwMode="auto">
+          <a:xfrm>
+            <a:off x="395536" y="1268760"/>
+            <a:ext cx="8352928" cy="5040560"/>
+          </a:xfrm>
+          <a:prstGeom prst="rect">
+            <a:avLst/>
+          </a:prstGeom>
+          <a:noFill/>
+          <a:ln>
+            <a:noFill/>
+          </a:ln>
+          <a:effectLst/>
+          <a:extLst>
+            <a:ext uri="{909E8E84-426E-40DD-AFC4-6F175D3DCCD1}">
+              <a14:hiddenFill xmlns:a14="http://schemas.microsoft.com/office/drawing/2010/main">
+                <a:solidFill>
+                  <a:schemeClr val="accent1"/>
+                </a:solidFill>
+              </a14:hiddenFill>
+            </a:ext>
+            <a:ext uri="{91240B29-F687-4F45-9708-019B960494DF}">
+              <a14:hiddenLine xmlns:a14="http://schemas.microsoft.com/office/drawing/2010/main" w="9525">
+                <a:solidFill>
+                  <a:schemeClr val="tx1"/>
+                </a:solidFill>
+                <a:miter lim="800000"/>
+                <a:headEnd/>
+                <a:tailEnd/>
+              </a14:hiddenLine>
+            </a:ext>
+            <a:ext uri="{AF507438-7753-43E0-B8FC-AC1667EBCBE1}">
+              <a14:hiddenEffects xmlns:a14="http://schemas.microsoft.com/office/drawing/2010/main">
+                <a:effectLst>
+                  <a:outerShdw dist="35921" dir="2700000" algn="ctr" rotWithShape="0">
+                    <a:schemeClr val="bg2"/>
+                  </a:outerShdw>
+                </a:effectLst>
+              </a14:hiddenEffects>
+            </a:ext>
+          </a:extLst>
+        </p:spPr>
+      </p:pic>
+    </p:spTree>
+    <p:extLst>
+      <p:ext uri="{BB962C8B-B14F-4D97-AF65-F5344CB8AC3E}">
+        <p14:creationId xmlns:p14="http://schemas.microsoft.com/office/powerpoint/2010/main" val="3767552766"/>
+      </p:ext>
+    </p:extLst>
+  </p:cSld>
+  <p:clrMapOvr>
+    <a:masterClrMapping/>
+  </p:clrMapOvr>
+</p:sld>
+</file>
+
+<file path=ppt/slides/slide20.xml><?xml version="1.0" encoding="utf-8"?>
+<p:sld xmlns:a="http://schemas.openxmlformats.org/drawingml/2006/main" xmlns:r="http://schemas.openxmlformats.org/officeDocument/2006/relationships" xmlns:p="http://schemas.openxmlformats.org/presentationml/2006/main">
+  <p:cSld>
+    <p:spTree>
+      <p:nvGrpSpPr>
+        <p:cNvPr id="1" name=""/>
+        <p:cNvGrpSpPr/>
+        <p:nvPr/>
+      </p:nvGrpSpPr>
+      <p:grpSpPr>
+        <a:xfrm>
+          <a:off x="0" y="0"/>
+          <a:ext cx="0" cy="0"/>
+          <a:chOff x="0" y="0"/>
+          <a:chExt cx="0" cy="0"/>
+        </a:xfrm>
+      </p:grpSpPr>
+      <p:sp>
+        <p:nvSpPr>
+          <p:cNvPr id="2" name="标题 1"/>
+          <p:cNvSpPr>
+            <a:spLocks noGrp="1"/>
+          </p:cNvSpPr>
+          <p:nvPr>
+            <p:ph type="title"/>
+          </p:nvPr>
+        </p:nvSpPr>
+        <p:spPr>
+          <a:xfrm>
+            <a:off x="493204" y="116632"/>
+            <a:ext cx="8229600" cy="1143000"/>
+          </a:xfrm>
+        </p:spPr>
+        <p:txBody>
+          <a:bodyPr/>
+          <a:lstStyle/>
+          <a:p>
+            <a:r>
+              <a:rPr lang="en-US" altLang="zh-CN" dirty="0" smtClean="0"/>
+              <a:t>Event</a:t>
+            </a:r>
+            <a:r>
+              <a:rPr lang="zh-CN" altLang="en-US" dirty="0" smtClean="0"/>
+              <a:t>的一些属性</a:t>
+            </a:r>
+            <a:endParaRPr lang="zh-CN" altLang="en-US" dirty="0"/>
+          </a:p>
+        </p:txBody>
+      </p:sp>
+      <p:pic>
+        <p:nvPicPr>
+          <p:cNvPr id="5122" name="Picture 2"/>
+          <p:cNvPicPr>
+            <a:picLocks noGrp="1" noChangeAspect="1" noChangeArrowheads="1"/>
+          </p:cNvPicPr>
+          <p:nvPr>
+            <p:ph idx="1"/>
+          </p:nvPr>
+        </p:nvPicPr>
+        <p:blipFill>
+          <a:blip r:embed="rId2">
+            <a:extLst>
+              <a:ext uri="{28A0092B-C50C-407E-A947-70E740481C1C}">
+                <a14:useLocalDpi xmlns:a14="http://schemas.microsoft.com/office/drawing/2010/main" val="0"/>
+              </a:ext>
+            </a:extLst>
+          </a:blip>
+          <a:srcRect/>
+          <a:stretch>
+            <a:fillRect/>
+          </a:stretch>
+        </p:blipFill>
+        <p:spPr bwMode="auto">
+          <a:xfrm>
+            <a:off x="611560" y="980728"/>
+            <a:ext cx="8136904" cy="3312368"/>
+          </a:xfrm>
+          <a:prstGeom prst="rect">
+            <a:avLst/>
+          </a:prstGeom>
+          <a:noFill/>
+          <a:ln>
+            <a:noFill/>
+          </a:ln>
+          <a:effectLst/>
+          <a:extLst>
+            <a:ext uri="{909E8E84-426E-40DD-AFC4-6F175D3DCCD1}">
+              <a14:hiddenFill xmlns:a14="http://schemas.microsoft.com/office/drawing/2010/main">
+                <a:solidFill>
+                  <a:schemeClr val="accent1"/>
+                </a:solidFill>
+              </a14:hiddenFill>
+            </a:ext>
+            <a:ext uri="{91240B29-F687-4F45-9708-019B960494DF}">
+              <a14:hiddenLine xmlns:a14="http://schemas.microsoft.com/office/drawing/2010/main" w="9525">
+                <a:solidFill>
+                  <a:schemeClr val="tx1"/>
+                </a:solidFill>
+                <a:miter lim="800000"/>
+                <a:headEnd/>
+                <a:tailEnd/>
+              </a14:hiddenLine>
+            </a:ext>
+            <a:ext uri="{AF507438-7753-43E0-B8FC-AC1667EBCBE1}">
+              <a14:hiddenEffects xmlns:a14="http://schemas.microsoft.com/office/drawing/2010/main">
+                <a:effectLst>
+                  <a:outerShdw dist="35921" dir="2700000" algn="ctr" rotWithShape="0">
+                    <a:schemeClr val="bg2"/>
+                  </a:outerShdw>
+                </a:effectLst>
+              </a14:hiddenEffects>
+            </a:ext>
+          </a:extLst>
+        </p:spPr>
+      </p:pic>
+      <p:pic>
+        <p:nvPicPr>
+          <p:cNvPr id="5123" name="Picture 3"/>
+          <p:cNvPicPr>
+            <a:picLocks noChangeAspect="1" noChangeArrowheads="1"/>
+          </p:cNvPicPr>
+          <p:nvPr/>
+        </p:nvPicPr>
+        <p:blipFill>
+          <a:blip r:embed="rId3">
+            <a:extLst>
+              <a:ext uri="{28A0092B-C50C-407E-A947-70E740481C1C}">
+                <a14:useLocalDpi xmlns:a14="http://schemas.microsoft.com/office/drawing/2010/main" val="0"/>
+              </a:ext>
+            </a:extLst>
+          </a:blip>
+          <a:srcRect/>
+          <a:stretch>
+            <a:fillRect/>
+          </a:stretch>
+        </p:blipFill>
+        <p:spPr bwMode="auto">
+          <a:xfrm>
+            <a:off x="611560" y="4149080"/>
+            <a:ext cx="7992888" cy="2520280"/>
+          </a:xfrm>
+          <a:prstGeom prst="rect">
+            <a:avLst/>
+          </a:prstGeom>
+          <a:noFill/>
+          <a:ln>
+            <a:noFill/>
+          </a:ln>
+          <a:effectLst/>
+          <a:extLst>
+            <a:ext uri="{909E8E84-426E-40DD-AFC4-6F175D3DCCD1}">
+              <a14:hiddenFill xmlns:a14="http://schemas.microsoft.com/office/drawing/2010/main">
+                <a:solidFill>
+                  <a:schemeClr val="accent1"/>
+                </a:solidFill>
+              </a14:hiddenFill>
+            </a:ext>
+            <a:ext uri="{91240B29-F687-4F45-9708-019B960494DF}">
+              <a14:hiddenLine xmlns:a14="http://schemas.microsoft.com/office/drawing/2010/main" w="9525">
+                <a:solidFill>
+                  <a:schemeClr val="tx1"/>
+                </a:solidFill>
+                <a:miter lim="800000"/>
+                <a:headEnd/>
+                <a:tailEnd/>
+              </a14:hiddenLine>
+            </a:ext>
+            <a:ext uri="{AF507438-7753-43E0-B8FC-AC1667EBCBE1}">
+              <a14:hiddenEffects xmlns:a14="http://schemas.microsoft.com/office/drawing/2010/main">
+                <a:effectLst>
+                  <a:outerShdw dist="35921" dir="2700000" algn="ctr" rotWithShape="0">
+                    <a:schemeClr val="bg2"/>
+                  </a:outerShdw>
+                </a:effectLst>
+              </a14:hiddenEffects>
+            </a:ext>
+          </a:extLst>
+        </p:spPr>
+      </p:pic>
+    </p:spTree>
+    <p:extLst>
+      <p:ext uri="{BB962C8B-B14F-4D97-AF65-F5344CB8AC3E}">
+        <p14:creationId xmlns:p14="http://schemas.microsoft.com/office/powerpoint/2010/main" val="586927989"/>
+      </p:ext>
+    </p:extLst>
+  </p:cSld>
+  <p:clrMapOvr>
+    <a:masterClrMapping/>
+  </p:clrMapOvr>
+  <p:timing>
+    <p:tnLst>
+      <p:par>
+        <p:cTn id="1" dur="indefinite" restart="never" nodeType="tmRoot"/>
+      </p:par>
+    </p:tnLst>
+  </p:timing>
+</p:sld>
+</file>
+
+<file path=ppt/slides/slide21.xml><?xml version="1.0" encoding="utf-8"?>
+<p:sld xmlns:a="http://schemas.openxmlformats.org/drawingml/2006/main" xmlns:r="http://schemas.openxmlformats.org/officeDocument/2006/relationships" xmlns:p="http://schemas.openxmlformats.org/presentationml/2006/main">
+  <p:cSld>
+    <p:spTree>
+      <p:nvGrpSpPr>
+        <p:cNvPr id="1" name=""/>
+        <p:cNvGrpSpPr/>
+        <p:nvPr/>
+      </p:nvGrpSpPr>
+      <p:grpSpPr>
+        <a:xfrm>
+          <a:off x="0" y="0"/>
+          <a:ext cx="0" cy="0"/>
+          <a:chOff x="0" y="0"/>
+          <a:chExt cx="0" cy="0"/>
+        </a:xfrm>
+      </p:grpSpPr>
+      <p:sp>
+        <p:nvSpPr>
+          <p:cNvPr id="2" name="标题 1"/>
+          <p:cNvSpPr>
+            <a:spLocks noGrp="1"/>
+          </p:cNvSpPr>
+          <p:nvPr>
+            <p:ph type="title"/>
+          </p:nvPr>
+        </p:nvSpPr>
+        <p:spPr/>
+        <p:txBody>
+          <a:bodyPr/>
+          <a:lstStyle/>
+          <a:p>
+            <a:r>
+              <a:rPr lang="zh-CN" altLang="en-US" dirty="0" smtClean="0"/>
+              <a:t>事件流</a:t>
+            </a:r>
+            <a:endParaRPr lang="zh-CN" altLang="en-US" dirty="0"/>
+          </a:p>
+        </p:txBody>
+      </p:sp>
+      <p:pic>
+        <p:nvPicPr>
+          <p:cNvPr id="6147" name="Picture 3"/>
+          <p:cNvPicPr>
+            <a:picLocks noGrp="1" noChangeAspect="1" noChangeArrowheads="1"/>
+          </p:cNvPicPr>
+          <p:nvPr>
+            <p:ph idx="1"/>
+          </p:nvPr>
+        </p:nvPicPr>
+        <p:blipFill>
+          <a:blip r:embed="rId2">
+            <a:extLst>
+              <a:ext uri="{28A0092B-C50C-407E-A947-70E740481C1C}">
+                <a14:useLocalDpi xmlns:a14="http://schemas.microsoft.com/office/drawing/2010/main" val="0"/>
+              </a:ext>
+            </a:extLst>
+          </a:blip>
+          <a:srcRect/>
+          <a:stretch>
+            <a:fillRect/>
+          </a:stretch>
+        </p:blipFill>
+        <p:spPr bwMode="auto">
+          <a:xfrm>
+            <a:off x="1907704" y="1700808"/>
+            <a:ext cx="5294112" cy="4630263"/>
+          </a:xfrm>
+          <a:prstGeom prst="rect">
+            <a:avLst/>
+          </a:prstGeom>
+          <a:noFill/>
+          <a:ln>
+            <a:noFill/>
+          </a:ln>
+          <a:effectLst/>
+          <a:extLst>
+            <a:ext uri="{909E8E84-426E-40DD-AFC4-6F175D3DCCD1}">
+              <a14:hiddenFill xmlns:a14="http://schemas.microsoft.com/office/drawing/2010/main">
+                <a:solidFill>
+                  <a:schemeClr val="accent1"/>
+                </a:solidFill>
+              </a14:hiddenFill>
+            </a:ext>
+            <a:ext uri="{91240B29-F687-4F45-9708-019B960494DF}">
+              <a14:hiddenLine xmlns:a14="http://schemas.microsoft.com/office/drawing/2010/main" w="9525">
+                <a:solidFill>
+                  <a:schemeClr val="tx1"/>
+                </a:solidFill>
+                <a:miter lim="800000"/>
+                <a:headEnd/>
+                <a:tailEnd/>
+              </a14:hiddenLine>
+            </a:ext>
+            <a:ext uri="{AF507438-7753-43E0-B8FC-AC1667EBCBE1}">
+              <a14:hiddenEffects xmlns:a14="http://schemas.microsoft.com/office/drawing/2010/main">
+                <a:effectLst>
+                  <a:outerShdw dist="35921" dir="2700000" algn="ctr" rotWithShape="0">
+                    <a:schemeClr val="bg2"/>
+                  </a:outerShdw>
+                </a:effectLst>
+              </a14:hiddenEffects>
+            </a:ext>
+          </a:extLst>
+        </p:spPr>
+      </p:pic>
+    </p:spTree>
+    <p:extLst>
+      <p:ext uri="{BB962C8B-B14F-4D97-AF65-F5344CB8AC3E}">
+        <p14:creationId xmlns:p14="http://schemas.microsoft.com/office/powerpoint/2010/main" val="403299031"/>
+      </p:ext>
+    </p:extLst>
+  </p:cSld>
+  <p:clrMapOvr>
+    <a:masterClrMapping/>
+  </p:clrMapOvr>
+  <p:timing>
+    <p:tnLst>
+      <p:par>
+        <p:cTn id="1" dur="indefinite" restart="never" nodeType="tmRoot"/>
+      </p:par>
+    </p:tnLst>
+  </p:timing>
+</p:sld>
+</file>
+
+<file path=ppt/slides/slide22.xml><?xml version="1.0" encoding="utf-8"?>
+<p:sld xmlns:a="http://schemas.openxmlformats.org/drawingml/2006/main" xmlns:r="http://schemas.openxmlformats.org/officeDocument/2006/relationships" xmlns:p="http://schemas.openxmlformats.org/presentationml/2006/main">
+  <p:cSld>
+    <p:spTree>
+      <p:nvGrpSpPr>
+        <p:cNvPr id="1" name=""/>
+        <p:cNvGrpSpPr/>
+        <p:nvPr/>
+      </p:nvGrpSpPr>
+      <p:grpSpPr>
+        <a:xfrm>
+          <a:off x="0" y="0"/>
+          <a:ext cx="0" cy="0"/>
+          <a:chOff x="0" y="0"/>
+          <a:chExt cx="0" cy="0"/>
+        </a:xfrm>
+      </p:grpSpPr>
+      <p:sp>
+        <p:nvSpPr>
+          <p:cNvPr id="2" name="标题 1"/>
+          <p:cNvSpPr>
+            <a:spLocks noGrp="1"/>
+          </p:cNvSpPr>
+          <p:nvPr>
+            <p:ph type="title"/>
+          </p:nvPr>
+        </p:nvSpPr>
+        <p:spPr/>
+        <p:txBody>
+          <a:bodyPr/>
+          <a:lstStyle/>
+          <a:p>
+            <a:r>
+              <a:rPr lang="zh-CN" altLang="en-US" dirty="0" smtClean="0"/>
+              <a:t>冒</a:t>
+            </a:r>
+            <a:r>
+              <a:rPr lang="zh-CN" altLang="en-US" dirty="0" smtClean="0"/>
+              <a:t>泡与捕获</a:t>
+            </a:r>
+            <a:endParaRPr lang="zh-CN" altLang="en-US" dirty="0"/>
+          </a:p>
+        </p:txBody>
+      </p:sp>
+      <p:sp>
+        <p:nvSpPr>
+          <p:cNvPr id="3" name="内容占位符 2"/>
+          <p:cNvSpPr>
+            <a:spLocks noGrp="1"/>
+          </p:cNvSpPr>
+          <p:nvPr>
+            <p:ph idx="1"/>
+          </p:nvPr>
+        </p:nvSpPr>
+        <p:spPr>
+          <a:xfrm>
+            <a:off x="457200" y="1600200"/>
+            <a:ext cx="8229600" cy="820688"/>
+          </a:xfrm>
+        </p:spPr>
+        <p:txBody>
+          <a:bodyPr>
+            <a:normAutofit fontScale="92500" lnSpcReduction="20000"/>
+          </a:bodyPr>
+          <a:lstStyle/>
+          <a:p>
+            <a:pPr marL="0" indent="0">
+              <a:buNone/>
+            </a:pPr>
+            <a:r>
+              <a:rPr lang="zh-CN" altLang="en-US" dirty="0"/>
+              <a:t>冒</a:t>
+            </a:r>
+            <a:r>
+              <a:rPr lang="zh-CN" altLang="en-US" dirty="0" smtClean="0"/>
+              <a:t>泡：</a:t>
+            </a:r>
+            <a:r>
+              <a:rPr lang="zh-CN" altLang="en-US" dirty="0" smtClean="0"/>
+              <a:t>子</a:t>
+            </a:r>
+            <a:r>
+              <a:rPr lang="zh-CN" altLang="en-US" dirty="0" smtClean="0"/>
+              <a:t>元素的事件会传到父元素身上</a:t>
+            </a:r>
+            <a:endParaRPr lang="en-US" altLang="zh-CN" dirty="0" smtClean="0"/>
+          </a:p>
+          <a:p>
+            <a:pPr marL="1828800" lvl="4" indent="0">
+              <a:buNone/>
+            </a:pPr>
+            <a:r>
+              <a:rPr lang="zh-CN" altLang="en-US" dirty="0" smtClean="0"/>
+              <a:t>（无论子元素在哪里）</a:t>
+            </a:r>
+            <a:endParaRPr lang="en-US" altLang="zh-CN" dirty="0" smtClean="0"/>
+          </a:p>
+          <a:p>
+            <a:pPr marL="0" indent="0">
+              <a:buNone/>
+            </a:pPr>
+            <a:endParaRPr lang="zh-CN" altLang="en-US" dirty="0"/>
+          </a:p>
+        </p:txBody>
+      </p:sp>
+      <p:sp>
+        <p:nvSpPr>
+          <p:cNvPr id="4" name="TextBox 3"/>
+          <p:cNvSpPr txBox="1"/>
+          <p:nvPr/>
+        </p:nvSpPr>
+        <p:spPr>
+          <a:xfrm>
+            <a:off x="755576" y="3068960"/>
+            <a:ext cx="7560840" cy="584775"/>
+          </a:xfrm>
+          <a:prstGeom prst="rect">
+            <a:avLst/>
+          </a:prstGeom>
+          <a:noFill/>
+        </p:spPr>
+        <p:txBody>
+          <a:bodyPr wrap="square" rtlCol="0">
+            <a:spAutoFit/>
+          </a:bodyPr>
+          <a:lstStyle/>
+          <a:p>
+            <a:r>
+              <a:rPr lang="zh-CN" altLang="en-US" sz="3200" dirty="0" smtClean="0"/>
+              <a:t>怎么取消？</a:t>
+            </a:r>
+            <a:endParaRPr lang="zh-CN" altLang="en-US" sz="3200" dirty="0"/>
+          </a:p>
+        </p:txBody>
+      </p:sp>
+      <p:sp>
+        <p:nvSpPr>
+          <p:cNvPr id="5" name="TextBox 4"/>
+          <p:cNvSpPr txBox="1"/>
+          <p:nvPr/>
+        </p:nvSpPr>
+        <p:spPr>
+          <a:xfrm>
+            <a:off x="1259632" y="4077072"/>
+            <a:ext cx="7200800" cy="461665"/>
+          </a:xfrm>
+          <a:prstGeom prst="rect">
+            <a:avLst/>
+          </a:prstGeom>
+          <a:noFill/>
+        </p:spPr>
+        <p:txBody>
+          <a:bodyPr wrap="square" rtlCol="0">
+            <a:spAutoFit/>
+          </a:bodyPr>
+          <a:lstStyle/>
+          <a:p>
+            <a:r>
+              <a:rPr lang="en-US" altLang="zh-CN" sz="2400" dirty="0" err="1" smtClean="0"/>
+              <a:t>ev.cancelBubble</a:t>
+            </a:r>
+            <a:r>
+              <a:rPr lang="en-US" altLang="zh-CN" sz="2400" dirty="0" smtClean="0"/>
+              <a:t> = true</a:t>
+            </a:r>
+            <a:r>
+              <a:rPr lang="zh-CN" altLang="en-US" sz="2400" dirty="0" smtClean="0"/>
+              <a:t>；</a:t>
+            </a:r>
+            <a:endParaRPr lang="zh-CN" altLang="en-US" sz="2400" dirty="0"/>
+          </a:p>
+        </p:txBody>
+      </p:sp>
+      <p:sp>
+        <p:nvSpPr>
+          <p:cNvPr id="6" name="TextBox 5"/>
+          <p:cNvSpPr txBox="1"/>
+          <p:nvPr/>
+        </p:nvSpPr>
+        <p:spPr>
+          <a:xfrm>
+            <a:off x="1259632" y="5227777"/>
+            <a:ext cx="6048672" cy="461665"/>
+          </a:xfrm>
+          <a:prstGeom prst="rect">
+            <a:avLst/>
+          </a:prstGeom>
+          <a:noFill/>
+        </p:spPr>
+        <p:txBody>
+          <a:bodyPr wrap="square" rtlCol="0">
+            <a:spAutoFit/>
+          </a:bodyPr>
+          <a:lstStyle/>
+          <a:p>
+            <a:r>
+              <a:rPr lang="en-US" altLang="zh-CN" sz="2400" dirty="0" smtClean="0"/>
+              <a:t>return false</a:t>
+            </a:r>
+            <a:r>
+              <a:rPr lang="zh-CN" altLang="en-US" sz="2400" dirty="0" smtClean="0"/>
+              <a:t>；（</a:t>
+            </a:r>
+            <a:r>
+              <a:rPr lang="en-US" altLang="zh-CN" sz="2400" dirty="0" err="1" smtClean="0"/>
+              <a:t>jQuery</a:t>
+            </a:r>
+            <a:r>
+              <a:rPr lang="zh-CN" altLang="en-US" sz="2400" dirty="0" smtClean="0"/>
+              <a:t>）</a:t>
+            </a:r>
+            <a:endParaRPr lang="zh-CN" altLang="en-US" sz="2400" dirty="0"/>
+          </a:p>
+        </p:txBody>
+      </p:sp>
+      <p:sp>
+        <p:nvSpPr>
+          <p:cNvPr id="7" name="TextBox 6"/>
+          <p:cNvSpPr txBox="1"/>
+          <p:nvPr/>
+        </p:nvSpPr>
+        <p:spPr>
+          <a:xfrm>
+            <a:off x="1259632" y="4581128"/>
+            <a:ext cx="4320480" cy="461665"/>
+          </a:xfrm>
+          <a:prstGeom prst="rect">
+            <a:avLst/>
+          </a:prstGeom>
+          <a:noFill/>
+        </p:spPr>
+        <p:txBody>
+          <a:bodyPr wrap="square" rtlCol="0">
+            <a:spAutoFit/>
+          </a:bodyPr>
+          <a:lstStyle/>
+          <a:p>
+            <a:r>
+              <a:rPr lang="en-US" altLang="zh-CN" sz="2400" dirty="0" err="1" smtClean="0"/>
+              <a:t>ev.stopPropagation</a:t>
+            </a:r>
+            <a:r>
+              <a:rPr lang="en-US" altLang="zh-CN" dirty="0"/>
+              <a:t>();</a:t>
+            </a:r>
+            <a:endParaRPr lang="zh-CN" altLang="en-US" dirty="0"/>
+          </a:p>
+        </p:txBody>
+      </p:sp>
+    </p:spTree>
+    <p:extLst>
+      <p:ext uri="{BB962C8B-B14F-4D97-AF65-F5344CB8AC3E}">
+        <p14:creationId xmlns:p14="http://schemas.microsoft.com/office/powerpoint/2010/main" val="3398067347"/>
+      </p:ext>
+    </p:extLst>
+  </p:cSld>
+  <p:clrMapOvr>
+    <a:masterClrMapping/>
+  </p:clrMapOvr>
+  <p:timing>
+    <p:tnLst>
+      <p:par>
+        <p:cTn id="1" dur="indefinite" restart="never" nodeType="tmRoot"/>
+      </p:par>
+    </p:tnLst>
+  </p:timing>
+</p:sld>
+</file>
+
+<file path=ppt/slides/slide23.xml><?xml version="1.0" encoding="utf-8"?>
+<p:sld xmlns:a="http://schemas.openxmlformats.org/drawingml/2006/main" xmlns:r="http://schemas.openxmlformats.org/officeDocument/2006/relationships" xmlns:p="http://schemas.openxmlformats.org/presentationml/2006/main">
+  <p:cSld>
+    <p:spTree>
+      <p:nvGrpSpPr>
+        <p:cNvPr id="1" name=""/>
+        <p:cNvGrpSpPr/>
+        <p:nvPr/>
+      </p:nvGrpSpPr>
+      <p:grpSpPr>
+        <a:xfrm>
+          <a:off x="0" y="0"/>
+          <a:ext cx="0" cy="0"/>
+          <a:chOff x="0" y="0"/>
+          <a:chExt cx="0" cy="0"/>
+        </a:xfrm>
+      </p:grpSpPr>
+      <p:sp>
+        <p:nvSpPr>
+          <p:cNvPr id="2" name="标题 1"/>
+          <p:cNvSpPr>
+            <a:spLocks noGrp="1"/>
+          </p:cNvSpPr>
+          <p:nvPr>
+            <p:ph type="title"/>
+          </p:nvPr>
+        </p:nvSpPr>
+        <p:spPr/>
+        <p:txBody>
+          <a:bodyPr/>
+          <a:lstStyle/>
+          <a:p>
+            <a:r>
+              <a:rPr lang="zh-CN" altLang="en-US" dirty="0"/>
               <a:t>事件委托</a:t>
             </a:r>
           </a:p>
@@ -8620,6 +11110,70 @@
           </a:p>
         </p:txBody>
       </p:sp>
+      <p:pic>
+        <p:nvPicPr>
+          <p:cNvPr id="8194" name="Picture 2"/>
+          <p:cNvPicPr>
+            <a:picLocks noChangeAspect="1" noChangeArrowheads="1"/>
+          </p:cNvPicPr>
+          <p:nvPr/>
+        </p:nvPicPr>
+        <p:blipFill>
+          <a:blip r:embed="rId2">
+            <a:extLst>
+              <a:ext uri="{28A0092B-C50C-407E-A947-70E740481C1C}">
+                <a14:useLocalDpi xmlns:a14="http://schemas.microsoft.com/office/drawing/2010/main" val="0"/>
+              </a:ext>
+            </a:extLst>
+          </a:blip>
+          <a:srcRect/>
+          <a:stretch>
+            <a:fillRect/>
+          </a:stretch>
+        </p:blipFill>
+        <p:spPr bwMode="auto">
+          <a:xfrm>
+            <a:off x="2339752" y="3933056"/>
+            <a:ext cx="3816350" cy="2054225"/>
+          </a:xfrm>
+          <a:prstGeom prst="rect">
+            <a:avLst/>
+          </a:prstGeom>
+          <a:noFill/>
+          <a:ln>
+            <a:noFill/>
+          </a:ln>
+          <a:effectLst/>
+          <a:extLst>
+            <a:ext uri="{909E8E84-426E-40DD-AFC4-6F175D3DCCD1}">
+              <a14:hiddenFill xmlns:a14="http://schemas.microsoft.com/office/drawing/2010/main">
+                <a:solidFill>
+                  <a:schemeClr val="accent1"/>
+                </a:solidFill>
+              </a14:hiddenFill>
+            </a:ext>
+            <a:ext uri="{91240B29-F687-4F45-9708-019B960494DF}">
+              <a14:hiddenLine xmlns:a14="http://schemas.microsoft.com/office/drawing/2010/main" w="9525">
+                <a:solidFill>
+                  <a:schemeClr val="tx1"/>
+                </a:solidFill>
+                <a:miter lim="800000"/>
+                <a:headEnd/>
+                <a:tailEnd/>
+              </a14:hiddenLine>
+            </a:ext>
+            <a:ext uri="{AF507438-7753-43E0-B8FC-AC1667EBCBE1}">
+              <a14:hiddenEffects xmlns:a14="http://schemas.microsoft.com/office/drawing/2010/main">
+                <a:effectLst>
+                  <a:outerShdw dist="35921" dir="2700000" algn="ctr" rotWithShape="0">
+                    <a:schemeClr val="bg2"/>
+                  </a:outerShdw>
+                </a:effectLst>
+              </a14:hiddenEffects>
+            </a:ext>
+          </a:extLst>
+        </p:spPr>
+      </p:pic>
     </p:spTree>
     <p:extLst>
       <p:ext uri="{BB962C8B-B14F-4D97-AF65-F5344CB8AC3E}">
@@ -8630,10 +11184,17 @@
   <p:clrMapOvr>
     <a:masterClrMapping/>
   </p:clrMapOvr>
+  <p:timing>
+    <p:tnLst>
+      <p:par>
+        <p:cTn id="1" dur="indefinite" restart="never" nodeType="tmRoot"/>
+      </p:par>
+    </p:tnLst>
+  </p:timing>
 </p:sld>
 </file>
 
-<file path=ppt/slides/slide18.xml><?xml version="1.0" encoding="utf-8"?>
+<file path=ppt/slides/slide24.xml><?xml version="1.0" encoding="utf-8"?>
 <p:sld xmlns:a="http://schemas.openxmlformats.org/drawingml/2006/main" xmlns:r="http://schemas.openxmlformats.org/officeDocument/2006/relationships" xmlns:p="http://schemas.openxmlformats.org/presentationml/2006/main">
   <p:cSld>
     <p:spTree>
@@ -9083,7 +11644,7 @@
 </p:sld>
 </file>
 
-<file path=ppt/slides/slide19.xml><?xml version="1.0" encoding="utf-8"?>
+<file path=ppt/slides/slide25.xml><?xml version="1.0" encoding="utf-8"?>
 <p:sld xmlns:a="http://schemas.openxmlformats.org/drawingml/2006/main" xmlns:r="http://schemas.openxmlformats.org/officeDocument/2006/relationships" xmlns:p="http://schemas.openxmlformats.org/presentationml/2006/main">
   <p:cSld>
     <p:spTree>
@@ -9238,7 +11799,7 @@
 </p:sld>
 </file>
 
-<file path=ppt/slides/slide2.xml><?xml version="1.0" encoding="utf-8"?>
+<file path=ppt/slides/slide26.xml><?xml version="1.0" encoding="utf-8"?>
 <p:sld xmlns:a="http://schemas.openxmlformats.org/drawingml/2006/main" xmlns:r="http://schemas.openxmlformats.org/officeDocument/2006/relationships" xmlns:p="http://schemas.openxmlformats.org/presentationml/2006/main">
   <p:cSld>
     <p:spTree>
@@ -9267,28 +11828,10 @@
         </p:nvSpPr>
         <p:spPr/>
         <p:txBody>
-          <a:bodyPr>
-            <a:normAutofit/>
-          </a:bodyPr>
+          <a:bodyPr/>
           <a:lstStyle/>
           <a:p>
-            <a:r>
-              <a:rPr lang="en-US" altLang="zh-CN" sz="3200" dirty="0" smtClean="0"/>
-              <a:t>Yahoo</a:t>
-            </a:r>
-            <a:r>
-              <a:rPr lang="zh-CN" altLang="en-US" sz="3200" dirty="0" smtClean="0"/>
-              <a:t>！（</a:t>
-            </a:r>
-            <a:r>
-              <a:rPr lang="en-US" altLang="zh-CN" sz="3200" dirty="0" smtClean="0"/>
-              <a:t>1996</a:t>
-            </a:r>
-            <a:r>
-              <a:rPr lang="zh-CN" altLang="en-US" sz="3200" dirty="0" smtClean="0"/>
-              <a:t>）</a:t>
-            </a:r>
-            <a:endParaRPr lang="zh-CN" altLang="en-US" sz="3200" dirty="0"/>
+            <a:endParaRPr lang="zh-CN" altLang="en-US" dirty="0"/>
           </a:p>
         </p:txBody>
       </p:sp>
@@ -9304,10 +11847,784 @@
         </p:nvSpPr>
         <p:spPr/>
         <p:txBody>
+          <a:bodyPr>
+            <a:normAutofit/>
+          </a:bodyPr>
+          <a:lstStyle/>
+          <a:p>
+            <a:pPr marL="0" indent="0" algn="ctr">
+              <a:buNone/>
+            </a:pPr>
+            <a:r>
+              <a:rPr lang="en-US" altLang="zh-CN" sz="6000" dirty="0" smtClean="0"/>
+              <a:t>over</a:t>
+            </a:r>
+            <a:r>
+              <a:rPr lang="zh-CN" altLang="en-US" sz="6000" dirty="0" smtClean="0"/>
+              <a:t>！</a:t>
+            </a:r>
+            <a:endParaRPr lang="zh-CN" altLang="en-US" sz="6000" dirty="0"/>
+          </a:p>
+        </p:txBody>
+      </p:sp>
+    </p:spTree>
+    <p:extLst>
+      <p:ext uri="{BB962C8B-B14F-4D97-AF65-F5344CB8AC3E}">
+        <p14:creationId xmlns:p14="http://schemas.microsoft.com/office/powerpoint/2010/main" val="3382256039"/>
+      </p:ext>
+    </p:extLst>
+  </p:cSld>
+  <p:clrMapOvr>
+    <a:masterClrMapping/>
+  </p:clrMapOvr>
+  <p:timing>
+    <p:tnLst>
+      <p:par>
+        <p:cTn id="1" dur="indefinite" restart="never" nodeType="tmRoot"/>
+      </p:par>
+    </p:tnLst>
+  </p:timing>
+</p:sld>
+</file>
+
+<file path=ppt/slides/slide3.xml><?xml version="1.0" encoding="utf-8"?>
+<p:sld xmlns:a="http://schemas.openxmlformats.org/drawingml/2006/main" xmlns:r="http://schemas.openxmlformats.org/officeDocument/2006/relationships" xmlns:p="http://schemas.openxmlformats.org/presentationml/2006/main">
+  <p:cSld>
+    <p:spTree>
+      <p:nvGrpSpPr>
+        <p:cNvPr id="1" name=""/>
+        <p:cNvGrpSpPr/>
+        <p:nvPr/>
+      </p:nvGrpSpPr>
+      <p:grpSpPr>
+        <a:xfrm>
+          <a:off x="0" y="0"/>
+          <a:ext cx="0" cy="0"/>
+          <a:chOff x="0" y="0"/>
+          <a:chExt cx="0" cy="0"/>
+        </a:xfrm>
+      </p:grpSpPr>
+      <p:sp>
+        <p:nvSpPr>
+          <p:cNvPr id="2" name="标题 1"/>
+          <p:cNvSpPr>
+            <a:spLocks noGrp="1"/>
+          </p:cNvSpPr>
+          <p:nvPr>
+            <p:ph type="ctrTitle"/>
+          </p:nvPr>
+        </p:nvSpPr>
+        <p:spPr/>
+        <p:txBody>
           <a:bodyPr/>
           <a:lstStyle/>
           <a:p>
+            <a:r>
+              <a:rPr lang="en-US" altLang="zh-CN" dirty="0" smtClean="0"/>
+              <a:t>HTML DOM</a:t>
+            </a:r>
+            <a:r>
+              <a:rPr lang="zh-CN" altLang="en-US" dirty="0" smtClean="0"/>
+              <a:t>（</a:t>
+            </a:r>
+            <a:r>
+              <a:rPr lang="en-US" altLang="zh-CN" dirty="0" err="1" smtClean="0"/>
+              <a:t>css</a:t>
+            </a:r>
+            <a:r>
+              <a:rPr lang="zh-CN" altLang="en-US" dirty="0" smtClean="0"/>
+              <a:t>，</a:t>
+            </a:r>
+            <a:r>
+              <a:rPr lang="en-US" altLang="zh-CN" dirty="0"/>
+              <a:t>event</a:t>
+            </a:r>
+            <a:r>
+              <a:rPr lang="zh-CN" altLang="en-US" dirty="0" smtClean="0"/>
+              <a:t>）</a:t>
+            </a:r>
             <a:endParaRPr lang="zh-CN" altLang="en-US" dirty="0"/>
+          </a:p>
+        </p:txBody>
+      </p:sp>
+      <p:sp>
+        <p:nvSpPr>
+          <p:cNvPr id="3" name="副标题 2"/>
+          <p:cNvSpPr>
+            <a:spLocks noGrp="1"/>
+          </p:cNvSpPr>
+          <p:nvPr>
+            <p:ph type="subTitle" idx="1"/>
+          </p:nvPr>
+        </p:nvSpPr>
+        <p:spPr/>
+        <p:txBody>
+          <a:bodyPr/>
+          <a:lstStyle/>
+          <a:p>
+            <a:endParaRPr lang="zh-CN" altLang="en-US" dirty="0"/>
+          </a:p>
+        </p:txBody>
+      </p:sp>
+    </p:spTree>
+    <p:extLst>
+      <p:ext uri="{BB962C8B-B14F-4D97-AF65-F5344CB8AC3E}">
+        <p14:creationId xmlns:p14="http://schemas.microsoft.com/office/powerpoint/2010/main" val="3940297337"/>
+      </p:ext>
+    </p:extLst>
+  </p:cSld>
+  <p:clrMapOvr>
+    <a:masterClrMapping/>
+  </p:clrMapOvr>
+  <p:timing>
+    <p:tnLst>
+      <p:par>
+        <p:cTn id="1" dur="indefinite" restart="never" nodeType="tmRoot"/>
+      </p:par>
+    </p:tnLst>
+  </p:timing>
+</p:sld>
+</file>
+
+<file path=ppt/slides/slide4.xml><?xml version="1.0" encoding="utf-8"?>
+<p:sld xmlns:a="http://schemas.openxmlformats.org/drawingml/2006/main" xmlns:r="http://schemas.openxmlformats.org/officeDocument/2006/relationships" xmlns:p="http://schemas.openxmlformats.org/presentationml/2006/main">
+  <p:cSld>
+    <p:spTree>
+      <p:nvGrpSpPr>
+        <p:cNvPr id="1" name=""/>
+        <p:cNvGrpSpPr/>
+        <p:nvPr/>
+      </p:nvGrpSpPr>
+      <p:grpSpPr>
+        <a:xfrm>
+          <a:off x="0" y="0"/>
+          <a:ext cx="0" cy="0"/>
+          <a:chOff x="0" y="0"/>
+          <a:chExt cx="0" cy="0"/>
+        </a:xfrm>
+      </p:grpSpPr>
+      <p:graphicFrame>
+        <p:nvGraphicFramePr>
+          <p:cNvPr id="4" name="内容占位符 3"/>
+          <p:cNvGraphicFramePr>
+            <a:graphicFrameLocks noGrp="1"/>
+          </p:cNvGraphicFramePr>
+          <p:nvPr>
+            <p:ph idx="1"/>
+            <p:extLst>
+              <p:ext uri="{D42A27DB-BD31-4B8C-83A1-F6EECF244321}">
+                <p14:modId xmlns:p14="http://schemas.microsoft.com/office/powerpoint/2010/main" val="1307355564"/>
+              </p:ext>
+            </p:extLst>
+          </p:nvPr>
+        </p:nvGraphicFramePr>
+        <p:xfrm>
+          <a:off x="467544" y="332656"/>
+          <a:ext cx="8229600" cy="5904656"/>
+        </p:xfrm>
+        <a:graphic>
+          <a:graphicData uri="http://schemas.openxmlformats.org/drawingml/2006/diagram">
+            <dgm:relIds xmlns:dgm="http://schemas.openxmlformats.org/drawingml/2006/diagram" xmlns:r="http://schemas.openxmlformats.org/officeDocument/2006/relationships" r:dm="rId2" r:lo="rId3" r:qs="rId4" r:cs="rId5"/>
+          </a:graphicData>
+        </a:graphic>
+      </p:graphicFrame>
+    </p:spTree>
+    <p:extLst>
+      <p:ext uri="{BB962C8B-B14F-4D97-AF65-F5344CB8AC3E}">
+        <p14:creationId xmlns:p14="http://schemas.microsoft.com/office/powerpoint/2010/main" val="1679626574"/>
+      </p:ext>
+    </p:extLst>
+  </p:cSld>
+  <p:clrMapOvr>
+    <a:masterClrMapping/>
+  </p:clrMapOvr>
+  <p:timing>
+    <p:tnLst>
+      <p:par>
+        <p:cTn id="1" dur="indefinite" restart="never" nodeType="tmRoot"/>
+      </p:par>
+    </p:tnLst>
+  </p:timing>
+</p:sld>
+</file>
+
+<file path=ppt/slides/slide5.xml><?xml version="1.0" encoding="utf-8"?>
+<p:sld xmlns:a="http://schemas.openxmlformats.org/drawingml/2006/main" xmlns:r="http://schemas.openxmlformats.org/officeDocument/2006/relationships" xmlns:p="http://schemas.openxmlformats.org/presentationml/2006/main">
+  <p:cSld>
+    <p:spTree>
+      <p:nvGrpSpPr>
+        <p:cNvPr id="1" name=""/>
+        <p:cNvGrpSpPr/>
+        <p:nvPr/>
+      </p:nvGrpSpPr>
+      <p:grpSpPr>
+        <a:xfrm>
+          <a:off x="0" y="0"/>
+          <a:ext cx="0" cy="0"/>
+          <a:chOff x="0" y="0"/>
+          <a:chExt cx="0" cy="0"/>
+        </a:xfrm>
+      </p:grpSpPr>
+      <p:sp>
+        <p:nvSpPr>
+          <p:cNvPr id="2" name="标题 1"/>
+          <p:cNvSpPr>
+            <a:spLocks noGrp="1"/>
+          </p:cNvSpPr>
+          <p:nvPr>
+            <p:ph type="title"/>
+          </p:nvPr>
+        </p:nvSpPr>
+        <p:spPr/>
+        <p:txBody>
+          <a:bodyPr/>
+          <a:lstStyle/>
+          <a:p>
+            <a:r>
+              <a:rPr lang="en-US" altLang="zh-CN" dirty="0" smtClean="0"/>
+              <a:t>Render tree</a:t>
+            </a:r>
+            <a:r>
+              <a:rPr lang="zh-CN" altLang="en-US" dirty="0" smtClean="0"/>
+              <a:t>（</a:t>
+            </a:r>
+            <a:r>
+              <a:rPr lang="zh-CN" altLang="en-US" dirty="0"/>
+              <a:t>渲</a:t>
+            </a:r>
+            <a:r>
+              <a:rPr lang="zh-CN" altLang="en-US" dirty="0" smtClean="0"/>
+              <a:t>染树）</a:t>
+            </a:r>
+            <a:endParaRPr lang="zh-CN" altLang="en-US" dirty="0"/>
+          </a:p>
+        </p:txBody>
+      </p:sp>
+      <p:sp>
+        <p:nvSpPr>
+          <p:cNvPr id="3" name="内容占位符 2"/>
+          <p:cNvSpPr>
+            <a:spLocks noGrp="1"/>
+          </p:cNvSpPr>
+          <p:nvPr>
+            <p:ph idx="1"/>
+          </p:nvPr>
+        </p:nvSpPr>
+        <p:spPr>
+          <a:xfrm>
+            <a:off x="539552" y="2276872"/>
+            <a:ext cx="8229600" cy="3312368"/>
+          </a:xfrm>
+        </p:spPr>
+        <p:txBody>
+          <a:bodyPr/>
+          <a:lstStyle/>
+          <a:p>
+            <a:pPr marL="0" indent="0">
+              <a:buNone/>
+            </a:pPr>
+            <a:r>
+              <a:rPr lang="en-US" altLang="zh-CN" dirty="0" smtClean="0"/>
+              <a:t>1.</a:t>
+            </a:r>
+            <a:r>
+              <a:rPr lang="zh-CN" altLang="en-US" dirty="0" smtClean="0"/>
+              <a:t>由元素显示序列中的可见元素组成。</a:t>
+            </a:r>
+            <a:endParaRPr lang="en-US" altLang="zh-CN" dirty="0" smtClean="0"/>
+          </a:p>
+          <a:p>
+            <a:pPr marL="0" indent="0">
+              <a:buNone/>
+            </a:pPr>
+            <a:endParaRPr lang="en-US" altLang="zh-CN" dirty="0"/>
+          </a:p>
+          <a:p>
+            <a:pPr marL="0" indent="0">
+              <a:buNone/>
+            </a:pPr>
+            <a:r>
+              <a:rPr lang="en-US" altLang="zh-CN" dirty="0" smtClean="0"/>
+              <a:t>2.</a:t>
+            </a:r>
+            <a:r>
+              <a:rPr lang="zh-CN" altLang="en-US" dirty="0" smtClean="0"/>
+              <a:t>每个渲染对象用一个和该节点</a:t>
+            </a:r>
+            <a:r>
+              <a:rPr lang="en-US" altLang="zh-CN" dirty="0" err="1" smtClean="0"/>
+              <a:t>css</a:t>
+            </a:r>
+            <a:r>
+              <a:rPr lang="zh-CN" altLang="en-US" dirty="0" smtClean="0"/>
+              <a:t>盒模型相对应的矩形区域来表示。</a:t>
+            </a:r>
+            <a:endParaRPr lang="en-US" altLang="zh-CN" dirty="0" smtClean="0"/>
+          </a:p>
+        </p:txBody>
+      </p:sp>
+    </p:spTree>
+    <p:extLst>
+      <p:ext uri="{BB962C8B-B14F-4D97-AF65-F5344CB8AC3E}">
+        <p14:creationId xmlns:p14="http://schemas.microsoft.com/office/powerpoint/2010/main" val="2249009181"/>
+      </p:ext>
+    </p:extLst>
+  </p:cSld>
+  <p:clrMapOvr>
+    <a:masterClrMapping/>
+  </p:clrMapOvr>
+  <p:timing>
+    <p:tnLst>
+      <p:par>
+        <p:cTn id="1" dur="indefinite" restart="never" nodeType="tmRoot"/>
+      </p:par>
+    </p:tnLst>
+  </p:timing>
+</p:sld>
+</file>
+
+<file path=ppt/slides/slide6.xml><?xml version="1.0" encoding="utf-8"?>
+<p:sld xmlns:a="http://schemas.openxmlformats.org/drawingml/2006/main" xmlns:r="http://schemas.openxmlformats.org/officeDocument/2006/relationships" xmlns:p="http://schemas.openxmlformats.org/presentationml/2006/main">
+  <p:cSld>
+    <p:spTree>
+      <p:nvGrpSpPr>
+        <p:cNvPr id="1" name=""/>
+        <p:cNvGrpSpPr/>
+        <p:nvPr/>
+      </p:nvGrpSpPr>
+      <p:grpSpPr>
+        <a:xfrm>
+          <a:off x="0" y="0"/>
+          <a:ext cx="0" cy="0"/>
+          <a:chOff x="0" y="0"/>
+          <a:chExt cx="0" cy="0"/>
+        </a:xfrm>
+      </p:grpSpPr>
+      <p:pic>
+        <p:nvPicPr>
+          <p:cNvPr id="1026" name="Picture 2"/>
+          <p:cNvPicPr>
+            <a:picLocks noChangeAspect="1" noChangeArrowheads="1"/>
+          </p:cNvPicPr>
+          <p:nvPr/>
+        </p:nvPicPr>
+        <p:blipFill>
+          <a:blip r:embed="rId2">
+            <a:extLst>
+              <a:ext uri="{28A0092B-C50C-407E-A947-70E740481C1C}">
+                <a14:useLocalDpi xmlns:a14="http://schemas.microsoft.com/office/drawing/2010/main" val="0"/>
+              </a:ext>
+            </a:extLst>
+          </a:blip>
+          <a:srcRect/>
+          <a:stretch>
+            <a:fillRect/>
+          </a:stretch>
+        </p:blipFill>
+        <p:spPr bwMode="auto">
+          <a:xfrm>
+            <a:off x="467544" y="1484784"/>
+            <a:ext cx="8316416" cy="4979531"/>
+          </a:xfrm>
+          <a:prstGeom prst="rect">
+            <a:avLst/>
+          </a:prstGeom>
+          <a:noFill/>
+          <a:ln>
+            <a:noFill/>
+          </a:ln>
+          <a:effectLst/>
+          <a:extLst>
+            <a:ext uri="{909E8E84-426E-40DD-AFC4-6F175D3DCCD1}">
+              <a14:hiddenFill xmlns:a14="http://schemas.microsoft.com/office/drawing/2010/main">
+                <a:solidFill>
+                  <a:schemeClr val="accent1"/>
+                </a:solidFill>
+              </a14:hiddenFill>
+            </a:ext>
+            <a:ext uri="{91240B29-F687-4F45-9708-019B960494DF}">
+              <a14:hiddenLine xmlns:a14="http://schemas.microsoft.com/office/drawing/2010/main" w="9525">
+                <a:solidFill>
+                  <a:schemeClr val="tx1"/>
+                </a:solidFill>
+                <a:miter lim="800000"/>
+                <a:headEnd/>
+                <a:tailEnd/>
+              </a14:hiddenLine>
+            </a:ext>
+            <a:ext uri="{AF507438-7753-43E0-B8FC-AC1667EBCBE1}">
+              <a14:hiddenEffects xmlns:a14="http://schemas.microsoft.com/office/drawing/2010/main">
+                <a:effectLst>
+                  <a:outerShdw dist="35921" dir="2700000" algn="ctr" rotWithShape="0">
+                    <a:schemeClr val="bg2"/>
+                  </a:outerShdw>
+                </a:effectLst>
+              </a14:hiddenEffects>
+            </a:ext>
+          </a:extLst>
+        </p:spPr>
+      </p:pic>
+      <p:sp>
+        <p:nvSpPr>
+          <p:cNvPr id="5" name="标题 1"/>
+          <p:cNvSpPr>
+            <a:spLocks noGrp="1"/>
+          </p:cNvSpPr>
+          <p:nvPr>
+            <p:ph type="title"/>
+          </p:nvPr>
+        </p:nvSpPr>
+        <p:spPr>
+          <a:xfrm>
+            <a:off x="457200" y="274638"/>
+            <a:ext cx="8229600" cy="1143000"/>
+          </a:xfrm>
+        </p:spPr>
+        <p:txBody>
+          <a:bodyPr/>
+          <a:lstStyle/>
+          <a:p>
+            <a:r>
+              <a:rPr lang="en-US" altLang="zh-CN" dirty="0" smtClean="0"/>
+              <a:t>Dom tree &amp; render tree</a:t>
+            </a:r>
+            <a:endParaRPr lang="zh-CN" altLang="en-US" dirty="0"/>
+          </a:p>
+        </p:txBody>
+      </p:sp>
+    </p:spTree>
+    <p:extLst>
+      <p:ext uri="{BB962C8B-B14F-4D97-AF65-F5344CB8AC3E}">
+        <p14:creationId xmlns:p14="http://schemas.microsoft.com/office/powerpoint/2010/main" val="63759791"/>
+      </p:ext>
+    </p:extLst>
+  </p:cSld>
+  <p:clrMapOvr>
+    <a:masterClrMapping/>
+  </p:clrMapOvr>
+  <p:timing>
+    <p:tnLst>
+      <p:par>
+        <p:cTn id="1" dur="indefinite" restart="never" nodeType="tmRoot"/>
+      </p:par>
+    </p:tnLst>
+  </p:timing>
+</p:sld>
+</file>
+
+<file path=ppt/slides/slide7.xml><?xml version="1.0" encoding="utf-8"?>
+<p:sld xmlns:a="http://schemas.openxmlformats.org/drawingml/2006/main" xmlns:r="http://schemas.openxmlformats.org/officeDocument/2006/relationships" xmlns:p="http://schemas.openxmlformats.org/presentationml/2006/main">
+  <p:cSld>
+    <p:spTree>
+      <p:nvGrpSpPr>
+        <p:cNvPr id="1" name=""/>
+        <p:cNvGrpSpPr/>
+        <p:nvPr/>
+      </p:nvGrpSpPr>
+      <p:grpSpPr>
+        <a:xfrm>
+          <a:off x="0" y="0"/>
+          <a:ext cx="0" cy="0"/>
+          <a:chOff x="0" y="0"/>
+          <a:chExt cx="0" cy="0"/>
+        </a:xfrm>
+      </p:grpSpPr>
+      <p:sp>
+        <p:nvSpPr>
+          <p:cNvPr id="4" name="TextBox 3"/>
+          <p:cNvSpPr txBox="1"/>
+          <p:nvPr/>
+        </p:nvSpPr>
+        <p:spPr>
+          <a:xfrm>
+            <a:off x="787232" y="2276872"/>
+            <a:ext cx="7848872" cy="584775"/>
+          </a:xfrm>
+          <a:prstGeom prst="rect">
+            <a:avLst/>
+          </a:prstGeom>
+          <a:noFill/>
+        </p:spPr>
+        <p:txBody>
+          <a:bodyPr wrap="square" rtlCol="0">
+            <a:spAutoFit/>
+          </a:bodyPr>
+          <a:lstStyle/>
+          <a:p>
+            <a:r>
+              <a:rPr lang="en-US" altLang="zh-CN" sz="3200" dirty="0" smtClean="0"/>
+              <a:t>Dom</a:t>
+            </a:r>
+            <a:r>
+              <a:rPr lang="zh-CN" altLang="en-US" sz="3200" dirty="0" smtClean="0"/>
+              <a:t>树 </a:t>
+            </a:r>
+            <a:r>
+              <a:rPr lang="en-US" altLang="zh-CN" sz="3200" dirty="0" smtClean="0"/>
+              <a:t>---------------  </a:t>
+            </a:r>
+            <a:r>
+              <a:rPr lang="zh-CN" altLang="en-US" sz="3200" dirty="0" smtClean="0"/>
+              <a:t>表示页面结构</a:t>
+            </a:r>
+            <a:endParaRPr lang="zh-CN" altLang="en-US" sz="3200" dirty="0"/>
+          </a:p>
+        </p:txBody>
+      </p:sp>
+      <p:sp>
+        <p:nvSpPr>
+          <p:cNvPr id="5" name="TextBox 4"/>
+          <p:cNvSpPr txBox="1"/>
+          <p:nvPr/>
+        </p:nvSpPr>
+        <p:spPr>
+          <a:xfrm>
+            <a:off x="764352" y="3632220"/>
+            <a:ext cx="7848872" cy="584775"/>
+          </a:xfrm>
+          <a:prstGeom prst="rect">
+            <a:avLst/>
+          </a:prstGeom>
+          <a:noFill/>
+        </p:spPr>
+        <p:txBody>
+          <a:bodyPr wrap="square" rtlCol="0">
+            <a:spAutoFit/>
+          </a:bodyPr>
+          <a:lstStyle/>
+          <a:p>
+            <a:r>
+              <a:rPr lang="zh-CN" altLang="en-US" sz="3200" dirty="0" smtClean="0"/>
+              <a:t>渲染树 </a:t>
+            </a:r>
+            <a:r>
+              <a:rPr lang="en-US" altLang="zh-CN" sz="3200" dirty="0" smtClean="0"/>
+              <a:t>---------------  </a:t>
+            </a:r>
+            <a:r>
+              <a:rPr lang="zh-CN" altLang="en-US" sz="3200" dirty="0"/>
+              <a:t>表</a:t>
+            </a:r>
+            <a:r>
+              <a:rPr lang="zh-CN" altLang="en-US" sz="3200" dirty="0" smtClean="0"/>
+              <a:t>示</a:t>
+            </a:r>
+            <a:r>
+              <a:rPr lang="en-US" altLang="zh-CN" sz="3200" dirty="0" smtClean="0"/>
+              <a:t>DOM</a:t>
+            </a:r>
+            <a:r>
+              <a:rPr lang="zh-CN" altLang="en-US" sz="3200" dirty="0" smtClean="0"/>
+              <a:t>节点如何个显示</a:t>
+            </a:r>
+            <a:endParaRPr lang="zh-CN" altLang="en-US" sz="3200" dirty="0"/>
+          </a:p>
+        </p:txBody>
+      </p:sp>
+    </p:spTree>
+    <p:extLst>
+      <p:ext uri="{BB962C8B-B14F-4D97-AF65-F5344CB8AC3E}">
+        <p14:creationId xmlns:p14="http://schemas.microsoft.com/office/powerpoint/2010/main" val="4207474366"/>
+      </p:ext>
+    </p:extLst>
+  </p:cSld>
+  <p:clrMapOvr>
+    <a:masterClrMapping/>
+  </p:clrMapOvr>
+  <p:timing>
+    <p:tnLst>
+      <p:par>
+        <p:cTn id="1" dur="indefinite" restart="never" nodeType="tmRoot"/>
+      </p:par>
+    </p:tnLst>
+  </p:timing>
+</p:sld>
+</file>
+
+<file path=ppt/slides/slide8.xml><?xml version="1.0" encoding="utf-8"?>
+<p:sld xmlns:a="http://schemas.openxmlformats.org/drawingml/2006/main" xmlns:r="http://schemas.openxmlformats.org/officeDocument/2006/relationships" xmlns:p="http://schemas.openxmlformats.org/presentationml/2006/main">
+  <p:cSld>
+    <p:spTree>
+      <p:nvGrpSpPr>
+        <p:cNvPr id="1" name=""/>
+        <p:cNvGrpSpPr/>
+        <p:nvPr/>
+      </p:nvGrpSpPr>
+      <p:grpSpPr>
+        <a:xfrm>
+          <a:off x="0" y="0"/>
+          <a:ext cx="0" cy="0"/>
+          <a:chOff x="0" y="0"/>
+          <a:chExt cx="0" cy="0"/>
+        </a:xfrm>
+      </p:grpSpPr>
+      <p:sp>
+        <p:nvSpPr>
+          <p:cNvPr id="2" name="标题 1"/>
+          <p:cNvSpPr>
+            <a:spLocks noGrp="1"/>
+          </p:cNvSpPr>
+          <p:nvPr>
+            <p:ph type="title"/>
+          </p:nvPr>
+        </p:nvSpPr>
+        <p:spPr/>
+        <p:txBody>
+          <a:bodyPr/>
+          <a:lstStyle/>
+          <a:p>
+            <a:r>
+              <a:rPr lang="en-US" altLang="zh-CN" dirty="0" smtClean="0"/>
+              <a:t>CSS	</a:t>
+            </a:r>
+            <a:endParaRPr lang="zh-CN" altLang="en-US" dirty="0"/>
+          </a:p>
+        </p:txBody>
+      </p:sp>
+      <p:sp>
+        <p:nvSpPr>
+          <p:cNvPr id="3" name="内容占位符 2"/>
+          <p:cNvSpPr>
+            <a:spLocks noGrp="1"/>
+          </p:cNvSpPr>
+          <p:nvPr>
+            <p:ph idx="1"/>
+          </p:nvPr>
+        </p:nvSpPr>
+        <p:spPr/>
+        <p:txBody>
+          <a:bodyPr>
+            <a:normAutofit/>
+          </a:bodyPr>
+          <a:lstStyle/>
+          <a:p>
+            <a:pPr marL="0" indent="0">
+              <a:buNone/>
+            </a:pPr>
+            <a:r>
+              <a:rPr lang="en-US" altLang="zh-CN" b="1" dirty="0" smtClean="0"/>
+              <a:t>1.&lt;style&gt;&lt;/style&gt;</a:t>
+            </a:r>
+          </a:p>
+          <a:p>
+            <a:pPr marL="0" indent="0">
+              <a:buNone/>
+            </a:pPr>
+            <a:endParaRPr lang="en-US" altLang="zh-CN" b="1" dirty="0" smtClean="0"/>
+          </a:p>
+          <a:p>
+            <a:pPr marL="0" indent="0">
+              <a:buNone/>
+            </a:pPr>
+            <a:r>
+              <a:rPr lang="en-US" altLang="zh-CN" b="1" dirty="0" smtClean="0"/>
+              <a:t>2.&lt;link /&gt;</a:t>
+            </a:r>
+          </a:p>
+          <a:p>
+            <a:pPr marL="0" indent="0">
+              <a:buNone/>
+            </a:pPr>
+            <a:endParaRPr lang="en-US" altLang="zh-CN" b="1" dirty="0" smtClean="0"/>
+          </a:p>
+          <a:p>
+            <a:pPr marL="0" indent="0">
+              <a:buNone/>
+            </a:pPr>
+            <a:r>
+              <a:rPr lang="en-US" altLang="zh-CN" b="1" dirty="0" smtClean="0"/>
+              <a:t>3.inline</a:t>
+            </a:r>
+            <a:endParaRPr lang="en-US" altLang="zh-CN" b="1" dirty="0"/>
+          </a:p>
+        </p:txBody>
+      </p:sp>
+      <p:sp>
+        <p:nvSpPr>
+          <p:cNvPr id="4" name="TextBox 3"/>
+          <p:cNvSpPr txBox="1"/>
+          <p:nvPr/>
+        </p:nvSpPr>
+        <p:spPr>
+          <a:xfrm>
+            <a:off x="755576" y="5229200"/>
+            <a:ext cx="6984776" cy="584775"/>
+          </a:xfrm>
+          <a:prstGeom prst="rect">
+            <a:avLst/>
+          </a:prstGeom>
+          <a:noFill/>
+        </p:spPr>
+        <p:txBody>
+          <a:bodyPr wrap="square" rtlCol="0">
+            <a:spAutoFit/>
+          </a:bodyPr>
+          <a:lstStyle/>
+          <a:p>
+            <a:pPr algn="ctr"/>
+            <a:r>
+              <a:rPr lang="zh-CN" altLang="en-US" sz="3200" dirty="0"/>
+              <a:t>样</a:t>
+            </a:r>
+            <a:r>
+              <a:rPr lang="zh-CN" altLang="en-US" sz="3200" dirty="0" smtClean="0"/>
+              <a:t>式的优先级？</a:t>
+            </a:r>
+            <a:endParaRPr lang="zh-CN" altLang="en-US" sz="3200" dirty="0"/>
+          </a:p>
+        </p:txBody>
+      </p:sp>
+      <p:sp>
+        <p:nvSpPr>
+          <p:cNvPr id="5" name="TextBox 4"/>
+          <p:cNvSpPr txBox="1"/>
+          <p:nvPr/>
+        </p:nvSpPr>
+        <p:spPr>
+          <a:xfrm>
+            <a:off x="5255568" y="2867667"/>
+            <a:ext cx="3888432" cy="584775"/>
+          </a:xfrm>
+          <a:prstGeom prst="rect">
+            <a:avLst/>
+          </a:prstGeom>
+          <a:noFill/>
+        </p:spPr>
+        <p:txBody>
+          <a:bodyPr wrap="square" rtlCol="0">
+            <a:spAutoFit/>
+          </a:bodyPr>
+          <a:lstStyle/>
+          <a:p>
+            <a:r>
+              <a:rPr lang="zh-CN" altLang="en-US" sz="3200" dirty="0" smtClean="0">
+                <a:solidFill>
+                  <a:srgbClr val="FF0000"/>
+                </a:solidFill>
+              </a:rPr>
+              <a:t>一定要放</a:t>
+            </a:r>
+            <a:r>
+              <a:rPr lang="en-US" altLang="zh-CN" sz="3200" dirty="0" smtClean="0">
+                <a:solidFill>
+                  <a:srgbClr val="FF0000"/>
+                </a:solidFill>
+              </a:rPr>
+              <a:t>head</a:t>
+            </a:r>
+            <a:r>
+              <a:rPr lang="zh-CN" altLang="en-US" sz="3200" dirty="0" smtClean="0">
+                <a:solidFill>
+                  <a:srgbClr val="FF0000"/>
+                </a:solidFill>
+              </a:rPr>
+              <a:t>？</a:t>
+            </a:r>
+            <a:endParaRPr lang="zh-CN" altLang="en-US" sz="3200" dirty="0">
+              <a:solidFill>
+                <a:srgbClr val="FF0000"/>
+              </a:solidFill>
+            </a:endParaRPr>
           </a:p>
         </p:txBody>
       </p:sp>
@@ -9334,8 +12651,8 @@
         </p:blipFill>
         <p:spPr bwMode="auto">
           <a:xfrm>
-            <a:off x="395536" y="1268760"/>
-            <a:ext cx="8352928" cy="5040560"/>
+            <a:off x="3743400" y="2081391"/>
+            <a:ext cx="1512168" cy="1572551"/>
           </a:xfrm>
           <a:prstGeom prst="rect">
             <a:avLst/>
@@ -9378,358 +12695,6 @@
     </p:spTree>
     <p:extLst>
       <p:ext uri="{BB962C8B-B14F-4D97-AF65-F5344CB8AC3E}">
-        <p14:creationId xmlns:p14="http://schemas.microsoft.com/office/powerpoint/2010/main" val="3767552766"/>
-      </p:ext>
-    </p:extLst>
-  </p:cSld>
-  <p:clrMapOvr>
-    <a:masterClrMapping/>
-  </p:clrMapOvr>
-</p:sld>
-</file>
-
-<file path=ppt/slides/slide20.xml><?xml version="1.0" encoding="utf-8"?>
-<p:sld xmlns:a="http://schemas.openxmlformats.org/drawingml/2006/main" xmlns:r="http://schemas.openxmlformats.org/officeDocument/2006/relationships" xmlns:p="http://schemas.openxmlformats.org/presentationml/2006/main">
-  <p:cSld>
-    <p:spTree>
-      <p:nvGrpSpPr>
-        <p:cNvPr id="1" name=""/>
-        <p:cNvGrpSpPr/>
-        <p:nvPr/>
-      </p:nvGrpSpPr>
-      <p:grpSpPr>
-        <a:xfrm>
-          <a:off x="0" y="0"/>
-          <a:ext cx="0" cy="0"/>
-          <a:chOff x="0" y="0"/>
-          <a:chExt cx="0" cy="0"/>
-        </a:xfrm>
-      </p:grpSpPr>
-      <p:sp>
-        <p:nvSpPr>
-          <p:cNvPr id="2" name="标题 1"/>
-          <p:cNvSpPr>
-            <a:spLocks noGrp="1"/>
-          </p:cNvSpPr>
-          <p:nvPr>
-            <p:ph type="title"/>
-          </p:nvPr>
-        </p:nvSpPr>
-        <p:spPr/>
-        <p:txBody>
-          <a:bodyPr/>
-          <a:lstStyle/>
-          <a:p>
-            <a:endParaRPr lang="zh-CN" altLang="en-US" dirty="0"/>
-          </a:p>
-        </p:txBody>
-      </p:sp>
-      <p:sp>
-        <p:nvSpPr>
-          <p:cNvPr id="3" name="内容占位符 2"/>
-          <p:cNvSpPr>
-            <a:spLocks noGrp="1"/>
-          </p:cNvSpPr>
-          <p:nvPr>
-            <p:ph idx="1"/>
-          </p:nvPr>
-        </p:nvSpPr>
-        <p:spPr/>
-        <p:txBody>
-          <a:bodyPr>
-            <a:normAutofit/>
-          </a:bodyPr>
-          <a:lstStyle/>
-          <a:p>
-            <a:pPr marL="0" indent="0" algn="ctr">
-              <a:buNone/>
-            </a:pPr>
-            <a:r>
-              <a:rPr lang="en-US" altLang="zh-CN" sz="6000" dirty="0" smtClean="0"/>
-              <a:t>over</a:t>
-            </a:r>
-            <a:r>
-              <a:rPr lang="zh-CN" altLang="en-US" sz="6000" dirty="0" smtClean="0"/>
-              <a:t>！</a:t>
-            </a:r>
-            <a:endParaRPr lang="zh-CN" altLang="en-US" sz="6000" dirty="0"/>
-          </a:p>
-        </p:txBody>
-      </p:sp>
-    </p:spTree>
-    <p:extLst>
-      <p:ext uri="{BB962C8B-B14F-4D97-AF65-F5344CB8AC3E}">
-        <p14:creationId xmlns:p14="http://schemas.microsoft.com/office/powerpoint/2010/main" val="3382256039"/>
-      </p:ext>
-    </p:extLst>
-  </p:cSld>
-  <p:clrMapOvr>
-    <a:masterClrMapping/>
-  </p:clrMapOvr>
-</p:sld>
-</file>
-
-<file path=ppt/slides/slide3.xml><?xml version="1.0" encoding="utf-8"?>
-<p:sld xmlns:a="http://schemas.openxmlformats.org/drawingml/2006/main" xmlns:r="http://schemas.openxmlformats.org/officeDocument/2006/relationships" xmlns:p="http://schemas.openxmlformats.org/presentationml/2006/main">
-  <p:cSld>
-    <p:spTree>
-      <p:nvGrpSpPr>
-        <p:cNvPr id="1" name=""/>
-        <p:cNvGrpSpPr/>
-        <p:nvPr/>
-      </p:nvGrpSpPr>
-      <p:grpSpPr>
-        <a:xfrm>
-          <a:off x="0" y="0"/>
-          <a:ext cx="0" cy="0"/>
-          <a:chOff x="0" y="0"/>
-          <a:chExt cx="0" cy="0"/>
-        </a:xfrm>
-      </p:grpSpPr>
-      <p:sp>
-        <p:nvSpPr>
-          <p:cNvPr id="2" name="标题 1"/>
-          <p:cNvSpPr>
-            <a:spLocks noGrp="1"/>
-          </p:cNvSpPr>
-          <p:nvPr>
-            <p:ph type="ctrTitle"/>
-          </p:nvPr>
-        </p:nvSpPr>
-        <p:spPr/>
-        <p:txBody>
-          <a:bodyPr/>
-          <a:lstStyle/>
-          <a:p>
-            <a:r>
-              <a:rPr lang="en-US" altLang="zh-CN" dirty="0" smtClean="0"/>
-              <a:t>HTML DOM</a:t>
-            </a:r>
-            <a:r>
-              <a:rPr lang="zh-CN" altLang="en-US" dirty="0" smtClean="0"/>
-              <a:t>（</a:t>
-            </a:r>
-            <a:r>
-              <a:rPr lang="en-US" altLang="zh-CN" dirty="0" err="1" smtClean="0"/>
-              <a:t>css</a:t>
-            </a:r>
-            <a:r>
-              <a:rPr lang="zh-CN" altLang="en-US" dirty="0" smtClean="0"/>
-              <a:t>，</a:t>
-            </a:r>
-            <a:r>
-              <a:rPr lang="en-US" altLang="zh-CN" dirty="0"/>
-              <a:t>event</a:t>
-            </a:r>
-            <a:r>
-              <a:rPr lang="zh-CN" altLang="en-US" dirty="0" smtClean="0"/>
-              <a:t>）</a:t>
-            </a:r>
-            <a:endParaRPr lang="zh-CN" altLang="en-US" dirty="0"/>
-          </a:p>
-        </p:txBody>
-      </p:sp>
-      <p:sp>
-        <p:nvSpPr>
-          <p:cNvPr id="3" name="副标题 2"/>
-          <p:cNvSpPr>
-            <a:spLocks noGrp="1"/>
-          </p:cNvSpPr>
-          <p:nvPr>
-            <p:ph type="subTitle" idx="1"/>
-          </p:nvPr>
-        </p:nvSpPr>
-        <p:spPr/>
-        <p:txBody>
-          <a:bodyPr/>
-          <a:lstStyle/>
-          <a:p>
-            <a:endParaRPr lang="zh-CN" altLang="en-US" dirty="0"/>
-          </a:p>
-        </p:txBody>
-      </p:sp>
-    </p:spTree>
-    <p:extLst>
-      <p:ext uri="{BB962C8B-B14F-4D97-AF65-F5344CB8AC3E}">
-        <p14:creationId xmlns:p14="http://schemas.microsoft.com/office/powerpoint/2010/main" val="3940297337"/>
-      </p:ext>
-    </p:extLst>
-  </p:cSld>
-  <p:clrMapOvr>
-    <a:masterClrMapping/>
-  </p:clrMapOvr>
-  <p:timing>
-    <p:tnLst>
-      <p:par>
-        <p:cTn id="1" dur="indefinite" restart="never" nodeType="tmRoot"/>
-      </p:par>
-    </p:tnLst>
-  </p:timing>
-</p:sld>
-</file>
-
-<file path=ppt/slides/slide4.xml><?xml version="1.0" encoding="utf-8"?>
-<p:sld xmlns:a="http://schemas.openxmlformats.org/drawingml/2006/main" xmlns:r="http://schemas.openxmlformats.org/officeDocument/2006/relationships" xmlns:p="http://schemas.openxmlformats.org/presentationml/2006/main">
-  <p:cSld>
-    <p:spTree>
-      <p:nvGrpSpPr>
-        <p:cNvPr id="1" name=""/>
-        <p:cNvGrpSpPr/>
-        <p:nvPr/>
-      </p:nvGrpSpPr>
-      <p:grpSpPr>
-        <a:xfrm>
-          <a:off x="0" y="0"/>
-          <a:ext cx="0" cy="0"/>
-          <a:chOff x="0" y="0"/>
-          <a:chExt cx="0" cy="0"/>
-        </a:xfrm>
-      </p:grpSpPr>
-      <p:sp>
-        <p:nvSpPr>
-          <p:cNvPr id="2" name="标题 1"/>
-          <p:cNvSpPr>
-            <a:spLocks noGrp="1"/>
-          </p:cNvSpPr>
-          <p:nvPr>
-            <p:ph type="title"/>
-          </p:nvPr>
-        </p:nvSpPr>
-        <p:spPr/>
-        <p:txBody>
-          <a:bodyPr/>
-          <a:lstStyle/>
-          <a:p>
-            <a:r>
-              <a:rPr lang="en-US" altLang="zh-CN" dirty="0" smtClean="0"/>
-              <a:t>CSS	</a:t>
-            </a:r>
-            <a:endParaRPr lang="zh-CN" altLang="en-US" dirty="0"/>
-          </a:p>
-        </p:txBody>
-      </p:sp>
-      <p:sp>
-        <p:nvSpPr>
-          <p:cNvPr id="3" name="内容占位符 2"/>
-          <p:cNvSpPr>
-            <a:spLocks noGrp="1"/>
-          </p:cNvSpPr>
-          <p:nvPr>
-            <p:ph idx="1"/>
-          </p:nvPr>
-        </p:nvSpPr>
-        <p:spPr/>
-        <p:txBody>
-          <a:bodyPr/>
-          <a:lstStyle/>
-          <a:p>
-            <a:r>
-              <a:rPr lang="zh-CN" altLang="en-US" dirty="0" smtClean="0">
-                <a:solidFill>
-                  <a:srgbClr val="FF0000"/>
-                </a:solidFill>
-              </a:rPr>
-              <a:t>增</a:t>
-            </a:r>
-            <a:endParaRPr lang="en-US" altLang="zh-CN" dirty="0" smtClean="0">
-              <a:solidFill>
-                <a:srgbClr val="FF0000"/>
-              </a:solidFill>
-            </a:endParaRPr>
-          </a:p>
-          <a:p>
-            <a:pPr lvl="1"/>
-            <a:r>
-              <a:rPr lang="zh-CN" altLang="en-US" dirty="0"/>
-              <a:t>新</a:t>
-            </a:r>
-            <a:r>
-              <a:rPr lang="zh-CN" altLang="en-US" dirty="0" smtClean="0"/>
-              <a:t>增样式</a:t>
-            </a:r>
-            <a:endParaRPr lang="en-US" altLang="zh-CN" dirty="0" smtClean="0"/>
-          </a:p>
-          <a:p>
-            <a:r>
-              <a:rPr lang="zh-CN" altLang="en-US" dirty="0" smtClean="0">
-                <a:solidFill>
-                  <a:srgbClr val="FF0000"/>
-                </a:solidFill>
-              </a:rPr>
-              <a:t>删</a:t>
-            </a:r>
-            <a:endParaRPr lang="en-US" altLang="zh-CN" dirty="0" smtClean="0">
-              <a:solidFill>
-                <a:srgbClr val="FF0000"/>
-              </a:solidFill>
-            </a:endParaRPr>
-          </a:p>
-          <a:p>
-            <a:pPr lvl="1"/>
-            <a:r>
-              <a:rPr lang="zh-CN" altLang="en-US" dirty="0"/>
-              <a:t>删除样式</a:t>
-            </a:r>
-            <a:endParaRPr lang="en-US" altLang="zh-CN" dirty="0" smtClean="0"/>
-          </a:p>
-          <a:p>
-            <a:r>
-              <a:rPr lang="zh-CN" altLang="en-US" dirty="0" smtClean="0">
-                <a:solidFill>
-                  <a:srgbClr val="FF0000"/>
-                </a:solidFill>
-              </a:rPr>
-              <a:t>改</a:t>
-            </a:r>
-            <a:endParaRPr lang="en-US" altLang="zh-CN" dirty="0" smtClean="0">
-              <a:solidFill>
-                <a:srgbClr val="FF0000"/>
-              </a:solidFill>
-            </a:endParaRPr>
-          </a:p>
-          <a:p>
-            <a:pPr lvl="1"/>
-            <a:r>
-              <a:rPr lang="zh-CN" altLang="en-US" dirty="0"/>
-              <a:t>修改样式</a:t>
-            </a:r>
-            <a:endParaRPr lang="en-US" altLang="zh-CN" dirty="0" smtClean="0"/>
-          </a:p>
-          <a:p>
-            <a:r>
-              <a:rPr lang="zh-CN" altLang="en-US" dirty="0" smtClean="0">
-                <a:solidFill>
-                  <a:srgbClr val="FF0000"/>
-                </a:solidFill>
-              </a:rPr>
-              <a:t>查</a:t>
-            </a:r>
-            <a:endParaRPr lang="en-US" altLang="zh-CN" dirty="0" smtClean="0">
-              <a:solidFill>
-                <a:srgbClr val="FF0000"/>
-              </a:solidFill>
-            </a:endParaRPr>
-          </a:p>
-          <a:p>
-            <a:pPr lvl="1"/>
-            <a:r>
-              <a:rPr lang="zh-CN" altLang="en-US" dirty="0"/>
-              <a:t>获取</a:t>
-            </a:r>
-            <a:r>
-              <a:rPr lang="zh-CN" altLang="en-US" dirty="0" smtClean="0"/>
-              <a:t>样</a:t>
-            </a:r>
-            <a:r>
-              <a:rPr lang="zh-CN" altLang="en-US" dirty="0"/>
-              <a:t>式</a:t>
-            </a:r>
-          </a:p>
-        </p:txBody>
-      </p:sp>
-    </p:spTree>
-    <p:extLst>
-      <p:ext uri="{BB962C8B-B14F-4D97-AF65-F5344CB8AC3E}">
         <p14:creationId xmlns:p14="http://schemas.microsoft.com/office/powerpoint/2010/main" val="2151342827"/>
       </p:ext>
     </p:extLst>
@@ -9747,7 +12712,7 @@
 </p:sld>
 </file>
 
-<file path=ppt/slides/slide5.xml><?xml version="1.0" encoding="utf-8"?>
+<file path=ppt/slides/slide9.xml><?xml version="1.0" encoding="utf-8"?>
 <p:sld xmlns:a="http://schemas.openxmlformats.org/drawingml/2006/main" xmlns:r="http://schemas.openxmlformats.org/officeDocument/2006/relationships" xmlns:p="http://schemas.openxmlformats.org/presentationml/2006/main">
   <p:cSld>
     <p:spTree>
@@ -10370,1428 +13335,6 @@
 </p:sld>
 </file>
 
-<file path=ppt/slides/slide6.xml><?xml version="1.0" encoding="utf-8"?>
-<p:sld xmlns:a="http://schemas.openxmlformats.org/drawingml/2006/main" xmlns:r="http://schemas.openxmlformats.org/officeDocument/2006/relationships" xmlns:p="http://schemas.openxmlformats.org/presentationml/2006/main">
-  <p:cSld>
-    <p:spTree>
-      <p:nvGrpSpPr>
-        <p:cNvPr id="1" name=""/>
-        <p:cNvGrpSpPr/>
-        <p:nvPr/>
-      </p:nvGrpSpPr>
-      <p:grpSpPr>
-        <a:xfrm>
-          <a:off x="0" y="0"/>
-          <a:ext cx="0" cy="0"/>
-          <a:chOff x="0" y="0"/>
-          <a:chExt cx="0" cy="0"/>
-        </a:xfrm>
-      </p:grpSpPr>
-      <p:sp>
-        <p:nvSpPr>
-          <p:cNvPr id="2" name="标题 1"/>
-          <p:cNvSpPr>
-            <a:spLocks noGrp="1"/>
-          </p:cNvSpPr>
-          <p:nvPr>
-            <p:ph type="title"/>
-          </p:nvPr>
-        </p:nvSpPr>
-        <p:spPr/>
-        <p:txBody>
-          <a:bodyPr/>
-          <a:lstStyle/>
-          <a:p>
-            <a:r>
-              <a:rPr lang="zh-CN" altLang="en-US" dirty="0" smtClean="0"/>
-              <a:t>获取样式</a:t>
-            </a:r>
-            <a:endParaRPr lang="zh-CN" altLang="en-US" dirty="0"/>
-          </a:p>
-        </p:txBody>
-      </p:sp>
-      <p:sp>
-        <p:nvSpPr>
-          <p:cNvPr id="3" name="内容占位符 2"/>
-          <p:cNvSpPr>
-            <a:spLocks noGrp="1"/>
-          </p:cNvSpPr>
-          <p:nvPr>
-            <p:ph idx="1"/>
-          </p:nvPr>
-        </p:nvSpPr>
-        <p:spPr>
-          <a:xfrm>
-            <a:off x="457200" y="1600200"/>
-            <a:ext cx="8229600" cy="820688"/>
-          </a:xfrm>
-        </p:spPr>
-        <p:txBody>
-          <a:bodyPr/>
-          <a:lstStyle/>
-          <a:p>
-            <a:r>
-              <a:rPr lang="en-US" altLang="zh-CN" dirty="0" smtClean="0"/>
-              <a:t>Console.log(</a:t>
-            </a:r>
-            <a:r>
-              <a:rPr lang="en-US" altLang="zh-CN" dirty="0" err="1" smtClean="0"/>
-              <a:t>Obj.style</a:t>
-            </a:r>
-            <a:r>
-              <a:rPr lang="en-US" altLang="zh-CN" dirty="0" smtClean="0"/>
-              <a:t>[property]) ; </a:t>
-            </a:r>
-            <a:r>
-              <a:rPr lang="en-US" altLang="zh-CN" dirty="0" smtClean="0">
-                <a:solidFill>
-                  <a:srgbClr val="FF0000"/>
-                </a:solidFill>
-              </a:rPr>
-              <a:t>×</a:t>
-            </a:r>
-            <a:endParaRPr lang="zh-CN" altLang="en-US" sz="4800" dirty="0">
-              <a:solidFill>
-                <a:srgbClr val="FF0000"/>
-              </a:solidFill>
-            </a:endParaRPr>
-          </a:p>
-        </p:txBody>
-      </p:sp>
-      <p:sp>
-        <p:nvSpPr>
-          <p:cNvPr id="5" name="内容占位符 2"/>
-          <p:cNvSpPr txBox="1">
-            <a:spLocks/>
-          </p:cNvSpPr>
-          <p:nvPr/>
-        </p:nvSpPr>
-        <p:spPr>
-          <a:xfrm>
-            <a:off x="609600" y="3140968"/>
-            <a:ext cx="8229600" cy="3052936"/>
-          </a:xfrm>
-          <a:prstGeom prst="rect">
-            <a:avLst/>
-          </a:prstGeom>
-        </p:spPr>
-        <p:txBody>
-          <a:bodyPr vert="horz" rtlCol="0">
-            <a:normAutofit/>
-          </a:bodyPr>
-          <a:lstStyle>
-            <a:lvl1pPr marL="342900" indent="-342900" algn="l" rtl="0" eaLnBrk="1" latinLnBrk="0" hangingPunct="1">
-              <a:spcBef>
-                <a:spcPct val="20000"/>
-              </a:spcBef>
-              <a:buClr>
-                <a:schemeClr val="tx2"/>
-              </a:buClr>
-              <a:buSzPct val="50000"/>
-              <a:buFont typeface="Wingdings 2"/>
-              <a:buChar char="ß"/>
-              <a:defRPr kumimoji="0" sz="3200" kern="1200">
-                <a:solidFill>
-                  <a:schemeClr val="tx1"/>
-                </a:solidFill>
-                <a:latin typeface="+mn-lt"/>
-                <a:ea typeface="+mn-ea"/>
-                <a:cs typeface="+mn-cs"/>
-              </a:defRPr>
-            </a:lvl1pPr>
-            <a:lvl2pPr marL="742950" indent="-285750" algn="l" rtl="0" eaLnBrk="1" latinLnBrk="0" hangingPunct="1">
-              <a:spcBef>
-                <a:spcPct val="20000"/>
-              </a:spcBef>
-              <a:buClr>
-                <a:schemeClr val="tx2"/>
-              </a:buClr>
-              <a:buSzPct val="50000"/>
-              <a:buFont typeface="Wingdings 2"/>
-              <a:buChar char="Þ"/>
-              <a:defRPr kumimoji="0" sz="2800" kern="1200">
-                <a:solidFill>
-                  <a:schemeClr val="tx1"/>
-                </a:solidFill>
-                <a:latin typeface="+mn-lt"/>
-                <a:ea typeface="+mn-ea"/>
-                <a:cs typeface="+mn-cs"/>
-              </a:defRPr>
-            </a:lvl2pPr>
-            <a:lvl3pPr marL="1143000" indent="-228600" algn="l" rtl="0" eaLnBrk="1" latinLnBrk="0" hangingPunct="1">
-              <a:spcBef>
-                <a:spcPct val="20000"/>
-              </a:spcBef>
-              <a:buClr>
-                <a:schemeClr val="tx2"/>
-              </a:buClr>
-              <a:buSzPct val="50000"/>
-              <a:buFont typeface="Wingdings 2"/>
-              <a:buChar char=""/>
-              <a:defRPr kumimoji="0" sz="2400" kern="1200">
-                <a:solidFill>
-                  <a:schemeClr val="tx1"/>
-                </a:solidFill>
-                <a:latin typeface="+mn-lt"/>
-                <a:ea typeface="+mn-ea"/>
-                <a:cs typeface="+mn-cs"/>
-              </a:defRPr>
-            </a:lvl3pPr>
-            <a:lvl4pPr marL="1600200" indent="-228600" algn="l" rtl="0" eaLnBrk="1" latinLnBrk="0" hangingPunct="1">
-              <a:spcBef>
-                <a:spcPct val="20000"/>
-              </a:spcBef>
-              <a:buClr>
-                <a:schemeClr val="tx2"/>
-              </a:buClr>
-              <a:buSzPct val="50000"/>
-              <a:buFont typeface="Wingdings 2"/>
-              <a:buChar char=""/>
-              <a:defRPr kumimoji="0" sz="2000" kern="1200">
-                <a:solidFill>
-                  <a:schemeClr val="tx1"/>
-                </a:solidFill>
-                <a:latin typeface="+mn-lt"/>
-                <a:ea typeface="+mn-ea"/>
-                <a:cs typeface="+mn-cs"/>
-              </a:defRPr>
-            </a:lvl4pPr>
-            <a:lvl5pPr marL="2057400" indent="-228600" algn="l" rtl="0" eaLnBrk="1" latinLnBrk="0" hangingPunct="1">
-              <a:spcBef>
-                <a:spcPct val="20000"/>
-              </a:spcBef>
-              <a:buClr>
-                <a:schemeClr val="tx2"/>
-              </a:buClr>
-              <a:buSzPct val="50000"/>
-              <a:buFont typeface="Wingdings 2"/>
-              <a:buChar char=""/>
-              <a:defRPr kumimoji="0" sz="2000" kern="1200">
-                <a:solidFill>
-                  <a:schemeClr val="tx1"/>
-                </a:solidFill>
-                <a:latin typeface="+mn-lt"/>
-                <a:ea typeface="+mn-ea"/>
-                <a:cs typeface="+mn-cs"/>
-              </a:defRPr>
-            </a:lvl5pPr>
-            <a:lvl6pPr marL="2514600" indent="-228600" algn="l" rtl="0" eaLnBrk="1" latinLnBrk="0" hangingPunct="1">
-              <a:spcBef>
-                <a:spcPct val="20000"/>
-              </a:spcBef>
-              <a:buFont typeface="Arial"/>
-              <a:buChar char="•"/>
-              <a:defRPr kumimoji="0" sz="2000" kern="1200">
-                <a:solidFill>
-                  <a:schemeClr val="tx1"/>
-                </a:solidFill>
-                <a:latin typeface="+mn-lt"/>
-                <a:ea typeface="+mn-ea"/>
-                <a:cs typeface="+mn-cs"/>
-              </a:defRPr>
-            </a:lvl6pPr>
-            <a:lvl7pPr marL="2971800" indent="-228600" algn="l" rtl="0" eaLnBrk="1" latinLnBrk="0" hangingPunct="1">
-              <a:spcBef>
-                <a:spcPct val="20000"/>
-              </a:spcBef>
-              <a:buFont typeface="Arial"/>
-              <a:buChar char="•"/>
-              <a:defRPr kumimoji="0" sz="2000" kern="1200">
-                <a:solidFill>
-                  <a:schemeClr val="tx1"/>
-                </a:solidFill>
-                <a:latin typeface="+mn-lt"/>
-                <a:ea typeface="+mn-ea"/>
-                <a:cs typeface="+mn-cs"/>
-              </a:defRPr>
-            </a:lvl7pPr>
-            <a:lvl8pPr marL="3429000" indent="-228600" algn="l" rtl="0" eaLnBrk="1" latinLnBrk="0" hangingPunct="1">
-              <a:spcBef>
-                <a:spcPct val="20000"/>
-              </a:spcBef>
-              <a:buFont typeface="Arial"/>
-              <a:buChar char="•"/>
-              <a:defRPr kumimoji="0" sz="2000" kern="1200">
-                <a:solidFill>
-                  <a:schemeClr val="tx1"/>
-                </a:solidFill>
-                <a:latin typeface="+mn-lt"/>
-                <a:ea typeface="+mn-ea"/>
-                <a:cs typeface="+mn-cs"/>
-              </a:defRPr>
-            </a:lvl8pPr>
-            <a:lvl9pPr marL="3886200" indent="-228600" algn="l" rtl="0" eaLnBrk="1" latinLnBrk="0" hangingPunct="1">
-              <a:spcBef>
-                <a:spcPct val="20000"/>
-              </a:spcBef>
-              <a:buFont typeface="Arial"/>
-              <a:buChar char="•"/>
-              <a:defRPr kumimoji="0" sz="2000" kern="1200">
-                <a:solidFill>
-                  <a:schemeClr val="tx1"/>
-                </a:solidFill>
-                <a:latin typeface="+mn-lt"/>
-                <a:ea typeface="+mn-ea"/>
-                <a:cs typeface="+mn-cs"/>
-              </a:defRPr>
-            </a:lvl9pPr>
-          </a:lstStyle>
-          <a:p>
-            <a:pPr marL="0" indent="0">
-              <a:buNone/>
-            </a:pPr>
-            <a:r>
-              <a:rPr lang="en-US" altLang="zh-CN" dirty="0" err="1" smtClean="0"/>
-              <a:t>getComputedStyle</a:t>
-            </a:r>
-            <a:r>
-              <a:rPr lang="en-US" altLang="zh-CN" dirty="0" smtClean="0"/>
-              <a:t>(</a:t>
-            </a:r>
-            <a:r>
-              <a:rPr lang="en-US" altLang="zh-CN" dirty="0" err="1" smtClean="0"/>
-              <a:t>Obj,false</a:t>
-            </a:r>
-            <a:r>
-              <a:rPr lang="en-US" altLang="zh-CN" dirty="0" smtClean="0"/>
-              <a:t>).property  </a:t>
-            </a:r>
-            <a:r>
-              <a:rPr lang="zh-CN" altLang="en-US" dirty="0" smtClean="0"/>
-              <a:t>（</a:t>
-            </a:r>
-            <a:r>
-              <a:rPr lang="en-US" altLang="zh-CN" dirty="0" smtClean="0"/>
-              <a:t>IE9+</a:t>
-            </a:r>
-            <a:r>
-              <a:rPr lang="zh-CN" altLang="en-US" dirty="0" smtClean="0"/>
-              <a:t>）</a:t>
-            </a:r>
-            <a:endParaRPr lang="en-US" altLang="zh-CN" dirty="0" smtClean="0"/>
-          </a:p>
-          <a:p>
-            <a:pPr marL="0" indent="0">
-              <a:buNone/>
-            </a:pPr>
-            <a:endParaRPr lang="en-US" altLang="zh-CN" dirty="0" smtClean="0">
-              <a:latin typeface="+mj-lt"/>
-            </a:endParaRPr>
-          </a:p>
-          <a:p>
-            <a:pPr marL="0" indent="0">
-              <a:buNone/>
-            </a:pPr>
-            <a:r>
-              <a:rPr lang="en-US" altLang="zh-CN" dirty="0" err="1" smtClean="0"/>
-              <a:t>Obj.currentStyle.property</a:t>
-            </a:r>
-            <a:r>
-              <a:rPr lang="en-US" altLang="zh-CN" dirty="0" smtClean="0"/>
-              <a:t>			</a:t>
-            </a:r>
-            <a:r>
-              <a:rPr lang="zh-CN" altLang="en-US" dirty="0" smtClean="0"/>
-              <a:t>（</a:t>
-            </a:r>
-            <a:r>
-              <a:rPr lang="en-US" altLang="zh-CN" dirty="0" smtClean="0"/>
-              <a:t>IE</a:t>
-            </a:r>
-            <a:r>
-              <a:rPr lang="zh-CN" altLang="en-US" dirty="0" smtClean="0"/>
-              <a:t>系）</a:t>
-            </a:r>
-            <a:endParaRPr lang="en-US" altLang="zh-CN" dirty="0" smtClean="0"/>
-          </a:p>
-          <a:p>
-            <a:pPr marL="0" indent="0">
-              <a:buNone/>
-            </a:pPr>
-            <a:endParaRPr lang="zh-CN" altLang="en-US" dirty="0">
-              <a:latin typeface="+mj-lt"/>
-            </a:endParaRPr>
-          </a:p>
-        </p:txBody>
-      </p:sp>
-    </p:spTree>
-    <p:extLst>
-      <p:ext uri="{BB962C8B-B14F-4D97-AF65-F5344CB8AC3E}">
-        <p14:creationId xmlns:p14="http://schemas.microsoft.com/office/powerpoint/2010/main" val="3289956933"/>
-      </p:ext>
-    </p:extLst>
-  </p:cSld>
-  <p:clrMapOvr>
-    <a:masterClrMapping/>
-  </p:clrMapOvr>
-  <p:timing>
-    <p:tnLst>
-      <p:par>
-        <p:cTn id="1" dur="indefinite" restart="never" nodeType="tmRoot">
-          <p:childTnLst>
-            <p:seq concurrent="1" nextAc="seek">
-              <p:cTn id="2" dur="indefinite" nodeType="mainSeq">
-                <p:childTnLst>
-                  <p:par>
-                    <p:cTn id="3" fill="hold">
-                      <p:stCondLst>
-                        <p:cond delay="indefinite"/>
-                      </p:stCondLst>
-                      <p:childTnLst>
-                        <p:par>
-                          <p:cTn id="4" fill="hold">
-                            <p:stCondLst>
-                              <p:cond delay="0"/>
-                            </p:stCondLst>
-                            <p:childTnLst>
-                              <p:par>
-                                <p:cTn id="5" presetID="2" presetClass="entr" presetSubtype="4" fill="hold" grpId="0" nodeType="clickEffect">
-                                  <p:stCondLst>
-                                    <p:cond delay="0"/>
-                                  </p:stCondLst>
-                                  <p:childTnLst>
-                                    <p:set>
-                                      <p:cBhvr>
-                                        <p:cTn id="6" dur="1" fill="hold">
-                                          <p:stCondLst>
-                                            <p:cond delay="0"/>
-                                          </p:stCondLst>
-                                        </p:cTn>
-                                        <p:tgtEl>
-                                          <p:spTgt spid="2"/>
-                                        </p:tgtEl>
-                                        <p:attrNameLst>
-                                          <p:attrName>style.visibility</p:attrName>
-                                        </p:attrNameLst>
-                                      </p:cBhvr>
-                                      <p:to>
-                                        <p:strVal val="visible"/>
-                                      </p:to>
-                                    </p:set>
-                                    <p:anim calcmode="lin" valueType="num">
-                                      <p:cBhvr additive="base">
-                                        <p:cTn id="7" dur="500" fill="hold"/>
-                                        <p:tgtEl>
-                                          <p:spTgt spid="2"/>
-                                        </p:tgtEl>
-                                        <p:attrNameLst>
-                                          <p:attrName>ppt_x</p:attrName>
-                                        </p:attrNameLst>
-                                      </p:cBhvr>
-                                      <p:tavLst>
-                                        <p:tav tm="0">
-                                          <p:val>
-                                            <p:strVal val="#ppt_x"/>
-                                          </p:val>
-                                        </p:tav>
-                                        <p:tav tm="100000">
-                                          <p:val>
-                                            <p:strVal val="#ppt_x"/>
-                                          </p:val>
-                                        </p:tav>
-                                      </p:tavLst>
-                                    </p:anim>
-                                    <p:anim calcmode="lin" valueType="num">
-                                      <p:cBhvr additive="base">
-                                        <p:cTn id="8" dur="500" fill="hold"/>
-                                        <p:tgtEl>
-                                          <p:spTgt spid="2"/>
-                                        </p:tgtEl>
-                                        <p:attrNameLst>
-                                          <p:attrName>ppt_y</p:attrName>
-                                        </p:attrNameLst>
-                                      </p:cBhvr>
-                                      <p:tavLst>
-                                        <p:tav tm="0">
-                                          <p:val>
-                                            <p:strVal val="1+#ppt_h/2"/>
-                                          </p:val>
-                                        </p:tav>
-                                        <p:tav tm="100000">
-                                          <p:val>
-                                            <p:strVal val="#ppt_y"/>
-                                          </p:val>
-                                        </p:tav>
-                                      </p:tavLst>
-                                    </p:anim>
-                                  </p:childTnLst>
-                                </p:cTn>
-                              </p:par>
-                            </p:childTnLst>
-                          </p:cTn>
-                        </p:par>
-                      </p:childTnLst>
-                    </p:cTn>
-                  </p:par>
-                  <p:par>
-                    <p:cTn id="9" fill="hold">
-                      <p:stCondLst>
-                        <p:cond delay="indefinite"/>
-                      </p:stCondLst>
-                      <p:childTnLst>
-                        <p:par>
-                          <p:cTn id="10" fill="hold">
-                            <p:stCondLst>
-                              <p:cond delay="0"/>
-                            </p:stCondLst>
-                            <p:childTnLst>
-                              <p:par>
-                                <p:cTn id="11" presetID="2" presetClass="entr" presetSubtype="4" fill="hold" grpId="0" nodeType="clickEffect">
-                                  <p:stCondLst>
-                                    <p:cond delay="0"/>
-                                  </p:stCondLst>
-                                  <p:childTnLst>
-                                    <p:set>
-                                      <p:cBhvr>
-                                        <p:cTn id="12" dur="1" fill="hold">
-                                          <p:stCondLst>
-                                            <p:cond delay="0"/>
-                                          </p:stCondLst>
-                                        </p:cTn>
-                                        <p:tgtEl>
-                                          <p:spTgt spid="3">
-                                            <p:txEl>
-                                              <p:pRg st="0" end="0"/>
-                                            </p:txEl>
-                                          </p:spTgt>
-                                        </p:tgtEl>
-                                        <p:attrNameLst>
-                                          <p:attrName>style.visibility</p:attrName>
-                                        </p:attrNameLst>
-                                      </p:cBhvr>
-                                      <p:to>
-                                        <p:strVal val="visible"/>
-                                      </p:to>
-                                    </p:set>
-                                    <p:anim calcmode="lin" valueType="num">
-                                      <p:cBhvr additive="base">
-                                        <p:cTn id="13" dur="500" fill="hold"/>
-                                        <p:tgtEl>
-                                          <p:spTgt spid="3">
-                                            <p:txEl>
-                                              <p:pRg st="0" end="0"/>
-                                            </p:txEl>
-                                          </p:spTgt>
-                                        </p:tgtEl>
-                                        <p:attrNameLst>
-                                          <p:attrName>ppt_x</p:attrName>
-                                        </p:attrNameLst>
-                                      </p:cBhvr>
-                                      <p:tavLst>
-                                        <p:tav tm="0">
-                                          <p:val>
-                                            <p:strVal val="#ppt_x"/>
-                                          </p:val>
-                                        </p:tav>
-                                        <p:tav tm="100000">
-                                          <p:val>
-                                            <p:strVal val="#ppt_x"/>
-                                          </p:val>
-                                        </p:tav>
-                                      </p:tavLst>
-                                    </p:anim>
-                                    <p:anim calcmode="lin" valueType="num">
-                                      <p:cBhvr additive="base">
-                                        <p:cTn id="14" dur="500" fill="hold"/>
-                                        <p:tgtEl>
-                                          <p:spTgt spid="3">
-                                            <p:txEl>
-                                              <p:pRg st="0" end="0"/>
-                                            </p:txEl>
-                                          </p:spTgt>
-                                        </p:tgtEl>
-                                        <p:attrNameLst>
-                                          <p:attrName>ppt_y</p:attrName>
-                                        </p:attrNameLst>
-                                      </p:cBhvr>
-                                      <p:tavLst>
-                                        <p:tav tm="0">
-                                          <p:val>
-                                            <p:strVal val="1+#ppt_h/2"/>
-                                          </p:val>
-                                        </p:tav>
-                                        <p:tav tm="100000">
-                                          <p:val>
-                                            <p:strVal val="#ppt_y"/>
-                                          </p:val>
-                                        </p:tav>
-                                      </p:tavLst>
-                                    </p:anim>
-                                  </p:childTnLst>
-                                </p:cTn>
-                              </p:par>
-                            </p:childTnLst>
-                          </p:cTn>
-                        </p:par>
-                      </p:childTnLst>
-                    </p:cTn>
-                  </p:par>
-                  <p:par>
-                    <p:cTn id="15" fill="hold">
-                      <p:stCondLst>
-                        <p:cond delay="indefinite"/>
-                      </p:stCondLst>
-                      <p:childTnLst>
-                        <p:par>
-                          <p:cTn id="16" fill="hold">
-                            <p:stCondLst>
-                              <p:cond delay="0"/>
-                            </p:stCondLst>
-                            <p:childTnLst>
-                              <p:par>
-                                <p:cTn id="17" presetID="2" presetClass="entr" presetSubtype="4" fill="hold" grpId="0" nodeType="clickEffect">
-                                  <p:stCondLst>
-                                    <p:cond delay="0"/>
-                                  </p:stCondLst>
-                                  <p:childTnLst>
-                                    <p:set>
-                                      <p:cBhvr>
-                                        <p:cTn id="18" dur="1" fill="hold">
-                                          <p:stCondLst>
-                                            <p:cond delay="0"/>
-                                          </p:stCondLst>
-                                        </p:cTn>
-                                        <p:tgtEl>
-                                          <p:spTgt spid="5"/>
-                                        </p:tgtEl>
-                                        <p:attrNameLst>
-                                          <p:attrName>style.visibility</p:attrName>
-                                        </p:attrNameLst>
-                                      </p:cBhvr>
-                                      <p:to>
-                                        <p:strVal val="visible"/>
-                                      </p:to>
-                                    </p:set>
-                                    <p:anim calcmode="lin" valueType="num">
-                                      <p:cBhvr additive="base">
-                                        <p:cTn id="19" dur="500" fill="hold"/>
-                                        <p:tgtEl>
-                                          <p:spTgt spid="5"/>
-                                        </p:tgtEl>
-                                        <p:attrNameLst>
-                                          <p:attrName>ppt_x</p:attrName>
-                                        </p:attrNameLst>
-                                      </p:cBhvr>
-                                      <p:tavLst>
-                                        <p:tav tm="0">
-                                          <p:val>
-                                            <p:strVal val="#ppt_x"/>
-                                          </p:val>
-                                        </p:tav>
-                                        <p:tav tm="100000">
-                                          <p:val>
-                                            <p:strVal val="#ppt_x"/>
-                                          </p:val>
-                                        </p:tav>
-                                      </p:tavLst>
-                                    </p:anim>
-                                    <p:anim calcmode="lin" valueType="num">
-                                      <p:cBhvr additive="base">
-                                        <p:cTn id="20" dur="500" fill="hold"/>
-                                        <p:tgtEl>
-                                          <p:spTgt spid="5"/>
-                                        </p:tgtEl>
-                                        <p:attrNameLst>
-                                          <p:attrName>ppt_y</p:attrName>
-                                        </p:attrNameLst>
-                                      </p:cBhvr>
-                                      <p:tavLst>
-                                        <p:tav tm="0">
-                                          <p:val>
-                                            <p:strVal val="1+#ppt_h/2"/>
-                                          </p:val>
-                                        </p:tav>
-                                        <p:tav tm="100000">
-                                          <p:val>
-                                            <p:strVal val="#ppt_y"/>
-                                          </p:val>
-                                        </p:tav>
-                                      </p:tavLst>
-                                    </p:anim>
-                                  </p:childTnLst>
-                                </p:cTn>
-                              </p:par>
-                            </p:childTnLst>
-                          </p:cTn>
-                        </p:par>
-                      </p:childTnLst>
-                    </p:cTn>
-                  </p:par>
-                </p:childTnLst>
-              </p:cTn>
-              <p:prevCondLst>
-                <p:cond evt="onPrev" delay="0">
-                  <p:tgtEl>
-                    <p:sldTgt/>
-                  </p:tgtEl>
-                </p:cond>
-              </p:prevCondLst>
-              <p:nextCondLst>
-                <p:cond evt="onNext" delay="0">
-                  <p:tgtEl>
-                    <p:sldTgt/>
-                  </p:tgtEl>
-                </p:cond>
-              </p:nextCondLst>
-            </p:seq>
-          </p:childTnLst>
-        </p:cTn>
-      </p:par>
-    </p:tnLst>
-    <p:bldLst>
-      <p:bldP spid="2" grpId="0"/>
-      <p:bldP spid="3" grpId="0" build="p"/>
-      <p:bldP spid="5" grpId="0"/>
-    </p:bldLst>
-  </p:timing>
-</p:sld>
-</file>
-
-<file path=ppt/slides/slide7.xml><?xml version="1.0" encoding="utf-8"?>
-<p:sld xmlns:a="http://schemas.openxmlformats.org/drawingml/2006/main" xmlns:r="http://schemas.openxmlformats.org/officeDocument/2006/relationships" xmlns:p="http://schemas.openxmlformats.org/presentationml/2006/main">
-  <p:cSld>
-    <p:spTree>
-      <p:nvGrpSpPr>
-        <p:cNvPr id="1" name=""/>
-        <p:cNvGrpSpPr/>
-        <p:nvPr/>
-      </p:nvGrpSpPr>
-      <p:grpSpPr>
-        <a:xfrm>
-          <a:off x="0" y="0"/>
-          <a:ext cx="0" cy="0"/>
-          <a:chOff x="0" y="0"/>
-          <a:chExt cx="0" cy="0"/>
-        </a:xfrm>
-      </p:grpSpPr>
-      <p:sp>
-        <p:nvSpPr>
-          <p:cNvPr id="2" name="标题 1"/>
-          <p:cNvSpPr>
-            <a:spLocks noGrp="1"/>
-          </p:cNvSpPr>
-          <p:nvPr>
-            <p:ph type="title"/>
-          </p:nvPr>
-        </p:nvSpPr>
-        <p:spPr/>
-        <p:txBody>
-          <a:bodyPr/>
-          <a:lstStyle/>
-          <a:p>
-            <a:r>
-              <a:rPr lang="zh-CN" altLang="en-US" dirty="0"/>
-              <a:t>删除样式</a:t>
-            </a:r>
-          </a:p>
-        </p:txBody>
-      </p:sp>
-      <p:sp>
-        <p:nvSpPr>
-          <p:cNvPr id="3" name="内容占位符 2"/>
-          <p:cNvSpPr>
-            <a:spLocks noGrp="1"/>
-          </p:cNvSpPr>
-          <p:nvPr>
-            <p:ph idx="1"/>
-          </p:nvPr>
-        </p:nvSpPr>
-        <p:spPr>
-          <a:xfrm>
-            <a:off x="457200" y="1600200"/>
-            <a:ext cx="8229600" cy="1108720"/>
-          </a:xfrm>
-        </p:spPr>
-        <p:txBody>
-          <a:bodyPr>
-            <a:normAutofit/>
-          </a:bodyPr>
-          <a:lstStyle/>
-          <a:p>
-            <a:r>
-              <a:rPr lang="en-US" altLang="zh-CN" dirty="0" err="1" smtClean="0"/>
-              <a:t>Element.style</a:t>
-            </a:r>
-            <a:r>
-              <a:rPr lang="en-US" altLang="zh-CN" dirty="0" smtClean="0"/>
-              <a:t>[property] = “”;</a:t>
-            </a:r>
-          </a:p>
-        </p:txBody>
-      </p:sp>
-      <p:sp>
-        <p:nvSpPr>
-          <p:cNvPr id="4" name="TextBox 3"/>
-          <p:cNvSpPr txBox="1"/>
-          <p:nvPr/>
-        </p:nvSpPr>
-        <p:spPr>
-          <a:xfrm>
-            <a:off x="683568" y="3573016"/>
-            <a:ext cx="7632848" cy="1292662"/>
-          </a:xfrm>
-          <a:prstGeom prst="rect">
-            <a:avLst/>
-          </a:prstGeom>
-          <a:noFill/>
-        </p:spPr>
-        <p:txBody>
-          <a:bodyPr wrap="square" rtlCol="0">
-            <a:spAutoFit/>
-          </a:bodyPr>
-          <a:lstStyle/>
-          <a:p>
-            <a:r>
-              <a:rPr lang="zh-CN" altLang="en-US" sz="2800" dirty="0"/>
-              <a:t>优</a:t>
-            </a:r>
-            <a:r>
-              <a:rPr lang="zh-CN" altLang="en-US" sz="2800" dirty="0" smtClean="0"/>
-              <a:t>化？</a:t>
-            </a:r>
-            <a:endParaRPr lang="en-US" altLang="zh-CN" sz="2800" dirty="0" smtClean="0"/>
-          </a:p>
-          <a:p>
-            <a:endParaRPr lang="en-US" altLang="zh-CN" dirty="0"/>
-          </a:p>
-          <a:p>
-            <a:r>
-              <a:rPr lang="zh-CN" altLang="en-US" sz="3200" dirty="0"/>
-              <a:t>尽</a:t>
-            </a:r>
-            <a:r>
-              <a:rPr lang="zh-CN" altLang="en-US" sz="3200" dirty="0" smtClean="0"/>
-              <a:t>量少用样式修改，多用</a:t>
-            </a:r>
-            <a:r>
-              <a:rPr lang="en-US" altLang="zh-CN" sz="3200" dirty="0" smtClean="0"/>
-              <a:t>class</a:t>
-            </a:r>
-          </a:p>
-        </p:txBody>
-      </p:sp>
-    </p:spTree>
-    <p:extLst>
-      <p:ext uri="{BB962C8B-B14F-4D97-AF65-F5344CB8AC3E}">
-        <p14:creationId xmlns:p14="http://schemas.microsoft.com/office/powerpoint/2010/main" val="1406401350"/>
-      </p:ext>
-    </p:extLst>
-  </p:cSld>
-  <p:clrMapOvr>
-    <a:masterClrMapping/>
-  </p:clrMapOvr>
-  <p:timing>
-    <p:tnLst>
-      <p:par>
-        <p:cTn id="1" dur="indefinite" restart="never" nodeType="tmRoot">
-          <p:childTnLst>
-            <p:seq concurrent="1" nextAc="seek">
-              <p:cTn id="2" dur="indefinite" nodeType="mainSeq">
-                <p:childTnLst>
-                  <p:par>
-                    <p:cTn id="3" fill="hold">
-                      <p:stCondLst>
-                        <p:cond delay="indefinite"/>
-                      </p:stCondLst>
-                      <p:childTnLst>
-                        <p:par>
-                          <p:cTn id="4" fill="hold">
-                            <p:stCondLst>
-                              <p:cond delay="0"/>
-                            </p:stCondLst>
-                            <p:childTnLst>
-                              <p:par>
-                                <p:cTn id="5" presetID="1" presetClass="entr" presetSubtype="0" fill="hold" grpId="0" nodeType="clickEffect">
-                                  <p:stCondLst>
-                                    <p:cond delay="0"/>
-                                  </p:stCondLst>
-                                  <p:childTnLst>
-                                    <p:set>
-                                      <p:cBhvr>
-                                        <p:cTn id="6" dur="1" fill="hold">
-                                          <p:stCondLst>
-                                            <p:cond delay="0"/>
-                                          </p:stCondLst>
-                                        </p:cTn>
-                                        <p:tgtEl>
-                                          <p:spTgt spid="2"/>
-                                        </p:tgtEl>
-                                        <p:attrNameLst>
-                                          <p:attrName>style.visibility</p:attrName>
-                                        </p:attrNameLst>
-                                      </p:cBhvr>
-                                      <p:to>
-                                        <p:strVal val="visible"/>
-                                      </p:to>
-                                    </p:set>
-                                  </p:childTnLst>
-                                </p:cTn>
-                              </p:par>
-                            </p:childTnLst>
-                          </p:cTn>
-                        </p:par>
-                      </p:childTnLst>
-                    </p:cTn>
-                  </p:par>
-                  <p:par>
-                    <p:cTn id="7" fill="hold">
-                      <p:stCondLst>
-                        <p:cond delay="indefinite"/>
-                      </p:stCondLst>
-                      <p:childTnLst>
-                        <p:par>
-                          <p:cTn id="8" fill="hold">
-                            <p:stCondLst>
-                              <p:cond delay="0"/>
-                            </p:stCondLst>
-                            <p:childTnLst>
-                              <p:par>
-                                <p:cTn id="9" presetID="42" presetClass="entr" presetSubtype="0" fill="hold" grpId="0" nodeType="clickEffect">
-                                  <p:stCondLst>
-                                    <p:cond delay="0"/>
-                                  </p:stCondLst>
-                                  <p:childTnLst>
-                                    <p:set>
-                                      <p:cBhvr>
-                                        <p:cTn id="10" dur="1" fill="hold">
-                                          <p:stCondLst>
-                                            <p:cond delay="0"/>
-                                          </p:stCondLst>
-                                        </p:cTn>
-                                        <p:tgtEl>
-                                          <p:spTgt spid="3">
-                                            <p:txEl>
-                                              <p:pRg st="0" end="0"/>
-                                            </p:txEl>
-                                          </p:spTgt>
-                                        </p:tgtEl>
-                                        <p:attrNameLst>
-                                          <p:attrName>style.visibility</p:attrName>
-                                        </p:attrNameLst>
-                                      </p:cBhvr>
-                                      <p:to>
-                                        <p:strVal val="visible"/>
-                                      </p:to>
-                                    </p:set>
-                                    <p:animEffect transition="in" filter="fade">
-                                      <p:cBhvr>
-                                        <p:cTn id="11" dur="1000"/>
-                                        <p:tgtEl>
-                                          <p:spTgt spid="3">
-                                            <p:txEl>
-                                              <p:pRg st="0" end="0"/>
-                                            </p:txEl>
-                                          </p:spTgt>
-                                        </p:tgtEl>
-                                      </p:cBhvr>
-                                    </p:animEffect>
-                                    <p:anim calcmode="lin" valueType="num">
-                                      <p:cBhvr>
-                                        <p:cTn id="12" dur="1000" fill="hold"/>
-                                        <p:tgtEl>
-                                          <p:spTgt spid="3">
-                                            <p:txEl>
-                                              <p:pRg st="0" end="0"/>
-                                            </p:txEl>
-                                          </p:spTgt>
-                                        </p:tgtEl>
-                                        <p:attrNameLst>
-                                          <p:attrName>ppt_x</p:attrName>
-                                        </p:attrNameLst>
-                                      </p:cBhvr>
-                                      <p:tavLst>
-                                        <p:tav tm="0">
-                                          <p:val>
-                                            <p:strVal val="#ppt_x"/>
-                                          </p:val>
-                                        </p:tav>
-                                        <p:tav tm="100000">
-                                          <p:val>
-                                            <p:strVal val="#ppt_x"/>
-                                          </p:val>
-                                        </p:tav>
-                                      </p:tavLst>
-                                    </p:anim>
-                                    <p:anim calcmode="lin" valueType="num">
-                                      <p:cBhvr>
-                                        <p:cTn id="13" dur="1000" fill="hold"/>
-                                        <p:tgtEl>
-                                          <p:spTgt spid="3">
-                                            <p:txEl>
-                                              <p:pRg st="0" end="0"/>
-                                            </p:txEl>
-                                          </p:spTgt>
-                                        </p:tgtEl>
-                                        <p:attrNameLst>
-                                          <p:attrName>ppt_y</p:attrName>
-                                        </p:attrNameLst>
-                                      </p:cBhvr>
-                                      <p:tavLst>
-                                        <p:tav tm="0">
-                                          <p:val>
-                                            <p:strVal val="#ppt_y+.1"/>
-                                          </p:val>
-                                        </p:tav>
-                                        <p:tav tm="100000">
-                                          <p:val>
-                                            <p:strVal val="#ppt_y"/>
-                                          </p:val>
-                                        </p:tav>
-                                      </p:tavLst>
-                                    </p:anim>
-                                  </p:childTnLst>
-                                </p:cTn>
-                              </p:par>
-                            </p:childTnLst>
-                          </p:cTn>
-                        </p:par>
-                      </p:childTnLst>
-                    </p:cTn>
-                  </p:par>
-                  <p:par>
-                    <p:cTn id="14" fill="hold">
-                      <p:stCondLst>
-                        <p:cond delay="indefinite"/>
-                      </p:stCondLst>
-                      <p:childTnLst>
-                        <p:par>
-                          <p:cTn id="15" fill="hold">
-                            <p:stCondLst>
-                              <p:cond delay="0"/>
-                            </p:stCondLst>
-                            <p:childTnLst>
-                              <p:par>
-                                <p:cTn id="16" presetID="16" presetClass="entr" presetSubtype="21" fill="hold" grpId="0" nodeType="clickEffect">
-                                  <p:stCondLst>
-                                    <p:cond delay="0"/>
-                                  </p:stCondLst>
-                                  <p:childTnLst>
-                                    <p:set>
-                                      <p:cBhvr>
-                                        <p:cTn id="17" dur="1" fill="hold">
-                                          <p:stCondLst>
-                                            <p:cond delay="0"/>
-                                          </p:stCondLst>
-                                        </p:cTn>
-                                        <p:tgtEl>
-                                          <p:spTgt spid="4"/>
-                                        </p:tgtEl>
-                                        <p:attrNameLst>
-                                          <p:attrName>style.visibility</p:attrName>
-                                        </p:attrNameLst>
-                                      </p:cBhvr>
-                                      <p:to>
-                                        <p:strVal val="visible"/>
-                                      </p:to>
-                                    </p:set>
-                                    <p:animEffect transition="in" filter="barn(inVertical)">
-                                      <p:cBhvr>
-                                        <p:cTn id="18" dur="500"/>
-                                        <p:tgtEl>
-                                          <p:spTgt spid="4"/>
-                                        </p:tgtEl>
-                                      </p:cBhvr>
-                                    </p:animEffect>
-                                  </p:childTnLst>
-                                </p:cTn>
-                              </p:par>
-                            </p:childTnLst>
-                          </p:cTn>
-                        </p:par>
-                      </p:childTnLst>
-                    </p:cTn>
-                  </p:par>
-                </p:childTnLst>
-              </p:cTn>
-              <p:prevCondLst>
-                <p:cond evt="onPrev" delay="0">
-                  <p:tgtEl>
-                    <p:sldTgt/>
-                  </p:tgtEl>
-                </p:cond>
-              </p:prevCondLst>
-              <p:nextCondLst>
-                <p:cond evt="onNext" delay="0">
-                  <p:tgtEl>
-                    <p:sldTgt/>
-                  </p:tgtEl>
-                </p:cond>
-              </p:nextCondLst>
-            </p:seq>
-          </p:childTnLst>
-        </p:cTn>
-      </p:par>
-    </p:tnLst>
-    <p:bldLst>
-      <p:bldP spid="2" grpId="0"/>
-      <p:bldP spid="3" grpId="0" build="p"/>
-      <p:bldP spid="4" grpId="0"/>
-    </p:bldLst>
-  </p:timing>
-</p:sld>
-</file>
-
-<file path=ppt/slides/slide8.xml><?xml version="1.0" encoding="utf-8"?>
-<p:sld xmlns:a="http://schemas.openxmlformats.org/drawingml/2006/main" xmlns:r="http://schemas.openxmlformats.org/officeDocument/2006/relationships" xmlns:p="http://schemas.openxmlformats.org/presentationml/2006/main">
-  <p:cSld>
-    <p:spTree>
-      <p:nvGrpSpPr>
-        <p:cNvPr id="1" name=""/>
-        <p:cNvGrpSpPr/>
-        <p:nvPr/>
-      </p:nvGrpSpPr>
-      <p:grpSpPr>
-        <a:xfrm>
-          <a:off x="0" y="0"/>
-          <a:ext cx="0" cy="0"/>
-          <a:chOff x="0" y="0"/>
-          <a:chExt cx="0" cy="0"/>
-        </a:xfrm>
-      </p:grpSpPr>
-      <p:sp>
-        <p:nvSpPr>
-          <p:cNvPr id="2" name="标题 1"/>
-          <p:cNvSpPr>
-            <a:spLocks noGrp="1"/>
-          </p:cNvSpPr>
-          <p:nvPr>
-            <p:ph type="title"/>
-          </p:nvPr>
-        </p:nvSpPr>
-        <p:spPr/>
-        <p:txBody>
-          <a:bodyPr/>
-          <a:lstStyle/>
-          <a:p>
-            <a:r>
-              <a:rPr lang="zh-CN" altLang="en-US" dirty="0" smtClean="0"/>
-              <a:t>重绘</a:t>
-            </a:r>
-            <a:endParaRPr lang="zh-CN" altLang="en-US" dirty="0"/>
-          </a:p>
-        </p:txBody>
-      </p:sp>
-      <p:sp>
-        <p:nvSpPr>
-          <p:cNvPr id="3" name="内容占位符 2"/>
-          <p:cNvSpPr>
-            <a:spLocks noGrp="1"/>
-          </p:cNvSpPr>
-          <p:nvPr>
-            <p:ph idx="1"/>
-          </p:nvPr>
-        </p:nvSpPr>
-        <p:spPr/>
-        <p:txBody>
-          <a:bodyPr/>
-          <a:lstStyle/>
-          <a:p>
-            <a:pPr marL="0" indent="0">
-              <a:buNone/>
-            </a:pPr>
-            <a:endParaRPr lang="en-US" altLang="zh-CN" dirty="0" smtClean="0"/>
-          </a:p>
-          <a:p>
-            <a:pPr marL="0" indent="0">
-              <a:buNone/>
-            </a:pPr>
-            <a:r>
-              <a:rPr lang="zh-CN" altLang="en-US" dirty="0" smtClean="0"/>
-              <a:t>一</a:t>
-            </a:r>
-            <a:r>
-              <a:rPr lang="zh-CN" altLang="en-US" dirty="0"/>
-              <a:t>个元素外观的改变所触发的浏览器行</a:t>
-            </a:r>
-            <a:r>
-              <a:rPr lang="zh-CN" altLang="en-US" dirty="0" smtClean="0"/>
-              <a:t>为。</a:t>
-            </a:r>
-            <a:endParaRPr lang="en-US" altLang="zh-CN" dirty="0" smtClean="0"/>
-          </a:p>
-          <a:p>
-            <a:pPr marL="0" indent="0">
-              <a:buNone/>
-            </a:pPr>
-            <a:endParaRPr lang="en-US" altLang="zh-CN" dirty="0" smtClean="0"/>
-          </a:p>
-          <a:p>
-            <a:pPr marL="0" indent="0">
-              <a:buNone/>
-            </a:pPr>
-            <a:r>
-              <a:rPr lang="zh-CN" altLang="en-US" dirty="0" smtClean="0"/>
-              <a:t>例</a:t>
-            </a:r>
-            <a:r>
-              <a:rPr lang="zh-CN" altLang="en-US" dirty="0"/>
-              <a:t>如改变</a:t>
-            </a:r>
-            <a:r>
-              <a:rPr lang="en-US" altLang="zh-CN" dirty="0"/>
-              <a:t>visibility</a:t>
-            </a:r>
-            <a:r>
-              <a:rPr lang="zh-CN" altLang="en-US" dirty="0"/>
-              <a:t>、</a:t>
-            </a:r>
-            <a:r>
-              <a:rPr lang="en-US" altLang="zh-CN" dirty="0"/>
-              <a:t>outline</a:t>
-            </a:r>
-            <a:r>
-              <a:rPr lang="zh-CN" altLang="en-US" dirty="0" smtClean="0"/>
-              <a:t>、背</a:t>
-            </a:r>
-            <a:r>
-              <a:rPr lang="zh-CN" altLang="en-US" dirty="0"/>
-              <a:t>景色等属性。浏览器会根据元素的新属性重新绘制，使元素呈现新的外观</a:t>
-            </a:r>
-            <a:r>
-              <a:rPr lang="zh-CN" altLang="en-US" dirty="0" smtClean="0"/>
-              <a:t>。</a:t>
-            </a:r>
-            <a:endParaRPr lang="en-US" altLang="zh-CN" dirty="0" smtClean="0"/>
-          </a:p>
-          <a:p>
-            <a:pPr marL="0" indent="0">
-              <a:buNone/>
-            </a:pPr>
-            <a:r>
-              <a:rPr lang="zh-CN" altLang="en-US" dirty="0" smtClean="0"/>
-              <a:t>重</a:t>
-            </a:r>
-            <a:r>
-              <a:rPr lang="zh-CN" altLang="en-US" dirty="0"/>
-              <a:t>绘不</a:t>
-            </a:r>
-            <a:r>
-              <a:rPr lang="zh-CN" altLang="en-US" dirty="0" smtClean="0"/>
-              <a:t>会带</a:t>
-            </a:r>
-            <a:r>
-              <a:rPr lang="zh-CN" altLang="en-US" dirty="0"/>
-              <a:t>来重新布局，并不一定伴随重排。</a:t>
-            </a:r>
-          </a:p>
-        </p:txBody>
-      </p:sp>
-    </p:spTree>
-    <p:extLst>
-      <p:ext uri="{BB962C8B-B14F-4D97-AF65-F5344CB8AC3E}">
-        <p14:creationId xmlns:p14="http://schemas.microsoft.com/office/powerpoint/2010/main" val="1056143457"/>
-      </p:ext>
-    </p:extLst>
-  </p:cSld>
-  <p:clrMapOvr>
-    <a:masterClrMapping/>
-  </p:clrMapOvr>
-</p:sld>
-</file>
-
-<file path=ppt/slides/slide9.xml><?xml version="1.0" encoding="utf-8"?>
-<p:sld xmlns:a="http://schemas.openxmlformats.org/drawingml/2006/main" xmlns:r="http://schemas.openxmlformats.org/officeDocument/2006/relationships" xmlns:p="http://schemas.openxmlformats.org/presentationml/2006/main">
-  <p:cSld>
-    <p:spTree>
-      <p:nvGrpSpPr>
-        <p:cNvPr id="1" name=""/>
-        <p:cNvGrpSpPr/>
-        <p:nvPr/>
-      </p:nvGrpSpPr>
-      <p:grpSpPr>
-        <a:xfrm>
-          <a:off x="0" y="0"/>
-          <a:ext cx="0" cy="0"/>
-          <a:chOff x="0" y="0"/>
-          <a:chExt cx="0" cy="0"/>
-        </a:xfrm>
-      </p:grpSpPr>
-      <p:sp>
-        <p:nvSpPr>
-          <p:cNvPr id="2" name="标题 1"/>
-          <p:cNvSpPr>
-            <a:spLocks noGrp="1"/>
-          </p:cNvSpPr>
-          <p:nvPr>
-            <p:ph type="title"/>
-          </p:nvPr>
-        </p:nvSpPr>
-        <p:spPr/>
-        <p:txBody>
-          <a:bodyPr/>
-          <a:lstStyle/>
-          <a:p>
-            <a:r>
-              <a:rPr lang="zh-CN" altLang="en-US" dirty="0" smtClean="0"/>
-              <a:t>重排</a:t>
-            </a:r>
-            <a:endParaRPr lang="zh-CN" altLang="en-US" dirty="0"/>
-          </a:p>
-        </p:txBody>
-      </p:sp>
-      <p:sp>
-        <p:nvSpPr>
-          <p:cNvPr id="3" name="内容占位符 2"/>
-          <p:cNvSpPr>
-            <a:spLocks noGrp="1"/>
-          </p:cNvSpPr>
-          <p:nvPr>
-            <p:ph idx="1"/>
-          </p:nvPr>
-        </p:nvSpPr>
-        <p:spPr>
-          <a:xfrm>
-            <a:off x="457200" y="1600200"/>
-            <a:ext cx="8229600" cy="1468760"/>
-          </a:xfrm>
-        </p:spPr>
-        <p:txBody>
-          <a:bodyPr/>
-          <a:lstStyle/>
-          <a:p>
-            <a:pPr marL="0" indent="0">
-              <a:buNone/>
-            </a:pPr>
-            <a:r>
-              <a:rPr lang="zh-CN" altLang="en-US" dirty="0"/>
-              <a:t>重排是更明显的一种改变，可以理解为渲染树需要重新计</a:t>
-            </a:r>
-            <a:r>
-              <a:rPr lang="zh-CN" altLang="en-US" dirty="0" smtClean="0"/>
-              <a:t>算。</a:t>
-            </a:r>
-            <a:endParaRPr lang="zh-CN" altLang="en-US" dirty="0"/>
-          </a:p>
-        </p:txBody>
-      </p:sp>
-      <p:sp>
-        <p:nvSpPr>
-          <p:cNvPr id="4" name="TextBox 3"/>
-          <p:cNvSpPr txBox="1"/>
-          <p:nvPr/>
-        </p:nvSpPr>
-        <p:spPr>
-          <a:xfrm>
-            <a:off x="395536" y="3501008"/>
-            <a:ext cx="8424936" cy="1815882"/>
-          </a:xfrm>
-          <a:prstGeom prst="rect">
-            <a:avLst/>
-          </a:prstGeom>
-          <a:noFill/>
-        </p:spPr>
-        <p:txBody>
-          <a:bodyPr wrap="square" rtlCol="0">
-            <a:spAutoFit/>
-          </a:bodyPr>
-          <a:lstStyle/>
-          <a:p>
-            <a:pPr marL="285750" indent="-285750">
-              <a:buFont typeface="Wingdings" pitchFamily="2" charset="2"/>
-              <a:buChar char="ü"/>
-            </a:pPr>
-            <a:r>
-              <a:rPr lang="en-US" altLang="zh-CN" sz="2800" dirty="0"/>
-              <a:t>1. DOM</a:t>
-            </a:r>
-            <a:r>
-              <a:rPr lang="zh-CN" altLang="en-US" sz="2800" dirty="0"/>
-              <a:t>元素的几何属性变</a:t>
-            </a:r>
-            <a:r>
-              <a:rPr lang="zh-CN" altLang="en-US" sz="2800" dirty="0" smtClean="0"/>
-              <a:t>化</a:t>
-            </a:r>
-            <a:endParaRPr lang="en-US" altLang="zh-CN" sz="2800" dirty="0" smtClean="0"/>
-          </a:p>
-          <a:p>
-            <a:pPr marL="285750" indent="-285750">
-              <a:buFont typeface="Wingdings" pitchFamily="2" charset="2"/>
-              <a:buChar char="ü"/>
-            </a:pPr>
-            <a:r>
-              <a:rPr lang="en-US" altLang="zh-CN" sz="2800" dirty="0"/>
-              <a:t>2. DOM</a:t>
-            </a:r>
-            <a:r>
-              <a:rPr lang="zh-CN" altLang="en-US" sz="2800" dirty="0"/>
-              <a:t>树的结构变</a:t>
-            </a:r>
-            <a:r>
-              <a:rPr lang="zh-CN" altLang="en-US" sz="2800" dirty="0" smtClean="0"/>
-              <a:t>化</a:t>
-            </a:r>
-            <a:endParaRPr lang="en-US" altLang="zh-CN" sz="2800" dirty="0" smtClean="0"/>
-          </a:p>
-          <a:p>
-            <a:pPr marL="285750" indent="-285750">
-              <a:buFont typeface="Wingdings" pitchFamily="2" charset="2"/>
-              <a:buChar char="ü"/>
-            </a:pPr>
-            <a:r>
-              <a:rPr lang="en-US" altLang="zh-CN" sz="2800" dirty="0"/>
-              <a:t>3. </a:t>
-            </a:r>
-            <a:r>
-              <a:rPr lang="zh-CN" altLang="en-US" sz="2800" dirty="0"/>
-              <a:t>获取某些属</a:t>
-            </a:r>
-            <a:r>
-              <a:rPr lang="zh-CN" altLang="en-US" sz="2800" dirty="0" smtClean="0"/>
-              <a:t>性（</a:t>
-            </a:r>
-            <a:r>
-              <a:rPr lang="en-US" altLang="zh-CN" sz="2800" dirty="0" err="1" smtClean="0"/>
-              <a:t>offsetWidth</a:t>
-            </a:r>
-            <a:r>
-              <a:rPr lang="zh-CN" altLang="en-US" sz="2800" dirty="0" smtClean="0"/>
-              <a:t>，</a:t>
-            </a:r>
-            <a:r>
-              <a:rPr lang="en-US" altLang="zh-CN" sz="2800" dirty="0" err="1" smtClean="0"/>
-              <a:t>offsetHeight</a:t>
-            </a:r>
-            <a:r>
-              <a:rPr lang="zh-CN" altLang="en-US" sz="2800" dirty="0" smtClean="0"/>
-              <a:t>等）</a:t>
-            </a:r>
-            <a:endParaRPr lang="en-US" altLang="zh-CN" sz="2800" dirty="0" smtClean="0"/>
-          </a:p>
-          <a:p>
-            <a:pPr marL="285750" indent="-285750">
-              <a:buFont typeface="Wingdings" pitchFamily="2" charset="2"/>
-              <a:buChar char="ü"/>
-            </a:pPr>
-            <a:r>
-              <a:rPr lang="en-US" altLang="zh-CN" sz="2800" dirty="0" smtClean="0"/>
-              <a:t>4.</a:t>
-            </a:r>
-            <a:r>
-              <a:rPr lang="zh-CN" altLang="en-US" sz="2800" dirty="0"/>
-              <a:t>其</a:t>
-            </a:r>
-            <a:r>
-              <a:rPr lang="zh-CN" altLang="en-US" sz="2800" dirty="0" smtClean="0"/>
-              <a:t>他</a:t>
-            </a:r>
-            <a:endParaRPr lang="en-US" altLang="zh-CN" sz="2800" dirty="0"/>
-          </a:p>
-        </p:txBody>
-      </p:sp>
-    </p:spTree>
-    <p:extLst>
-      <p:ext uri="{BB962C8B-B14F-4D97-AF65-F5344CB8AC3E}">
-        <p14:creationId xmlns:p14="http://schemas.microsoft.com/office/powerpoint/2010/main" val="3024319007"/>
-      </p:ext>
-    </p:extLst>
-  </p:cSld>
-  <p:clrMapOvr>
-    <a:masterClrMapping/>
-  </p:clrMapOvr>
-</p:sld>
-</file>
-
 <file path=ppt/theme/theme1.xml><?xml version="1.0" encoding="utf-8"?>
 <a:theme xmlns:a="http://schemas.openxmlformats.org/drawingml/2006/main" name="暗香扑面">
   <a:themeElements>
